--- a/doc/cahier_des_charges_maisonphilo_version Nina (2).pptx
+++ b/doc/cahier_des_charges_maisonphilo_version Nina (2).pptx
@@ -6,10 +6,10 @@
     <p:sldMasterId id="2147483749" r:id="rId2"/>
   </p:sldMasterIdLst>
   <p:notesMasterIdLst>
-    <p:notesMasterId r:id="rId25"/>
+    <p:notesMasterId r:id="rId30"/>
   </p:notesMasterIdLst>
   <p:handoutMasterIdLst>
-    <p:handoutMasterId r:id="rId26"/>
+    <p:handoutMasterId r:id="rId31"/>
   </p:handoutMasterIdLst>
   <p:sldIdLst>
     <p:sldId id="256" r:id="rId3"/>
@@ -17,23 +17,28 @@
     <p:sldId id="258" r:id="rId5"/>
     <p:sldId id="259" r:id="rId6"/>
     <p:sldId id="260" r:id="rId7"/>
-    <p:sldId id="261" r:id="rId8"/>
-    <p:sldId id="262" r:id="rId9"/>
-    <p:sldId id="263" r:id="rId10"/>
-    <p:sldId id="264" r:id="rId11"/>
-    <p:sldId id="265" r:id="rId12"/>
-    <p:sldId id="266" r:id="rId13"/>
-    <p:sldId id="273" r:id="rId14"/>
-    <p:sldId id="274" r:id="rId15"/>
-    <p:sldId id="267" r:id="rId16"/>
-    <p:sldId id="268" r:id="rId17"/>
-    <p:sldId id="275" r:id="rId18"/>
-    <p:sldId id="276" r:id="rId19"/>
-    <p:sldId id="277" r:id="rId20"/>
-    <p:sldId id="278" r:id="rId21"/>
-    <p:sldId id="280" r:id="rId22"/>
-    <p:sldId id="279" r:id="rId23"/>
+    <p:sldId id="282" r:id="rId8"/>
+    <p:sldId id="261" r:id="rId9"/>
+    <p:sldId id="262" r:id="rId10"/>
+    <p:sldId id="263" r:id="rId11"/>
+    <p:sldId id="264" r:id="rId12"/>
+    <p:sldId id="265" r:id="rId13"/>
+    <p:sldId id="266" r:id="rId14"/>
+    <p:sldId id="273" r:id="rId15"/>
+    <p:sldId id="274" r:id="rId16"/>
+    <p:sldId id="267" r:id="rId17"/>
+    <p:sldId id="268" r:id="rId18"/>
+    <p:sldId id="275" r:id="rId19"/>
+    <p:sldId id="276" r:id="rId20"/>
+    <p:sldId id="277" r:id="rId21"/>
+    <p:sldId id="278" r:id="rId22"/>
+    <p:sldId id="280" r:id="rId23"/>
     <p:sldId id="281" r:id="rId24"/>
+    <p:sldId id="283" r:id="rId25"/>
+    <p:sldId id="285" r:id="rId26"/>
+    <p:sldId id="284" r:id="rId27"/>
+    <p:sldId id="286" r:id="rId28"/>
+    <p:sldId id="287" r:id="rId29"/>
   </p:sldIdLst>
   <p:sldSz cx="12192000" cy="6858000"/>
   <p:notesSz cx="6858000" cy="9144000"/>
@@ -144,6 +149,753 @@
 </file>
 
 <file path=ppt/diagrams/colors1.xml><?xml version="1.0" encoding="utf-8"?>
+<dgm:colorsDef xmlns:dgm="http://schemas.openxmlformats.org/drawingml/2006/diagram" xmlns:a="http://schemas.openxmlformats.org/drawingml/2006/main" uniqueId="urn:microsoft.com/office/officeart/2005/8/colors/accent1_2">
+  <dgm:title val=""/>
+  <dgm:desc val=""/>
+  <dgm:catLst>
+    <dgm:cat type="accent1" pri="11200"/>
+  </dgm:catLst>
+  <dgm:styleLbl name="node0">
+    <dgm:fillClrLst meth="repeat">
+      <a:schemeClr val="accent1"/>
+    </dgm:fillClrLst>
+    <dgm:linClrLst meth="repeat">
+      <a:schemeClr val="lt1"/>
+    </dgm:linClrLst>
+    <dgm:effectClrLst/>
+    <dgm:txLinClrLst/>
+    <dgm:txFillClrLst/>
+    <dgm:txEffectClrLst/>
+  </dgm:styleLbl>
+  <dgm:styleLbl name="alignNode1">
+    <dgm:fillClrLst meth="repeat">
+      <a:schemeClr val="accent1"/>
+    </dgm:fillClrLst>
+    <dgm:linClrLst meth="repeat">
+      <a:schemeClr val="accent1"/>
+    </dgm:linClrLst>
+    <dgm:effectClrLst/>
+    <dgm:txLinClrLst/>
+    <dgm:txFillClrLst/>
+    <dgm:txEffectClrLst/>
+  </dgm:styleLbl>
+  <dgm:styleLbl name="node1">
+    <dgm:fillClrLst meth="repeat">
+      <a:schemeClr val="accent1"/>
+    </dgm:fillClrLst>
+    <dgm:linClrLst meth="repeat">
+      <a:schemeClr val="lt1"/>
+    </dgm:linClrLst>
+    <dgm:effectClrLst/>
+    <dgm:txLinClrLst/>
+    <dgm:txFillClrLst/>
+    <dgm:txEffectClrLst/>
+  </dgm:styleLbl>
+  <dgm:styleLbl name="lnNode1">
+    <dgm:fillClrLst meth="repeat">
+      <a:schemeClr val="accent1"/>
+    </dgm:fillClrLst>
+    <dgm:linClrLst meth="repeat">
+      <a:schemeClr val="lt1"/>
+    </dgm:linClrLst>
+    <dgm:effectClrLst/>
+    <dgm:txLinClrLst/>
+    <dgm:txFillClrLst/>
+    <dgm:txEffectClrLst/>
+  </dgm:styleLbl>
+  <dgm:styleLbl name="vennNode1">
+    <dgm:fillClrLst meth="repeat">
+      <a:schemeClr val="accent1">
+        <a:alpha val="50000"/>
+      </a:schemeClr>
+    </dgm:fillClrLst>
+    <dgm:linClrLst meth="repeat">
+      <a:schemeClr val="lt1"/>
+    </dgm:linClrLst>
+    <dgm:effectClrLst/>
+    <dgm:txLinClrLst/>
+    <dgm:txFillClrLst/>
+    <dgm:txEffectClrLst/>
+  </dgm:styleLbl>
+  <dgm:styleLbl name="node2">
+    <dgm:fillClrLst meth="repeat">
+      <a:schemeClr val="accent1"/>
+    </dgm:fillClrLst>
+    <dgm:linClrLst meth="repeat">
+      <a:schemeClr val="lt1"/>
+    </dgm:linClrLst>
+    <dgm:effectClrLst/>
+    <dgm:txLinClrLst/>
+    <dgm:txFillClrLst/>
+    <dgm:txEffectClrLst/>
+  </dgm:styleLbl>
+  <dgm:styleLbl name="node3">
+    <dgm:fillClrLst meth="repeat">
+      <a:schemeClr val="accent1"/>
+    </dgm:fillClrLst>
+    <dgm:linClrLst meth="repeat">
+      <a:schemeClr val="lt1"/>
+    </dgm:linClrLst>
+    <dgm:effectClrLst/>
+    <dgm:txLinClrLst/>
+    <dgm:txFillClrLst/>
+    <dgm:txEffectClrLst/>
+  </dgm:styleLbl>
+  <dgm:styleLbl name="node4">
+    <dgm:fillClrLst meth="repeat">
+      <a:schemeClr val="accent1"/>
+    </dgm:fillClrLst>
+    <dgm:linClrLst meth="repeat">
+      <a:schemeClr val="lt1"/>
+    </dgm:linClrLst>
+    <dgm:effectClrLst/>
+    <dgm:txLinClrLst/>
+    <dgm:txFillClrLst/>
+    <dgm:txEffectClrLst/>
+  </dgm:styleLbl>
+  <dgm:styleLbl name="fgImgPlace1">
+    <dgm:fillClrLst meth="repeat">
+      <a:schemeClr val="accent1">
+        <a:tint val="50000"/>
+      </a:schemeClr>
+    </dgm:fillClrLst>
+    <dgm:linClrLst meth="repeat">
+      <a:schemeClr val="lt1"/>
+    </dgm:linClrLst>
+    <dgm:effectClrLst/>
+    <dgm:txLinClrLst/>
+    <dgm:txFillClrLst meth="repeat">
+      <a:schemeClr val="lt1"/>
+    </dgm:txFillClrLst>
+    <dgm:txEffectClrLst/>
+  </dgm:styleLbl>
+  <dgm:styleLbl name="alignImgPlace1">
+    <dgm:fillClrLst meth="repeat">
+      <a:schemeClr val="accent1">
+        <a:tint val="50000"/>
+      </a:schemeClr>
+    </dgm:fillClrLst>
+    <dgm:linClrLst meth="repeat">
+      <a:schemeClr val="lt1"/>
+    </dgm:linClrLst>
+    <dgm:effectClrLst/>
+    <dgm:txLinClrLst/>
+    <dgm:txFillClrLst meth="repeat">
+      <a:schemeClr val="lt1"/>
+    </dgm:txFillClrLst>
+    <dgm:txEffectClrLst/>
+  </dgm:styleLbl>
+  <dgm:styleLbl name="bgImgPlace1">
+    <dgm:fillClrLst meth="repeat">
+      <a:schemeClr val="accent1">
+        <a:tint val="50000"/>
+      </a:schemeClr>
+    </dgm:fillClrLst>
+    <dgm:linClrLst meth="repeat">
+      <a:schemeClr val="lt1"/>
+    </dgm:linClrLst>
+    <dgm:effectClrLst/>
+    <dgm:txLinClrLst/>
+    <dgm:txFillClrLst meth="repeat">
+      <a:schemeClr val="lt1"/>
+    </dgm:txFillClrLst>
+    <dgm:txEffectClrLst/>
+  </dgm:styleLbl>
+  <dgm:styleLbl name="sibTrans2D1">
+    <dgm:fillClrLst meth="repeat">
+      <a:schemeClr val="accent1">
+        <a:tint val="60000"/>
+      </a:schemeClr>
+    </dgm:fillClrLst>
+    <dgm:linClrLst meth="repeat">
+      <a:schemeClr val="accent1">
+        <a:tint val="60000"/>
+      </a:schemeClr>
+    </dgm:linClrLst>
+    <dgm:effectClrLst/>
+    <dgm:txLinClrLst/>
+    <dgm:txFillClrLst/>
+    <dgm:txEffectClrLst/>
+  </dgm:styleLbl>
+  <dgm:styleLbl name="fgSibTrans2D1">
+    <dgm:fillClrLst meth="repeat">
+      <a:schemeClr val="accent1">
+        <a:tint val="60000"/>
+      </a:schemeClr>
+    </dgm:fillClrLst>
+    <dgm:linClrLst meth="repeat">
+      <a:schemeClr val="accent1">
+        <a:tint val="60000"/>
+      </a:schemeClr>
+    </dgm:linClrLst>
+    <dgm:effectClrLst/>
+    <dgm:txLinClrLst/>
+    <dgm:txFillClrLst/>
+    <dgm:txEffectClrLst/>
+  </dgm:styleLbl>
+  <dgm:styleLbl name="bgSibTrans2D1">
+    <dgm:fillClrLst meth="repeat">
+      <a:schemeClr val="accent1">
+        <a:tint val="60000"/>
+      </a:schemeClr>
+    </dgm:fillClrLst>
+    <dgm:linClrLst meth="repeat">
+      <a:schemeClr val="accent1">
+        <a:tint val="60000"/>
+      </a:schemeClr>
+    </dgm:linClrLst>
+    <dgm:effectClrLst/>
+    <dgm:txLinClrLst/>
+    <dgm:txFillClrLst/>
+    <dgm:txEffectClrLst/>
+  </dgm:styleLbl>
+  <dgm:styleLbl name="sibTrans1D1">
+    <dgm:fillClrLst meth="repeat">
+      <a:schemeClr val="accent1"/>
+    </dgm:fillClrLst>
+    <dgm:linClrLst meth="repeat">
+      <a:schemeClr val="accent1"/>
+    </dgm:linClrLst>
+    <dgm:effectClrLst/>
+    <dgm:txLinClrLst/>
+    <dgm:txFillClrLst meth="repeat">
+      <a:schemeClr val="tx1"/>
+    </dgm:txFillClrLst>
+    <dgm:txEffectClrLst/>
+  </dgm:styleLbl>
+  <dgm:styleLbl name="callout">
+    <dgm:fillClrLst meth="repeat">
+      <a:schemeClr val="accent1"/>
+    </dgm:fillClrLst>
+    <dgm:linClrLst meth="repeat">
+      <a:schemeClr val="accent1">
+        <a:tint val="50000"/>
+      </a:schemeClr>
+    </dgm:linClrLst>
+    <dgm:effectClrLst/>
+    <dgm:txLinClrLst/>
+    <dgm:txFillClrLst meth="repeat">
+      <a:schemeClr val="tx1"/>
+    </dgm:txFillClrLst>
+    <dgm:txEffectClrLst/>
+  </dgm:styleLbl>
+  <dgm:styleLbl name="asst0">
+    <dgm:fillClrLst meth="repeat">
+      <a:schemeClr val="accent1"/>
+    </dgm:fillClrLst>
+    <dgm:linClrLst meth="repeat">
+      <a:schemeClr val="lt1"/>
+    </dgm:linClrLst>
+    <dgm:effectClrLst/>
+    <dgm:txLinClrLst/>
+    <dgm:txFillClrLst/>
+    <dgm:txEffectClrLst/>
+  </dgm:styleLbl>
+  <dgm:styleLbl name="asst1">
+    <dgm:fillClrLst meth="repeat">
+      <a:schemeClr val="accent1"/>
+    </dgm:fillClrLst>
+    <dgm:linClrLst meth="repeat">
+      <a:schemeClr val="lt1"/>
+    </dgm:linClrLst>
+    <dgm:effectClrLst/>
+    <dgm:txLinClrLst/>
+    <dgm:txFillClrLst/>
+    <dgm:txEffectClrLst/>
+  </dgm:styleLbl>
+  <dgm:styleLbl name="asst2">
+    <dgm:fillClrLst meth="repeat">
+      <a:schemeClr val="accent1"/>
+    </dgm:fillClrLst>
+    <dgm:linClrLst meth="repeat">
+      <a:schemeClr val="lt1"/>
+    </dgm:linClrLst>
+    <dgm:effectClrLst/>
+    <dgm:txLinClrLst/>
+    <dgm:txFillClrLst/>
+    <dgm:txEffectClrLst/>
+  </dgm:styleLbl>
+  <dgm:styleLbl name="asst3">
+    <dgm:fillClrLst meth="repeat">
+      <a:schemeClr val="accent1"/>
+    </dgm:fillClrLst>
+    <dgm:linClrLst meth="repeat">
+      <a:schemeClr val="lt1"/>
+    </dgm:linClrLst>
+    <dgm:effectClrLst/>
+    <dgm:txLinClrLst/>
+    <dgm:txFillClrLst/>
+    <dgm:txEffectClrLst/>
+  </dgm:styleLbl>
+  <dgm:styleLbl name="asst4">
+    <dgm:fillClrLst meth="repeat">
+      <a:schemeClr val="accent1"/>
+    </dgm:fillClrLst>
+    <dgm:linClrLst meth="repeat">
+      <a:schemeClr val="lt1"/>
+    </dgm:linClrLst>
+    <dgm:effectClrLst/>
+    <dgm:txLinClrLst/>
+    <dgm:txFillClrLst/>
+    <dgm:txEffectClrLst/>
+  </dgm:styleLbl>
+  <dgm:styleLbl name="parChTrans2D1">
+    <dgm:fillClrLst meth="repeat">
+      <a:schemeClr val="accent1">
+        <a:tint val="60000"/>
+      </a:schemeClr>
+    </dgm:fillClrLst>
+    <dgm:linClrLst meth="repeat">
+      <a:schemeClr val="accent1">
+        <a:tint val="60000"/>
+      </a:schemeClr>
+    </dgm:linClrLst>
+    <dgm:effectClrLst/>
+    <dgm:txLinClrLst/>
+    <dgm:txFillClrLst meth="repeat">
+      <a:schemeClr val="lt1"/>
+    </dgm:txFillClrLst>
+    <dgm:txEffectClrLst/>
+  </dgm:styleLbl>
+  <dgm:styleLbl name="parChTrans2D2">
+    <dgm:fillClrLst meth="repeat">
+      <a:schemeClr val="accent1"/>
+    </dgm:fillClrLst>
+    <dgm:linClrLst meth="repeat">
+      <a:schemeClr val="accent1"/>
+    </dgm:linClrLst>
+    <dgm:effectClrLst/>
+    <dgm:txLinClrLst/>
+    <dgm:txFillClrLst meth="repeat">
+      <a:schemeClr val="lt1"/>
+    </dgm:txFillClrLst>
+    <dgm:txEffectClrLst/>
+  </dgm:styleLbl>
+  <dgm:styleLbl name="parChTrans2D3">
+    <dgm:fillClrLst meth="repeat">
+      <a:schemeClr val="accent1"/>
+    </dgm:fillClrLst>
+    <dgm:linClrLst meth="repeat">
+      <a:schemeClr val="accent1"/>
+    </dgm:linClrLst>
+    <dgm:effectClrLst/>
+    <dgm:txLinClrLst/>
+    <dgm:txFillClrLst meth="repeat">
+      <a:schemeClr val="lt1"/>
+    </dgm:txFillClrLst>
+    <dgm:txEffectClrLst/>
+  </dgm:styleLbl>
+  <dgm:styleLbl name="parChTrans2D4">
+    <dgm:fillClrLst meth="repeat">
+      <a:schemeClr val="accent1"/>
+    </dgm:fillClrLst>
+    <dgm:linClrLst meth="repeat">
+      <a:schemeClr val="accent1"/>
+    </dgm:linClrLst>
+    <dgm:effectClrLst/>
+    <dgm:txLinClrLst/>
+    <dgm:txFillClrLst meth="repeat">
+      <a:schemeClr val="lt1"/>
+    </dgm:txFillClrLst>
+    <dgm:txEffectClrLst/>
+  </dgm:styleLbl>
+  <dgm:styleLbl name="parChTrans1D1">
+    <dgm:fillClrLst meth="repeat">
+      <a:schemeClr val="accent1"/>
+    </dgm:fillClrLst>
+    <dgm:linClrLst meth="repeat">
+      <a:schemeClr val="accent1">
+        <a:shade val="60000"/>
+      </a:schemeClr>
+    </dgm:linClrLst>
+    <dgm:effectClrLst/>
+    <dgm:txLinClrLst/>
+    <dgm:txFillClrLst meth="repeat">
+      <a:schemeClr val="tx1"/>
+    </dgm:txFillClrLst>
+    <dgm:txEffectClrLst/>
+  </dgm:styleLbl>
+  <dgm:styleLbl name="parChTrans1D2">
+    <dgm:fillClrLst meth="repeat">
+      <a:schemeClr val="accent1"/>
+    </dgm:fillClrLst>
+    <dgm:linClrLst meth="repeat">
+      <a:schemeClr val="accent1">
+        <a:shade val="60000"/>
+      </a:schemeClr>
+    </dgm:linClrLst>
+    <dgm:effectClrLst/>
+    <dgm:txLinClrLst/>
+    <dgm:txFillClrLst meth="repeat">
+      <a:schemeClr val="tx1"/>
+    </dgm:txFillClrLst>
+    <dgm:txEffectClrLst/>
+  </dgm:styleLbl>
+  <dgm:styleLbl name="parChTrans1D3">
+    <dgm:fillClrLst meth="repeat">
+      <a:schemeClr val="accent1"/>
+    </dgm:fillClrLst>
+    <dgm:linClrLst meth="repeat">
+      <a:schemeClr val="accent1">
+        <a:shade val="80000"/>
+      </a:schemeClr>
+    </dgm:linClrLst>
+    <dgm:effectClrLst/>
+    <dgm:txLinClrLst/>
+    <dgm:txFillClrLst meth="repeat">
+      <a:schemeClr val="tx1"/>
+    </dgm:txFillClrLst>
+    <dgm:txEffectClrLst/>
+  </dgm:styleLbl>
+  <dgm:styleLbl name="parChTrans1D4">
+    <dgm:fillClrLst meth="repeat">
+      <a:schemeClr val="accent1"/>
+    </dgm:fillClrLst>
+    <dgm:linClrLst meth="repeat">
+      <a:schemeClr val="accent1">
+        <a:shade val="80000"/>
+      </a:schemeClr>
+    </dgm:linClrLst>
+    <dgm:effectClrLst/>
+    <dgm:txLinClrLst/>
+    <dgm:txFillClrLst meth="repeat">
+      <a:schemeClr val="tx1"/>
+    </dgm:txFillClrLst>
+    <dgm:txEffectClrLst/>
+  </dgm:styleLbl>
+  <dgm:styleLbl name="fgAcc1">
+    <dgm:fillClrLst meth="repeat">
+      <a:schemeClr val="lt1">
+        <a:alpha val="90000"/>
+      </a:schemeClr>
+    </dgm:fillClrLst>
+    <dgm:linClrLst meth="repeat">
+      <a:schemeClr val="accent1"/>
+    </dgm:linClrLst>
+    <dgm:effectClrLst/>
+    <dgm:txLinClrLst/>
+    <dgm:txFillClrLst meth="repeat">
+      <a:schemeClr val="dk1"/>
+    </dgm:txFillClrLst>
+    <dgm:txEffectClrLst/>
+  </dgm:styleLbl>
+  <dgm:styleLbl name="conFgAcc1">
+    <dgm:fillClrLst meth="repeat">
+      <a:schemeClr val="lt1">
+        <a:alpha val="90000"/>
+      </a:schemeClr>
+    </dgm:fillClrLst>
+    <dgm:linClrLst meth="repeat">
+      <a:schemeClr val="accent1"/>
+    </dgm:linClrLst>
+    <dgm:effectClrLst/>
+    <dgm:txLinClrLst/>
+    <dgm:txFillClrLst meth="repeat">
+      <a:schemeClr val="dk1"/>
+    </dgm:txFillClrLst>
+    <dgm:txEffectClrLst/>
+  </dgm:styleLbl>
+  <dgm:styleLbl name="alignAcc1">
+    <dgm:fillClrLst meth="repeat">
+      <a:schemeClr val="lt1">
+        <a:alpha val="90000"/>
+      </a:schemeClr>
+    </dgm:fillClrLst>
+    <dgm:linClrLst meth="repeat">
+      <a:schemeClr val="accent1"/>
+    </dgm:linClrLst>
+    <dgm:effectClrLst/>
+    <dgm:txLinClrLst/>
+    <dgm:txFillClrLst meth="repeat">
+      <a:schemeClr val="dk1"/>
+    </dgm:txFillClrLst>
+    <dgm:txEffectClrLst/>
+  </dgm:styleLbl>
+  <dgm:styleLbl name="trAlignAcc1">
+    <dgm:fillClrLst meth="repeat">
+      <a:schemeClr val="lt1">
+        <a:alpha val="40000"/>
+      </a:schemeClr>
+    </dgm:fillClrLst>
+    <dgm:linClrLst meth="repeat">
+      <a:schemeClr val="accent1"/>
+    </dgm:linClrLst>
+    <dgm:effectClrLst/>
+    <dgm:txLinClrLst/>
+    <dgm:txFillClrLst meth="repeat">
+      <a:schemeClr val="dk1"/>
+    </dgm:txFillClrLst>
+    <dgm:txEffectClrLst/>
+  </dgm:styleLbl>
+  <dgm:styleLbl name="bgAcc1">
+    <dgm:fillClrLst meth="repeat">
+      <a:schemeClr val="lt1">
+        <a:alpha val="90000"/>
+      </a:schemeClr>
+    </dgm:fillClrLst>
+    <dgm:linClrLst meth="repeat">
+      <a:schemeClr val="accent1"/>
+    </dgm:linClrLst>
+    <dgm:effectClrLst/>
+    <dgm:txLinClrLst/>
+    <dgm:txFillClrLst meth="repeat">
+      <a:schemeClr val="dk1"/>
+    </dgm:txFillClrLst>
+    <dgm:txEffectClrLst/>
+  </dgm:styleLbl>
+  <dgm:styleLbl name="solidFgAcc1">
+    <dgm:fillClrLst meth="repeat">
+      <a:schemeClr val="lt1"/>
+    </dgm:fillClrLst>
+    <dgm:linClrLst meth="repeat">
+      <a:schemeClr val="accent1"/>
+    </dgm:linClrLst>
+    <dgm:effectClrLst/>
+    <dgm:txLinClrLst/>
+    <dgm:txFillClrLst meth="repeat">
+      <a:schemeClr val="dk1"/>
+    </dgm:txFillClrLst>
+    <dgm:txEffectClrLst/>
+  </dgm:styleLbl>
+  <dgm:styleLbl name="solidAlignAcc1">
+    <dgm:fillClrLst meth="repeat">
+      <a:schemeClr val="lt1"/>
+    </dgm:fillClrLst>
+    <dgm:linClrLst meth="repeat">
+      <a:schemeClr val="accent1"/>
+    </dgm:linClrLst>
+    <dgm:effectClrLst/>
+    <dgm:txLinClrLst/>
+    <dgm:txFillClrLst meth="repeat">
+      <a:schemeClr val="dk1"/>
+    </dgm:txFillClrLst>
+    <dgm:txEffectClrLst/>
+  </dgm:styleLbl>
+  <dgm:styleLbl name="solidBgAcc1">
+    <dgm:fillClrLst meth="repeat">
+      <a:schemeClr val="lt1"/>
+    </dgm:fillClrLst>
+    <dgm:linClrLst meth="repeat">
+      <a:schemeClr val="accent1"/>
+    </dgm:linClrLst>
+    <dgm:effectClrLst/>
+    <dgm:txLinClrLst/>
+    <dgm:txFillClrLst meth="repeat">
+      <a:schemeClr val="dk1"/>
+    </dgm:txFillClrLst>
+    <dgm:txEffectClrLst/>
+  </dgm:styleLbl>
+  <dgm:styleLbl name="fgAccFollowNode1">
+    <dgm:fillClrLst meth="repeat">
+      <a:schemeClr val="accent1">
+        <a:alpha val="90000"/>
+        <a:tint val="40000"/>
+      </a:schemeClr>
+    </dgm:fillClrLst>
+    <dgm:linClrLst meth="repeat">
+      <a:schemeClr val="accent1">
+        <a:alpha val="90000"/>
+        <a:tint val="40000"/>
+      </a:schemeClr>
+    </dgm:linClrLst>
+    <dgm:effectClrLst/>
+    <dgm:txLinClrLst/>
+    <dgm:txFillClrLst meth="repeat">
+      <a:schemeClr val="dk1"/>
+    </dgm:txFillClrLst>
+    <dgm:txEffectClrLst/>
+  </dgm:styleLbl>
+  <dgm:styleLbl name="alignAccFollowNode1">
+    <dgm:fillClrLst meth="repeat">
+      <a:schemeClr val="accent1">
+        <a:alpha val="90000"/>
+        <a:tint val="40000"/>
+      </a:schemeClr>
+    </dgm:fillClrLst>
+    <dgm:linClrLst meth="repeat">
+      <a:schemeClr val="accent1">
+        <a:alpha val="90000"/>
+        <a:tint val="40000"/>
+      </a:schemeClr>
+    </dgm:linClrLst>
+    <dgm:effectClrLst/>
+    <dgm:txLinClrLst/>
+    <dgm:txFillClrLst meth="repeat">
+      <a:schemeClr val="dk1"/>
+    </dgm:txFillClrLst>
+    <dgm:txEffectClrLst/>
+  </dgm:styleLbl>
+  <dgm:styleLbl name="bgAccFollowNode1">
+    <dgm:fillClrLst meth="repeat">
+      <a:schemeClr val="accent1">
+        <a:alpha val="90000"/>
+        <a:tint val="40000"/>
+      </a:schemeClr>
+    </dgm:fillClrLst>
+    <dgm:linClrLst meth="repeat">
+      <a:schemeClr val="accent1">
+        <a:alpha val="90000"/>
+        <a:tint val="40000"/>
+      </a:schemeClr>
+    </dgm:linClrLst>
+    <dgm:effectClrLst/>
+    <dgm:txLinClrLst/>
+    <dgm:txFillClrLst meth="repeat">
+      <a:schemeClr val="dk1"/>
+    </dgm:txFillClrLst>
+    <dgm:txEffectClrLst/>
+  </dgm:styleLbl>
+  <dgm:styleLbl name="fgAcc0">
+    <dgm:fillClrLst meth="repeat">
+      <a:schemeClr val="lt1">
+        <a:alpha val="90000"/>
+      </a:schemeClr>
+    </dgm:fillClrLst>
+    <dgm:linClrLst meth="repeat">
+      <a:schemeClr val="accent1"/>
+    </dgm:linClrLst>
+    <dgm:effectClrLst/>
+    <dgm:txLinClrLst/>
+    <dgm:txFillClrLst meth="repeat">
+      <a:schemeClr val="dk1"/>
+    </dgm:txFillClrLst>
+    <dgm:txEffectClrLst/>
+  </dgm:styleLbl>
+  <dgm:styleLbl name="fgAcc2">
+    <dgm:fillClrLst meth="repeat">
+      <a:schemeClr val="lt1">
+        <a:alpha val="90000"/>
+      </a:schemeClr>
+    </dgm:fillClrLst>
+    <dgm:linClrLst meth="repeat">
+      <a:schemeClr val="accent1"/>
+    </dgm:linClrLst>
+    <dgm:effectClrLst/>
+    <dgm:txLinClrLst/>
+    <dgm:txFillClrLst meth="repeat">
+      <a:schemeClr val="dk1"/>
+    </dgm:txFillClrLst>
+    <dgm:txEffectClrLst/>
+  </dgm:styleLbl>
+  <dgm:styleLbl name="fgAcc3">
+    <dgm:fillClrLst meth="repeat">
+      <a:schemeClr val="lt1">
+        <a:alpha val="90000"/>
+      </a:schemeClr>
+    </dgm:fillClrLst>
+    <dgm:linClrLst meth="repeat">
+      <a:schemeClr val="accent1"/>
+    </dgm:linClrLst>
+    <dgm:effectClrLst/>
+    <dgm:txLinClrLst/>
+    <dgm:txFillClrLst meth="repeat">
+      <a:schemeClr val="dk1"/>
+    </dgm:txFillClrLst>
+    <dgm:txEffectClrLst/>
+  </dgm:styleLbl>
+  <dgm:styleLbl name="fgAcc4">
+    <dgm:fillClrLst meth="repeat">
+      <a:schemeClr val="lt1">
+        <a:alpha val="90000"/>
+      </a:schemeClr>
+    </dgm:fillClrLst>
+    <dgm:linClrLst meth="repeat">
+      <a:schemeClr val="accent1"/>
+    </dgm:linClrLst>
+    <dgm:effectClrLst/>
+    <dgm:txLinClrLst/>
+    <dgm:txFillClrLst meth="repeat">
+      <a:schemeClr val="dk1"/>
+    </dgm:txFillClrLst>
+    <dgm:txEffectClrLst/>
+  </dgm:styleLbl>
+  <dgm:styleLbl name="bgShp">
+    <dgm:fillClrLst meth="repeat">
+      <a:schemeClr val="accent1">
+        <a:tint val="40000"/>
+      </a:schemeClr>
+    </dgm:fillClrLst>
+    <dgm:linClrLst meth="repeat">
+      <a:schemeClr val="accent1"/>
+    </dgm:linClrLst>
+    <dgm:effectClrLst/>
+    <dgm:txLinClrLst/>
+    <dgm:txFillClrLst meth="repeat">
+      <a:schemeClr val="dk1"/>
+    </dgm:txFillClrLst>
+    <dgm:txEffectClrLst/>
+  </dgm:styleLbl>
+  <dgm:styleLbl name="dkBgShp">
+    <dgm:fillClrLst meth="repeat">
+      <a:schemeClr val="accent1">
+        <a:shade val="80000"/>
+      </a:schemeClr>
+    </dgm:fillClrLst>
+    <dgm:linClrLst meth="repeat">
+      <a:schemeClr val="accent1"/>
+    </dgm:linClrLst>
+    <dgm:effectClrLst/>
+    <dgm:txLinClrLst/>
+    <dgm:txFillClrLst meth="repeat">
+      <a:schemeClr val="lt1"/>
+    </dgm:txFillClrLst>
+    <dgm:txEffectClrLst/>
+  </dgm:styleLbl>
+  <dgm:styleLbl name="trBgShp">
+    <dgm:fillClrLst meth="repeat">
+      <a:schemeClr val="accent1">
+        <a:tint val="50000"/>
+        <a:alpha val="40000"/>
+      </a:schemeClr>
+    </dgm:fillClrLst>
+    <dgm:linClrLst meth="repeat">
+      <a:schemeClr val="accent1"/>
+    </dgm:linClrLst>
+    <dgm:effectClrLst/>
+    <dgm:txLinClrLst/>
+    <dgm:txFillClrLst meth="repeat">
+      <a:schemeClr val="lt1"/>
+    </dgm:txFillClrLst>
+    <dgm:txEffectClrLst/>
+  </dgm:styleLbl>
+  <dgm:styleLbl name="fgShp">
+    <dgm:fillClrLst meth="repeat">
+      <a:schemeClr val="accent1">
+        <a:tint val="60000"/>
+      </a:schemeClr>
+    </dgm:fillClrLst>
+    <dgm:linClrLst meth="repeat">
+      <a:schemeClr val="lt1"/>
+    </dgm:linClrLst>
+    <dgm:effectClrLst/>
+    <dgm:txLinClrLst/>
+    <dgm:txFillClrLst meth="repeat">
+      <a:schemeClr val="dk1"/>
+    </dgm:txFillClrLst>
+    <dgm:txEffectClrLst/>
+  </dgm:styleLbl>
+  <dgm:styleLbl name="revTx">
+    <dgm:fillClrLst meth="repeat">
+      <a:schemeClr val="lt1">
+        <a:alpha val="0"/>
+      </a:schemeClr>
+    </dgm:fillClrLst>
+    <dgm:linClrLst meth="repeat">
+      <a:schemeClr val="dk1">
+        <a:alpha val="0"/>
+      </a:schemeClr>
+    </dgm:linClrLst>
+    <dgm:effectClrLst/>
+    <dgm:txLinClrLst/>
+    <dgm:txFillClrLst meth="repeat">
+      <a:schemeClr val="tx1"/>
+    </dgm:txFillClrLst>
+    <dgm:txEffectClrLst/>
+  </dgm:styleLbl>
+</dgm:colorsDef>
+</file>
+
+<file path=ppt/diagrams/colors2.xml><?xml version="1.0" encoding="utf-8"?>
 <dgm:colorsDef xmlns:dgm="http://schemas.openxmlformats.org/drawingml/2006/diagram" xmlns:a="http://schemas.openxmlformats.org/drawingml/2006/main" uniqueId="urn:microsoft.com/office/officeart/2005/8/colors/accent1_2">
   <dgm:title val=""/>
   <dgm:desc val=""/>
@@ -2701,6 +3453,386 @@
     <dgm:cxn modelId="{BD7F872E-3B67-46CA-B6AB-C2A0283DA0BC}" type="presParOf" srcId="{4EA9C621-2C6B-45D6-AB8D-275F7767603B}" destId="{CD1FD243-289B-4D80-B99A-62C94B29CBEB}" srcOrd="5" destOrd="0" presId="urn:microsoft.com/office/officeart/2005/8/layout/hierarchy2"/>
     <dgm:cxn modelId="{6C80A266-8FEF-4F73-BB8D-A461965F3116}" type="presParOf" srcId="{CD1FD243-289B-4D80-B99A-62C94B29CBEB}" destId="{C61FE8AD-F4F8-4551-9C6E-459AD9389DB8}" srcOrd="0" destOrd="0" presId="urn:microsoft.com/office/officeart/2005/8/layout/hierarchy2"/>
     <dgm:cxn modelId="{1C4B6396-0AE2-48AE-97E5-06E1F25213C7}" type="presParOf" srcId="{CD1FD243-289B-4D80-B99A-62C94B29CBEB}" destId="{583906D5-B14D-400B-9E13-B03357DE43FA}" srcOrd="1" destOrd="0" presId="urn:microsoft.com/office/officeart/2005/8/layout/hierarchy2"/>
+  </dgm:cxnLst>
+  <dgm:bg/>
+  <dgm:whole/>
+  <dgm:extLst>
+    <a:ext uri="http://schemas.microsoft.com/office/drawing/2008/diagram">
+      <dsp:dataModelExt xmlns:dsp="http://schemas.microsoft.com/office/drawing/2008/diagram" relId="rId6" minVer="http://schemas.openxmlformats.org/drawingml/2006/diagram"/>
+    </a:ext>
+  </dgm:extLst>
+</dgm:dataModel>
+</file>
+
+<file path=ppt/diagrams/data2.xml><?xml version="1.0" encoding="utf-8"?>
+<dgm:dataModel xmlns:dgm="http://schemas.openxmlformats.org/drawingml/2006/diagram" xmlns:a="http://schemas.openxmlformats.org/drawingml/2006/main">
+  <dgm:ptLst>
+    <dgm:pt modelId="{14B40BEB-332C-4C24-9C4F-E9801EF85C84}" type="doc">
+      <dgm:prSet loTypeId="urn:microsoft.com/office/officeart/2008/layout/LinedList" loCatId="list" qsTypeId="urn:microsoft.com/office/officeart/2005/8/quickstyle/simple1" qsCatId="simple" csTypeId="urn:microsoft.com/office/officeart/2005/8/colors/accent1_2" csCatId="accent1" phldr="1"/>
+      <dgm:spPr/>
+      <dgm:t>
+        <a:bodyPr/>
+        <a:lstStyle/>
+        <a:p>
+          <a:endParaRPr lang="fr-FR"/>
+        </a:p>
+      </dgm:t>
+    </dgm:pt>
+    <dgm:pt modelId="{FD1DBF29-02FA-460B-8EAA-05C07B6AD236}">
+      <dgm:prSet phldrT="[Texte]" custT="1"/>
+      <dgm:spPr>
+        <a:solidFill>
+          <a:schemeClr val="accent1">
+            <a:lumMod val="20000"/>
+            <a:lumOff val="80000"/>
+          </a:schemeClr>
+        </a:solidFill>
+        <a:ln>
+          <a:noFill/>
+        </a:ln>
+      </dgm:spPr>
+      <dgm:t>
+        <a:bodyPr anchor="ctr" anchorCtr="0"/>
+        <a:lstStyle/>
+        <a:p>
+          <a:pPr algn="ctr"/>
+          <a:r>
+            <a:rPr lang="fr-FR" sz="4800" dirty="0">
+              <a:solidFill>
+                <a:schemeClr val="accent2">
+                  <a:lumMod val="50000"/>
+                </a:schemeClr>
+              </a:solidFill>
+            </a:rPr>
+            <a:t>Contribuer au            </a:t>
+          </a:r>
+          <a:r>
+            <a:rPr lang="fr-FR" sz="4800" dirty="0">
+              <a:solidFill>
+                <a:srgbClr val="F68020"/>
+              </a:solidFill>
+            </a:rPr>
+            <a:t>Bien Vieillir en Afrique</a:t>
+          </a:r>
+          <a:endParaRPr lang="fr-FR" sz="4800" dirty="0">
+            <a:solidFill>
+              <a:schemeClr val="accent2">
+                <a:lumMod val="50000"/>
+              </a:schemeClr>
+            </a:solidFill>
+          </a:endParaRPr>
+        </a:p>
+      </dgm:t>
+    </dgm:pt>
+    <dgm:pt modelId="{A4CAE307-16B9-4579-A673-155F16839F83}" type="parTrans" cxnId="{36CCB878-4C82-4B6E-8BBB-7638852E177E}">
+      <dgm:prSet/>
+      <dgm:spPr/>
+      <dgm:t>
+        <a:bodyPr/>
+        <a:lstStyle/>
+        <a:p>
+          <a:endParaRPr lang="fr-FR"/>
+        </a:p>
+      </dgm:t>
+    </dgm:pt>
+    <dgm:pt modelId="{0B606E19-F7D4-4CB8-94D1-2E44E008BAAE}" type="sibTrans" cxnId="{36CCB878-4C82-4B6E-8BBB-7638852E177E}">
+      <dgm:prSet/>
+      <dgm:spPr/>
+      <dgm:t>
+        <a:bodyPr/>
+        <a:lstStyle/>
+        <a:p>
+          <a:endParaRPr lang="fr-FR"/>
+        </a:p>
+      </dgm:t>
+    </dgm:pt>
+    <dgm:pt modelId="{29E279D0-7D41-43E5-99E4-AA56EB4F80ED}">
+      <dgm:prSet phldrT="[Texte]" custT="1"/>
+      <dgm:spPr/>
+      <dgm:t>
+        <a:bodyPr/>
+        <a:lstStyle/>
+        <a:p>
+          <a:pPr algn="just"/>
+          <a:r>
+            <a:rPr lang="fr-FR" sz="1600" dirty="0">
+              <a:solidFill>
+                <a:srgbClr val="F68020"/>
+              </a:solidFill>
+            </a:rPr>
+            <a:t>L’Afrique n’échappe pas au phénomène de vieillissement de la population. </a:t>
+          </a:r>
+          <a:r>
+            <a:rPr lang="fr-FR" sz="1600" dirty="0"/>
+            <a:t>La prise en charge de nos ainés dont le nombre est appelé à augmenter doit être pensée pour préparer dès aujourd’hui les conditions du Bien vieillir en Afrique des séniors de demain.  </a:t>
+          </a:r>
+        </a:p>
+      </dgm:t>
+    </dgm:pt>
+    <dgm:pt modelId="{28C1F674-A6A4-4125-9380-4E4506DBA912}" type="parTrans" cxnId="{089BB0F9-A642-4C7F-BE47-E571866BFCAB}">
+      <dgm:prSet/>
+      <dgm:spPr/>
+      <dgm:t>
+        <a:bodyPr/>
+        <a:lstStyle/>
+        <a:p>
+          <a:endParaRPr lang="fr-FR"/>
+        </a:p>
+      </dgm:t>
+    </dgm:pt>
+    <dgm:pt modelId="{825E8E88-B4A9-4916-B6D5-21E906FE42E4}" type="sibTrans" cxnId="{089BB0F9-A642-4C7F-BE47-E571866BFCAB}">
+      <dgm:prSet/>
+      <dgm:spPr/>
+      <dgm:t>
+        <a:bodyPr/>
+        <a:lstStyle/>
+        <a:p>
+          <a:endParaRPr lang="fr-FR"/>
+        </a:p>
+      </dgm:t>
+    </dgm:pt>
+    <dgm:pt modelId="{F5C0E3BC-1335-4C22-86C2-A001500B8133}">
+      <dgm:prSet phldrT="[Texte]" custT="1"/>
+      <dgm:spPr/>
+      <dgm:t>
+        <a:bodyPr/>
+        <a:lstStyle/>
+        <a:p>
+          <a:pPr algn="just"/>
+          <a:r>
+            <a:rPr lang="fr-FR" sz="1600" dirty="0">
+              <a:solidFill>
+                <a:srgbClr val="F68020"/>
+              </a:solidFill>
+            </a:rPr>
+            <a:t>La prise en charge des personnes âgées </a:t>
+          </a:r>
+          <a:r>
+            <a:rPr lang="fr-FR" sz="1600" dirty="0"/>
+            <a:t>dans les pays africains ne doit pas se réduire à un copier-coller de solutions qui ont pu fonctionner (ou pas d’ailleurs) sous d’autres cieux. Elle </a:t>
+          </a:r>
+          <a:r>
+            <a:rPr lang="fr-FR" sz="1600" dirty="0">
+              <a:solidFill>
+                <a:srgbClr val="F68020"/>
+              </a:solidFill>
+            </a:rPr>
+            <a:t>doit être pensée de manière méthodique et prendre en compte nos réalités locales, nos traditions.</a:t>
+          </a:r>
+        </a:p>
+      </dgm:t>
+    </dgm:pt>
+    <dgm:pt modelId="{19DFB4C6-FB63-455A-819E-3C071FB58AF5}" type="parTrans" cxnId="{FF8A44A4-656D-46E0-A03F-4979AEC5E684}">
+      <dgm:prSet/>
+      <dgm:spPr/>
+      <dgm:t>
+        <a:bodyPr/>
+        <a:lstStyle/>
+        <a:p>
+          <a:endParaRPr lang="fr-FR"/>
+        </a:p>
+      </dgm:t>
+    </dgm:pt>
+    <dgm:pt modelId="{D4BC62CC-B369-474E-B019-8A023E607742}" type="sibTrans" cxnId="{FF8A44A4-656D-46E0-A03F-4979AEC5E684}">
+      <dgm:prSet/>
+      <dgm:spPr/>
+      <dgm:t>
+        <a:bodyPr/>
+        <a:lstStyle/>
+        <a:p>
+          <a:endParaRPr lang="fr-FR"/>
+        </a:p>
+      </dgm:t>
+    </dgm:pt>
+    <dgm:pt modelId="{BB88F5DE-90D2-44F6-8A6C-D640C5B16BB0}">
+      <dgm:prSet phldrT="[Texte]" custT="1"/>
+      <dgm:spPr/>
+      <dgm:t>
+        <a:bodyPr/>
+        <a:lstStyle/>
+        <a:p>
+          <a:pPr algn="just"/>
+          <a:r>
+            <a:rPr lang="fr-FR" sz="1600" dirty="0">
+              <a:solidFill>
+                <a:srgbClr val="F68020"/>
+              </a:solidFill>
+            </a:rPr>
+            <a:t>Le sujet de la place des personnes âgées doit devenir un thème de société </a:t>
+          </a:r>
+          <a:r>
+            <a:rPr lang="fr-FR" sz="1600" dirty="0"/>
+            <a:t>pour que les mentalités se préparent et évoluent afin d’envisager plus sereinement toutes les options permettant un Bien Vieillir.</a:t>
+          </a:r>
+        </a:p>
+        <a:p>
+          <a:pPr algn="l"/>
+          <a:endParaRPr lang="fr-FR" sz="1400" dirty="0"/>
+        </a:p>
+        <a:p>
+          <a:pPr algn="l"/>
+          <a:endParaRPr lang="fr-FR" sz="1400" dirty="0"/>
+        </a:p>
+      </dgm:t>
+    </dgm:pt>
+    <dgm:pt modelId="{95D3D8B1-F0AF-4612-94D2-26497AF615D3}" type="parTrans" cxnId="{1E60C0BA-E2AE-4925-A787-9F8774DCBE9F}">
+      <dgm:prSet/>
+      <dgm:spPr/>
+      <dgm:t>
+        <a:bodyPr/>
+        <a:lstStyle/>
+        <a:p>
+          <a:endParaRPr lang="fr-FR"/>
+        </a:p>
+      </dgm:t>
+    </dgm:pt>
+    <dgm:pt modelId="{14C459CE-6276-4BC9-AAF4-EF6176FF3505}" type="sibTrans" cxnId="{1E60C0BA-E2AE-4925-A787-9F8774DCBE9F}">
+      <dgm:prSet/>
+      <dgm:spPr/>
+      <dgm:t>
+        <a:bodyPr/>
+        <a:lstStyle/>
+        <a:p>
+          <a:endParaRPr lang="fr-FR"/>
+        </a:p>
+      </dgm:t>
+    </dgm:pt>
+    <dgm:pt modelId="{1F0B1209-6145-40C0-8143-47B5A96DA2BD}" type="pres">
+      <dgm:prSet presAssocID="{14B40BEB-332C-4C24-9C4F-E9801EF85C84}" presName="vert0" presStyleCnt="0">
+        <dgm:presLayoutVars>
+          <dgm:dir/>
+          <dgm:animOne val="branch"/>
+          <dgm:animLvl val="lvl"/>
+        </dgm:presLayoutVars>
+      </dgm:prSet>
+      <dgm:spPr/>
+    </dgm:pt>
+    <dgm:pt modelId="{C6E61C06-3224-4BBC-940C-AA81CF03AA01}" type="pres">
+      <dgm:prSet presAssocID="{FD1DBF29-02FA-460B-8EAA-05C07B6AD236}" presName="thickLine" presStyleLbl="alignNode1" presStyleIdx="0" presStyleCnt="1"/>
+      <dgm:spPr/>
+    </dgm:pt>
+    <dgm:pt modelId="{1EF55EBF-E16C-48FE-9432-0FC9770011B3}" type="pres">
+      <dgm:prSet presAssocID="{FD1DBF29-02FA-460B-8EAA-05C07B6AD236}" presName="horz1" presStyleCnt="0"/>
+      <dgm:spPr/>
+    </dgm:pt>
+    <dgm:pt modelId="{2DE2CD47-2CAB-45FA-B25C-6D4BF3DCCDEE}" type="pres">
+      <dgm:prSet presAssocID="{FD1DBF29-02FA-460B-8EAA-05C07B6AD236}" presName="tx1" presStyleLbl="revTx" presStyleIdx="0" presStyleCnt="4" custScaleX="276294" custScaleY="99538" custLinFactNeighborY="429"/>
+      <dgm:spPr/>
+    </dgm:pt>
+    <dgm:pt modelId="{0890481B-121C-4D89-B15E-0558246B97CB}" type="pres">
+      <dgm:prSet presAssocID="{FD1DBF29-02FA-460B-8EAA-05C07B6AD236}" presName="vert1" presStyleCnt="0"/>
+      <dgm:spPr/>
+    </dgm:pt>
+    <dgm:pt modelId="{DAC26A24-35CB-41B7-B631-49010A6AB458}" type="pres">
+      <dgm:prSet presAssocID="{29E279D0-7D41-43E5-99E4-AA56EB4F80ED}" presName="vertSpace2a" presStyleCnt="0"/>
+      <dgm:spPr/>
+    </dgm:pt>
+    <dgm:pt modelId="{C9C1427F-4C68-4D7A-956A-C2A6861190A8}" type="pres">
+      <dgm:prSet presAssocID="{29E279D0-7D41-43E5-99E4-AA56EB4F80ED}" presName="horz2" presStyleCnt="0"/>
+      <dgm:spPr/>
+    </dgm:pt>
+    <dgm:pt modelId="{4E9C4115-202E-471E-8CB1-AB849FB642A4}" type="pres">
+      <dgm:prSet presAssocID="{29E279D0-7D41-43E5-99E4-AA56EB4F80ED}" presName="horzSpace2" presStyleCnt="0"/>
+      <dgm:spPr/>
+    </dgm:pt>
+    <dgm:pt modelId="{E61D36A1-548C-4C96-9204-B521C49C00DF}" type="pres">
+      <dgm:prSet presAssocID="{29E279D0-7D41-43E5-99E4-AA56EB4F80ED}" presName="tx2" presStyleLbl="revTx" presStyleIdx="1" presStyleCnt="4"/>
+      <dgm:spPr/>
+    </dgm:pt>
+    <dgm:pt modelId="{76D60ED3-D7C4-4BFC-A278-57F4BA95C78E}" type="pres">
+      <dgm:prSet presAssocID="{29E279D0-7D41-43E5-99E4-AA56EB4F80ED}" presName="vert2" presStyleCnt="0"/>
+      <dgm:spPr/>
+    </dgm:pt>
+    <dgm:pt modelId="{64B23B39-1F64-4041-A059-8DEB63F9FF0F}" type="pres">
+      <dgm:prSet presAssocID="{29E279D0-7D41-43E5-99E4-AA56EB4F80ED}" presName="thinLine2b" presStyleLbl="callout" presStyleIdx="0" presStyleCnt="3"/>
+      <dgm:spPr/>
+    </dgm:pt>
+    <dgm:pt modelId="{8EDB167B-A137-40F0-B35F-D05EABE87903}" type="pres">
+      <dgm:prSet presAssocID="{29E279D0-7D41-43E5-99E4-AA56EB4F80ED}" presName="vertSpace2b" presStyleCnt="0"/>
+      <dgm:spPr/>
+    </dgm:pt>
+    <dgm:pt modelId="{21DB3383-E2C3-4624-891D-D4A110393470}" type="pres">
+      <dgm:prSet presAssocID="{F5C0E3BC-1335-4C22-86C2-A001500B8133}" presName="horz2" presStyleCnt="0"/>
+      <dgm:spPr/>
+    </dgm:pt>
+    <dgm:pt modelId="{6F712564-0EC7-4F14-B2DB-AA07B9C590AB}" type="pres">
+      <dgm:prSet presAssocID="{F5C0E3BC-1335-4C22-86C2-A001500B8133}" presName="horzSpace2" presStyleCnt="0"/>
+      <dgm:spPr/>
+    </dgm:pt>
+    <dgm:pt modelId="{BE97F048-138B-4DAF-835A-D5967B1643F4}" type="pres">
+      <dgm:prSet presAssocID="{F5C0E3BC-1335-4C22-86C2-A001500B8133}" presName="tx2" presStyleLbl="revTx" presStyleIdx="2" presStyleCnt="4"/>
+      <dgm:spPr/>
+    </dgm:pt>
+    <dgm:pt modelId="{94978ED7-FB0A-45B9-96B2-EAF6DDB432DF}" type="pres">
+      <dgm:prSet presAssocID="{F5C0E3BC-1335-4C22-86C2-A001500B8133}" presName="vert2" presStyleCnt="0"/>
+      <dgm:spPr/>
+    </dgm:pt>
+    <dgm:pt modelId="{D96E125B-D2E3-4C10-BF3A-BEA2B61DFABB}" type="pres">
+      <dgm:prSet presAssocID="{F5C0E3BC-1335-4C22-86C2-A001500B8133}" presName="thinLine2b" presStyleLbl="callout" presStyleIdx="1" presStyleCnt="3"/>
+      <dgm:spPr/>
+    </dgm:pt>
+    <dgm:pt modelId="{CD3882E7-67EA-4946-8D85-56065E2792F9}" type="pres">
+      <dgm:prSet presAssocID="{F5C0E3BC-1335-4C22-86C2-A001500B8133}" presName="vertSpace2b" presStyleCnt="0"/>
+      <dgm:spPr/>
+    </dgm:pt>
+    <dgm:pt modelId="{89AEA5A7-969D-416F-B06E-04ACB0A6C6A2}" type="pres">
+      <dgm:prSet presAssocID="{BB88F5DE-90D2-44F6-8A6C-D640C5B16BB0}" presName="horz2" presStyleCnt="0"/>
+      <dgm:spPr/>
+    </dgm:pt>
+    <dgm:pt modelId="{AD6714AA-2A7E-4C2E-9274-50FB5B4FB6A8}" type="pres">
+      <dgm:prSet presAssocID="{BB88F5DE-90D2-44F6-8A6C-D640C5B16BB0}" presName="horzSpace2" presStyleCnt="0"/>
+      <dgm:spPr/>
+    </dgm:pt>
+    <dgm:pt modelId="{726A8D06-A0F0-4419-96FA-7157ED1D2F8C}" type="pres">
+      <dgm:prSet presAssocID="{BB88F5DE-90D2-44F6-8A6C-D640C5B16BB0}" presName="tx2" presStyleLbl="revTx" presStyleIdx="3" presStyleCnt="4"/>
+      <dgm:spPr/>
+    </dgm:pt>
+    <dgm:pt modelId="{F40F03E7-BF41-4D99-92D2-70490CF3188D}" type="pres">
+      <dgm:prSet presAssocID="{BB88F5DE-90D2-44F6-8A6C-D640C5B16BB0}" presName="vert2" presStyleCnt="0"/>
+      <dgm:spPr/>
+    </dgm:pt>
+    <dgm:pt modelId="{1199D39C-75D4-48BE-A946-26EA7B29C683}" type="pres">
+      <dgm:prSet presAssocID="{BB88F5DE-90D2-44F6-8A6C-D640C5B16BB0}" presName="thinLine2b" presStyleLbl="callout" presStyleIdx="2" presStyleCnt="3" custFlipVert="1" custSzY="45720" custScaleX="102514"/>
+      <dgm:spPr/>
+    </dgm:pt>
+    <dgm:pt modelId="{DC772435-8B48-48BE-894A-1C3224B56015}" type="pres">
+      <dgm:prSet presAssocID="{BB88F5DE-90D2-44F6-8A6C-D640C5B16BB0}" presName="vertSpace2b" presStyleCnt="0"/>
+      <dgm:spPr/>
+    </dgm:pt>
+  </dgm:ptLst>
+  <dgm:cxnLst>
+    <dgm:cxn modelId="{78E25D05-419A-4CCE-9FC6-D4AD81B855A4}" type="presOf" srcId="{F5C0E3BC-1335-4C22-86C2-A001500B8133}" destId="{BE97F048-138B-4DAF-835A-D5967B1643F4}" srcOrd="0" destOrd="0" presId="urn:microsoft.com/office/officeart/2008/layout/LinedList"/>
+    <dgm:cxn modelId="{A5C7871C-954E-4284-B65F-27FB8CA62D51}" type="presOf" srcId="{14B40BEB-332C-4C24-9C4F-E9801EF85C84}" destId="{1F0B1209-6145-40C0-8143-47B5A96DA2BD}" srcOrd="0" destOrd="0" presId="urn:microsoft.com/office/officeart/2008/layout/LinedList"/>
+    <dgm:cxn modelId="{36CCB878-4C82-4B6E-8BBB-7638852E177E}" srcId="{14B40BEB-332C-4C24-9C4F-E9801EF85C84}" destId="{FD1DBF29-02FA-460B-8EAA-05C07B6AD236}" srcOrd="0" destOrd="0" parTransId="{A4CAE307-16B9-4579-A673-155F16839F83}" sibTransId="{0B606E19-F7D4-4CB8-94D1-2E44E008BAAE}"/>
+    <dgm:cxn modelId="{1502A88B-B841-4ACC-B954-9EEE64402B81}" type="presOf" srcId="{29E279D0-7D41-43E5-99E4-AA56EB4F80ED}" destId="{E61D36A1-548C-4C96-9204-B521C49C00DF}" srcOrd="0" destOrd="0" presId="urn:microsoft.com/office/officeart/2008/layout/LinedList"/>
+    <dgm:cxn modelId="{FF8A44A4-656D-46E0-A03F-4979AEC5E684}" srcId="{FD1DBF29-02FA-460B-8EAA-05C07B6AD236}" destId="{F5C0E3BC-1335-4C22-86C2-A001500B8133}" srcOrd="1" destOrd="0" parTransId="{19DFB4C6-FB63-455A-819E-3C071FB58AF5}" sibTransId="{D4BC62CC-B369-474E-B019-8A023E607742}"/>
+    <dgm:cxn modelId="{823348A8-943C-4B98-A3F1-E75E9CC0DD92}" type="presOf" srcId="{FD1DBF29-02FA-460B-8EAA-05C07B6AD236}" destId="{2DE2CD47-2CAB-45FA-B25C-6D4BF3DCCDEE}" srcOrd="0" destOrd="0" presId="urn:microsoft.com/office/officeart/2008/layout/LinedList"/>
+    <dgm:cxn modelId="{C8D1E8B1-70D7-4D45-BE48-C905F1D9AC31}" type="presOf" srcId="{BB88F5DE-90D2-44F6-8A6C-D640C5B16BB0}" destId="{726A8D06-A0F0-4419-96FA-7157ED1D2F8C}" srcOrd="0" destOrd="0" presId="urn:microsoft.com/office/officeart/2008/layout/LinedList"/>
+    <dgm:cxn modelId="{1E60C0BA-E2AE-4925-A787-9F8774DCBE9F}" srcId="{FD1DBF29-02FA-460B-8EAA-05C07B6AD236}" destId="{BB88F5DE-90D2-44F6-8A6C-D640C5B16BB0}" srcOrd="2" destOrd="0" parTransId="{95D3D8B1-F0AF-4612-94D2-26497AF615D3}" sibTransId="{14C459CE-6276-4BC9-AAF4-EF6176FF3505}"/>
+    <dgm:cxn modelId="{089BB0F9-A642-4C7F-BE47-E571866BFCAB}" srcId="{FD1DBF29-02FA-460B-8EAA-05C07B6AD236}" destId="{29E279D0-7D41-43E5-99E4-AA56EB4F80ED}" srcOrd="0" destOrd="0" parTransId="{28C1F674-A6A4-4125-9380-4E4506DBA912}" sibTransId="{825E8E88-B4A9-4916-B6D5-21E906FE42E4}"/>
+    <dgm:cxn modelId="{0AA85999-8445-4E7E-A762-C82DCD52054B}" type="presParOf" srcId="{1F0B1209-6145-40C0-8143-47B5A96DA2BD}" destId="{C6E61C06-3224-4BBC-940C-AA81CF03AA01}" srcOrd="0" destOrd="0" presId="urn:microsoft.com/office/officeart/2008/layout/LinedList"/>
+    <dgm:cxn modelId="{2823D7A0-35C1-435F-9A4C-11EE4334B8FD}" type="presParOf" srcId="{1F0B1209-6145-40C0-8143-47B5A96DA2BD}" destId="{1EF55EBF-E16C-48FE-9432-0FC9770011B3}" srcOrd="1" destOrd="0" presId="urn:microsoft.com/office/officeart/2008/layout/LinedList"/>
+    <dgm:cxn modelId="{3CBF00F6-63F3-46F3-BAF8-72D97E86D717}" type="presParOf" srcId="{1EF55EBF-E16C-48FE-9432-0FC9770011B3}" destId="{2DE2CD47-2CAB-45FA-B25C-6D4BF3DCCDEE}" srcOrd="0" destOrd="0" presId="urn:microsoft.com/office/officeart/2008/layout/LinedList"/>
+    <dgm:cxn modelId="{AA926A7C-F20A-4926-9DC4-D78C548009F2}" type="presParOf" srcId="{1EF55EBF-E16C-48FE-9432-0FC9770011B3}" destId="{0890481B-121C-4D89-B15E-0558246B97CB}" srcOrd="1" destOrd="0" presId="urn:microsoft.com/office/officeart/2008/layout/LinedList"/>
+    <dgm:cxn modelId="{5F1E6F70-91FD-41C0-B6BB-B3EC63D012C4}" type="presParOf" srcId="{0890481B-121C-4D89-B15E-0558246B97CB}" destId="{DAC26A24-35CB-41B7-B631-49010A6AB458}" srcOrd="0" destOrd="0" presId="urn:microsoft.com/office/officeart/2008/layout/LinedList"/>
+    <dgm:cxn modelId="{88A23DFC-038A-4C53-9771-2782DE3D4FEB}" type="presParOf" srcId="{0890481B-121C-4D89-B15E-0558246B97CB}" destId="{C9C1427F-4C68-4D7A-956A-C2A6861190A8}" srcOrd="1" destOrd="0" presId="urn:microsoft.com/office/officeart/2008/layout/LinedList"/>
+    <dgm:cxn modelId="{5318C7CC-08D8-4AF5-B449-18261CED32BF}" type="presParOf" srcId="{C9C1427F-4C68-4D7A-956A-C2A6861190A8}" destId="{4E9C4115-202E-471E-8CB1-AB849FB642A4}" srcOrd="0" destOrd="0" presId="urn:microsoft.com/office/officeart/2008/layout/LinedList"/>
+    <dgm:cxn modelId="{A07E2DAF-E7BA-4645-8E52-72FAF1D921BC}" type="presParOf" srcId="{C9C1427F-4C68-4D7A-956A-C2A6861190A8}" destId="{E61D36A1-548C-4C96-9204-B521C49C00DF}" srcOrd="1" destOrd="0" presId="urn:microsoft.com/office/officeart/2008/layout/LinedList"/>
+    <dgm:cxn modelId="{97FFE6AF-0F66-48B6-872C-A16D432A0762}" type="presParOf" srcId="{C9C1427F-4C68-4D7A-956A-C2A6861190A8}" destId="{76D60ED3-D7C4-4BFC-A278-57F4BA95C78E}" srcOrd="2" destOrd="0" presId="urn:microsoft.com/office/officeart/2008/layout/LinedList"/>
+    <dgm:cxn modelId="{CA5767C1-21EF-488E-A9EC-333ABFDF8F04}" type="presParOf" srcId="{0890481B-121C-4D89-B15E-0558246B97CB}" destId="{64B23B39-1F64-4041-A059-8DEB63F9FF0F}" srcOrd="2" destOrd="0" presId="urn:microsoft.com/office/officeart/2008/layout/LinedList"/>
+    <dgm:cxn modelId="{3D3B013A-627F-4B10-AF7E-81D815EDC9F3}" type="presParOf" srcId="{0890481B-121C-4D89-B15E-0558246B97CB}" destId="{8EDB167B-A137-40F0-B35F-D05EABE87903}" srcOrd="3" destOrd="0" presId="urn:microsoft.com/office/officeart/2008/layout/LinedList"/>
+    <dgm:cxn modelId="{99694D42-29FC-4E18-836A-38AE3E4B6CC4}" type="presParOf" srcId="{0890481B-121C-4D89-B15E-0558246B97CB}" destId="{21DB3383-E2C3-4624-891D-D4A110393470}" srcOrd="4" destOrd="0" presId="urn:microsoft.com/office/officeart/2008/layout/LinedList"/>
+    <dgm:cxn modelId="{7EC13FAC-B4CD-45B7-B8DB-6BCEC3C6FBD1}" type="presParOf" srcId="{21DB3383-E2C3-4624-891D-D4A110393470}" destId="{6F712564-0EC7-4F14-B2DB-AA07B9C590AB}" srcOrd="0" destOrd="0" presId="urn:microsoft.com/office/officeart/2008/layout/LinedList"/>
+    <dgm:cxn modelId="{7BFAD1B9-73FA-4EC3-8712-56B20B85BF60}" type="presParOf" srcId="{21DB3383-E2C3-4624-891D-D4A110393470}" destId="{BE97F048-138B-4DAF-835A-D5967B1643F4}" srcOrd="1" destOrd="0" presId="urn:microsoft.com/office/officeart/2008/layout/LinedList"/>
+    <dgm:cxn modelId="{BD1C7789-3299-4698-9232-3141E1F43A27}" type="presParOf" srcId="{21DB3383-E2C3-4624-891D-D4A110393470}" destId="{94978ED7-FB0A-45B9-96B2-EAF6DDB432DF}" srcOrd="2" destOrd="0" presId="urn:microsoft.com/office/officeart/2008/layout/LinedList"/>
+    <dgm:cxn modelId="{E024AEFB-94CB-4FD7-8EAC-195B8010D01E}" type="presParOf" srcId="{0890481B-121C-4D89-B15E-0558246B97CB}" destId="{D96E125B-D2E3-4C10-BF3A-BEA2B61DFABB}" srcOrd="5" destOrd="0" presId="urn:microsoft.com/office/officeart/2008/layout/LinedList"/>
+    <dgm:cxn modelId="{36AC9A49-35D0-4351-A500-63E0395B85F6}" type="presParOf" srcId="{0890481B-121C-4D89-B15E-0558246B97CB}" destId="{CD3882E7-67EA-4946-8D85-56065E2792F9}" srcOrd="6" destOrd="0" presId="urn:microsoft.com/office/officeart/2008/layout/LinedList"/>
+    <dgm:cxn modelId="{8625F749-B4B1-4F23-AB10-EED8F54CCEAE}" type="presParOf" srcId="{0890481B-121C-4D89-B15E-0558246B97CB}" destId="{89AEA5A7-969D-416F-B06E-04ACB0A6C6A2}" srcOrd="7" destOrd="0" presId="urn:microsoft.com/office/officeart/2008/layout/LinedList"/>
+    <dgm:cxn modelId="{3BC084BE-2558-453F-8286-D057D86B26FD}" type="presParOf" srcId="{89AEA5A7-969D-416F-B06E-04ACB0A6C6A2}" destId="{AD6714AA-2A7E-4C2E-9274-50FB5B4FB6A8}" srcOrd="0" destOrd="0" presId="urn:microsoft.com/office/officeart/2008/layout/LinedList"/>
+    <dgm:cxn modelId="{124798ED-6EC1-4199-9B4E-3D3055824A45}" type="presParOf" srcId="{89AEA5A7-969D-416F-B06E-04ACB0A6C6A2}" destId="{726A8D06-A0F0-4419-96FA-7157ED1D2F8C}" srcOrd="1" destOrd="0" presId="urn:microsoft.com/office/officeart/2008/layout/LinedList"/>
+    <dgm:cxn modelId="{AF9BF078-15E1-485E-AA52-DB2918AD74F4}" type="presParOf" srcId="{89AEA5A7-969D-416F-B06E-04ACB0A6C6A2}" destId="{F40F03E7-BF41-4D99-92D2-70490CF3188D}" srcOrd="2" destOrd="0" presId="urn:microsoft.com/office/officeart/2008/layout/LinedList"/>
+    <dgm:cxn modelId="{A7CA8E33-2B99-4606-A29F-032EF282E0CA}" type="presParOf" srcId="{0890481B-121C-4D89-B15E-0558246B97CB}" destId="{1199D39C-75D4-48BE-A946-26EA7B29C683}" srcOrd="8" destOrd="0" presId="urn:microsoft.com/office/officeart/2008/layout/LinedList"/>
+    <dgm:cxn modelId="{300C5726-D64A-43AC-B8F0-54E537C6CC63}" type="presParOf" srcId="{0890481B-121C-4D89-B15E-0558246B97CB}" destId="{DC772435-8B48-48BE-894A-1C3224B56015}" srcOrd="9" destOrd="0" presId="urn:microsoft.com/office/officeart/2008/layout/LinedList"/>
   </dgm:cxnLst>
   <dgm:bg/>
   <dgm:whole/>
@@ -6778,6 +7910,539 @@
 </dsp:drawing>
 </file>
 
+<file path=ppt/diagrams/drawing2.xml><?xml version="1.0" encoding="utf-8"?>
+<dsp:drawing xmlns:dgm="http://schemas.openxmlformats.org/drawingml/2006/diagram" xmlns:dsp="http://schemas.microsoft.com/office/drawing/2008/diagram" xmlns:a="http://schemas.openxmlformats.org/drawingml/2006/main">
+  <dsp:spTree>
+    <dsp:nvGrpSpPr>
+      <dsp:cNvPr id="0" name=""/>
+      <dsp:cNvGrpSpPr/>
+    </dsp:nvGrpSpPr>
+    <dsp:grpSpPr/>
+    <dsp:sp modelId="{C6E61C06-3224-4BBC-940C-AA81CF03AA01}">
+      <dsp:nvSpPr>
+        <dsp:cNvPr id="0" name=""/>
+        <dsp:cNvSpPr/>
+      </dsp:nvSpPr>
+      <dsp:spPr>
+        <a:xfrm>
+          <a:off x="0" y="5766"/>
+          <a:ext cx="10294933" cy="0"/>
+        </a:xfrm>
+        <a:prstGeom prst="line">
+          <a:avLst/>
+        </a:prstGeom>
+        <a:solidFill>
+          <a:schemeClr val="accent1">
+            <a:hueOff val="0"/>
+            <a:satOff val="0"/>
+            <a:lumOff val="0"/>
+            <a:alphaOff val="0"/>
+          </a:schemeClr>
+        </a:solidFill>
+        <a:ln w="19050" cap="rnd" cmpd="sng" algn="ctr">
+          <a:solidFill>
+            <a:schemeClr val="accent1">
+              <a:hueOff val="0"/>
+              <a:satOff val="0"/>
+              <a:lumOff val="0"/>
+              <a:alphaOff val="0"/>
+            </a:schemeClr>
+          </a:solidFill>
+          <a:prstDash val="solid"/>
+        </a:ln>
+        <a:effectLst/>
+      </dsp:spPr>
+      <dsp:style>
+        <a:lnRef idx="2">
+          <a:scrgbClr r="0" g="0" b="0"/>
+        </a:lnRef>
+        <a:fillRef idx="1">
+          <a:scrgbClr r="0" g="0" b="0"/>
+        </a:fillRef>
+        <a:effectRef idx="0">
+          <a:scrgbClr r="0" g="0" b="0"/>
+        </a:effectRef>
+        <a:fontRef idx="minor">
+          <a:schemeClr val="lt1"/>
+        </a:fontRef>
+      </dsp:style>
+    </dsp:sp>
+    <dsp:sp modelId="{2DE2CD47-2CAB-45FA-B25C-6D4BF3DCCDEE}">
+      <dsp:nvSpPr>
+        <dsp:cNvPr id="0" name=""/>
+        <dsp:cNvSpPr/>
+      </dsp:nvSpPr>
+      <dsp:spPr>
+        <a:xfrm>
+          <a:off x="0" y="24835"/>
+          <a:ext cx="4138865" cy="4424326"/>
+        </a:xfrm>
+        <a:prstGeom prst="rect">
+          <a:avLst/>
+        </a:prstGeom>
+        <a:solidFill>
+          <a:schemeClr val="accent1">
+            <a:lumMod val="20000"/>
+            <a:lumOff val="80000"/>
+          </a:schemeClr>
+        </a:solidFill>
+        <a:ln>
+          <a:noFill/>
+        </a:ln>
+        <a:effectLst/>
+      </dsp:spPr>
+      <dsp:style>
+        <a:lnRef idx="0">
+          <a:scrgbClr r="0" g="0" b="0"/>
+        </a:lnRef>
+        <a:fillRef idx="0">
+          <a:scrgbClr r="0" g="0" b="0"/>
+        </a:fillRef>
+        <a:effectRef idx="0">
+          <a:scrgbClr r="0" g="0" b="0"/>
+        </a:effectRef>
+        <a:fontRef idx="minor"/>
+      </dsp:style>
+      <dsp:txBody>
+        <a:bodyPr spcFirstLastPara="0" vert="horz" wrap="square" lIns="182880" tIns="182880" rIns="182880" bIns="182880" numCol="1" spcCol="1270" anchor="ctr" anchorCtr="0">
+          <a:noAutofit/>
+        </a:bodyPr>
+        <a:lstStyle/>
+        <a:p>
+          <a:pPr marL="0" lvl="0" indent="0" algn="ctr" defTabSz="2133600">
+            <a:lnSpc>
+              <a:spcPct val="90000"/>
+            </a:lnSpc>
+            <a:spcBef>
+              <a:spcPct val="0"/>
+            </a:spcBef>
+            <a:spcAft>
+              <a:spcPct val="35000"/>
+            </a:spcAft>
+            <a:buNone/>
+          </a:pPr>
+          <a:r>
+            <a:rPr lang="fr-FR" sz="4800" kern="1200" dirty="0">
+              <a:solidFill>
+                <a:schemeClr val="accent2">
+                  <a:lumMod val="50000"/>
+                </a:schemeClr>
+              </a:solidFill>
+            </a:rPr>
+            <a:t>Contribuer au            </a:t>
+          </a:r>
+          <a:r>
+            <a:rPr lang="fr-FR" sz="4800" kern="1200" dirty="0">
+              <a:solidFill>
+                <a:srgbClr val="F68020"/>
+              </a:solidFill>
+            </a:rPr>
+            <a:t>Bien Vieillir en Afrique</a:t>
+          </a:r>
+          <a:endParaRPr lang="fr-FR" sz="4800" kern="1200" dirty="0">
+            <a:solidFill>
+              <a:schemeClr val="accent2">
+                <a:lumMod val="50000"/>
+              </a:schemeClr>
+            </a:solidFill>
+          </a:endParaRPr>
+        </a:p>
+      </dsp:txBody>
+      <dsp:txXfrm>
+        <a:off x="0" y="24835"/>
+        <a:ext cx="4138865" cy="4424326"/>
+      </dsp:txXfrm>
+    </dsp:sp>
+    <dsp:sp modelId="{E61D36A1-548C-4C96-9204-B521C49C00DF}">
+      <dsp:nvSpPr>
+        <dsp:cNvPr id="0" name=""/>
+        <dsp:cNvSpPr/>
+      </dsp:nvSpPr>
+      <dsp:spPr>
+        <a:xfrm>
+          <a:off x="4251215" y="74391"/>
+          <a:ext cx="5879623" cy="1372485"/>
+        </a:xfrm>
+        <a:prstGeom prst="rect">
+          <a:avLst/>
+        </a:prstGeom>
+        <a:noFill/>
+        <a:ln>
+          <a:noFill/>
+        </a:ln>
+        <a:effectLst/>
+      </dsp:spPr>
+      <dsp:style>
+        <a:lnRef idx="0">
+          <a:scrgbClr r="0" g="0" b="0"/>
+        </a:lnRef>
+        <a:fillRef idx="0">
+          <a:scrgbClr r="0" g="0" b="0"/>
+        </a:fillRef>
+        <a:effectRef idx="0">
+          <a:scrgbClr r="0" g="0" b="0"/>
+        </a:effectRef>
+        <a:fontRef idx="minor"/>
+      </dsp:style>
+      <dsp:txBody>
+        <a:bodyPr spcFirstLastPara="0" vert="horz" wrap="square" lIns="60960" tIns="60960" rIns="60960" bIns="60960" numCol="1" spcCol="1270" anchor="t" anchorCtr="0">
+          <a:noAutofit/>
+        </a:bodyPr>
+        <a:lstStyle/>
+        <a:p>
+          <a:pPr marL="0" lvl="0" indent="0" algn="just" defTabSz="711200">
+            <a:lnSpc>
+              <a:spcPct val="90000"/>
+            </a:lnSpc>
+            <a:spcBef>
+              <a:spcPct val="0"/>
+            </a:spcBef>
+            <a:spcAft>
+              <a:spcPct val="35000"/>
+            </a:spcAft>
+            <a:buNone/>
+          </a:pPr>
+          <a:r>
+            <a:rPr lang="fr-FR" sz="1600" kern="1200" dirty="0">
+              <a:solidFill>
+                <a:srgbClr val="F68020"/>
+              </a:solidFill>
+            </a:rPr>
+            <a:t>L’Afrique n’échappe pas au phénomène de vieillissement de la population. </a:t>
+          </a:r>
+          <a:r>
+            <a:rPr lang="fr-FR" sz="1600" kern="1200" dirty="0"/>
+            <a:t>La prise en charge de nos ainés dont le nombre est appelé à augmenter doit être pensée pour préparer dès aujourd’hui les conditions du Bien vieillir en Afrique des séniors de demain.  </a:t>
+          </a:r>
+        </a:p>
+      </dsp:txBody>
+      <dsp:txXfrm>
+        <a:off x="4251215" y="74391"/>
+        <a:ext cx="5879623" cy="1372485"/>
+      </dsp:txXfrm>
+    </dsp:sp>
+    <dsp:sp modelId="{64B23B39-1F64-4041-A059-8DEB63F9FF0F}">
+      <dsp:nvSpPr>
+        <dsp:cNvPr id="0" name=""/>
+        <dsp:cNvSpPr/>
+      </dsp:nvSpPr>
+      <dsp:spPr>
+        <a:xfrm>
+          <a:off x="4138865" y="1446876"/>
+          <a:ext cx="5991973" cy="0"/>
+        </a:xfrm>
+        <a:prstGeom prst="line">
+          <a:avLst/>
+        </a:prstGeom>
+        <a:solidFill>
+          <a:schemeClr val="accent1">
+            <a:hueOff val="0"/>
+            <a:satOff val="0"/>
+            <a:lumOff val="0"/>
+            <a:alphaOff val="0"/>
+          </a:schemeClr>
+        </a:solidFill>
+        <a:ln w="19050" cap="rnd" cmpd="sng" algn="ctr">
+          <a:solidFill>
+            <a:schemeClr val="accent1">
+              <a:tint val="50000"/>
+              <a:hueOff val="0"/>
+              <a:satOff val="0"/>
+              <a:lumOff val="0"/>
+              <a:alphaOff val="0"/>
+            </a:schemeClr>
+          </a:solidFill>
+          <a:prstDash val="solid"/>
+        </a:ln>
+        <a:effectLst/>
+      </dsp:spPr>
+      <dsp:style>
+        <a:lnRef idx="2">
+          <a:scrgbClr r="0" g="0" b="0"/>
+        </a:lnRef>
+        <a:fillRef idx="1">
+          <a:scrgbClr r="0" g="0" b="0"/>
+        </a:fillRef>
+        <a:effectRef idx="0">
+          <a:scrgbClr r="0" g="0" b="0"/>
+        </a:effectRef>
+        <a:fontRef idx="minor"/>
+      </dsp:style>
+    </dsp:sp>
+    <dsp:sp modelId="{BE97F048-138B-4DAF-835A-D5967B1643F4}">
+      <dsp:nvSpPr>
+        <dsp:cNvPr id="0" name=""/>
+        <dsp:cNvSpPr/>
+      </dsp:nvSpPr>
+      <dsp:spPr>
+        <a:xfrm>
+          <a:off x="4251215" y="1515500"/>
+          <a:ext cx="5879623" cy="1372485"/>
+        </a:xfrm>
+        <a:prstGeom prst="rect">
+          <a:avLst/>
+        </a:prstGeom>
+        <a:noFill/>
+        <a:ln>
+          <a:noFill/>
+        </a:ln>
+        <a:effectLst/>
+      </dsp:spPr>
+      <dsp:style>
+        <a:lnRef idx="0">
+          <a:scrgbClr r="0" g="0" b="0"/>
+        </a:lnRef>
+        <a:fillRef idx="0">
+          <a:scrgbClr r="0" g="0" b="0"/>
+        </a:fillRef>
+        <a:effectRef idx="0">
+          <a:scrgbClr r="0" g="0" b="0"/>
+        </a:effectRef>
+        <a:fontRef idx="minor"/>
+      </dsp:style>
+      <dsp:txBody>
+        <a:bodyPr spcFirstLastPara="0" vert="horz" wrap="square" lIns="60960" tIns="60960" rIns="60960" bIns="60960" numCol="1" spcCol="1270" anchor="t" anchorCtr="0">
+          <a:noAutofit/>
+        </a:bodyPr>
+        <a:lstStyle/>
+        <a:p>
+          <a:pPr marL="0" lvl="0" indent="0" algn="just" defTabSz="711200">
+            <a:lnSpc>
+              <a:spcPct val="90000"/>
+            </a:lnSpc>
+            <a:spcBef>
+              <a:spcPct val="0"/>
+            </a:spcBef>
+            <a:spcAft>
+              <a:spcPct val="35000"/>
+            </a:spcAft>
+            <a:buNone/>
+          </a:pPr>
+          <a:r>
+            <a:rPr lang="fr-FR" sz="1600" kern="1200" dirty="0">
+              <a:solidFill>
+                <a:srgbClr val="F68020"/>
+              </a:solidFill>
+            </a:rPr>
+            <a:t>La prise en charge des personnes âgées </a:t>
+          </a:r>
+          <a:r>
+            <a:rPr lang="fr-FR" sz="1600" kern="1200" dirty="0"/>
+            <a:t>dans les pays africains ne doit pas se réduire à un copier-coller de solutions qui ont pu fonctionner (ou pas d’ailleurs) sous d’autres cieux. Elle </a:t>
+          </a:r>
+          <a:r>
+            <a:rPr lang="fr-FR" sz="1600" kern="1200" dirty="0">
+              <a:solidFill>
+                <a:srgbClr val="F68020"/>
+              </a:solidFill>
+            </a:rPr>
+            <a:t>doit être pensée de manière méthodique et prendre en compte nos réalités locales, nos traditions.</a:t>
+          </a:r>
+        </a:p>
+      </dsp:txBody>
+      <dsp:txXfrm>
+        <a:off x="4251215" y="1515500"/>
+        <a:ext cx="5879623" cy="1372485"/>
+      </dsp:txXfrm>
+    </dsp:sp>
+    <dsp:sp modelId="{D96E125B-D2E3-4C10-BF3A-BEA2B61DFABB}">
+      <dsp:nvSpPr>
+        <dsp:cNvPr id="0" name=""/>
+        <dsp:cNvSpPr/>
+      </dsp:nvSpPr>
+      <dsp:spPr>
+        <a:xfrm>
+          <a:off x="4138865" y="2887986"/>
+          <a:ext cx="5991973" cy="0"/>
+        </a:xfrm>
+        <a:prstGeom prst="line">
+          <a:avLst/>
+        </a:prstGeom>
+        <a:solidFill>
+          <a:schemeClr val="accent1">
+            <a:hueOff val="0"/>
+            <a:satOff val="0"/>
+            <a:lumOff val="0"/>
+            <a:alphaOff val="0"/>
+          </a:schemeClr>
+        </a:solidFill>
+        <a:ln w="19050" cap="rnd" cmpd="sng" algn="ctr">
+          <a:solidFill>
+            <a:schemeClr val="accent1">
+              <a:tint val="50000"/>
+              <a:hueOff val="0"/>
+              <a:satOff val="0"/>
+              <a:lumOff val="0"/>
+              <a:alphaOff val="0"/>
+            </a:schemeClr>
+          </a:solidFill>
+          <a:prstDash val="solid"/>
+        </a:ln>
+        <a:effectLst/>
+      </dsp:spPr>
+      <dsp:style>
+        <a:lnRef idx="2">
+          <a:scrgbClr r="0" g="0" b="0"/>
+        </a:lnRef>
+        <a:fillRef idx="1">
+          <a:scrgbClr r="0" g="0" b="0"/>
+        </a:fillRef>
+        <a:effectRef idx="0">
+          <a:scrgbClr r="0" g="0" b="0"/>
+        </a:effectRef>
+        <a:fontRef idx="minor"/>
+      </dsp:style>
+    </dsp:sp>
+    <dsp:sp modelId="{726A8D06-A0F0-4419-96FA-7157ED1D2F8C}">
+      <dsp:nvSpPr>
+        <dsp:cNvPr id="0" name=""/>
+        <dsp:cNvSpPr/>
+      </dsp:nvSpPr>
+      <dsp:spPr>
+        <a:xfrm>
+          <a:off x="4251215" y="2956610"/>
+          <a:ext cx="5879623" cy="1372485"/>
+        </a:xfrm>
+        <a:prstGeom prst="rect">
+          <a:avLst/>
+        </a:prstGeom>
+        <a:noFill/>
+        <a:ln>
+          <a:noFill/>
+        </a:ln>
+        <a:effectLst/>
+      </dsp:spPr>
+      <dsp:style>
+        <a:lnRef idx="0">
+          <a:scrgbClr r="0" g="0" b="0"/>
+        </a:lnRef>
+        <a:fillRef idx="0">
+          <a:scrgbClr r="0" g="0" b="0"/>
+        </a:fillRef>
+        <a:effectRef idx="0">
+          <a:scrgbClr r="0" g="0" b="0"/>
+        </a:effectRef>
+        <a:fontRef idx="minor"/>
+      </dsp:style>
+      <dsp:txBody>
+        <a:bodyPr spcFirstLastPara="0" vert="horz" wrap="square" lIns="60960" tIns="60960" rIns="60960" bIns="60960" numCol="1" spcCol="1270" anchor="t" anchorCtr="0">
+          <a:noAutofit/>
+        </a:bodyPr>
+        <a:lstStyle/>
+        <a:p>
+          <a:pPr marL="0" lvl="0" indent="0" algn="just" defTabSz="711200">
+            <a:lnSpc>
+              <a:spcPct val="90000"/>
+            </a:lnSpc>
+            <a:spcBef>
+              <a:spcPct val="0"/>
+            </a:spcBef>
+            <a:spcAft>
+              <a:spcPct val="35000"/>
+            </a:spcAft>
+            <a:buNone/>
+          </a:pPr>
+          <a:r>
+            <a:rPr lang="fr-FR" sz="1600" kern="1200" dirty="0">
+              <a:solidFill>
+                <a:srgbClr val="F68020"/>
+              </a:solidFill>
+            </a:rPr>
+            <a:t>Le sujet de la place des personnes âgées doit devenir un thème de société </a:t>
+          </a:r>
+          <a:r>
+            <a:rPr lang="fr-FR" sz="1600" kern="1200" dirty="0"/>
+            <a:t>pour que les mentalités se préparent et évoluent afin d’envisager plus sereinement toutes les options permettant un Bien Vieillir.</a:t>
+          </a:r>
+        </a:p>
+        <a:p>
+          <a:pPr marL="0" lvl="0" indent="0" algn="l" defTabSz="711200">
+            <a:lnSpc>
+              <a:spcPct val="90000"/>
+            </a:lnSpc>
+            <a:spcBef>
+              <a:spcPct val="0"/>
+            </a:spcBef>
+            <a:spcAft>
+              <a:spcPct val="35000"/>
+            </a:spcAft>
+            <a:buNone/>
+          </a:pPr>
+          <a:endParaRPr lang="fr-FR" sz="1400" kern="1200" dirty="0"/>
+        </a:p>
+        <a:p>
+          <a:pPr marL="0" lvl="0" indent="0" algn="l" defTabSz="711200">
+            <a:lnSpc>
+              <a:spcPct val="90000"/>
+            </a:lnSpc>
+            <a:spcBef>
+              <a:spcPct val="0"/>
+            </a:spcBef>
+            <a:spcAft>
+              <a:spcPct val="35000"/>
+            </a:spcAft>
+            <a:buNone/>
+          </a:pPr>
+          <a:endParaRPr lang="fr-FR" sz="1400" kern="1200" dirty="0"/>
+        </a:p>
+      </dsp:txBody>
+      <dsp:txXfrm>
+        <a:off x="4251215" y="2956610"/>
+        <a:ext cx="5879623" cy="1372485"/>
+      </dsp:txXfrm>
+    </dsp:sp>
+    <dsp:sp modelId="{1199D39C-75D4-48BE-A946-26EA7B29C683}">
+      <dsp:nvSpPr>
+        <dsp:cNvPr id="0" name=""/>
+        <dsp:cNvSpPr/>
+      </dsp:nvSpPr>
+      <dsp:spPr>
+        <a:xfrm flipV="1">
+          <a:off x="4138865" y="4329095"/>
+          <a:ext cx="6142611" cy="45720"/>
+        </a:xfrm>
+        <a:prstGeom prst="line">
+          <a:avLst/>
+        </a:prstGeom>
+        <a:solidFill>
+          <a:schemeClr val="accent1">
+            <a:hueOff val="0"/>
+            <a:satOff val="0"/>
+            <a:lumOff val="0"/>
+            <a:alphaOff val="0"/>
+          </a:schemeClr>
+        </a:solidFill>
+        <a:ln w="19050" cap="rnd" cmpd="sng" algn="ctr">
+          <a:solidFill>
+            <a:schemeClr val="accent1">
+              <a:tint val="50000"/>
+              <a:hueOff val="0"/>
+              <a:satOff val="0"/>
+              <a:lumOff val="0"/>
+              <a:alphaOff val="0"/>
+            </a:schemeClr>
+          </a:solidFill>
+          <a:prstDash val="solid"/>
+        </a:ln>
+        <a:effectLst/>
+      </dsp:spPr>
+      <dsp:style>
+        <a:lnRef idx="2">
+          <a:scrgbClr r="0" g="0" b="0"/>
+        </a:lnRef>
+        <a:fillRef idx="1">
+          <a:scrgbClr r="0" g="0" b="0"/>
+        </a:fillRef>
+        <a:effectRef idx="0">
+          <a:scrgbClr r="0" g="0" b="0"/>
+        </a:effectRef>
+        <a:fontRef idx="minor"/>
+      </dsp:style>
+    </dsp:sp>
+  </dsp:spTree>
+</dsp:drawing>
+</file>
+
 <file path=ppt/diagrams/layout1.xml><?xml version="1.0" encoding="utf-8"?>
 <dgm:layoutDef xmlns:dgm="http://schemas.openxmlformats.org/drawingml/2006/diagram" xmlns:a="http://schemas.openxmlformats.org/drawingml/2006/main" uniqueId="urn:microsoft.com/office/officeart/2005/8/layout/hierarchy2">
   <dgm:title val=""/>
@@ -7098,7 +8763,1507 @@
 </dgm:layoutDef>
 </file>
 
+<file path=ppt/diagrams/layout2.xml><?xml version="1.0" encoding="utf-8"?>
+<dgm:layoutDef xmlns:dgm="http://schemas.openxmlformats.org/drawingml/2006/diagram" xmlns:a="http://schemas.openxmlformats.org/drawingml/2006/main" uniqueId="urn:microsoft.com/office/officeart/2008/layout/LinedList">
+  <dgm:title val=""/>
+  <dgm:desc val=""/>
+  <dgm:catLst>
+    <dgm:cat type="hierarchy" pri="8000"/>
+    <dgm:cat type="list" pri="2500"/>
+  </dgm:catLst>
+  <dgm:sampData>
+    <dgm:dataModel>
+      <dgm:ptLst>
+        <dgm:pt modelId="0" type="doc"/>
+        <dgm:pt modelId="1">
+          <dgm:prSet phldr="1"/>
+        </dgm:pt>
+        <dgm:pt modelId="11">
+          <dgm:prSet phldr="1"/>
+        </dgm:pt>
+        <dgm:pt modelId="12">
+          <dgm:prSet phldr="1"/>
+        </dgm:pt>
+        <dgm:pt modelId="13">
+          <dgm:prSet phldr="1"/>
+        </dgm:pt>
+      </dgm:ptLst>
+      <dgm:cxnLst>
+        <dgm:cxn modelId="2" srcId="0" destId="1" srcOrd="0" destOrd="0"/>
+        <dgm:cxn modelId="3" srcId="1" destId="11" srcOrd="0" destOrd="0"/>
+        <dgm:cxn modelId="4" srcId="1" destId="12" srcOrd="1" destOrd="0"/>
+        <dgm:cxn modelId="5" srcId="1" destId="13" srcOrd="2" destOrd="0"/>
+      </dgm:cxnLst>
+      <dgm:bg/>
+      <dgm:whole/>
+    </dgm:dataModel>
+  </dgm:sampData>
+  <dgm:styleData>
+    <dgm:dataModel>
+      <dgm:ptLst>
+        <dgm:pt modelId="0" type="doc"/>
+        <dgm:pt modelId="1">
+          <dgm:prSet phldr="1"/>
+        </dgm:pt>
+        <dgm:pt modelId="11">
+          <dgm:prSet phldr="1"/>
+        </dgm:pt>
+        <dgm:pt modelId="12">
+          <dgm:prSet phldr="1"/>
+        </dgm:pt>
+      </dgm:ptLst>
+      <dgm:cxnLst>
+        <dgm:cxn modelId="2" srcId="0" destId="1" srcOrd="0" destOrd="0"/>
+        <dgm:cxn modelId="3" srcId="1" destId="11" srcOrd="0" destOrd="0"/>
+        <dgm:cxn modelId="4" srcId="1" destId="12" srcOrd="1" destOrd="0"/>
+      </dgm:cxnLst>
+      <dgm:bg/>
+      <dgm:whole/>
+    </dgm:dataModel>
+  </dgm:styleData>
+  <dgm:clrData>
+    <dgm:dataModel>
+      <dgm:ptLst>
+        <dgm:pt modelId="0" type="doc"/>
+        <dgm:pt modelId="1">
+          <dgm:prSet phldr="1"/>
+        </dgm:pt>
+        <dgm:pt modelId="11">
+          <dgm:prSet phldr="1"/>
+        </dgm:pt>
+        <dgm:pt modelId="12">
+          <dgm:prSet phldr="1"/>
+        </dgm:pt>
+      </dgm:ptLst>
+      <dgm:cxnLst>
+        <dgm:cxn modelId="2" srcId="0" destId="1" srcOrd="0" destOrd="0"/>
+        <dgm:cxn modelId="3" srcId="1" destId="11" srcOrd="0" destOrd="0"/>
+        <dgm:cxn modelId="4" srcId="1" destId="12" srcOrd="1" destOrd="0"/>
+      </dgm:cxnLst>
+      <dgm:bg/>
+      <dgm:whole/>
+    </dgm:dataModel>
+  </dgm:clrData>
+  <dgm:layoutNode name="vert0">
+    <dgm:varLst>
+      <dgm:dir/>
+      <dgm:animOne val="branch"/>
+      <dgm:animLvl val="lvl"/>
+    </dgm:varLst>
+    <dgm:choose name="Name0">
+      <dgm:if name="Name1" func="var" arg="dir" op="equ" val="norm">
+        <dgm:alg type="lin">
+          <dgm:param type="linDir" val="fromT"/>
+          <dgm:param type="nodeHorzAlign" val="l"/>
+        </dgm:alg>
+      </dgm:if>
+      <dgm:else name="Name2">
+        <dgm:alg type="lin">
+          <dgm:param type="linDir" val="fromT"/>
+          <dgm:param type="nodeHorzAlign" val="r"/>
+        </dgm:alg>
+      </dgm:else>
+    </dgm:choose>
+    <dgm:shape xmlns:r="http://schemas.openxmlformats.org/officeDocument/2006/relationships" r:blip="">
+      <dgm:adjLst/>
+    </dgm:shape>
+    <dgm:presOf/>
+    <dgm:constrLst>
+      <dgm:constr type="w" for="ch" forName="horz1" refType="w"/>
+      <dgm:constr type="h" for="ch" forName="horz1" refType="h"/>
+      <dgm:constr type="h" for="des" forName="vert1" refType="h"/>
+      <dgm:constr type="h" for="des" forName="tx1" refType="h"/>
+      <dgm:constr type="h" for="des" forName="horz2" refType="h"/>
+      <dgm:constr type="h" for="des" forName="vert2" refType="h"/>
+      <dgm:constr type="h" for="des" forName="horz3" refType="h"/>
+      <dgm:constr type="h" for="des" forName="vert3" refType="h"/>
+      <dgm:constr type="h" for="des" forName="horz4" refType="h"/>
+      <dgm:constr type="h" for="des" ptType="node" refType="h"/>
+      <dgm:constr type="primFontSz" for="des" forName="tx1" op="equ" val="65"/>
+      <dgm:constr type="primFontSz" for="des" forName="tx2" op="equ" val="65"/>
+      <dgm:constr type="primFontSz" for="des" forName="tx3" op="equ" val="65"/>
+      <dgm:constr type="primFontSz" for="des" forName="tx4" op="equ" val="65"/>
+      <dgm:constr type="w" for="des" forName="thickLine" refType="w"/>
+      <dgm:constr type="h" for="des" forName="thickLine"/>
+      <dgm:constr type="h" for="des" forName="thinLine1"/>
+      <dgm:constr type="h" for="des" forName="thinLine2b"/>
+      <dgm:constr type="h" for="des" forName="thinLine3"/>
+      <dgm:constr type="h" for="des" forName="vertSpace2a" refType="h" fact="0.05"/>
+      <dgm:constr type="h" for="des" forName="vertSpace2b" refType="h" refFor="des" refForName="vertSpace2a"/>
+    </dgm:constrLst>
+    <dgm:forEach name="Name3" axis="ch" ptType="node">
+      <dgm:layoutNode name="thickLine" styleLbl="alignNode1">
+        <dgm:alg type="sp"/>
+        <dgm:shape xmlns:r="http://schemas.openxmlformats.org/officeDocument/2006/relationships" type="line" r:blip="">
+          <dgm:adjLst/>
+        </dgm:shape>
+        <dgm:presOf/>
+      </dgm:layoutNode>
+      <dgm:layoutNode name="horz1">
+        <dgm:choose name="Name4">
+          <dgm:if name="Name5" func="var" arg="dir" op="equ" val="norm">
+            <dgm:alg type="lin">
+              <dgm:param type="linDir" val="fromL"/>
+              <dgm:param type="nodeVertAlign" val="t"/>
+            </dgm:alg>
+          </dgm:if>
+          <dgm:else name="Name6">
+            <dgm:alg type="lin">
+              <dgm:param type="linDir" val="fromR"/>
+              <dgm:param type="nodeVertAlign" val="t"/>
+            </dgm:alg>
+          </dgm:else>
+        </dgm:choose>
+        <dgm:shape xmlns:r="http://schemas.openxmlformats.org/officeDocument/2006/relationships" r:blip="">
+          <dgm:adjLst/>
+        </dgm:shape>
+        <dgm:presOf/>
+        <dgm:choose name="Name7">
+          <dgm:if name="Name8" axis="root des" func="maxDepth" op="equ" val="1">
+            <dgm:constrLst>
+              <dgm:constr type="w" for="ch" forName="tx1" refType="w"/>
+            </dgm:constrLst>
+          </dgm:if>
+          <dgm:if name="Name9" axis="root des" func="maxDepth" op="equ" val="2">
+            <dgm:constrLst>
+              <dgm:constr type="w" for="ch" forName="tx1" refType="w" fact="0.2"/>
+              <dgm:constr type="w" for="des" forName="tx2" refType="w" fact="0.785"/>
+              <dgm:constr type="w" for="des" forName="horzSpace2" refType="w" fact="0.015"/>
+              <dgm:constr type="w" for="des" forName="thinLine2b" refType="w" fact="0.8"/>
+            </dgm:constrLst>
+          </dgm:if>
+          <dgm:if name="Name10" axis="root des" func="maxDepth" op="equ" val="3">
+            <dgm:constrLst>
+              <dgm:constr type="w" for="ch" forName="tx1" refType="w" fact="0.2"/>
+              <dgm:constr type="w" for="des" forName="tx2" refType="w" fact="0.385"/>
+              <dgm:constr type="w" for="des" forName="tx3" refType="w" fact="0.385"/>
+              <dgm:constr type="w" for="des" forName="horzSpace2" refType="w" fact="0.015"/>
+              <dgm:constr type="w" for="des" forName="horzSpace3" refType="w" fact="0.015"/>
+              <dgm:constr type="w" for="des" forName="thinLine2b" refType="w" fact="0.8"/>
+              <dgm:constr type="w" for="des" forName="thinLine3" refType="w" fact="0.385"/>
+            </dgm:constrLst>
+          </dgm:if>
+          <dgm:if name="Name11" axis="root des" func="maxDepth" op="gte" val="4">
+            <dgm:constrLst>
+              <dgm:constr type="w" for="ch" forName="tx1" refType="w" fact="0.2"/>
+              <dgm:constr type="w" for="des" forName="tx2" refType="w" fact="0.2516"/>
+              <dgm:constr type="w" for="des" forName="tx3" refType="w" fact="0.2516"/>
+              <dgm:constr type="w" for="des" forName="tx4" refType="w" fact="0.2516"/>
+              <dgm:constr type="w" for="des" forName="horzSpace2" refType="w" fact="0.015"/>
+              <dgm:constr type="w" for="des" forName="horzSpace3" refType="w" fact="0.015"/>
+              <dgm:constr type="w" for="des" forName="horzSpace4" refType="w" fact="0.015"/>
+              <dgm:constr type="w" for="des" forName="thinLine2b" refType="w" fact="0.8"/>
+              <dgm:constr type="w" for="des" forName="thinLine3" refType="w" fact="0.5332"/>
+            </dgm:constrLst>
+          </dgm:if>
+          <dgm:else name="Name12"/>
+        </dgm:choose>
+        <dgm:layoutNode name="tx1" styleLbl="revTx">
+          <dgm:alg type="tx">
+            <dgm:param type="parTxLTRAlign" val="l"/>
+            <dgm:param type="parTxRTLAlign" val="r"/>
+            <dgm:param type="txAnchorVert" val="t"/>
+          </dgm:alg>
+          <dgm:shape xmlns:r="http://schemas.openxmlformats.org/officeDocument/2006/relationships" type="rect" r:blip="">
+            <dgm:adjLst/>
+          </dgm:shape>
+          <dgm:presOf axis="self"/>
+          <dgm:constrLst>
+            <dgm:constr type="tMarg" refType="primFontSz" fact="0.3"/>
+            <dgm:constr type="bMarg" refType="primFontSz" fact="0.3"/>
+            <dgm:constr type="lMarg" refType="primFontSz" fact="0.3"/>
+            <dgm:constr type="rMarg" refType="primFontSz" fact="0.3"/>
+          </dgm:constrLst>
+          <dgm:ruleLst>
+            <dgm:rule type="primFontSz" val="5" fact="NaN" max="NaN"/>
+          </dgm:ruleLst>
+        </dgm:layoutNode>
+        <dgm:layoutNode name="vert1">
+          <dgm:choose name="Name13">
+            <dgm:if name="Name14" func="var" arg="dir" op="equ" val="norm">
+              <dgm:alg type="lin">
+                <dgm:param type="linDir" val="fromT"/>
+                <dgm:param type="nodeHorzAlign" val="l"/>
+              </dgm:alg>
+            </dgm:if>
+            <dgm:else name="Name15">
+              <dgm:alg type="lin">
+                <dgm:param type="linDir" val="fromT"/>
+                <dgm:param type="nodeHorzAlign" val="r"/>
+              </dgm:alg>
+            </dgm:else>
+          </dgm:choose>
+          <dgm:shape xmlns:r="http://schemas.openxmlformats.org/officeDocument/2006/relationships" r:blip="">
+            <dgm:adjLst/>
+          </dgm:shape>
+          <dgm:presOf/>
+          <dgm:forEach name="Name16" axis="ch" ptType="node">
+            <dgm:choose name="Name17">
+              <dgm:if name="Name18" axis="self" ptType="node" func="pos" op="equ" val="1">
+                <dgm:layoutNode name="vertSpace2a">
+                  <dgm:alg type="sp"/>
+                  <dgm:shape xmlns:r="http://schemas.openxmlformats.org/officeDocument/2006/relationships" r:blip="">
+                    <dgm:adjLst/>
+                  </dgm:shape>
+                  <dgm:presOf/>
+                </dgm:layoutNode>
+              </dgm:if>
+              <dgm:else name="Name19"/>
+            </dgm:choose>
+            <dgm:layoutNode name="horz2">
+              <dgm:choose name="Name20">
+                <dgm:if name="Name21" func="var" arg="dir" op="equ" val="norm">
+                  <dgm:alg type="lin">
+                    <dgm:param type="linDir" val="fromL"/>
+                    <dgm:param type="nodeVertAlign" val="t"/>
+                  </dgm:alg>
+                </dgm:if>
+                <dgm:else name="Name22">
+                  <dgm:alg type="lin">
+                    <dgm:param type="linDir" val="fromR"/>
+                    <dgm:param type="nodeVertAlign" val="t"/>
+                  </dgm:alg>
+                </dgm:else>
+              </dgm:choose>
+              <dgm:shape xmlns:r="http://schemas.openxmlformats.org/officeDocument/2006/relationships" r:blip="">
+                <dgm:adjLst/>
+              </dgm:shape>
+              <dgm:presOf/>
+              <dgm:layoutNode name="horzSpace2">
+                <dgm:alg type="sp"/>
+                <dgm:shape xmlns:r="http://schemas.openxmlformats.org/officeDocument/2006/relationships" r:blip="">
+                  <dgm:adjLst/>
+                </dgm:shape>
+                <dgm:presOf/>
+              </dgm:layoutNode>
+              <dgm:layoutNode name="tx2" styleLbl="revTx">
+                <dgm:alg type="tx">
+                  <dgm:param type="parTxLTRAlign" val="l"/>
+                  <dgm:param type="parTxRTLAlign" val="r"/>
+                  <dgm:param type="txAnchorVert" val="t"/>
+                </dgm:alg>
+                <dgm:shape xmlns:r="http://schemas.openxmlformats.org/officeDocument/2006/relationships" type="rect" r:blip="">
+                  <dgm:adjLst/>
+                </dgm:shape>
+                <dgm:presOf axis="self"/>
+                <dgm:constrLst>
+                  <dgm:constr type="tMarg" refType="primFontSz" fact="0.3"/>
+                  <dgm:constr type="bMarg" refType="primFontSz" fact="0.3"/>
+                  <dgm:constr type="lMarg" refType="primFontSz" fact="0.3"/>
+                  <dgm:constr type="rMarg" refType="primFontSz" fact="0.3"/>
+                </dgm:constrLst>
+                <dgm:ruleLst>
+                  <dgm:rule type="primFontSz" val="5" fact="NaN" max="NaN"/>
+                </dgm:ruleLst>
+              </dgm:layoutNode>
+              <dgm:layoutNode name="vert2">
+                <dgm:choose name="Name23">
+                  <dgm:if name="Name24" func="var" arg="dir" op="equ" val="norm">
+                    <dgm:alg type="lin">
+                      <dgm:param type="linDir" val="fromT"/>
+                      <dgm:param type="nodeHorzAlign" val="l"/>
+                    </dgm:alg>
+                  </dgm:if>
+                  <dgm:else name="Name25">
+                    <dgm:alg type="lin">
+                      <dgm:param type="linDir" val="fromT"/>
+                      <dgm:param type="nodeHorzAlign" val="r"/>
+                    </dgm:alg>
+                  </dgm:else>
+                </dgm:choose>
+                <dgm:shape xmlns:r="http://schemas.openxmlformats.org/officeDocument/2006/relationships" r:blip="">
+                  <dgm:adjLst/>
+                </dgm:shape>
+                <dgm:presOf/>
+                <dgm:forEach name="Name26" axis="ch" ptType="node">
+                  <dgm:layoutNode name="horz3">
+                    <dgm:choose name="Name27">
+                      <dgm:if name="Name28" func="var" arg="dir" op="equ" val="norm">
+                        <dgm:alg type="lin">
+                          <dgm:param type="linDir" val="fromL"/>
+                          <dgm:param type="nodeVertAlign" val="t"/>
+                        </dgm:alg>
+                      </dgm:if>
+                      <dgm:else name="Name29">
+                        <dgm:alg type="lin">
+                          <dgm:param type="linDir" val="fromR"/>
+                          <dgm:param type="nodeVertAlign" val="t"/>
+                        </dgm:alg>
+                      </dgm:else>
+                    </dgm:choose>
+                    <dgm:shape xmlns:r="http://schemas.openxmlformats.org/officeDocument/2006/relationships" r:blip="">
+                      <dgm:adjLst/>
+                    </dgm:shape>
+                    <dgm:presOf/>
+                    <dgm:layoutNode name="horzSpace3">
+                      <dgm:alg type="sp"/>
+                      <dgm:shape xmlns:r="http://schemas.openxmlformats.org/officeDocument/2006/relationships" r:blip="">
+                        <dgm:adjLst/>
+                      </dgm:shape>
+                      <dgm:presOf/>
+                    </dgm:layoutNode>
+                    <dgm:layoutNode name="tx3" styleLbl="revTx">
+                      <dgm:alg type="tx">
+                        <dgm:param type="parTxLTRAlign" val="l"/>
+                        <dgm:param type="parTxRTLAlign" val="r"/>
+                        <dgm:param type="txAnchorVert" val="t"/>
+                      </dgm:alg>
+                      <dgm:shape xmlns:r="http://schemas.openxmlformats.org/officeDocument/2006/relationships" type="rect" r:blip="">
+                        <dgm:adjLst/>
+                      </dgm:shape>
+                      <dgm:presOf axis="self"/>
+                      <dgm:constrLst>
+                        <dgm:constr type="tMarg" refType="primFontSz" fact="0.3"/>
+                        <dgm:constr type="bMarg" refType="primFontSz" fact="0.3"/>
+                        <dgm:constr type="lMarg" refType="primFontSz" fact="0.3"/>
+                        <dgm:constr type="rMarg" refType="primFontSz" fact="0.3"/>
+                      </dgm:constrLst>
+                      <dgm:ruleLst>
+                        <dgm:rule type="primFontSz" val="5" fact="NaN" max="NaN"/>
+                      </dgm:ruleLst>
+                    </dgm:layoutNode>
+                    <dgm:layoutNode name="vert3">
+                      <dgm:choose name="Name30">
+                        <dgm:if name="Name31" func="var" arg="dir" op="equ" val="norm">
+                          <dgm:alg type="lin">
+                            <dgm:param type="linDir" val="fromT"/>
+                            <dgm:param type="nodeHorzAlign" val="l"/>
+                          </dgm:alg>
+                        </dgm:if>
+                        <dgm:else name="Name32">
+                          <dgm:alg type="lin">
+                            <dgm:param type="linDir" val="fromT"/>
+                            <dgm:param type="nodeHorzAlign" val="r"/>
+                          </dgm:alg>
+                        </dgm:else>
+                      </dgm:choose>
+                      <dgm:shape xmlns:r="http://schemas.openxmlformats.org/officeDocument/2006/relationships" r:blip="">
+                        <dgm:adjLst/>
+                      </dgm:shape>
+                      <dgm:presOf/>
+                      <dgm:forEach name="Name33" axis="ch" ptType="node">
+                        <dgm:layoutNode name="horz4">
+                          <dgm:choose name="Name34">
+                            <dgm:if name="Name35" func="var" arg="dir" op="equ" val="norm">
+                              <dgm:alg type="lin">
+                                <dgm:param type="linDir" val="fromL"/>
+                                <dgm:param type="nodeVertAlign" val="t"/>
+                              </dgm:alg>
+                            </dgm:if>
+                            <dgm:else name="Name36">
+                              <dgm:alg type="lin">
+                                <dgm:param type="linDir" val="fromR"/>
+                                <dgm:param type="nodeVertAlign" val="t"/>
+                              </dgm:alg>
+                            </dgm:else>
+                          </dgm:choose>
+                          <dgm:shape xmlns:r="http://schemas.openxmlformats.org/officeDocument/2006/relationships" r:blip="">
+                            <dgm:adjLst/>
+                          </dgm:shape>
+                          <dgm:presOf/>
+                          <dgm:layoutNode name="horzSpace4">
+                            <dgm:alg type="sp"/>
+                            <dgm:shape xmlns:r="http://schemas.openxmlformats.org/officeDocument/2006/relationships" r:blip="">
+                              <dgm:adjLst/>
+                            </dgm:shape>
+                            <dgm:presOf/>
+                          </dgm:layoutNode>
+                          <dgm:layoutNode name="tx4" styleLbl="revTx">
+                            <dgm:varLst>
+                              <dgm:bulletEnabled val="1"/>
+                            </dgm:varLst>
+                            <dgm:alg type="tx">
+                              <dgm:param type="parTxLTRAlign" val="l"/>
+                              <dgm:param type="parTxRTLAlign" val="r"/>
+                              <dgm:param type="txAnchorVert" val="t"/>
+                            </dgm:alg>
+                            <dgm:shape xmlns:r="http://schemas.openxmlformats.org/officeDocument/2006/relationships" type="rect" r:blip="">
+                              <dgm:adjLst/>
+                            </dgm:shape>
+                            <dgm:presOf axis="desOrSelf" ptType="node"/>
+                            <dgm:constrLst>
+                              <dgm:constr type="tMarg" refType="primFontSz" fact="0.3"/>
+                              <dgm:constr type="bMarg" refType="primFontSz" fact="0.3"/>
+                              <dgm:constr type="lMarg" refType="primFontSz" fact="0.3"/>
+                              <dgm:constr type="rMarg" refType="primFontSz" fact="0.3"/>
+                            </dgm:constrLst>
+                            <dgm:ruleLst>
+                              <dgm:rule type="primFontSz" val="5" fact="NaN" max="NaN"/>
+                            </dgm:ruleLst>
+                          </dgm:layoutNode>
+                        </dgm:layoutNode>
+                      </dgm:forEach>
+                    </dgm:layoutNode>
+                  </dgm:layoutNode>
+                  <dgm:forEach name="Name37" axis="followSib" ptType="sibTrans" cnt="1">
+                    <dgm:layoutNode name="thinLine3" styleLbl="callout">
+                      <dgm:alg type="sp"/>
+                      <dgm:shape xmlns:r="http://schemas.openxmlformats.org/officeDocument/2006/relationships" type="line" r:blip="">
+                        <dgm:adjLst/>
+                      </dgm:shape>
+                      <dgm:presOf/>
+                    </dgm:layoutNode>
+                  </dgm:forEach>
+                </dgm:forEach>
+              </dgm:layoutNode>
+            </dgm:layoutNode>
+            <dgm:layoutNode name="thinLine2b" styleLbl="callout">
+              <dgm:alg type="sp"/>
+              <dgm:shape xmlns:r="http://schemas.openxmlformats.org/officeDocument/2006/relationships" type="line" r:blip="">
+                <dgm:adjLst/>
+              </dgm:shape>
+              <dgm:presOf/>
+            </dgm:layoutNode>
+            <dgm:layoutNode name="vertSpace2b">
+              <dgm:alg type="sp"/>
+              <dgm:shape xmlns:r="http://schemas.openxmlformats.org/officeDocument/2006/relationships" r:blip="">
+                <dgm:adjLst/>
+              </dgm:shape>
+              <dgm:presOf/>
+            </dgm:layoutNode>
+          </dgm:forEach>
+        </dgm:layoutNode>
+      </dgm:layoutNode>
+    </dgm:forEach>
+  </dgm:layoutNode>
+</dgm:layoutDef>
+</file>
+
 <file path=ppt/diagrams/quickStyle1.xml><?xml version="1.0" encoding="utf-8"?>
+<dgm:styleDef xmlns:dgm="http://schemas.openxmlformats.org/drawingml/2006/diagram" xmlns:a="http://schemas.openxmlformats.org/drawingml/2006/main" uniqueId="urn:microsoft.com/office/officeart/2005/8/quickstyle/simple1">
+  <dgm:title val=""/>
+  <dgm:desc val=""/>
+  <dgm:catLst>
+    <dgm:cat type="simple" pri="10100"/>
+  </dgm:catLst>
+  <dgm:scene3d>
+    <a:camera prst="orthographicFront"/>
+    <a:lightRig rig="threePt" dir="t"/>
+  </dgm:scene3d>
+  <dgm:styleLbl name="node0">
+    <dgm:scene3d>
+      <a:camera prst="orthographicFront"/>
+      <a:lightRig rig="threePt" dir="t"/>
+    </dgm:scene3d>
+    <dgm:sp3d/>
+    <dgm:txPr/>
+    <dgm:style>
+      <a:lnRef idx="2">
+        <a:scrgbClr r="0" g="0" b="0"/>
+      </a:lnRef>
+      <a:fillRef idx="1">
+        <a:scrgbClr r="0" g="0" b="0"/>
+      </a:fillRef>
+      <a:effectRef idx="0">
+        <a:scrgbClr r="0" g="0" b="0"/>
+      </a:effectRef>
+      <a:fontRef idx="minor">
+        <a:schemeClr val="lt1"/>
+      </a:fontRef>
+    </dgm:style>
+  </dgm:styleLbl>
+  <dgm:styleLbl name="lnNode1">
+    <dgm:scene3d>
+      <a:camera prst="orthographicFront"/>
+      <a:lightRig rig="threePt" dir="t"/>
+    </dgm:scene3d>
+    <dgm:sp3d/>
+    <dgm:txPr/>
+    <dgm:style>
+      <a:lnRef idx="2">
+        <a:scrgbClr r="0" g="0" b="0"/>
+      </a:lnRef>
+      <a:fillRef idx="1">
+        <a:scrgbClr r="0" g="0" b="0"/>
+      </a:fillRef>
+      <a:effectRef idx="0">
+        <a:scrgbClr r="0" g="0" b="0"/>
+      </a:effectRef>
+      <a:fontRef idx="minor">
+        <a:schemeClr val="lt1"/>
+      </a:fontRef>
+    </dgm:style>
+  </dgm:styleLbl>
+  <dgm:styleLbl name="vennNode1">
+    <dgm:scene3d>
+      <a:camera prst="orthographicFront"/>
+      <a:lightRig rig="threePt" dir="t"/>
+    </dgm:scene3d>
+    <dgm:sp3d/>
+    <dgm:txPr/>
+    <dgm:style>
+      <a:lnRef idx="2">
+        <a:scrgbClr r="0" g="0" b="0"/>
+      </a:lnRef>
+      <a:fillRef idx="1">
+        <a:scrgbClr r="0" g="0" b="0"/>
+      </a:fillRef>
+      <a:effectRef idx="0">
+        <a:scrgbClr r="0" g="0" b="0"/>
+      </a:effectRef>
+      <a:fontRef idx="minor">
+        <a:schemeClr val="tx1"/>
+      </a:fontRef>
+    </dgm:style>
+  </dgm:styleLbl>
+  <dgm:styleLbl name="alignNode1">
+    <dgm:scene3d>
+      <a:camera prst="orthographicFront"/>
+      <a:lightRig rig="threePt" dir="t"/>
+    </dgm:scene3d>
+    <dgm:sp3d/>
+    <dgm:txPr/>
+    <dgm:style>
+      <a:lnRef idx="2">
+        <a:scrgbClr r="0" g="0" b="0"/>
+      </a:lnRef>
+      <a:fillRef idx="1">
+        <a:scrgbClr r="0" g="0" b="0"/>
+      </a:fillRef>
+      <a:effectRef idx="0">
+        <a:scrgbClr r="0" g="0" b="0"/>
+      </a:effectRef>
+      <a:fontRef idx="minor">
+        <a:schemeClr val="lt1"/>
+      </a:fontRef>
+    </dgm:style>
+  </dgm:styleLbl>
+  <dgm:styleLbl name="node1">
+    <dgm:scene3d>
+      <a:camera prst="orthographicFront"/>
+      <a:lightRig rig="threePt" dir="t"/>
+    </dgm:scene3d>
+    <dgm:sp3d/>
+    <dgm:txPr/>
+    <dgm:style>
+      <a:lnRef idx="2">
+        <a:scrgbClr r="0" g="0" b="0"/>
+      </a:lnRef>
+      <a:fillRef idx="1">
+        <a:scrgbClr r="0" g="0" b="0"/>
+      </a:fillRef>
+      <a:effectRef idx="0">
+        <a:scrgbClr r="0" g="0" b="0"/>
+      </a:effectRef>
+      <a:fontRef idx="minor">
+        <a:schemeClr val="lt1"/>
+      </a:fontRef>
+    </dgm:style>
+  </dgm:styleLbl>
+  <dgm:styleLbl name="node2">
+    <dgm:scene3d>
+      <a:camera prst="orthographicFront"/>
+      <a:lightRig rig="threePt" dir="t"/>
+    </dgm:scene3d>
+    <dgm:sp3d/>
+    <dgm:txPr/>
+    <dgm:style>
+      <a:lnRef idx="2">
+        <a:scrgbClr r="0" g="0" b="0"/>
+      </a:lnRef>
+      <a:fillRef idx="1">
+        <a:scrgbClr r="0" g="0" b="0"/>
+      </a:fillRef>
+      <a:effectRef idx="0">
+        <a:scrgbClr r="0" g="0" b="0"/>
+      </a:effectRef>
+      <a:fontRef idx="minor">
+        <a:schemeClr val="lt1"/>
+      </a:fontRef>
+    </dgm:style>
+  </dgm:styleLbl>
+  <dgm:styleLbl name="node3">
+    <dgm:scene3d>
+      <a:camera prst="orthographicFront"/>
+      <a:lightRig rig="threePt" dir="t"/>
+    </dgm:scene3d>
+    <dgm:sp3d/>
+    <dgm:txPr/>
+    <dgm:style>
+      <a:lnRef idx="2">
+        <a:scrgbClr r="0" g="0" b="0"/>
+      </a:lnRef>
+      <a:fillRef idx="1">
+        <a:scrgbClr r="0" g="0" b="0"/>
+      </a:fillRef>
+      <a:effectRef idx="0">
+        <a:scrgbClr r="0" g="0" b="0"/>
+      </a:effectRef>
+      <a:fontRef idx="minor">
+        <a:schemeClr val="lt1"/>
+      </a:fontRef>
+    </dgm:style>
+  </dgm:styleLbl>
+  <dgm:styleLbl name="node4">
+    <dgm:scene3d>
+      <a:camera prst="orthographicFront"/>
+      <a:lightRig rig="threePt" dir="t"/>
+    </dgm:scene3d>
+    <dgm:sp3d/>
+    <dgm:txPr/>
+    <dgm:style>
+      <a:lnRef idx="2">
+        <a:scrgbClr r="0" g="0" b="0"/>
+      </a:lnRef>
+      <a:fillRef idx="1">
+        <a:scrgbClr r="0" g="0" b="0"/>
+      </a:fillRef>
+      <a:effectRef idx="0">
+        <a:scrgbClr r="0" g="0" b="0"/>
+      </a:effectRef>
+      <a:fontRef idx="minor">
+        <a:schemeClr val="lt1"/>
+      </a:fontRef>
+    </dgm:style>
+  </dgm:styleLbl>
+  <dgm:styleLbl name="fgImgPlace1">
+    <dgm:scene3d>
+      <a:camera prst="orthographicFront"/>
+      <a:lightRig rig="threePt" dir="t"/>
+    </dgm:scene3d>
+    <dgm:sp3d/>
+    <dgm:txPr/>
+    <dgm:style>
+      <a:lnRef idx="2">
+        <a:scrgbClr r="0" g="0" b="0"/>
+      </a:lnRef>
+      <a:fillRef idx="1">
+        <a:scrgbClr r="0" g="0" b="0"/>
+      </a:fillRef>
+      <a:effectRef idx="0">
+        <a:scrgbClr r="0" g="0" b="0"/>
+      </a:effectRef>
+      <a:fontRef idx="minor"/>
+    </dgm:style>
+  </dgm:styleLbl>
+  <dgm:styleLbl name="alignImgPlace1">
+    <dgm:scene3d>
+      <a:camera prst="orthographicFront"/>
+      <a:lightRig rig="threePt" dir="t"/>
+    </dgm:scene3d>
+    <dgm:sp3d/>
+    <dgm:txPr/>
+    <dgm:style>
+      <a:lnRef idx="2">
+        <a:scrgbClr r="0" g="0" b="0"/>
+      </a:lnRef>
+      <a:fillRef idx="1">
+        <a:scrgbClr r="0" g="0" b="0"/>
+      </a:fillRef>
+      <a:effectRef idx="0">
+        <a:scrgbClr r="0" g="0" b="0"/>
+      </a:effectRef>
+      <a:fontRef idx="minor"/>
+    </dgm:style>
+  </dgm:styleLbl>
+  <dgm:styleLbl name="bgImgPlace1">
+    <dgm:scene3d>
+      <a:camera prst="orthographicFront"/>
+      <a:lightRig rig="threePt" dir="t"/>
+    </dgm:scene3d>
+    <dgm:sp3d/>
+    <dgm:txPr/>
+    <dgm:style>
+      <a:lnRef idx="2">
+        <a:scrgbClr r="0" g="0" b="0"/>
+      </a:lnRef>
+      <a:fillRef idx="1">
+        <a:scrgbClr r="0" g="0" b="0"/>
+      </a:fillRef>
+      <a:effectRef idx="0">
+        <a:scrgbClr r="0" g="0" b="0"/>
+      </a:effectRef>
+      <a:fontRef idx="minor"/>
+    </dgm:style>
+  </dgm:styleLbl>
+  <dgm:styleLbl name="sibTrans2D1">
+    <dgm:scene3d>
+      <a:camera prst="orthographicFront"/>
+      <a:lightRig rig="threePt" dir="t"/>
+    </dgm:scene3d>
+    <dgm:sp3d/>
+    <dgm:txPr/>
+    <dgm:style>
+      <a:lnRef idx="0">
+        <a:scrgbClr r="0" g="0" b="0"/>
+      </a:lnRef>
+      <a:fillRef idx="1">
+        <a:scrgbClr r="0" g="0" b="0"/>
+      </a:fillRef>
+      <a:effectRef idx="0">
+        <a:scrgbClr r="0" g="0" b="0"/>
+      </a:effectRef>
+      <a:fontRef idx="minor">
+        <a:schemeClr val="lt1"/>
+      </a:fontRef>
+    </dgm:style>
+  </dgm:styleLbl>
+  <dgm:styleLbl name="fgSibTrans2D1">
+    <dgm:scene3d>
+      <a:camera prst="orthographicFront"/>
+      <a:lightRig rig="threePt" dir="t"/>
+    </dgm:scene3d>
+    <dgm:sp3d/>
+    <dgm:txPr/>
+    <dgm:style>
+      <a:lnRef idx="0">
+        <a:scrgbClr r="0" g="0" b="0"/>
+      </a:lnRef>
+      <a:fillRef idx="1">
+        <a:scrgbClr r="0" g="0" b="0"/>
+      </a:fillRef>
+      <a:effectRef idx="0">
+        <a:scrgbClr r="0" g="0" b="0"/>
+      </a:effectRef>
+      <a:fontRef idx="minor">
+        <a:schemeClr val="lt1"/>
+      </a:fontRef>
+    </dgm:style>
+  </dgm:styleLbl>
+  <dgm:styleLbl name="bgSibTrans2D1">
+    <dgm:scene3d>
+      <a:camera prst="orthographicFront"/>
+      <a:lightRig rig="threePt" dir="t"/>
+    </dgm:scene3d>
+    <dgm:sp3d/>
+    <dgm:txPr/>
+    <dgm:style>
+      <a:lnRef idx="0">
+        <a:scrgbClr r="0" g="0" b="0"/>
+      </a:lnRef>
+      <a:fillRef idx="1">
+        <a:scrgbClr r="0" g="0" b="0"/>
+      </a:fillRef>
+      <a:effectRef idx="0">
+        <a:scrgbClr r="0" g="0" b="0"/>
+      </a:effectRef>
+      <a:fontRef idx="minor">
+        <a:schemeClr val="lt1"/>
+      </a:fontRef>
+    </dgm:style>
+  </dgm:styleLbl>
+  <dgm:styleLbl name="sibTrans1D1">
+    <dgm:scene3d>
+      <a:camera prst="orthographicFront"/>
+      <a:lightRig rig="threePt" dir="t"/>
+    </dgm:scene3d>
+    <dgm:sp3d/>
+    <dgm:txPr/>
+    <dgm:style>
+      <a:lnRef idx="1">
+        <a:scrgbClr r="0" g="0" b="0"/>
+      </a:lnRef>
+      <a:fillRef idx="0">
+        <a:scrgbClr r="0" g="0" b="0"/>
+      </a:fillRef>
+      <a:effectRef idx="0">
+        <a:scrgbClr r="0" g="0" b="0"/>
+      </a:effectRef>
+      <a:fontRef idx="minor"/>
+    </dgm:style>
+  </dgm:styleLbl>
+  <dgm:styleLbl name="callout">
+    <dgm:scene3d>
+      <a:camera prst="orthographicFront"/>
+      <a:lightRig rig="threePt" dir="t"/>
+    </dgm:scene3d>
+    <dgm:sp3d/>
+    <dgm:txPr/>
+    <dgm:style>
+      <a:lnRef idx="2">
+        <a:scrgbClr r="0" g="0" b="0"/>
+      </a:lnRef>
+      <a:fillRef idx="1">
+        <a:scrgbClr r="0" g="0" b="0"/>
+      </a:fillRef>
+      <a:effectRef idx="0">
+        <a:scrgbClr r="0" g="0" b="0"/>
+      </a:effectRef>
+      <a:fontRef idx="minor"/>
+    </dgm:style>
+  </dgm:styleLbl>
+  <dgm:styleLbl name="asst0">
+    <dgm:scene3d>
+      <a:camera prst="orthographicFront"/>
+      <a:lightRig rig="threePt" dir="t"/>
+    </dgm:scene3d>
+    <dgm:sp3d/>
+    <dgm:txPr/>
+    <dgm:style>
+      <a:lnRef idx="2">
+        <a:scrgbClr r="0" g="0" b="0"/>
+      </a:lnRef>
+      <a:fillRef idx="1">
+        <a:scrgbClr r="0" g="0" b="0"/>
+      </a:fillRef>
+      <a:effectRef idx="0">
+        <a:scrgbClr r="0" g="0" b="0"/>
+      </a:effectRef>
+      <a:fontRef idx="minor">
+        <a:schemeClr val="lt1"/>
+      </a:fontRef>
+    </dgm:style>
+  </dgm:styleLbl>
+  <dgm:styleLbl name="asst1">
+    <dgm:scene3d>
+      <a:camera prst="orthographicFront"/>
+      <a:lightRig rig="threePt" dir="t"/>
+    </dgm:scene3d>
+    <dgm:sp3d/>
+    <dgm:txPr/>
+    <dgm:style>
+      <a:lnRef idx="2">
+        <a:scrgbClr r="0" g="0" b="0"/>
+      </a:lnRef>
+      <a:fillRef idx="1">
+        <a:scrgbClr r="0" g="0" b="0"/>
+      </a:fillRef>
+      <a:effectRef idx="0">
+        <a:scrgbClr r="0" g="0" b="0"/>
+      </a:effectRef>
+      <a:fontRef idx="minor">
+        <a:schemeClr val="lt1"/>
+      </a:fontRef>
+    </dgm:style>
+  </dgm:styleLbl>
+  <dgm:styleLbl name="asst2">
+    <dgm:scene3d>
+      <a:camera prst="orthographicFront"/>
+      <a:lightRig rig="threePt" dir="t"/>
+    </dgm:scene3d>
+    <dgm:sp3d/>
+    <dgm:txPr/>
+    <dgm:style>
+      <a:lnRef idx="2">
+        <a:scrgbClr r="0" g="0" b="0"/>
+      </a:lnRef>
+      <a:fillRef idx="1">
+        <a:scrgbClr r="0" g="0" b="0"/>
+      </a:fillRef>
+      <a:effectRef idx="0">
+        <a:scrgbClr r="0" g="0" b="0"/>
+      </a:effectRef>
+      <a:fontRef idx="minor">
+        <a:schemeClr val="lt1"/>
+      </a:fontRef>
+    </dgm:style>
+  </dgm:styleLbl>
+  <dgm:styleLbl name="asst3">
+    <dgm:scene3d>
+      <a:camera prst="orthographicFront"/>
+      <a:lightRig rig="threePt" dir="t"/>
+    </dgm:scene3d>
+    <dgm:sp3d/>
+    <dgm:txPr/>
+    <dgm:style>
+      <a:lnRef idx="2">
+        <a:scrgbClr r="0" g="0" b="0"/>
+      </a:lnRef>
+      <a:fillRef idx="1">
+        <a:scrgbClr r="0" g="0" b="0"/>
+      </a:fillRef>
+      <a:effectRef idx="0">
+        <a:scrgbClr r="0" g="0" b="0"/>
+      </a:effectRef>
+      <a:fontRef idx="minor">
+        <a:schemeClr val="lt1"/>
+      </a:fontRef>
+    </dgm:style>
+  </dgm:styleLbl>
+  <dgm:styleLbl name="asst4">
+    <dgm:scene3d>
+      <a:camera prst="orthographicFront"/>
+      <a:lightRig rig="threePt" dir="t"/>
+    </dgm:scene3d>
+    <dgm:sp3d/>
+    <dgm:txPr/>
+    <dgm:style>
+      <a:lnRef idx="2">
+        <a:scrgbClr r="0" g="0" b="0"/>
+      </a:lnRef>
+      <a:fillRef idx="1">
+        <a:scrgbClr r="0" g="0" b="0"/>
+      </a:fillRef>
+      <a:effectRef idx="0">
+        <a:scrgbClr r="0" g="0" b="0"/>
+      </a:effectRef>
+      <a:fontRef idx="minor">
+        <a:schemeClr val="lt1"/>
+      </a:fontRef>
+    </dgm:style>
+  </dgm:styleLbl>
+  <dgm:styleLbl name="parChTrans2D1">
+    <dgm:scene3d>
+      <a:camera prst="orthographicFront"/>
+      <a:lightRig rig="threePt" dir="t"/>
+    </dgm:scene3d>
+    <dgm:sp3d/>
+    <dgm:txPr/>
+    <dgm:style>
+      <a:lnRef idx="2">
+        <a:scrgbClr r="0" g="0" b="0"/>
+      </a:lnRef>
+      <a:fillRef idx="1">
+        <a:scrgbClr r="0" g="0" b="0"/>
+      </a:fillRef>
+      <a:effectRef idx="0">
+        <a:scrgbClr r="0" g="0" b="0"/>
+      </a:effectRef>
+      <a:fontRef idx="minor">
+        <a:schemeClr val="lt1"/>
+      </a:fontRef>
+    </dgm:style>
+  </dgm:styleLbl>
+  <dgm:styleLbl name="parChTrans2D2">
+    <dgm:scene3d>
+      <a:camera prst="orthographicFront"/>
+      <a:lightRig rig="threePt" dir="t"/>
+    </dgm:scene3d>
+    <dgm:sp3d/>
+    <dgm:txPr/>
+    <dgm:style>
+      <a:lnRef idx="2">
+        <a:scrgbClr r="0" g="0" b="0"/>
+      </a:lnRef>
+      <a:fillRef idx="1">
+        <a:scrgbClr r="0" g="0" b="0"/>
+      </a:fillRef>
+      <a:effectRef idx="0">
+        <a:scrgbClr r="0" g="0" b="0"/>
+      </a:effectRef>
+      <a:fontRef idx="minor">
+        <a:schemeClr val="lt1"/>
+      </a:fontRef>
+    </dgm:style>
+  </dgm:styleLbl>
+  <dgm:styleLbl name="parChTrans2D3">
+    <dgm:scene3d>
+      <a:camera prst="orthographicFront"/>
+      <a:lightRig rig="threePt" dir="t"/>
+    </dgm:scene3d>
+    <dgm:sp3d/>
+    <dgm:txPr/>
+    <dgm:style>
+      <a:lnRef idx="2">
+        <a:scrgbClr r="0" g="0" b="0"/>
+      </a:lnRef>
+      <a:fillRef idx="1">
+        <a:scrgbClr r="0" g="0" b="0"/>
+      </a:fillRef>
+      <a:effectRef idx="0">
+        <a:scrgbClr r="0" g="0" b="0"/>
+      </a:effectRef>
+      <a:fontRef idx="minor">
+        <a:schemeClr val="lt1"/>
+      </a:fontRef>
+    </dgm:style>
+  </dgm:styleLbl>
+  <dgm:styleLbl name="parChTrans2D4">
+    <dgm:scene3d>
+      <a:camera prst="orthographicFront"/>
+      <a:lightRig rig="threePt" dir="t"/>
+    </dgm:scene3d>
+    <dgm:sp3d/>
+    <dgm:txPr/>
+    <dgm:style>
+      <a:lnRef idx="2">
+        <a:scrgbClr r="0" g="0" b="0"/>
+      </a:lnRef>
+      <a:fillRef idx="1">
+        <a:scrgbClr r="0" g="0" b="0"/>
+      </a:fillRef>
+      <a:effectRef idx="0">
+        <a:scrgbClr r="0" g="0" b="0"/>
+      </a:effectRef>
+      <a:fontRef idx="minor">
+        <a:schemeClr val="lt1"/>
+      </a:fontRef>
+    </dgm:style>
+  </dgm:styleLbl>
+  <dgm:styleLbl name="parChTrans1D1">
+    <dgm:scene3d>
+      <a:camera prst="orthographicFront"/>
+      <a:lightRig rig="threePt" dir="t"/>
+    </dgm:scene3d>
+    <dgm:sp3d/>
+    <dgm:txPr/>
+    <dgm:style>
+      <a:lnRef idx="2">
+        <a:scrgbClr r="0" g="0" b="0"/>
+      </a:lnRef>
+      <a:fillRef idx="0">
+        <a:scrgbClr r="0" g="0" b="0"/>
+      </a:fillRef>
+      <a:effectRef idx="0">
+        <a:scrgbClr r="0" g="0" b="0"/>
+      </a:effectRef>
+      <a:fontRef idx="minor"/>
+    </dgm:style>
+  </dgm:styleLbl>
+  <dgm:styleLbl name="parChTrans1D2">
+    <dgm:scene3d>
+      <a:camera prst="orthographicFront"/>
+      <a:lightRig rig="threePt" dir="t"/>
+    </dgm:scene3d>
+    <dgm:sp3d/>
+    <dgm:txPr/>
+    <dgm:style>
+      <a:lnRef idx="2">
+        <a:scrgbClr r="0" g="0" b="0"/>
+      </a:lnRef>
+      <a:fillRef idx="0">
+        <a:scrgbClr r="0" g="0" b="0"/>
+      </a:fillRef>
+      <a:effectRef idx="0">
+        <a:scrgbClr r="0" g="0" b="0"/>
+      </a:effectRef>
+      <a:fontRef idx="minor"/>
+    </dgm:style>
+  </dgm:styleLbl>
+  <dgm:styleLbl name="parChTrans1D3">
+    <dgm:scene3d>
+      <a:camera prst="orthographicFront"/>
+      <a:lightRig rig="threePt" dir="t"/>
+    </dgm:scene3d>
+    <dgm:sp3d/>
+    <dgm:txPr/>
+    <dgm:style>
+      <a:lnRef idx="2">
+        <a:scrgbClr r="0" g="0" b="0"/>
+      </a:lnRef>
+      <a:fillRef idx="0">
+        <a:scrgbClr r="0" g="0" b="0"/>
+      </a:fillRef>
+      <a:effectRef idx="0">
+        <a:scrgbClr r="0" g="0" b="0"/>
+      </a:effectRef>
+      <a:fontRef idx="minor"/>
+    </dgm:style>
+  </dgm:styleLbl>
+  <dgm:styleLbl name="parChTrans1D4">
+    <dgm:scene3d>
+      <a:camera prst="orthographicFront"/>
+      <a:lightRig rig="threePt" dir="t"/>
+    </dgm:scene3d>
+    <dgm:sp3d/>
+    <dgm:txPr/>
+    <dgm:style>
+      <a:lnRef idx="2">
+        <a:scrgbClr r="0" g="0" b="0"/>
+      </a:lnRef>
+      <a:fillRef idx="0">
+        <a:scrgbClr r="0" g="0" b="0"/>
+      </a:fillRef>
+      <a:effectRef idx="0">
+        <a:scrgbClr r="0" g="0" b="0"/>
+      </a:effectRef>
+      <a:fontRef idx="minor"/>
+    </dgm:style>
+  </dgm:styleLbl>
+  <dgm:styleLbl name="fgAcc1">
+    <dgm:scene3d>
+      <a:camera prst="orthographicFront"/>
+      <a:lightRig rig="threePt" dir="t"/>
+    </dgm:scene3d>
+    <dgm:sp3d/>
+    <dgm:txPr/>
+    <dgm:style>
+      <a:lnRef idx="2">
+        <a:scrgbClr r="0" g="0" b="0"/>
+      </a:lnRef>
+      <a:fillRef idx="1">
+        <a:scrgbClr r="0" g="0" b="0"/>
+      </a:fillRef>
+      <a:effectRef idx="0">
+        <a:scrgbClr r="0" g="0" b="0"/>
+      </a:effectRef>
+      <a:fontRef idx="minor"/>
+    </dgm:style>
+  </dgm:styleLbl>
+  <dgm:styleLbl name="conFgAcc1">
+    <dgm:scene3d>
+      <a:camera prst="orthographicFront"/>
+      <a:lightRig rig="threePt" dir="t"/>
+    </dgm:scene3d>
+    <dgm:sp3d/>
+    <dgm:txPr/>
+    <dgm:style>
+      <a:lnRef idx="2">
+        <a:scrgbClr r="0" g="0" b="0"/>
+      </a:lnRef>
+      <a:fillRef idx="1">
+        <a:scrgbClr r="0" g="0" b="0"/>
+      </a:fillRef>
+      <a:effectRef idx="0">
+        <a:scrgbClr r="0" g="0" b="0"/>
+      </a:effectRef>
+      <a:fontRef idx="minor"/>
+    </dgm:style>
+  </dgm:styleLbl>
+  <dgm:styleLbl name="alignAcc1">
+    <dgm:scene3d>
+      <a:camera prst="orthographicFront"/>
+      <a:lightRig rig="threePt" dir="t"/>
+    </dgm:scene3d>
+    <dgm:sp3d/>
+    <dgm:txPr/>
+    <dgm:style>
+      <a:lnRef idx="2">
+        <a:scrgbClr r="0" g="0" b="0"/>
+      </a:lnRef>
+      <a:fillRef idx="1">
+        <a:scrgbClr r="0" g="0" b="0"/>
+      </a:fillRef>
+      <a:effectRef idx="0">
+        <a:scrgbClr r="0" g="0" b="0"/>
+      </a:effectRef>
+      <a:fontRef idx="minor"/>
+    </dgm:style>
+  </dgm:styleLbl>
+  <dgm:styleLbl name="trAlignAcc1">
+    <dgm:scene3d>
+      <a:camera prst="orthographicFront"/>
+      <a:lightRig rig="threePt" dir="t"/>
+    </dgm:scene3d>
+    <dgm:sp3d/>
+    <dgm:txPr/>
+    <dgm:style>
+      <a:lnRef idx="1">
+        <a:scrgbClr r="0" g="0" b="0"/>
+      </a:lnRef>
+      <a:fillRef idx="1">
+        <a:scrgbClr r="0" g="0" b="0"/>
+      </a:fillRef>
+      <a:effectRef idx="0">
+        <a:scrgbClr r="0" g="0" b="0"/>
+      </a:effectRef>
+      <a:fontRef idx="minor"/>
+    </dgm:style>
+  </dgm:styleLbl>
+  <dgm:styleLbl name="bgAcc1">
+    <dgm:scene3d>
+      <a:camera prst="orthographicFront"/>
+      <a:lightRig rig="threePt" dir="t"/>
+    </dgm:scene3d>
+    <dgm:sp3d/>
+    <dgm:txPr/>
+    <dgm:style>
+      <a:lnRef idx="2">
+        <a:scrgbClr r="0" g="0" b="0"/>
+      </a:lnRef>
+      <a:fillRef idx="1">
+        <a:scrgbClr r="0" g="0" b="0"/>
+      </a:fillRef>
+      <a:effectRef idx="0">
+        <a:scrgbClr r="0" g="0" b="0"/>
+      </a:effectRef>
+      <a:fontRef idx="minor"/>
+    </dgm:style>
+  </dgm:styleLbl>
+  <dgm:styleLbl name="solidFgAcc1">
+    <dgm:scene3d>
+      <a:camera prst="orthographicFront"/>
+      <a:lightRig rig="threePt" dir="t"/>
+    </dgm:scene3d>
+    <dgm:sp3d/>
+    <dgm:txPr/>
+    <dgm:style>
+      <a:lnRef idx="2">
+        <a:scrgbClr r="0" g="0" b="0"/>
+      </a:lnRef>
+      <a:fillRef idx="1">
+        <a:scrgbClr r="0" g="0" b="0"/>
+      </a:fillRef>
+      <a:effectRef idx="0">
+        <a:scrgbClr r="0" g="0" b="0"/>
+      </a:effectRef>
+      <a:fontRef idx="minor"/>
+    </dgm:style>
+  </dgm:styleLbl>
+  <dgm:styleLbl name="solidAlignAcc1">
+    <dgm:scene3d>
+      <a:camera prst="orthographicFront"/>
+      <a:lightRig rig="threePt" dir="t"/>
+    </dgm:scene3d>
+    <dgm:sp3d/>
+    <dgm:txPr/>
+    <dgm:style>
+      <a:lnRef idx="2">
+        <a:scrgbClr r="0" g="0" b="0"/>
+      </a:lnRef>
+      <a:fillRef idx="1">
+        <a:scrgbClr r="0" g="0" b="0"/>
+      </a:fillRef>
+      <a:effectRef idx="0">
+        <a:scrgbClr r="0" g="0" b="0"/>
+      </a:effectRef>
+      <a:fontRef idx="minor"/>
+    </dgm:style>
+  </dgm:styleLbl>
+  <dgm:styleLbl name="solidBgAcc1">
+    <dgm:scene3d>
+      <a:camera prst="orthographicFront"/>
+      <a:lightRig rig="threePt" dir="t"/>
+    </dgm:scene3d>
+    <dgm:sp3d/>
+    <dgm:txPr/>
+    <dgm:style>
+      <a:lnRef idx="2">
+        <a:scrgbClr r="0" g="0" b="0"/>
+      </a:lnRef>
+      <a:fillRef idx="1">
+        <a:scrgbClr r="0" g="0" b="0"/>
+      </a:fillRef>
+      <a:effectRef idx="0">
+        <a:scrgbClr r="0" g="0" b="0"/>
+      </a:effectRef>
+      <a:fontRef idx="minor"/>
+    </dgm:style>
+  </dgm:styleLbl>
+  <dgm:styleLbl name="fgAccFollowNode1">
+    <dgm:scene3d>
+      <a:camera prst="orthographicFront"/>
+      <a:lightRig rig="threePt" dir="t"/>
+    </dgm:scene3d>
+    <dgm:sp3d/>
+    <dgm:txPr/>
+    <dgm:style>
+      <a:lnRef idx="2">
+        <a:scrgbClr r="0" g="0" b="0"/>
+      </a:lnRef>
+      <a:fillRef idx="1">
+        <a:scrgbClr r="0" g="0" b="0"/>
+      </a:fillRef>
+      <a:effectRef idx="0">
+        <a:scrgbClr r="0" g="0" b="0"/>
+      </a:effectRef>
+      <a:fontRef idx="minor"/>
+    </dgm:style>
+  </dgm:styleLbl>
+  <dgm:styleLbl name="alignAccFollowNode1">
+    <dgm:scene3d>
+      <a:camera prst="orthographicFront"/>
+      <a:lightRig rig="threePt" dir="t"/>
+    </dgm:scene3d>
+    <dgm:sp3d/>
+    <dgm:txPr/>
+    <dgm:style>
+      <a:lnRef idx="2">
+        <a:scrgbClr r="0" g="0" b="0"/>
+      </a:lnRef>
+      <a:fillRef idx="1">
+        <a:scrgbClr r="0" g="0" b="0"/>
+      </a:fillRef>
+      <a:effectRef idx="0">
+        <a:scrgbClr r="0" g="0" b="0"/>
+      </a:effectRef>
+      <a:fontRef idx="minor"/>
+    </dgm:style>
+  </dgm:styleLbl>
+  <dgm:styleLbl name="bgAccFollowNode1">
+    <dgm:scene3d>
+      <a:camera prst="orthographicFront"/>
+      <a:lightRig rig="threePt" dir="t"/>
+    </dgm:scene3d>
+    <dgm:sp3d/>
+    <dgm:txPr/>
+    <dgm:style>
+      <a:lnRef idx="2">
+        <a:scrgbClr r="0" g="0" b="0"/>
+      </a:lnRef>
+      <a:fillRef idx="1">
+        <a:scrgbClr r="0" g="0" b="0"/>
+      </a:fillRef>
+      <a:effectRef idx="0">
+        <a:scrgbClr r="0" g="0" b="0"/>
+      </a:effectRef>
+      <a:fontRef idx="minor"/>
+    </dgm:style>
+  </dgm:styleLbl>
+  <dgm:styleLbl name="fgAcc0">
+    <dgm:scene3d>
+      <a:camera prst="orthographicFront"/>
+      <a:lightRig rig="threePt" dir="t"/>
+    </dgm:scene3d>
+    <dgm:sp3d/>
+    <dgm:txPr/>
+    <dgm:style>
+      <a:lnRef idx="2">
+        <a:scrgbClr r="0" g="0" b="0"/>
+      </a:lnRef>
+      <a:fillRef idx="1">
+        <a:scrgbClr r="0" g="0" b="0"/>
+      </a:fillRef>
+      <a:effectRef idx="0">
+        <a:scrgbClr r="0" g="0" b="0"/>
+      </a:effectRef>
+      <a:fontRef idx="minor"/>
+    </dgm:style>
+  </dgm:styleLbl>
+  <dgm:styleLbl name="fgAcc2">
+    <dgm:scene3d>
+      <a:camera prst="orthographicFront"/>
+      <a:lightRig rig="threePt" dir="t"/>
+    </dgm:scene3d>
+    <dgm:sp3d/>
+    <dgm:txPr/>
+    <dgm:style>
+      <a:lnRef idx="2">
+        <a:scrgbClr r="0" g="0" b="0"/>
+      </a:lnRef>
+      <a:fillRef idx="1">
+        <a:scrgbClr r="0" g="0" b="0"/>
+      </a:fillRef>
+      <a:effectRef idx="0">
+        <a:scrgbClr r="0" g="0" b="0"/>
+      </a:effectRef>
+      <a:fontRef idx="minor"/>
+    </dgm:style>
+  </dgm:styleLbl>
+  <dgm:styleLbl name="fgAcc3">
+    <dgm:scene3d>
+      <a:camera prst="orthographicFront"/>
+      <a:lightRig rig="threePt" dir="t"/>
+    </dgm:scene3d>
+    <dgm:sp3d/>
+    <dgm:txPr/>
+    <dgm:style>
+      <a:lnRef idx="2">
+        <a:scrgbClr r="0" g="0" b="0"/>
+      </a:lnRef>
+      <a:fillRef idx="1">
+        <a:scrgbClr r="0" g="0" b="0"/>
+      </a:fillRef>
+      <a:effectRef idx="0">
+        <a:scrgbClr r="0" g="0" b="0"/>
+      </a:effectRef>
+      <a:fontRef idx="minor"/>
+    </dgm:style>
+  </dgm:styleLbl>
+  <dgm:styleLbl name="fgAcc4">
+    <dgm:scene3d>
+      <a:camera prst="orthographicFront"/>
+      <a:lightRig rig="threePt" dir="t"/>
+    </dgm:scene3d>
+    <dgm:sp3d/>
+    <dgm:txPr/>
+    <dgm:style>
+      <a:lnRef idx="2">
+        <a:scrgbClr r="0" g="0" b="0"/>
+      </a:lnRef>
+      <a:fillRef idx="1">
+        <a:scrgbClr r="0" g="0" b="0"/>
+      </a:fillRef>
+      <a:effectRef idx="0">
+        <a:scrgbClr r="0" g="0" b="0"/>
+      </a:effectRef>
+      <a:fontRef idx="minor"/>
+    </dgm:style>
+  </dgm:styleLbl>
+  <dgm:styleLbl name="bgShp">
+    <dgm:scene3d>
+      <a:camera prst="orthographicFront"/>
+      <a:lightRig rig="threePt" dir="t"/>
+    </dgm:scene3d>
+    <dgm:sp3d/>
+    <dgm:txPr/>
+    <dgm:style>
+      <a:lnRef idx="0">
+        <a:scrgbClr r="0" g="0" b="0"/>
+      </a:lnRef>
+      <a:fillRef idx="1">
+        <a:scrgbClr r="0" g="0" b="0"/>
+      </a:fillRef>
+      <a:effectRef idx="0">
+        <a:scrgbClr r="0" g="0" b="0"/>
+      </a:effectRef>
+      <a:fontRef idx="minor"/>
+    </dgm:style>
+  </dgm:styleLbl>
+  <dgm:styleLbl name="dkBgShp">
+    <dgm:scene3d>
+      <a:camera prst="orthographicFront"/>
+      <a:lightRig rig="threePt" dir="t"/>
+    </dgm:scene3d>
+    <dgm:sp3d/>
+    <dgm:txPr/>
+    <dgm:style>
+      <a:lnRef idx="0">
+        <a:scrgbClr r="0" g="0" b="0"/>
+      </a:lnRef>
+      <a:fillRef idx="1">
+        <a:scrgbClr r="0" g="0" b="0"/>
+      </a:fillRef>
+      <a:effectRef idx="0">
+        <a:scrgbClr r="0" g="0" b="0"/>
+      </a:effectRef>
+      <a:fontRef idx="minor"/>
+    </dgm:style>
+  </dgm:styleLbl>
+  <dgm:styleLbl name="trBgShp">
+    <dgm:scene3d>
+      <a:camera prst="orthographicFront"/>
+      <a:lightRig rig="threePt" dir="t"/>
+    </dgm:scene3d>
+    <dgm:sp3d/>
+    <dgm:txPr/>
+    <dgm:style>
+      <a:lnRef idx="0">
+        <a:scrgbClr r="0" g="0" b="0"/>
+      </a:lnRef>
+      <a:fillRef idx="1">
+        <a:scrgbClr r="0" g="0" b="0"/>
+      </a:fillRef>
+      <a:effectRef idx="0">
+        <a:scrgbClr r="0" g="0" b="0"/>
+      </a:effectRef>
+      <a:fontRef idx="minor"/>
+    </dgm:style>
+  </dgm:styleLbl>
+  <dgm:styleLbl name="fgShp">
+    <dgm:scene3d>
+      <a:camera prst="orthographicFront"/>
+      <a:lightRig rig="threePt" dir="t"/>
+    </dgm:scene3d>
+    <dgm:sp3d/>
+    <dgm:txPr/>
+    <dgm:style>
+      <a:lnRef idx="2">
+        <a:scrgbClr r="0" g="0" b="0"/>
+      </a:lnRef>
+      <a:fillRef idx="1">
+        <a:scrgbClr r="0" g="0" b="0"/>
+      </a:fillRef>
+      <a:effectRef idx="0">
+        <a:scrgbClr r="0" g="0" b="0"/>
+      </a:effectRef>
+      <a:fontRef idx="minor"/>
+    </dgm:style>
+  </dgm:styleLbl>
+  <dgm:styleLbl name="revTx">
+    <dgm:scene3d>
+      <a:camera prst="orthographicFront"/>
+      <a:lightRig rig="threePt" dir="t"/>
+    </dgm:scene3d>
+    <dgm:sp3d/>
+    <dgm:txPr/>
+    <dgm:style>
+      <a:lnRef idx="0">
+        <a:scrgbClr r="0" g="0" b="0"/>
+      </a:lnRef>
+      <a:fillRef idx="0">
+        <a:scrgbClr r="0" g="0" b="0"/>
+      </a:fillRef>
+      <a:effectRef idx="0">
+        <a:scrgbClr r="0" g="0" b="0"/>
+      </a:effectRef>
+      <a:fontRef idx="minor"/>
+    </dgm:style>
+  </dgm:styleLbl>
+</dgm:styleDef>
+</file>
+
+<file path=ppt/diagrams/quickStyle2.xml><?xml version="1.0" encoding="utf-8"?>
 <dgm:styleDef xmlns:dgm="http://schemas.openxmlformats.org/drawingml/2006/diagram" xmlns:a="http://schemas.openxmlformats.org/drawingml/2006/main" uniqueId="urn:microsoft.com/office/officeart/2005/8/quickstyle/simple1">
   <dgm:title val=""/>
   <dgm:desc val=""/>
@@ -8226,7 +11391,7 @@
           <a:p>
             <a:fld id="{EA1CC094-12E6-4F9F-82F5-1A38127CE907}" type="datetimeFigureOut">
               <a:rPr lang="fr-FR" smtClean="0"/>
-              <a:t>03/09/2021</a:t>
+              <a:t>27/11/2021</a:t>
             </a:fld>
             <a:endParaRPr lang="fr-FR" dirty="0"/>
           </a:p>
@@ -8403,7 +11568,7 @@
           <a:p>
             <a:fld id="{BC6A08E4-D36B-45FA-8B7F-C57E9F8E890F}" type="datetimeFigureOut">
               <a:rPr lang="fr-FR" smtClean="0"/>
-              <a:t>03/09/2021</a:t>
+              <a:t>27/11/2021</a:t>
             </a:fld>
             <a:endParaRPr lang="fr-FR" dirty="0"/>
           </a:p>
@@ -9479,7 +12644,7 @@
           <a:p>
             <a:fld id="{371F68BF-F5BE-4C54-8779-E629647EEC8B}" type="datetimeFigureOut">
               <a:rPr lang="fr-FR" smtClean="0"/>
-              <a:t>03/09/2021</a:t>
+              <a:t>27/11/2021</a:t>
             </a:fld>
             <a:endParaRPr lang="fr-FR" dirty="0"/>
           </a:p>
@@ -9734,7 +12899,7 @@
           <a:p>
             <a:fld id="{371F68BF-F5BE-4C54-8779-E629647EEC8B}" type="datetimeFigureOut">
               <a:rPr lang="fr-FR" smtClean="0"/>
-              <a:t>03/09/2021</a:t>
+              <a:t>27/11/2021</a:t>
             </a:fld>
             <a:endParaRPr lang="fr-FR" dirty="0"/>
           </a:p>
@@ -10048,7 +13213,7 @@
           <a:p>
             <a:fld id="{371F68BF-F5BE-4C54-8779-E629647EEC8B}" type="datetimeFigureOut">
               <a:rPr lang="fr-FR" smtClean="0"/>
-              <a:t>03/09/2021</a:t>
+              <a:t>27/11/2021</a:t>
             </a:fld>
             <a:endParaRPr lang="fr-FR" dirty="0"/>
           </a:p>
@@ -10389,7 +13554,7 @@
           <a:p>
             <a:fld id="{371F68BF-F5BE-4C54-8779-E629647EEC8B}" type="datetimeFigureOut">
               <a:rPr lang="fr-FR" smtClean="0"/>
-              <a:t>03/09/2021</a:t>
+              <a:t>27/11/2021</a:t>
             </a:fld>
             <a:endParaRPr lang="fr-FR" dirty="0"/>
           </a:p>
@@ -10703,7 +13868,7 @@
           <a:p>
             <a:fld id="{371F68BF-F5BE-4C54-8779-E629647EEC8B}" type="datetimeFigureOut">
               <a:rPr lang="fr-FR" smtClean="0"/>
-              <a:t>03/09/2021</a:t>
+              <a:t>27/11/2021</a:t>
             </a:fld>
             <a:endParaRPr lang="fr-FR" dirty="0"/>
           </a:p>
@@ -11096,7 +14261,7 @@
           <a:p>
             <a:fld id="{371F68BF-F5BE-4C54-8779-E629647EEC8B}" type="datetimeFigureOut">
               <a:rPr lang="fr-FR" smtClean="0"/>
-              <a:t>03/09/2021</a:t>
+              <a:t>27/11/2021</a:t>
             </a:fld>
             <a:endParaRPr lang="fr-FR" dirty="0"/>
           </a:p>
@@ -11266,7 +14431,7 @@
           <a:p>
             <a:fld id="{371F68BF-F5BE-4C54-8779-E629647EEC8B}" type="datetimeFigureOut">
               <a:rPr lang="fr-FR" smtClean="0"/>
-              <a:t>03/09/2021</a:t>
+              <a:t>27/11/2021</a:t>
             </a:fld>
             <a:endParaRPr lang="fr-FR" dirty="0"/>
           </a:p>
@@ -11446,7 +14611,7 @@
           <a:p>
             <a:fld id="{371F68BF-F5BE-4C54-8779-E629647EEC8B}" type="datetimeFigureOut">
               <a:rPr lang="fr-FR" smtClean="0"/>
-              <a:t>03/09/2021</a:t>
+              <a:t>27/11/2021</a:t>
             </a:fld>
             <a:endParaRPr lang="fr-FR" dirty="0"/>
           </a:p>
@@ -11654,7 +14819,7 @@
           <a:p>
             <a:fld id="{0CBFDFA0-7B2B-4421-9135-9BCF84180FAF}" type="datetimeFigureOut">
               <a:rPr lang="fr-FR" smtClean="0"/>
-              <a:t>03/09/2021</a:t>
+              <a:t>27/11/2021</a:t>
             </a:fld>
             <a:endParaRPr lang="fr-FR" dirty="0"/>
           </a:p>
@@ -11852,7 +15017,7 @@
           <a:p>
             <a:fld id="{0CBFDFA0-7B2B-4421-9135-9BCF84180FAF}" type="datetimeFigureOut">
               <a:rPr lang="fr-FR" smtClean="0"/>
-              <a:t>03/09/2021</a:t>
+              <a:t>27/11/2021</a:t>
             </a:fld>
             <a:endParaRPr lang="fr-FR" dirty="0"/>
           </a:p>
@@ -12127,7 +15292,7 @@
           <a:p>
             <a:fld id="{0CBFDFA0-7B2B-4421-9135-9BCF84180FAF}" type="datetimeFigureOut">
               <a:rPr lang="fr-FR" smtClean="0"/>
-              <a:t>03/09/2021</a:t>
+              <a:t>27/11/2021</a:t>
             </a:fld>
             <a:endParaRPr lang="fr-FR" dirty="0"/>
           </a:p>
@@ -12315,7 +15480,7 @@
           <a:p>
             <a:fld id="{371F68BF-F5BE-4C54-8779-E629647EEC8B}" type="datetimeFigureOut">
               <a:rPr lang="fr-FR" smtClean="0"/>
-              <a:t>03/09/2021</a:t>
+              <a:t>27/11/2021</a:t>
             </a:fld>
             <a:endParaRPr lang="fr-FR" dirty="0"/>
           </a:p>
@@ -12572,7 +15737,7 @@
           <a:p>
             <a:fld id="{0CBFDFA0-7B2B-4421-9135-9BCF84180FAF}" type="datetimeFigureOut">
               <a:rPr lang="fr-FR" smtClean="0"/>
-              <a:t>03/09/2021</a:t>
+              <a:t>27/11/2021</a:t>
             </a:fld>
             <a:endParaRPr lang="fr-FR" dirty="0"/>
           </a:p>
@@ -12984,7 +16149,7 @@
           <a:p>
             <a:fld id="{0CBFDFA0-7B2B-4421-9135-9BCF84180FAF}" type="datetimeFigureOut">
               <a:rPr lang="fr-FR" smtClean="0"/>
-              <a:t>03/09/2021</a:t>
+              <a:t>27/11/2021</a:t>
             </a:fld>
             <a:endParaRPr lang="fr-FR" dirty="0"/>
           </a:p>
@@ -13125,7 +16290,7 @@
           <a:p>
             <a:fld id="{0CBFDFA0-7B2B-4421-9135-9BCF84180FAF}" type="datetimeFigureOut">
               <a:rPr lang="fr-FR" smtClean="0"/>
-              <a:t>03/09/2021</a:t>
+              <a:t>27/11/2021</a:t>
             </a:fld>
             <a:endParaRPr lang="fr-FR" dirty="0"/>
           </a:p>
@@ -13238,7 +16403,7 @@
           <a:p>
             <a:fld id="{0CBFDFA0-7B2B-4421-9135-9BCF84180FAF}" type="datetimeFigureOut">
               <a:rPr lang="fr-FR" smtClean="0"/>
-              <a:t>03/09/2021</a:t>
+              <a:t>27/11/2021</a:t>
             </a:fld>
             <a:endParaRPr lang="fr-FR" dirty="0"/>
           </a:p>
@@ -13549,7 +16714,7 @@
           <a:p>
             <a:fld id="{0CBFDFA0-7B2B-4421-9135-9BCF84180FAF}" type="datetimeFigureOut">
               <a:rPr lang="fr-FR" smtClean="0"/>
-              <a:t>03/09/2021</a:t>
+              <a:t>27/11/2021</a:t>
             </a:fld>
             <a:endParaRPr lang="fr-FR" dirty="0"/>
           </a:p>
@@ -13837,7 +17002,7 @@
           <a:p>
             <a:fld id="{0CBFDFA0-7B2B-4421-9135-9BCF84180FAF}" type="datetimeFigureOut">
               <a:rPr lang="fr-FR" smtClean="0"/>
-              <a:t>03/09/2021</a:t>
+              <a:t>27/11/2021</a:t>
             </a:fld>
             <a:endParaRPr lang="fr-FR" dirty="0"/>
           </a:p>
@@ -14035,7 +17200,7 @@
           <a:p>
             <a:fld id="{0CBFDFA0-7B2B-4421-9135-9BCF84180FAF}" type="datetimeFigureOut">
               <a:rPr lang="fr-FR" smtClean="0"/>
-              <a:t>03/09/2021</a:t>
+              <a:t>27/11/2021</a:t>
             </a:fld>
             <a:endParaRPr lang="fr-FR" dirty="0"/>
           </a:p>
@@ -14243,7 +17408,7 @@
           <a:p>
             <a:fld id="{0CBFDFA0-7B2B-4421-9135-9BCF84180FAF}" type="datetimeFigureOut">
               <a:rPr lang="fr-FR" smtClean="0"/>
-              <a:t>03/09/2021</a:t>
+              <a:t>27/11/2021</a:t>
             </a:fld>
             <a:endParaRPr lang="fr-FR" dirty="0"/>
           </a:p>
@@ -14502,7 +17667,7 @@
           <a:p>
             <a:fld id="{371F68BF-F5BE-4C54-8779-E629647EEC8B}" type="datetimeFigureOut">
               <a:rPr lang="fr-FR" smtClean="0"/>
-              <a:t>03/09/2021</a:t>
+              <a:t>27/11/2021</a:t>
             </a:fld>
             <a:endParaRPr lang="fr-FR" dirty="0"/>
           </a:p>
@@ -14734,7 +17899,7 @@
           <a:p>
             <a:fld id="{371F68BF-F5BE-4C54-8779-E629647EEC8B}" type="datetimeFigureOut">
               <a:rPr lang="fr-FR" smtClean="0"/>
-              <a:t>03/09/2021</a:t>
+              <a:t>27/11/2021</a:t>
             </a:fld>
             <a:endParaRPr lang="fr-FR" dirty="0"/>
           </a:p>
@@ -15108,7 +18273,7 @@
           <a:p>
             <a:fld id="{371F68BF-F5BE-4C54-8779-E629647EEC8B}" type="datetimeFigureOut">
               <a:rPr lang="fr-FR" smtClean="0"/>
-              <a:t>03/09/2021</a:t>
+              <a:t>27/11/2021</a:t>
             </a:fld>
             <a:endParaRPr lang="fr-FR" dirty="0"/>
           </a:p>
@@ -15231,7 +18396,7 @@
           <a:p>
             <a:fld id="{371F68BF-F5BE-4C54-8779-E629647EEC8B}" type="datetimeFigureOut">
               <a:rPr lang="fr-FR" smtClean="0"/>
-              <a:t>03/09/2021</a:t>
+              <a:t>27/11/2021</a:t>
             </a:fld>
             <a:endParaRPr lang="fr-FR" dirty="0"/>
           </a:p>
@@ -15330,7 +18495,7 @@
           <a:p>
             <a:fld id="{371F68BF-F5BE-4C54-8779-E629647EEC8B}" type="datetimeFigureOut">
               <a:rPr lang="fr-FR" smtClean="0"/>
-              <a:t>03/09/2021</a:t>
+              <a:t>27/11/2021</a:t>
             </a:fld>
             <a:endParaRPr lang="fr-FR" dirty="0"/>
           </a:p>
@@ -15585,7 +18750,7 @@
           <a:p>
             <a:fld id="{371F68BF-F5BE-4C54-8779-E629647EEC8B}" type="datetimeFigureOut">
               <a:rPr lang="fr-FR" smtClean="0"/>
-              <a:t>03/09/2021</a:t>
+              <a:t>27/11/2021</a:t>
             </a:fld>
             <a:endParaRPr lang="fr-FR" dirty="0"/>
           </a:p>
@@ -15848,7 +19013,7 @@
           <a:p>
             <a:fld id="{371F68BF-F5BE-4C54-8779-E629647EEC8B}" type="datetimeFigureOut">
               <a:rPr lang="fr-FR" smtClean="0"/>
-              <a:t>03/09/2021</a:t>
+              <a:t>27/11/2021</a:t>
             </a:fld>
             <a:endParaRPr lang="fr-FR" dirty="0"/>
           </a:p>
@@ -16591,7 +19756,7 @@
           <a:p>
             <a:fld id="{371F68BF-F5BE-4C54-8779-E629647EEC8B}" type="datetimeFigureOut">
               <a:rPr lang="fr-FR" smtClean="0"/>
-              <a:t>03/09/2021</a:t>
+              <a:t>27/11/2021</a:t>
             </a:fld>
             <a:endParaRPr lang="fr-FR" dirty="0"/>
           </a:p>
@@ -17266,7 +20431,7 @@
           <a:p>
             <a:fld id="{0CBFDFA0-7B2B-4421-9135-9BCF84180FAF}" type="datetimeFigureOut">
               <a:rPr lang="fr-FR" smtClean="0"/>
-              <a:t>03/09/2021</a:t>
+              <a:t>27/11/2021</a:t>
             </a:fld>
             <a:endParaRPr lang="fr-FR" dirty="0"/>
           </a:p>
@@ -17926,6 +21091,169 @@
       </p:grpSpPr>
       <p:sp>
         <p:nvSpPr>
+          <p:cNvPr id="2" name="Titre 1">
+            <a:extLst>
+              <a:ext uri="{FF2B5EF4-FFF2-40B4-BE49-F238E27FC236}">
+                <a16:creationId xmlns:a16="http://schemas.microsoft.com/office/drawing/2014/main" id="{9EBBD611-538C-430B-8A38-A50B25973C99}"/>
+              </a:ext>
+            </a:extLst>
+          </p:cNvPr>
+          <p:cNvSpPr txBox="1">
+            <a:spLocks/>
+          </p:cNvSpPr>
+          <p:nvPr/>
+        </p:nvSpPr>
+        <p:spPr>
+          <a:xfrm>
+            <a:off x="677863" y="609600"/>
+            <a:ext cx="8596312" cy="1320800"/>
+          </a:xfrm>
+          <a:prstGeom prst="rect">
+            <a:avLst/>
+          </a:prstGeom>
+        </p:spPr>
+        <p:txBody>
+          <a:bodyPr/>
+          <a:lstStyle>
+            <a:lvl1pPr algn="l" defTabSz="457200" rtl="0" eaLnBrk="1" latinLnBrk="0" hangingPunct="1">
+              <a:spcBef>
+                <a:spcPct val="0"/>
+              </a:spcBef>
+              <a:buNone/>
+              <a:defRPr sz="3600" kern="1200">
+                <a:solidFill>
+                  <a:schemeClr val="accent1"/>
+                </a:solidFill>
+                <a:latin typeface="+mj-lt"/>
+                <a:ea typeface="+mj-ea"/>
+                <a:cs typeface="+mj-cs"/>
+              </a:defRPr>
+            </a:lvl1pPr>
+            <a:lvl2pPr eaLnBrk="1" hangingPunct="1">
+              <a:defRPr>
+                <a:solidFill>
+                  <a:schemeClr val="tx2"/>
+                </a:solidFill>
+              </a:defRPr>
+            </a:lvl2pPr>
+            <a:lvl3pPr eaLnBrk="1" hangingPunct="1">
+              <a:defRPr>
+                <a:solidFill>
+                  <a:schemeClr val="tx2"/>
+                </a:solidFill>
+              </a:defRPr>
+            </a:lvl3pPr>
+            <a:lvl4pPr eaLnBrk="1" hangingPunct="1">
+              <a:defRPr>
+                <a:solidFill>
+                  <a:schemeClr val="tx2"/>
+                </a:solidFill>
+              </a:defRPr>
+            </a:lvl4pPr>
+            <a:lvl5pPr eaLnBrk="1" hangingPunct="1">
+              <a:defRPr>
+                <a:solidFill>
+                  <a:schemeClr val="tx2"/>
+                </a:solidFill>
+              </a:defRPr>
+            </a:lvl5pPr>
+            <a:lvl6pPr eaLnBrk="1" hangingPunct="1">
+              <a:defRPr>
+                <a:solidFill>
+                  <a:schemeClr val="tx2"/>
+                </a:solidFill>
+              </a:defRPr>
+            </a:lvl6pPr>
+            <a:lvl7pPr eaLnBrk="1" hangingPunct="1">
+              <a:defRPr>
+                <a:solidFill>
+                  <a:schemeClr val="tx2"/>
+                </a:solidFill>
+              </a:defRPr>
+            </a:lvl7pPr>
+            <a:lvl8pPr eaLnBrk="1" hangingPunct="1">
+              <a:defRPr>
+                <a:solidFill>
+                  <a:schemeClr val="tx2"/>
+                </a:solidFill>
+              </a:defRPr>
+            </a:lvl8pPr>
+            <a:lvl9pPr eaLnBrk="1" hangingPunct="1">
+              <a:defRPr>
+                <a:solidFill>
+                  <a:schemeClr val="tx2"/>
+                </a:solidFill>
+              </a:defRPr>
+            </a:lvl9pPr>
+          </a:lstStyle>
+          <a:p>
+            <a:r>
+              <a:rPr lang="fr-FR" dirty="0"/>
+              <a:t>4.Arborescence</a:t>
+            </a:r>
+          </a:p>
+        </p:txBody>
+      </p:sp>
+      <p:graphicFrame>
+        <p:nvGraphicFramePr>
+          <p:cNvPr id="4" name="Diagramme 3">
+            <a:extLst>
+              <a:ext uri="{FF2B5EF4-FFF2-40B4-BE49-F238E27FC236}">
+                <a16:creationId xmlns:a16="http://schemas.microsoft.com/office/drawing/2014/main" id="{5B2A4830-4503-42EA-BB04-D6F605905D74}"/>
+              </a:ext>
+            </a:extLst>
+          </p:cNvPr>
+          <p:cNvGraphicFramePr/>
+          <p:nvPr>
+            <p:extLst>
+              <p:ext uri="{D42A27DB-BD31-4B8C-83A1-F6EECF244321}">
+                <p14:modId xmlns:p14="http://schemas.microsoft.com/office/powerpoint/2010/main" val="3081587960"/>
+              </p:ext>
+            </p:extLst>
+          </p:nvPr>
+        </p:nvGraphicFramePr>
+        <p:xfrm>
+          <a:off x="404037" y="719666"/>
+          <a:ext cx="11004697" cy="6138334"/>
+        </p:xfrm>
+        <a:graphic>
+          <a:graphicData uri="http://schemas.openxmlformats.org/drawingml/2006/diagram">
+            <dgm:relIds xmlns:dgm="http://schemas.openxmlformats.org/drawingml/2006/diagram" xmlns:r="http://schemas.openxmlformats.org/officeDocument/2006/relationships" r:dm="rId2" r:lo="rId3" r:qs="rId4" r:cs="rId5"/>
+          </a:graphicData>
+        </a:graphic>
+      </p:graphicFrame>
+    </p:spTree>
+    <p:extLst>
+      <p:ext uri="{BB962C8B-B14F-4D97-AF65-F5344CB8AC3E}">
+        <p14:creationId xmlns:p14="http://schemas.microsoft.com/office/powerpoint/2010/main" val="1573162237"/>
+      </p:ext>
+    </p:extLst>
+  </p:cSld>
+  <p:clrMapOvr>
+    <a:masterClrMapping/>
+  </p:clrMapOvr>
+</p:sld>
+</file>
+
+<file path=ppt/slides/slide11.xml><?xml version="1.0" encoding="utf-8"?>
+<p:sld xmlns:a="http://schemas.openxmlformats.org/drawingml/2006/main" xmlns:r="http://schemas.openxmlformats.org/officeDocument/2006/relationships" xmlns:p="http://schemas.openxmlformats.org/presentationml/2006/main">
+  <p:cSld>
+    <p:spTree>
+      <p:nvGrpSpPr>
+        <p:cNvPr id="1" name=""/>
+        <p:cNvGrpSpPr/>
+        <p:nvPr/>
+      </p:nvGrpSpPr>
+      <p:grpSpPr>
+        <a:xfrm>
+          <a:off x="0" y="0"/>
+          <a:ext cx="0" cy="0"/>
+          <a:chOff x="0" y="0"/>
+          <a:chExt cx="0" cy="0"/>
+        </a:xfrm>
+      </p:grpSpPr>
+      <p:sp>
+        <p:nvSpPr>
           <p:cNvPr id="9" name="Titre 1">
             <a:extLst>
               <a:ext uri="{FF2B5EF4-FFF2-40B4-BE49-F238E27FC236}">
@@ -18449,7 +21777,7 @@
 </p:sld>
 </file>
 
-<file path=ppt/slides/slide11.xml><?xml version="1.0" encoding="utf-8"?>
+<file path=ppt/slides/slide12.xml><?xml version="1.0" encoding="utf-8"?>
 <p:sld xmlns:a="http://schemas.openxmlformats.org/drawingml/2006/main" xmlns:r="http://schemas.openxmlformats.org/officeDocument/2006/relationships" xmlns:p="http://schemas.openxmlformats.org/presentationml/2006/main">
   <p:cSld>
     <p:spTree>
@@ -18995,521 +22323,6 @@
 </p:sld>
 </file>
 
-<file path=ppt/slides/slide12.xml><?xml version="1.0" encoding="utf-8"?>
-<p:sld xmlns:a="http://schemas.openxmlformats.org/drawingml/2006/main" xmlns:r="http://schemas.openxmlformats.org/officeDocument/2006/relationships" xmlns:p="http://schemas.openxmlformats.org/presentationml/2006/main">
-  <p:cSld>
-    <p:spTree>
-      <p:nvGrpSpPr>
-        <p:cNvPr id="1" name=""/>
-        <p:cNvGrpSpPr/>
-        <p:nvPr/>
-      </p:nvGrpSpPr>
-      <p:grpSpPr>
-        <a:xfrm>
-          <a:off x="0" y="0"/>
-          <a:ext cx="0" cy="0"/>
-          <a:chOff x="0" y="0"/>
-          <a:chExt cx="0" cy="0"/>
-        </a:xfrm>
-      </p:grpSpPr>
-      <p:sp>
-        <p:nvSpPr>
-          <p:cNvPr id="2" name="Titre 1">
-            <a:extLst>
-              <a:ext uri="{FF2B5EF4-FFF2-40B4-BE49-F238E27FC236}">
-                <a16:creationId xmlns:a16="http://schemas.microsoft.com/office/drawing/2014/main" id="{62814665-E6E7-48B8-882D-299C733D2F1F}"/>
-              </a:ext>
-            </a:extLst>
-          </p:cNvPr>
-          <p:cNvSpPr txBox="1">
-            <a:spLocks/>
-          </p:cNvSpPr>
-          <p:nvPr/>
-        </p:nvSpPr>
-        <p:spPr>
-          <a:xfrm>
-            <a:off x="677863" y="609600"/>
-            <a:ext cx="8596312" cy="1320800"/>
-          </a:xfrm>
-          <a:prstGeom prst="rect">
-            <a:avLst/>
-          </a:prstGeom>
-        </p:spPr>
-        <p:txBody>
-          <a:bodyPr/>
-          <a:lstStyle>
-            <a:lvl1pPr algn="l" defTabSz="457200" rtl="0" eaLnBrk="1" latinLnBrk="0" hangingPunct="1">
-              <a:spcBef>
-                <a:spcPct val="0"/>
-              </a:spcBef>
-              <a:buNone/>
-              <a:defRPr sz="3600" kern="1200">
-                <a:solidFill>
-                  <a:schemeClr val="accent1"/>
-                </a:solidFill>
-                <a:latin typeface="+mj-lt"/>
-                <a:ea typeface="+mj-ea"/>
-                <a:cs typeface="+mj-cs"/>
-              </a:defRPr>
-            </a:lvl1pPr>
-            <a:lvl2pPr eaLnBrk="1" hangingPunct="1">
-              <a:defRPr>
-                <a:solidFill>
-                  <a:schemeClr val="tx2"/>
-                </a:solidFill>
-              </a:defRPr>
-            </a:lvl2pPr>
-            <a:lvl3pPr eaLnBrk="1" hangingPunct="1">
-              <a:defRPr>
-                <a:solidFill>
-                  <a:schemeClr val="tx2"/>
-                </a:solidFill>
-              </a:defRPr>
-            </a:lvl3pPr>
-            <a:lvl4pPr eaLnBrk="1" hangingPunct="1">
-              <a:defRPr>
-                <a:solidFill>
-                  <a:schemeClr val="tx2"/>
-                </a:solidFill>
-              </a:defRPr>
-            </a:lvl4pPr>
-            <a:lvl5pPr eaLnBrk="1" hangingPunct="1">
-              <a:defRPr>
-                <a:solidFill>
-                  <a:schemeClr val="tx2"/>
-                </a:solidFill>
-              </a:defRPr>
-            </a:lvl5pPr>
-            <a:lvl6pPr eaLnBrk="1" hangingPunct="1">
-              <a:defRPr>
-                <a:solidFill>
-                  <a:schemeClr val="tx2"/>
-                </a:solidFill>
-              </a:defRPr>
-            </a:lvl6pPr>
-            <a:lvl7pPr eaLnBrk="1" hangingPunct="1">
-              <a:defRPr>
-                <a:solidFill>
-                  <a:schemeClr val="tx2"/>
-                </a:solidFill>
-              </a:defRPr>
-            </a:lvl7pPr>
-            <a:lvl8pPr eaLnBrk="1" hangingPunct="1">
-              <a:defRPr>
-                <a:solidFill>
-                  <a:schemeClr val="tx2"/>
-                </a:solidFill>
-              </a:defRPr>
-            </a:lvl8pPr>
-            <a:lvl9pPr eaLnBrk="1" hangingPunct="1">
-              <a:defRPr>
-                <a:solidFill>
-                  <a:schemeClr val="tx2"/>
-                </a:solidFill>
-              </a:defRPr>
-            </a:lvl9pPr>
-          </a:lstStyle>
-          <a:p>
-            <a:r>
-              <a:rPr lang="fr-FR" dirty="0"/>
-              <a:t>5.Ergonomie &amp; Webdesign</a:t>
-            </a:r>
-          </a:p>
-        </p:txBody>
-      </p:sp>
-      <p:sp>
-        <p:nvSpPr>
-          <p:cNvPr id="3" name="Espace réservé du contenu 2">
-            <a:extLst>
-              <a:ext uri="{FF2B5EF4-FFF2-40B4-BE49-F238E27FC236}">
-                <a16:creationId xmlns:a16="http://schemas.microsoft.com/office/drawing/2014/main" id="{223E2D67-EC4C-46AD-98CE-03A617A7B78A}"/>
-              </a:ext>
-            </a:extLst>
-          </p:cNvPr>
-          <p:cNvSpPr txBox="1">
-            <a:spLocks/>
-          </p:cNvSpPr>
-          <p:nvPr/>
-        </p:nvSpPr>
-        <p:spPr>
-          <a:xfrm>
-            <a:off x="677863" y="2362609"/>
-            <a:ext cx="8596312" cy="3881437"/>
-          </a:xfrm>
-          <a:prstGeom prst="rect">
-            <a:avLst/>
-          </a:prstGeom>
-        </p:spPr>
-        <p:txBody>
-          <a:bodyPr/>
-          <a:lstStyle>
-            <a:lvl1pPr marL="342900" indent="-342900" algn="l" defTabSz="457200" rtl="0" eaLnBrk="1" latinLnBrk="0" hangingPunct="1">
-              <a:spcBef>
-                <a:spcPts val="1000"/>
-              </a:spcBef>
-              <a:spcAft>
-                <a:spcPts val="0"/>
-              </a:spcAft>
-              <a:buClr>
-                <a:schemeClr val="accent1"/>
-              </a:buClr>
-              <a:buSzPct val="80000"/>
-              <a:buFont typeface="Wingdings 3" charset="2"/>
-              <a:buChar char=""/>
-              <a:defRPr sz="1800" kern="1200">
-                <a:solidFill>
-                  <a:schemeClr val="tx1">
-                    <a:lumMod val="75000"/>
-                    <a:lumOff val="25000"/>
-                  </a:schemeClr>
-                </a:solidFill>
-                <a:latin typeface="+mn-lt"/>
-                <a:ea typeface="+mn-ea"/>
-                <a:cs typeface="+mn-cs"/>
-              </a:defRPr>
-            </a:lvl1pPr>
-            <a:lvl2pPr marL="742950" indent="-285750" algn="l" defTabSz="457200" rtl="0" eaLnBrk="1" latinLnBrk="0" hangingPunct="1">
-              <a:spcBef>
-                <a:spcPts val="1000"/>
-              </a:spcBef>
-              <a:spcAft>
-                <a:spcPts val="0"/>
-              </a:spcAft>
-              <a:buClr>
-                <a:schemeClr val="accent1"/>
-              </a:buClr>
-              <a:buSzPct val="80000"/>
-              <a:buFont typeface="Wingdings 3" charset="2"/>
-              <a:buChar char=""/>
-              <a:defRPr sz="1600" kern="1200">
-                <a:solidFill>
-                  <a:schemeClr val="tx1">
-                    <a:lumMod val="75000"/>
-                    <a:lumOff val="25000"/>
-                  </a:schemeClr>
-                </a:solidFill>
-                <a:latin typeface="+mn-lt"/>
-                <a:ea typeface="+mn-ea"/>
-                <a:cs typeface="+mn-cs"/>
-              </a:defRPr>
-            </a:lvl2pPr>
-            <a:lvl3pPr marL="1143000" indent="-228600" algn="l" defTabSz="457200" rtl="0" eaLnBrk="1" latinLnBrk="0" hangingPunct="1">
-              <a:spcBef>
-                <a:spcPts val="1000"/>
-              </a:spcBef>
-              <a:spcAft>
-                <a:spcPts val="0"/>
-              </a:spcAft>
-              <a:buClr>
-                <a:schemeClr val="accent1"/>
-              </a:buClr>
-              <a:buSzPct val="80000"/>
-              <a:buFont typeface="Wingdings 3" charset="2"/>
-              <a:buChar char=""/>
-              <a:defRPr sz="1400" kern="1200">
-                <a:solidFill>
-                  <a:schemeClr val="tx1">
-                    <a:lumMod val="75000"/>
-                    <a:lumOff val="25000"/>
-                  </a:schemeClr>
-                </a:solidFill>
-                <a:latin typeface="+mn-lt"/>
-                <a:ea typeface="+mn-ea"/>
-                <a:cs typeface="+mn-cs"/>
-              </a:defRPr>
-            </a:lvl3pPr>
-            <a:lvl4pPr marL="1600200" indent="-228600" algn="l" defTabSz="457200" rtl="0" eaLnBrk="1" latinLnBrk="0" hangingPunct="1">
-              <a:spcBef>
-                <a:spcPts val="1000"/>
-              </a:spcBef>
-              <a:spcAft>
-                <a:spcPts val="0"/>
-              </a:spcAft>
-              <a:buClr>
-                <a:schemeClr val="accent1"/>
-              </a:buClr>
-              <a:buSzPct val="80000"/>
-              <a:buFont typeface="Wingdings 3" charset="2"/>
-              <a:buChar char=""/>
-              <a:defRPr sz="1200" kern="1200">
-                <a:solidFill>
-                  <a:schemeClr val="tx1">
-                    <a:lumMod val="75000"/>
-                    <a:lumOff val="25000"/>
-                  </a:schemeClr>
-                </a:solidFill>
-                <a:latin typeface="+mn-lt"/>
-                <a:ea typeface="+mn-ea"/>
-                <a:cs typeface="+mn-cs"/>
-              </a:defRPr>
-            </a:lvl4pPr>
-            <a:lvl5pPr marL="2057400" indent="-228600" algn="l" defTabSz="457200" rtl="0" eaLnBrk="1" latinLnBrk="0" hangingPunct="1">
-              <a:spcBef>
-                <a:spcPts val="1000"/>
-              </a:spcBef>
-              <a:spcAft>
-                <a:spcPts val="0"/>
-              </a:spcAft>
-              <a:buClr>
-                <a:schemeClr val="accent1"/>
-              </a:buClr>
-              <a:buSzPct val="80000"/>
-              <a:buFont typeface="Wingdings 3" charset="2"/>
-              <a:buChar char=""/>
-              <a:defRPr sz="1200" kern="1200">
-                <a:solidFill>
-                  <a:schemeClr val="tx1">
-                    <a:lumMod val="75000"/>
-                    <a:lumOff val="25000"/>
-                  </a:schemeClr>
-                </a:solidFill>
-                <a:latin typeface="+mn-lt"/>
-                <a:ea typeface="+mn-ea"/>
-                <a:cs typeface="+mn-cs"/>
-              </a:defRPr>
-            </a:lvl5pPr>
-            <a:lvl6pPr marL="2514600" indent="-228600" algn="l" defTabSz="457200" rtl="0" eaLnBrk="1" latinLnBrk="0" hangingPunct="1">
-              <a:spcBef>
-                <a:spcPts val="1000"/>
-              </a:spcBef>
-              <a:spcAft>
-                <a:spcPts val="0"/>
-              </a:spcAft>
-              <a:buClr>
-                <a:schemeClr val="accent1"/>
-              </a:buClr>
-              <a:buSzPct val="80000"/>
-              <a:buFont typeface="Wingdings 3" charset="2"/>
-              <a:buChar char=""/>
-              <a:defRPr sz="1200" kern="1200">
-                <a:solidFill>
-                  <a:schemeClr val="tx1">
-                    <a:lumMod val="75000"/>
-                    <a:lumOff val="25000"/>
-                  </a:schemeClr>
-                </a:solidFill>
-                <a:latin typeface="+mn-lt"/>
-                <a:ea typeface="+mn-ea"/>
-                <a:cs typeface="+mn-cs"/>
-              </a:defRPr>
-            </a:lvl6pPr>
-            <a:lvl7pPr marL="2971800" indent="-228600" algn="l" defTabSz="457200" rtl="0" eaLnBrk="1" latinLnBrk="0" hangingPunct="1">
-              <a:spcBef>
-                <a:spcPts val="1000"/>
-              </a:spcBef>
-              <a:spcAft>
-                <a:spcPts val="0"/>
-              </a:spcAft>
-              <a:buClr>
-                <a:schemeClr val="accent1"/>
-              </a:buClr>
-              <a:buSzPct val="80000"/>
-              <a:buFont typeface="Wingdings 3" charset="2"/>
-              <a:buChar char=""/>
-              <a:defRPr sz="1200" kern="1200">
-                <a:solidFill>
-                  <a:schemeClr val="tx1">
-                    <a:lumMod val="75000"/>
-                    <a:lumOff val="25000"/>
-                  </a:schemeClr>
-                </a:solidFill>
-                <a:latin typeface="+mn-lt"/>
-                <a:ea typeface="+mn-ea"/>
-                <a:cs typeface="+mn-cs"/>
-              </a:defRPr>
-            </a:lvl7pPr>
-            <a:lvl8pPr marL="3429000" indent="-228600" algn="l" defTabSz="457200" rtl="0" eaLnBrk="1" latinLnBrk="0" hangingPunct="1">
-              <a:spcBef>
-                <a:spcPts val="1000"/>
-              </a:spcBef>
-              <a:spcAft>
-                <a:spcPts val="0"/>
-              </a:spcAft>
-              <a:buClr>
-                <a:schemeClr val="accent1"/>
-              </a:buClr>
-              <a:buSzPct val="80000"/>
-              <a:buFont typeface="Wingdings 3" charset="2"/>
-              <a:buChar char=""/>
-              <a:defRPr sz="1200" kern="1200">
-                <a:solidFill>
-                  <a:schemeClr val="tx1">
-                    <a:lumMod val="75000"/>
-                    <a:lumOff val="25000"/>
-                  </a:schemeClr>
-                </a:solidFill>
-                <a:latin typeface="+mn-lt"/>
-                <a:ea typeface="+mn-ea"/>
-                <a:cs typeface="+mn-cs"/>
-              </a:defRPr>
-            </a:lvl8pPr>
-            <a:lvl9pPr marL="3886200" indent="-228600" algn="l" defTabSz="457200" rtl="0" eaLnBrk="1" latinLnBrk="0" hangingPunct="1">
-              <a:spcBef>
-                <a:spcPts val="1000"/>
-              </a:spcBef>
-              <a:spcAft>
-                <a:spcPts val="0"/>
-              </a:spcAft>
-              <a:buClr>
-                <a:schemeClr val="accent1"/>
-              </a:buClr>
-              <a:buSzPct val="80000"/>
-              <a:buFont typeface="Wingdings 3" charset="2"/>
-              <a:buChar char=""/>
-              <a:defRPr sz="1200" kern="1200">
-                <a:solidFill>
-                  <a:schemeClr val="tx1">
-                    <a:lumMod val="75000"/>
-                    <a:lumOff val="25000"/>
-                  </a:schemeClr>
-                </a:solidFill>
-                <a:latin typeface="+mn-lt"/>
-                <a:ea typeface="+mn-ea"/>
-                <a:cs typeface="+mn-cs"/>
-              </a:defRPr>
-            </a:lvl9pPr>
-          </a:lstStyle>
-          <a:p>
-            <a:endParaRPr lang="fr-FR" b="0" dirty="0">
-              <a:solidFill>
-                <a:schemeClr val="tx1"/>
-              </a:solidFill>
-              <a:effectLst/>
-              <a:latin typeface="Consolas" panose="020B0609020204030204" pitchFamily="49" charset="0"/>
-            </a:endParaRPr>
-          </a:p>
-          <a:p>
-            <a:endParaRPr lang="en-US" b="0" dirty="0">
-              <a:solidFill>
-                <a:schemeClr val="tx1"/>
-              </a:solidFill>
-              <a:effectLst/>
-              <a:latin typeface="Consolas" panose="020B0609020204030204" pitchFamily="49" charset="0"/>
-            </a:endParaRPr>
-          </a:p>
-          <a:p>
-            <a:endParaRPr lang="fr-FR" dirty="0"/>
-          </a:p>
-        </p:txBody>
-      </p:sp>
-      <p:sp>
-        <p:nvSpPr>
-          <p:cNvPr id="4" name="ZoneTexte 3">
-            <a:extLst>
-              <a:ext uri="{FF2B5EF4-FFF2-40B4-BE49-F238E27FC236}">
-                <a16:creationId xmlns:a16="http://schemas.microsoft.com/office/drawing/2014/main" id="{3160FE25-E11C-4AFA-A5C9-00DD3E1EDFDB}"/>
-              </a:ext>
-            </a:extLst>
-          </p:cNvPr>
-          <p:cNvSpPr txBox="1"/>
-          <p:nvPr/>
-        </p:nvSpPr>
-        <p:spPr>
-          <a:xfrm>
-            <a:off x="2553744" y="1608201"/>
-            <a:ext cx="4843847" cy="369332"/>
-          </a:xfrm>
-          <a:prstGeom prst="rect">
-            <a:avLst/>
-          </a:prstGeom>
-          <a:noFill/>
-        </p:spPr>
-        <p:txBody>
-          <a:bodyPr wrap="square" rtlCol="0">
-            <a:spAutoFit/>
-          </a:bodyPr>
-          <a:lstStyle/>
-          <a:p>
-            <a:pPr algn="ctr"/>
-            <a:r>
-              <a:rPr lang="fr-FR" dirty="0">
-                <a:solidFill>
-                  <a:schemeClr val="accent6">
-                    <a:lumMod val="75000"/>
-                  </a:schemeClr>
-                </a:solidFill>
-              </a:rPr>
-              <a:t>Bienvenue chez nous</a:t>
-            </a:r>
-          </a:p>
-        </p:txBody>
-      </p:sp>
-      <p:sp>
-        <p:nvSpPr>
-          <p:cNvPr id="9" name="ZoneTexte 8">
-            <a:extLst>
-              <a:ext uri="{FF2B5EF4-FFF2-40B4-BE49-F238E27FC236}">
-                <a16:creationId xmlns:a16="http://schemas.microsoft.com/office/drawing/2014/main" id="{0CC1891C-640B-429D-9C9C-5F82462D90F5}"/>
-              </a:ext>
-            </a:extLst>
-          </p:cNvPr>
-          <p:cNvSpPr txBox="1"/>
-          <p:nvPr/>
-        </p:nvSpPr>
-        <p:spPr>
-          <a:xfrm>
-            <a:off x="6686550" y="2849528"/>
-            <a:ext cx="3031608" cy="369332"/>
-          </a:xfrm>
-          <a:prstGeom prst="rect">
-            <a:avLst/>
-          </a:prstGeom>
-          <a:solidFill>
-            <a:schemeClr val="bg1"/>
-          </a:solidFill>
-        </p:spPr>
-        <p:txBody>
-          <a:bodyPr wrap="square" rtlCol="0">
-            <a:spAutoFit/>
-          </a:bodyPr>
-          <a:lstStyle/>
-          <a:p>
-            <a:endParaRPr lang="fr-FR" dirty="0"/>
-          </a:p>
-        </p:txBody>
-      </p:sp>
-      <p:pic>
-        <p:nvPicPr>
-          <p:cNvPr id="10" name="Image 9">
-            <a:extLst>
-              <a:ext uri="{FF2B5EF4-FFF2-40B4-BE49-F238E27FC236}">
-                <a16:creationId xmlns:a16="http://schemas.microsoft.com/office/drawing/2014/main" id="{8BD67CA9-5D53-467C-BAEB-597077B4E277}"/>
-              </a:ext>
-            </a:extLst>
-          </p:cNvPr>
-          <p:cNvPicPr>
-            <a:picLocks noChangeAspect="1"/>
-          </p:cNvPicPr>
-          <p:nvPr/>
-        </p:nvPicPr>
-        <p:blipFill rotWithShape="1">
-          <a:blip r:embed="rId2"/>
-          <a:srcRect b="17905"/>
-          <a:stretch/>
-        </p:blipFill>
-        <p:spPr>
-          <a:xfrm>
-            <a:off x="0" y="2585895"/>
-            <a:ext cx="12192000" cy="843105"/>
-          </a:xfrm>
-          <a:prstGeom prst="rect">
-            <a:avLst/>
-          </a:prstGeom>
-        </p:spPr>
-      </p:pic>
-    </p:spTree>
-    <p:extLst>
-      <p:ext uri="{BB962C8B-B14F-4D97-AF65-F5344CB8AC3E}">
-        <p14:creationId xmlns:p14="http://schemas.microsoft.com/office/powerpoint/2010/main" val="3114148562"/>
-      </p:ext>
-    </p:extLst>
-  </p:cSld>
-  <p:clrMapOvr>
-    <a:masterClrMapping/>
-  </p:clrMapOvr>
-</p:sld>
-</file>
-
 <file path=ppt/slides/slide13.xml><?xml version="1.0" encoding="utf-8"?>
 <p:sld xmlns:a="http://schemas.openxmlformats.org/drawingml/2006/main" xmlns:r="http://schemas.openxmlformats.org/officeDocument/2006/relationships" xmlns:p="http://schemas.openxmlformats.org/presentationml/2006/main">
   <p:cSld>
@@ -19921,6 +22734,521 @@
         </p:nvSpPr>
         <p:spPr>
           <a:xfrm>
+            <a:off x="2553744" y="1608201"/>
+            <a:ext cx="4843847" cy="369332"/>
+          </a:xfrm>
+          <a:prstGeom prst="rect">
+            <a:avLst/>
+          </a:prstGeom>
+          <a:noFill/>
+        </p:spPr>
+        <p:txBody>
+          <a:bodyPr wrap="square" rtlCol="0">
+            <a:spAutoFit/>
+          </a:bodyPr>
+          <a:lstStyle/>
+          <a:p>
+            <a:pPr algn="ctr"/>
+            <a:r>
+              <a:rPr lang="fr-FR" dirty="0">
+                <a:solidFill>
+                  <a:schemeClr val="accent6">
+                    <a:lumMod val="75000"/>
+                  </a:schemeClr>
+                </a:solidFill>
+              </a:rPr>
+              <a:t>Bienvenue chez nous</a:t>
+            </a:r>
+          </a:p>
+        </p:txBody>
+      </p:sp>
+      <p:sp>
+        <p:nvSpPr>
+          <p:cNvPr id="9" name="ZoneTexte 8">
+            <a:extLst>
+              <a:ext uri="{FF2B5EF4-FFF2-40B4-BE49-F238E27FC236}">
+                <a16:creationId xmlns:a16="http://schemas.microsoft.com/office/drawing/2014/main" id="{0CC1891C-640B-429D-9C9C-5F82462D90F5}"/>
+              </a:ext>
+            </a:extLst>
+          </p:cNvPr>
+          <p:cNvSpPr txBox="1"/>
+          <p:nvPr/>
+        </p:nvSpPr>
+        <p:spPr>
+          <a:xfrm>
+            <a:off x="6686550" y="2849528"/>
+            <a:ext cx="3031608" cy="369332"/>
+          </a:xfrm>
+          <a:prstGeom prst="rect">
+            <a:avLst/>
+          </a:prstGeom>
+          <a:solidFill>
+            <a:schemeClr val="bg1"/>
+          </a:solidFill>
+        </p:spPr>
+        <p:txBody>
+          <a:bodyPr wrap="square" rtlCol="0">
+            <a:spAutoFit/>
+          </a:bodyPr>
+          <a:lstStyle/>
+          <a:p>
+            <a:endParaRPr lang="fr-FR" dirty="0"/>
+          </a:p>
+        </p:txBody>
+      </p:sp>
+      <p:pic>
+        <p:nvPicPr>
+          <p:cNvPr id="10" name="Image 9">
+            <a:extLst>
+              <a:ext uri="{FF2B5EF4-FFF2-40B4-BE49-F238E27FC236}">
+                <a16:creationId xmlns:a16="http://schemas.microsoft.com/office/drawing/2014/main" id="{8BD67CA9-5D53-467C-BAEB-597077B4E277}"/>
+              </a:ext>
+            </a:extLst>
+          </p:cNvPr>
+          <p:cNvPicPr>
+            <a:picLocks noChangeAspect="1"/>
+          </p:cNvPicPr>
+          <p:nvPr/>
+        </p:nvPicPr>
+        <p:blipFill rotWithShape="1">
+          <a:blip r:embed="rId2"/>
+          <a:srcRect b="17905"/>
+          <a:stretch/>
+        </p:blipFill>
+        <p:spPr>
+          <a:xfrm>
+            <a:off x="0" y="2585895"/>
+            <a:ext cx="12192000" cy="843105"/>
+          </a:xfrm>
+          <a:prstGeom prst="rect">
+            <a:avLst/>
+          </a:prstGeom>
+        </p:spPr>
+      </p:pic>
+    </p:spTree>
+    <p:extLst>
+      <p:ext uri="{BB962C8B-B14F-4D97-AF65-F5344CB8AC3E}">
+        <p14:creationId xmlns:p14="http://schemas.microsoft.com/office/powerpoint/2010/main" val="3114148562"/>
+      </p:ext>
+    </p:extLst>
+  </p:cSld>
+  <p:clrMapOvr>
+    <a:masterClrMapping/>
+  </p:clrMapOvr>
+</p:sld>
+</file>
+
+<file path=ppt/slides/slide14.xml><?xml version="1.0" encoding="utf-8"?>
+<p:sld xmlns:a="http://schemas.openxmlformats.org/drawingml/2006/main" xmlns:r="http://schemas.openxmlformats.org/officeDocument/2006/relationships" xmlns:p="http://schemas.openxmlformats.org/presentationml/2006/main">
+  <p:cSld>
+    <p:spTree>
+      <p:nvGrpSpPr>
+        <p:cNvPr id="1" name=""/>
+        <p:cNvGrpSpPr/>
+        <p:nvPr/>
+      </p:nvGrpSpPr>
+      <p:grpSpPr>
+        <a:xfrm>
+          <a:off x="0" y="0"/>
+          <a:ext cx="0" cy="0"/>
+          <a:chOff x="0" y="0"/>
+          <a:chExt cx="0" cy="0"/>
+        </a:xfrm>
+      </p:grpSpPr>
+      <p:sp>
+        <p:nvSpPr>
+          <p:cNvPr id="2" name="Titre 1">
+            <a:extLst>
+              <a:ext uri="{FF2B5EF4-FFF2-40B4-BE49-F238E27FC236}">
+                <a16:creationId xmlns:a16="http://schemas.microsoft.com/office/drawing/2014/main" id="{62814665-E6E7-48B8-882D-299C733D2F1F}"/>
+              </a:ext>
+            </a:extLst>
+          </p:cNvPr>
+          <p:cNvSpPr txBox="1">
+            <a:spLocks/>
+          </p:cNvSpPr>
+          <p:nvPr/>
+        </p:nvSpPr>
+        <p:spPr>
+          <a:xfrm>
+            <a:off x="677863" y="609600"/>
+            <a:ext cx="8596312" cy="1320800"/>
+          </a:xfrm>
+          <a:prstGeom prst="rect">
+            <a:avLst/>
+          </a:prstGeom>
+        </p:spPr>
+        <p:txBody>
+          <a:bodyPr/>
+          <a:lstStyle>
+            <a:lvl1pPr algn="l" defTabSz="457200" rtl="0" eaLnBrk="1" latinLnBrk="0" hangingPunct="1">
+              <a:spcBef>
+                <a:spcPct val="0"/>
+              </a:spcBef>
+              <a:buNone/>
+              <a:defRPr sz="3600" kern="1200">
+                <a:solidFill>
+                  <a:schemeClr val="accent1"/>
+                </a:solidFill>
+                <a:latin typeface="+mj-lt"/>
+                <a:ea typeface="+mj-ea"/>
+                <a:cs typeface="+mj-cs"/>
+              </a:defRPr>
+            </a:lvl1pPr>
+            <a:lvl2pPr eaLnBrk="1" hangingPunct="1">
+              <a:defRPr>
+                <a:solidFill>
+                  <a:schemeClr val="tx2"/>
+                </a:solidFill>
+              </a:defRPr>
+            </a:lvl2pPr>
+            <a:lvl3pPr eaLnBrk="1" hangingPunct="1">
+              <a:defRPr>
+                <a:solidFill>
+                  <a:schemeClr val="tx2"/>
+                </a:solidFill>
+              </a:defRPr>
+            </a:lvl3pPr>
+            <a:lvl4pPr eaLnBrk="1" hangingPunct="1">
+              <a:defRPr>
+                <a:solidFill>
+                  <a:schemeClr val="tx2"/>
+                </a:solidFill>
+              </a:defRPr>
+            </a:lvl4pPr>
+            <a:lvl5pPr eaLnBrk="1" hangingPunct="1">
+              <a:defRPr>
+                <a:solidFill>
+                  <a:schemeClr val="tx2"/>
+                </a:solidFill>
+              </a:defRPr>
+            </a:lvl5pPr>
+            <a:lvl6pPr eaLnBrk="1" hangingPunct="1">
+              <a:defRPr>
+                <a:solidFill>
+                  <a:schemeClr val="tx2"/>
+                </a:solidFill>
+              </a:defRPr>
+            </a:lvl6pPr>
+            <a:lvl7pPr eaLnBrk="1" hangingPunct="1">
+              <a:defRPr>
+                <a:solidFill>
+                  <a:schemeClr val="tx2"/>
+                </a:solidFill>
+              </a:defRPr>
+            </a:lvl7pPr>
+            <a:lvl8pPr eaLnBrk="1" hangingPunct="1">
+              <a:defRPr>
+                <a:solidFill>
+                  <a:schemeClr val="tx2"/>
+                </a:solidFill>
+              </a:defRPr>
+            </a:lvl8pPr>
+            <a:lvl9pPr eaLnBrk="1" hangingPunct="1">
+              <a:defRPr>
+                <a:solidFill>
+                  <a:schemeClr val="tx2"/>
+                </a:solidFill>
+              </a:defRPr>
+            </a:lvl9pPr>
+          </a:lstStyle>
+          <a:p>
+            <a:r>
+              <a:rPr lang="fr-FR" dirty="0"/>
+              <a:t>5.Ergonomie &amp; Webdesign</a:t>
+            </a:r>
+          </a:p>
+        </p:txBody>
+      </p:sp>
+      <p:sp>
+        <p:nvSpPr>
+          <p:cNvPr id="3" name="Espace réservé du contenu 2">
+            <a:extLst>
+              <a:ext uri="{FF2B5EF4-FFF2-40B4-BE49-F238E27FC236}">
+                <a16:creationId xmlns:a16="http://schemas.microsoft.com/office/drawing/2014/main" id="{223E2D67-EC4C-46AD-98CE-03A617A7B78A}"/>
+              </a:ext>
+            </a:extLst>
+          </p:cNvPr>
+          <p:cNvSpPr txBox="1">
+            <a:spLocks/>
+          </p:cNvSpPr>
+          <p:nvPr/>
+        </p:nvSpPr>
+        <p:spPr>
+          <a:xfrm>
+            <a:off x="677863" y="2362609"/>
+            <a:ext cx="8596312" cy="3881437"/>
+          </a:xfrm>
+          <a:prstGeom prst="rect">
+            <a:avLst/>
+          </a:prstGeom>
+        </p:spPr>
+        <p:txBody>
+          <a:bodyPr/>
+          <a:lstStyle>
+            <a:lvl1pPr marL="342900" indent="-342900" algn="l" defTabSz="457200" rtl="0" eaLnBrk="1" latinLnBrk="0" hangingPunct="1">
+              <a:spcBef>
+                <a:spcPts val="1000"/>
+              </a:spcBef>
+              <a:spcAft>
+                <a:spcPts val="0"/>
+              </a:spcAft>
+              <a:buClr>
+                <a:schemeClr val="accent1"/>
+              </a:buClr>
+              <a:buSzPct val="80000"/>
+              <a:buFont typeface="Wingdings 3" charset="2"/>
+              <a:buChar char=""/>
+              <a:defRPr sz="1800" kern="1200">
+                <a:solidFill>
+                  <a:schemeClr val="tx1">
+                    <a:lumMod val="75000"/>
+                    <a:lumOff val="25000"/>
+                  </a:schemeClr>
+                </a:solidFill>
+                <a:latin typeface="+mn-lt"/>
+                <a:ea typeface="+mn-ea"/>
+                <a:cs typeface="+mn-cs"/>
+              </a:defRPr>
+            </a:lvl1pPr>
+            <a:lvl2pPr marL="742950" indent="-285750" algn="l" defTabSz="457200" rtl="0" eaLnBrk="1" latinLnBrk="0" hangingPunct="1">
+              <a:spcBef>
+                <a:spcPts val="1000"/>
+              </a:spcBef>
+              <a:spcAft>
+                <a:spcPts val="0"/>
+              </a:spcAft>
+              <a:buClr>
+                <a:schemeClr val="accent1"/>
+              </a:buClr>
+              <a:buSzPct val="80000"/>
+              <a:buFont typeface="Wingdings 3" charset="2"/>
+              <a:buChar char=""/>
+              <a:defRPr sz="1600" kern="1200">
+                <a:solidFill>
+                  <a:schemeClr val="tx1">
+                    <a:lumMod val="75000"/>
+                    <a:lumOff val="25000"/>
+                  </a:schemeClr>
+                </a:solidFill>
+                <a:latin typeface="+mn-lt"/>
+                <a:ea typeface="+mn-ea"/>
+                <a:cs typeface="+mn-cs"/>
+              </a:defRPr>
+            </a:lvl2pPr>
+            <a:lvl3pPr marL="1143000" indent="-228600" algn="l" defTabSz="457200" rtl="0" eaLnBrk="1" latinLnBrk="0" hangingPunct="1">
+              <a:spcBef>
+                <a:spcPts val="1000"/>
+              </a:spcBef>
+              <a:spcAft>
+                <a:spcPts val="0"/>
+              </a:spcAft>
+              <a:buClr>
+                <a:schemeClr val="accent1"/>
+              </a:buClr>
+              <a:buSzPct val="80000"/>
+              <a:buFont typeface="Wingdings 3" charset="2"/>
+              <a:buChar char=""/>
+              <a:defRPr sz="1400" kern="1200">
+                <a:solidFill>
+                  <a:schemeClr val="tx1">
+                    <a:lumMod val="75000"/>
+                    <a:lumOff val="25000"/>
+                  </a:schemeClr>
+                </a:solidFill>
+                <a:latin typeface="+mn-lt"/>
+                <a:ea typeface="+mn-ea"/>
+                <a:cs typeface="+mn-cs"/>
+              </a:defRPr>
+            </a:lvl3pPr>
+            <a:lvl4pPr marL="1600200" indent="-228600" algn="l" defTabSz="457200" rtl="0" eaLnBrk="1" latinLnBrk="0" hangingPunct="1">
+              <a:spcBef>
+                <a:spcPts val="1000"/>
+              </a:spcBef>
+              <a:spcAft>
+                <a:spcPts val="0"/>
+              </a:spcAft>
+              <a:buClr>
+                <a:schemeClr val="accent1"/>
+              </a:buClr>
+              <a:buSzPct val="80000"/>
+              <a:buFont typeface="Wingdings 3" charset="2"/>
+              <a:buChar char=""/>
+              <a:defRPr sz="1200" kern="1200">
+                <a:solidFill>
+                  <a:schemeClr val="tx1">
+                    <a:lumMod val="75000"/>
+                    <a:lumOff val="25000"/>
+                  </a:schemeClr>
+                </a:solidFill>
+                <a:latin typeface="+mn-lt"/>
+                <a:ea typeface="+mn-ea"/>
+                <a:cs typeface="+mn-cs"/>
+              </a:defRPr>
+            </a:lvl4pPr>
+            <a:lvl5pPr marL="2057400" indent="-228600" algn="l" defTabSz="457200" rtl="0" eaLnBrk="1" latinLnBrk="0" hangingPunct="1">
+              <a:spcBef>
+                <a:spcPts val="1000"/>
+              </a:spcBef>
+              <a:spcAft>
+                <a:spcPts val="0"/>
+              </a:spcAft>
+              <a:buClr>
+                <a:schemeClr val="accent1"/>
+              </a:buClr>
+              <a:buSzPct val="80000"/>
+              <a:buFont typeface="Wingdings 3" charset="2"/>
+              <a:buChar char=""/>
+              <a:defRPr sz="1200" kern="1200">
+                <a:solidFill>
+                  <a:schemeClr val="tx1">
+                    <a:lumMod val="75000"/>
+                    <a:lumOff val="25000"/>
+                  </a:schemeClr>
+                </a:solidFill>
+                <a:latin typeface="+mn-lt"/>
+                <a:ea typeface="+mn-ea"/>
+                <a:cs typeface="+mn-cs"/>
+              </a:defRPr>
+            </a:lvl5pPr>
+            <a:lvl6pPr marL="2514600" indent="-228600" algn="l" defTabSz="457200" rtl="0" eaLnBrk="1" latinLnBrk="0" hangingPunct="1">
+              <a:spcBef>
+                <a:spcPts val="1000"/>
+              </a:spcBef>
+              <a:spcAft>
+                <a:spcPts val="0"/>
+              </a:spcAft>
+              <a:buClr>
+                <a:schemeClr val="accent1"/>
+              </a:buClr>
+              <a:buSzPct val="80000"/>
+              <a:buFont typeface="Wingdings 3" charset="2"/>
+              <a:buChar char=""/>
+              <a:defRPr sz="1200" kern="1200">
+                <a:solidFill>
+                  <a:schemeClr val="tx1">
+                    <a:lumMod val="75000"/>
+                    <a:lumOff val="25000"/>
+                  </a:schemeClr>
+                </a:solidFill>
+                <a:latin typeface="+mn-lt"/>
+                <a:ea typeface="+mn-ea"/>
+                <a:cs typeface="+mn-cs"/>
+              </a:defRPr>
+            </a:lvl6pPr>
+            <a:lvl7pPr marL="2971800" indent="-228600" algn="l" defTabSz="457200" rtl="0" eaLnBrk="1" latinLnBrk="0" hangingPunct="1">
+              <a:spcBef>
+                <a:spcPts val="1000"/>
+              </a:spcBef>
+              <a:spcAft>
+                <a:spcPts val="0"/>
+              </a:spcAft>
+              <a:buClr>
+                <a:schemeClr val="accent1"/>
+              </a:buClr>
+              <a:buSzPct val="80000"/>
+              <a:buFont typeface="Wingdings 3" charset="2"/>
+              <a:buChar char=""/>
+              <a:defRPr sz="1200" kern="1200">
+                <a:solidFill>
+                  <a:schemeClr val="tx1">
+                    <a:lumMod val="75000"/>
+                    <a:lumOff val="25000"/>
+                  </a:schemeClr>
+                </a:solidFill>
+                <a:latin typeface="+mn-lt"/>
+                <a:ea typeface="+mn-ea"/>
+                <a:cs typeface="+mn-cs"/>
+              </a:defRPr>
+            </a:lvl7pPr>
+            <a:lvl8pPr marL="3429000" indent="-228600" algn="l" defTabSz="457200" rtl="0" eaLnBrk="1" latinLnBrk="0" hangingPunct="1">
+              <a:spcBef>
+                <a:spcPts val="1000"/>
+              </a:spcBef>
+              <a:spcAft>
+                <a:spcPts val="0"/>
+              </a:spcAft>
+              <a:buClr>
+                <a:schemeClr val="accent1"/>
+              </a:buClr>
+              <a:buSzPct val="80000"/>
+              <a:buFont typeface="Wingdings 3" charset="2"/>
+              <a:buChar char=""/>
+              <a:defRPr sz="1200" kern="1200">
+                <a:solidFill>
+                  <a:schemeClr val="tx1">
+                    <a:lumMod val="75000"/>
+                    <a:lumOff val="25000"/>
+                  </a:schemeClr>
+                </a:solidFill>
+                <a:latin typeface="+mn-lt"/>
+                <a:ea typeface="+mn-ea"/>
+                <a:cs typeface="+mn-cs"/>
+              </a:defRPr>
+            </a:lvl8pPr>
+            <a:lvl9pPr marL="3886200" indent="-228600" algn="l" defTabSz="457200" rtl="0" eaLnBrk="1" latinLnBrk="0" hangingPunct="1">
+              <a:spcBef>
+                <a:spcPts val="1000"/>
+              </a:spcBef>
+              <a:spcAft>
+                <a:spcPts val="0"/>
+              </a:spcAft>
+              <a:buClr>
+                <a:schemeClr val="accent1"/>
+              </a:buClr>
+              <a:buSzPct val="80000"/>
+              <a:buFont typeface="Wingdings 3" charset="2"/>
+              <a:buChar char=""/>
+              <a:defRPr sz="1200" kern="1200">
+                <a:solidFill>
+                  <a:schemeClr val="tx1">
+                    <a:lumMod val="75000"/>
+                    <a:lumOff val="25000"/>
+                  </a:schemeClr>
+                </a:solidFill>
+                <a:latin typeface="+mn-lt"/>
+                <a:ea typeface="+mn-ea"/>
+                <a:cs typeface="+mn-cs"/>
+              </a:defRPr>
+            </a:lvl9pPr>
+          </a:lstStyle>
+          <a:p>
+            <a:endParaRPr lang="fr-FR" b="0" dirty="0">
+              <a:solidFill>
+                <a:schemeClr val="tx1"/>
+              </a:solidFill>
+              <a:effectLst/>
+              <a:latin typeface="Consolas" panose="020B0609020204030204" pitchFamily="49" charset="0"/>
+            </a:endParaRPr>
+          </a:p>
+          <a:p>
+            <a:endParaRPr lang="en-US" b="0" dirty="0">
+              <a:solidFill>
+                <a:schemeClr val="tx1"/>
+              </a:solidFill>
+              <a:effectLst/>
+              <a:latin typeface="Consolas" panose="020B0609020204030204" pitchFamily="49" charset="0"/>
+            </a:endParaRPr>
+          </a:p>
+          <a:p>
+            <a:endParaRPr lang="fr-FR" dirty="0"/>
+          </a:p>
+        </p:txBody>
+      </p:sp>
+      <p:sp>
+        <p:nvSpPr>
+          <p:cNvPr id="4" name="ZoneTexte 3">
+            <a:extLst>
+              <a:ext uri="{FF2B5EF4-FFF2-40B4-BE49-F238E27FC236}">
+                <a16:creationId xmlns:a16="http://schemas.microsoft.com/office/drawing/2014/main" id="{3160FE25-E11C-4AFA-A5C9-00DD3E1EDFDB}"/>
+              </a:ext>
+            </a:extLst>
+          </p:cNvPr>
+          <p:cNvSpPr txBox="1"/>
+          <p:nvPr/>
+        </p:nvSpPr>
+        <p:spPr>
+          <a:xfrm>
             <a:off x="776178" y="1608201"/>
             <a:ext cx="9218428" cy="1200329"/>
           </a:xfrm>
@@ -20181,7 +23509,7 @@
 </p:sld>
 </file>
 
-<file path=ppt/slides/slide14.xml><?xml version="1.0" encoding="utf-8"?>
+<file path=ppt/slides/slide15.xml><?xml version="1.0" encoding="utf-8"?>
 <p:sld xmlns:a="http://schemas.openxmlformats.org/drawingml/2006/main" xmlns:r="http://schemas.openxmlformats.org/officeDocument/2006/relationships" xmlns:p="http://schemas.openxmlformats.org/presentationml/2006/main">
   <p:cSld>
     <p:spTree>
@@ -20675,7 +24003,7 @@
 </p:sld>
 </file>
 
-<file path=ppt/slides/slide15.xml><?xml version="1.0" encoding="utf-8"?>
+<file path=ppt/slides/slide16.xml><?xml version="1.0" encoding="utf-8"?>
 <p:sld xmlns:a="http://schemas.openxmlformats.org/drawingml/2006/main" xmlns:r="http://schemas.openxmlformats.org/officeDocument/2006/relationships" xmlns:p="http://schemas.openxmlformats.org/presentationml/2006/main">
   <p:cSld>
     <p:spTree>
@@ -21939,452 +25267,6 @@
 </p:sld>
 </file>
 
-<file path=ppt/slides/slide16.xml><?xml version="1.0" encoding="utf-8"?>
-<p:sld xmlns:a="http://schemas.openxmlformats.org/drawingml/2006/main" xmlns:r="http://schemas.openxmlformats.org/officeDocument/2006/relationships" xmlns:p="http://schemas.openxmlformats.org/presentationml/2006/main">
-  <p:cSld>
-    <p:spTree>
-      <p:nvGrpSpPr>
-        <p:cNvPr id="1" name=""/>
-        <p:cNvGrpSpPr/>
-        <p:nvPr/>
-      </p:nvGrpSpPr>
-      <p:grpSpPr>
-        <a:xfrm>
-          <a:off x="0" y="0"/>
-          <a:ext cx="0" cy="0"/>
-          <a:chOff x="0" y="0"/>
-          <a:chExt cx="0" cy="0"/>
-        </a:xfrm>
-      </p:grpSpPr>
-      <p:sp>
-        <p:nvSpPr>
-          <p:cNvPr id="2" name="Titre 1">
-            <a:extLst>
-              <a:ext uri="{FF2B5EF4-FFF2-40B4-BE49-F238E27FC236}">
-                <a16:creationId xmlns:a16="http://schemas.microsoft.com/office/drawing/2014/main" id="{D076303F-9234-450B-883B-ED9887836235}"/>
-              </a:ext>
-            </a:extLst>
-          </p:cNvPr>
-          <p:cNvSpPr txBox="1">
-            <a:spLocks/>
-          </p:cNvSpPr>
-          <p:nvPr/>
-        </p:nvSpPr>
-        <p:spPr>
-          <a:xfrm>
-            <a:off x="677863" y="609600"/>
-            <a:ext cx="8596312" cy="1320800"/>
-          </a:xfrm>
-          <a:prstGeom prst="rect">
-            <a:avLst/>
-          </a:prstGeom>
-        </p:spPr>
-        <p:txBody>
-          <a:bodyPr/>
-          <a:lstStyle>
-            <a:lvl1pPr algn="l" defTabSz="457200" rtl="0" eaLnBrk="1" latinLnBrk="0" hangingPunct="1">
-              <a:spcBef>
-                <a:spcPct val="0"/>
-              </a:spcBef>
-              <a:buNone/>
-              <a:defRPr sz="3600" kern="1200">
-                <a:solidFill>
-                  <a:schemeClr val="accent1"/>
-                </a:solidFill>
-                <a:latin typeface="+mj-lt"/>
-                <a:ea typeface="+mj-ea"/>
-                <a:cs typeface="+mj-cs"/>
-              </a:defRPr>
-            </a:lvl1pPr>
-            <a:lvl2pPr eaLnBrk="1" hangingPunct="1">
-              <a:defRPr>
-                <a:solidFill>
-                  <a:schemeClr val="tx2"/>
-                </a:solidFill>
-              </a:defRPr>
-            </a:lvl2pPr>
-            <a:lvl3pPr eaLnBrk="1" hangingPunct="1">
-              <a:defRPr>
-                <a:solidFill>
-                  <a:schemeClr val="tx2"/>
-                </a:solidFill>
-              </a:defRPr>
-            </a:lvl3pPr>
-            <a:lvl4pPr eaLnBrk="1" hangingPunct="1">
-              <a:defRPr>
-                <a:solidFill>
-                  <a:schemeClr val="tx2"/>
-                </a:solidFill>
-              </a:defRPr>
-            </a:lvl4pPr>
-            <a:lvl5pPr eaLnBrk="1" hangingPunct="1">
-              <a:defRPr>
-                <a:solidFill>
-                  <a:schemeClr val="tx2"/>
-                </a:solidFill>
-              </a:defRPr>
-            </a:lvl5pPr>
-            <a:lvl6pPr eaLnBrk="1" hangingPunct="1">
-              <a:defRPr>
-                <a:solidFill>
-                  <a:schemeClr val="tx2"/>
-                </a:solidFill>
-              </a:defRPr>
-            </a:lvl6pPr>
-            <a:lvl7pPr eaLnBrk="1" hangingPunct="1">
-              <a:defRPr>
-                <a:solidFill>
-                  <a:schemeClr val="tx2"/>
-                </a:solidFill>
-              </a:defRPr>
-            </a:lvl7pPr>
-            <a:lvl8pPr eaLnBrk="1" hangingPunct="1">
-              <a:defRPr>
-                <a:solidFill>
-                  <a:schemeClr val="tx2"/>
-                </a:solidFill>
-              </a:defRPr>
-            </a:lvl8pPr>
-            <a:lvl9pPr eaLnBrk="1" hangingPunct="1">
-              <a:defRPr>
-                <a:solidFill>
-                  <a:schemeClr val="tx2"/>
-                </a:solidFill>
-              </a:defRPr>
-            </a:lvl9pPr>
-          </a:lstStyle>
-          <a:p>
-            <a:r>
-              <a:rPr lang="fr-FR" dirty="0"/>
-              <a:t>6.Contenus</a:t>
-            </a:r>
-          </a:p>
-        </p:txBody>
-      </p:sp>
-      <p:sp>
-        <p:nvSpPr>
-          <p:cNvPr id="3" name="Espace réservé du contenu 2">
-            <a:extLst>
-              <a:ext uri="{FF2B5EF4-FFF2-40B4-BE49-F238E27FC236}">
-                <a16:creationId xmlns:a16="http://schemas.microsoft.com/office/drawing/2014/main" id="{A2C46B64-6AB2-451A-87EF-BCCDCD108E85}"/>
-              </a:ext>
-            </a:extLst>
-          </p:cNvPr>
-          <p:cNvSpPr txBox="1">
-            <a:spLocks/>
-          </p:cNvSpPr>
-          <p:nvPr/>
-        </p:nvSpPr>
-        <p:spPr>
-          <a:xfrm>
-            <a:off x="677863" y="2160588"/>
-            <a:ext cx="8596312" cy="3881437"/>
-          </a:xfrm>
-          <a:prstGeom prst="rect">
-            <a:avLst/>
-          </a:prstGeom>
-        </p:spPr>
-        <p:txBody>
-          <a:bodyPr/>
-          <a:lstStyle>
-            <a:lvl1pPr marL="342900" indent="-342900" algn="l" defTabSz="457200" rtl="0" eaLnBrk="1" latinLnBrk="0" hangingPunct="1">
-              <a:spcBef>
-                <a:spcPts val="1000"/>
-              </a:spcBef>
-              <a:spcAft>
-                <a:spcPts val="0"/>
-              </a:spcAft>
-              <a:buClr>
-                <a:schemeClr val="accent1"/>
-              </a:buClr>
-              <a:buSzPct val="80000"/>
-              <a:buFont typeface="Wingdings 3" charset="2"/>
-              <a:buChar char=""/>
-              <a:defRPr sz="1800" kern="1200">
-                <a:solidFill>
-                  <a:schemeClr val="tx1">
-                    <a:lumMod val="75000"/>
-                    <a:lumOff val="25000"/>
-                  </a:schemeClr>
-                </a:solidFill>
-                <a:latin typeface="+mn-lt"/>
-                <a:ea typeface="+mn-ea"/>
-                <a:cs typeface="+mn-cs"/>
-              </a:defRPr>
-            </a:lvl1pPr>
-            <a:lvl2pPr marL="742950" indent="-285750" algn="l" defTabSz="457200" rtl="0" eaLnBrk="1" latinLnBrk="0" hangingPunct="1">
-              <a:spcBef>
-                <a:spcPts val="1000"/>
-              </a:spcBef>
-              <a:spcAft>
-                <a:spcPts val="0"/>
-              </a:spcAft>
-              <a:buClr>
-                <a:schemeClr val="accent1"/>
-              </a:buClr>
-              <a:buSzPct val="80000"/>
-              <a:buFont typeface="Wingdings 3" charset="2"/>
-              <a:buChar char=""/>
-              <a:defRPr sz="1600" kern="1200">
-                <a:solidFill>
-                  <a:schemeClr val="tx1">
-                    <a:lumMod val="75000"/>
-                    <a:lumOff val="25000"/>
-                  </a:schemeClr>
-                </a:solidFill>
-                <a:latin typeface="+mn-lt"/>
-                <a:ea typeface="+mn-ea"/>
-                <a:cs typeface="+mn-cs"/>
-              </a:defRPr>
-            </a:lvl2pPr>
-            <a:lvl3pPr marL="1143000" indent="-228600" algn="l" defTabSz="457200" rtl="0" eaLnBrk="1" latinLnBrk="0" hangingPunct="1">
-              <a:spcBef>
-                <a:spcPts val="1000"/>
-              </a:spcBef>
-              <a:spcAft>
-                <a:spcPts val="0"/>
-              </a:spcAft>
-              <a:buClr>
-                <a:schemeClr val="accent1"/>
-              </a:buClr>
-              <a:buSzPct val="80000"/>
-              <a:buFont typeface="Wingdings 3" charset="2"/>
-              <a:buChar char=""/>
-              <a:defRPr sz="1400" kern="1200">
-                <a:solidFill>
-                  <a:schemeClr val="tx1">
-                    <a:lumMod val="75000"/>
-                    <a:lumOff val="25000"/>
-                  </a:schemeClr>
-                </a:solidFill>
-                <a:latin typeface="+mn-lt"/>
-                <a:ea typeface="+mn-ea"/>
-                <a:cs typeface="+mn-cs"/>
-              </a:defRPr>
-            </a:lvl3pPr>
-            <a:lvl4pPr marL="1600200" indent="-228600" algn="l" defTabSz="457200" rtl="0" eaLnBrk="1" latinLnBrk="0" hangingPunct="1">
-              <a:spcBef>
-                <a:spcPts val="1000"/>
-              </a:spcBef>
-              <a:spcAft>
-                <a:spcPts val="0"/>
-              </a:spcAft>
-              <a:buClr>
-                <a:schemeClr val="accent1"/>
-              </a:buClr>
-              <a:buSzPct val="80000"/>
-              <a:buFont typeface="Wingdings 3" charset="2"/>
-              <a:buChar char=""/>
-              <a:defRPr sz="1200" kern="1200">
-                <a:solidFill>
-                  <a:schemeClr val="tx1">
-                    <a:lumMod val="75000"/>
-                    <a:lumOff val="25000"/>
-                  </a:schemeClr>
-                </a:solidFill>
-                <a:latin typeface="+mn-lt"/>
-                <a:ea typeface="+mn-ea"/>
-                <a:cs typeface="+mn-cs"/>
-              </a:defRPr>
-            </a:lvl4pPr>
-            <a:lvl5pPr marL="2057400" indent="-228600" algn="l" defTabSz="457200" rtl="0" eaLnBrk="1" latinLnBrk="0" hangingPunct="1">
-              <a:spcBef>
-                <a:spcPts val="1000"/>
-              </a:spcBef>
-              <a:spcAft>
-                <a:spcPts val="0"/>
-              </a:spcAft>
-              <a:buClr>
-                <a:schemeClr val="accent1"/>
-              </a:buClr>
-              <a:buSzPct val="80000"/>
-              <a:buFont typeface="Wingdings 3" charset="2"/>
-              <a:buChar char=""/>
-              <a:defRPr sz="1200" kern="1200">
-                <a:solidFill>
-                  <a:schemeClr val="tx1">
-                    <a:lumMod val="75000"/>
-                    <a:lumOff val="25000"/>
-                  </a:schemeClr>
-                </a:solidFill>
-                <a:latin typeface="+mn-lt"/>
-                <a:ea typeface="+mn-ea"/>
-                <a:cs typeface="+mn-cs"/>
-              </a:defRPr>
-            </a:lvl5pPr>
-            <a:lvl6pPr marL="2514600" indent="-228600" algn="l" defTabSz="457200" rtl="0" eaLnBrk="1" latinLnBrk="0" hangingPunct="1">
-              <a:spcBef>
-                <a:spcPts val="1000"/>
-              </a:spcBef>
-              <a:spcAft>
-                <a:spcPts val="0"/>
-              </a:spcAft>
-              <a:buClr>
-                <a:schemeClr val="accent1"/>
-              </a:buClr>
-              <a:buSzPct val="80000"/>
-              <a:buFont typeface="Wingdings 3" charset="2"/>
-              <a:buChar char=""/>
-              <a:defRPr sz="1200" kern="1200">
-                <a:solidFill>
-                  <a:schemeClr val="tx1">
-                    <a:lumMod val="75000"/>
-                    <a:lumOff val="25000"/>
-                  </a:schemeClr>
-                </a:solidFill>
-                <a:latin typeface="+mn-lt"/>
-                <a:ea typeface="+mn-ea"/>
-                <a:cs typeface="+mn-cs"/>
-              </a:defRPr>
-            </a:lvl6pPr>
-            <a:lvl7pPr marL="2971800" indent="-228600" algn="l" defTabSz="457200" rtl="0" eaLnBrk="1" latinLnBrk="0" hangingPunct="1">
-              <a:spcBef>
-                <a:spcPts val="1000"/>
-              </a:spcBef>
-              <a:spcAft>
-                <a:spcPts val="0"/>
-              </a:spcAft>
-              <a:buClr>
-                <a:schemeClr val="accent1"/>
-              </a:buClr>
-              <a:buSzPct val="80000"/>
-              <a:buFont typeface="Wingdings 3" charset="2"/>
-              <a:buChar char=""/>
-              <a:defRPr sz="1200" kern="1200">
-                <a:solidFill>
-                  <a:schemeClr val="tx1">
-                    <a:lumMod val="75000"/>
-                    <a:lumOff val="25000"/>
-                  </a:schemeClr>
-                </a:solidFill>
-                <a:latin typeface="+mn-lt"/>
-                <a:ea typeface="+mn-ea"/>
-                <a:cs typeface="+mn-cs"/>
-              </a:defRPr>
-            </a:lvl7pPr>
-            <a:lvl8pPr marL="3429000" indent="-228600" algn="l" defTabSz="457200" rtl="0" eaLnBrk="1" latinLnBrk="0" hangingPunct="1">
-              <a:spcBef>
-                <a:spcPts val="1000"/>
-              </a:spcBef>
-              <a:spcAft>
-                <a:spcPts val="0"/>
-              </a:spcAft>
-              <a:buClr>
-                <a:schemeClr val="accent1"/>
-              </a:buClr>
-              <a:buSzPct val="80000"/>
-              <a:buFont typeface="Wingdings 3" charset="2"/>
-              <a:buChar char=""/>
-              <a:defRPr sz="1200" kern="1200">
-                <a:solidFill>
-                  <a:schemeClr val="tx1">
-                    <a:lumMod val="75000"/>
-                    <a:lumOff val="25000"/>
-                  </a:schemeClr>
-                </a:solidFill>
-                <a:latin typeface="+mn-lt"/>
-                <a:ea typeface="+mn-ea"/>
-                <a:cs typeface="+mn-cs"/>
-              </a:defRPr>
-            </a:lvl8pPr>
-            <a:lvl9pPr marL="3886200" indent="-228600" algn="l" defTabSz="457200" rtl="0" eaLnBrk="1" latinLnBrk="0" hangingPunct="1">
-              <a:spcBef>
-                <a:spcPts val="1000"/>
-              </a:spcBef>
-              <a:spcAft>
-                <a:spcPts val="0"/>
-              </a:spcAft>
-              <a:buClr>
-                <a:schemeClr val="accent1"/>
-              </a:buClr>
-              <a:buSzPct val="80000"/>
-              <a:buFont typeface="Wingdings 3" charset="2"/>
-              <a:buChar char=""/>
-              <a:defRPr sz="1200" kern="1200">
-                <a:solidFill>
-                  <a:schemeClr val="tx1">
-                    <a:lumMod val="75000"/>
-                    <a:lumOff val="25000"/>
-                  </a:schemeClr>
-                </a:solidFill>
-                <a:latin typeface="+mn-lt"/>
-                <a:ea typeface="+mn-ea"/>
-                <a:cs typeface="+mn-cs"/>
-              </a:defRPr>
-            </a:lvl9pPr>
-          </a:lstStyle>
-          <a:p>
-            <a:pPr marL="0" indent="0">
-              <a:buNone/>
-            </a:pPr>
-            <a:endParaRPr lang="en-US" b="0" dirty="0">
-              <a:solidFill>
-                <a:schemeClr val="tx1"/>
-              </a:solidFill>
-              <a:effectLst/>
-              <a:latin typeface="Consolas" panose="020B0609020204030204" pitchFamily="49" charset="0"/>
-            </a:endParaRPr>
-          </a:p>
-          <a:p>
-            <a:endParaRPr lang="fr-FR" dirty="0"/>
-          </a:p>
-        </p:txBody>
-      </p:sp>
-      <p:sp>
-        <p:nvSpPr>
-          <p:cNvPr id="4" name="ZoneTexte 3">
-            <a:extLst>
-              <a:ext uri="{FF2B5EF4-FFF2-40B4-BE49-F238E27FC236}">
-                <a16:creationId xmlns:a16="http://schemas.microsoft.com/office/drawing/2014/main" id="{26385900-ADB0-45C0-9290-DD580D181223}"/>
-              </a:ext>
-            </a:extLst>
-          </p:cNvPr>
-          <p:cNvSpPr txBox="1"/>
-          <p:nvPr/>
-        </p:nvSpPr>
-        <p:spPr>
-          <a:xfrm>
-            <a:off x="2170970" y="1606283"/>
-            <a:ext cx="4843847" cy="369332"/>
-          </a:xfrm>
-          <a:prstGeom prst="rect">
-            <a:avLst/>
-          </a:prstGeom>
-          <a:noFill/>
-        </p:spPr>
-        <p:txBody>
-          <a:bodyPr wrap="square" rtlCol="0">
-            <a:spAutoFit/>
-          </a:bodyPr>
-          <a:lstStyle/>
-          <a:p>
-            <a:pPr algn="ctr"/>
-            <a:r>
-              <a:rPr lang="fr-FR" dirty="0">
-                <a:solidFill>
-                  <a:schemeClr val="accent6">
-                    <a:lumMod val="75000"/>
-                  </a:schemeClr>
-                </a:solidFill>
-              </a:rPr>
-              <a:t>Notre histoire</a:t>
-            </a:r>
-          </a:p>
-        </p:txBody>
-      </p:sp>
-    </p:spTree>
-    <p:extLst>
-      <p:ext uri="{BB962C8B-B14F-4D97-AF65-F5344CB8AC3E}">
-        <p14:creationId xmlns:p14="http://schemas.microsoft.com/office/powerpoint/2010/main" val="98072508"/>
-      </p:ext>
-    </p:extLst>
-  </p:cSld>
-  <p:clrMapOvr>
-    <a:masterClrMapping/>
-  </p:clrMapOvr>
-</p:sld>
-</file>
-
 <file path=ppt/slides/slide17.xml><?xml version="1.0" encoding="utf-8"?>
 <p:sld xmlns:a="http://schemas.openxmlformats.org/drawingml/2006/main" xmlns:r="http://schemas.openxmlformats.org/officeDocument/2006/relationships" xmlns:p="http://schemas.openxmlformats.org/presentationml/2006/main">
   <p:cSld>
@@ -22778,10 +25660,384 @@
       </p:sp>
       <p:sp>
         <p:nvSpPr>
-          <p:cNvPr id="4" name="ZoneTexte 3">
+          <p:cNvPr id="5" name="Titre 1">
             <a:extLst>
               <a:ext uri="{FF2B5EF4-FFF2-40B4-BE49-F238E27FC236}">
-                <a16:creationId xmlns:a16="http://schemas.microsoft.com/office/drawing/2014/main" id="{26385900-ADB0-45C0-9290-DD580D181223}"/>
+                <a16:creationId xmlns:a16="http://schemas.microsoft.com/office/drawing/2014/main" id="{DE8183E7-777C-43B5-B366-4C193D81AB4F}"/>
+              </a:ext>
+            </a:extLst>
+          </p:cNvPr>
+          <p:cNvSpPr txBox="1">
+            <a:spLocks/>
+          </p:cNvSpPr>
+          <p:nvPr/>
+        </p:nvSpPr>
+        <p:spPr>
+          <a:xfrm>
+            <a:off x="677863" y="609600"/>
+            <a:ext cx="8596312" cy="1320800"/>
+          </a:xfrm>
+          <a:prstGeom prst="rect">
+            <a:avLst/>
+          </a:prstGeom>
+        </p:spPr>
+        <p:txBody>
+          <a:bodyPr/>
+          <a:lstStyle>
+            <a:lvl1pPr algn="l" defTabSz="457200" rtl="0" eaLnBrk="1" latinLnBrk="0" hangingPunct="1">
+              <a:spcBef>
+                <a:spcPct val="0"/>
+              </a:spcBef>
+              <a:buNone/>
+              <a:defRPr sz="3600" kern="1200">
+                <a:solidFill>
+                  <a:schemeClr val="accent1"/>
+                </a:solidFill>
+                <a:latin typeface="+mj-lt"/>
+                <a:ea typeface="+mj-ea"/>
+                <a:cs typeface="+mj-cs"/>
+              </a:defRPr>
+            </a:lvl1pPr>
+            <a:lvl2pPr eaLnBrk="1" hangingPunct="1">
+              <a:defRPr>
+                <a:solidFill>
+                  <a:schemeClr val="tx2"/>
+                </a:solidFill>
+              </a:defRPr>
+            </a:lvl2pPr>
+            <a:lvl3pPr eaLnBrk="1" hangingPunct="1">
+              <a:defRPr>
+                <a:solidFill>
+                  <a:schemeClr val="tx2"/>
+                </a:solidFill>
+              </a:defRPr>
+            </a:lvl3pPr>
+            <a:lvl4pPr eaLnBrk="1" hangingPunct="1">
+              <a:defRPr>
+                <a:solidFill>
+                  <a:schemeClr val="tx2"/>
+                </a:solidFill>
+              </a:defRPr>
+            </a:lvl4pPr>
+            <a:lvl5pPr eaLnBrk="1" hangingPunct="1">
+              <a:defRPr>
+                <a:solidFill>
+                  <a:schemeClr val="tx2"/>
+                </a:solidFill>
+              </a:defRPr>
+            </a:lvl5pPr>
+            <a:lvl6pPr eaLnBrk="1" hangingPunct="1">
+              <a:defRPr>
+                <a:solidFill>
+                  <a:schemeClr val="tx2"/>
+                </a:solidFill>
+              </a:defRPr>
+            </a:lvl6pPr>
+            <a:lvl7pPr eaLnBrk="1" hangingPunct="1">
+              <a:defRPr>
+                <a:solidFill>
+                  <a:schemeClr val="tx2"/>
+                </a:solidFill>
+              </a:defRPr>
+            </a:lvl7pPr>
+            <a:lvl8pPr eaLnBrk="1" hangingPunct="1">
+              <a:defRPr>
+                <a:solidFill>
+                  <a:schemeClr val="tx2"/>
+                </a:solidFill>
+              </a:defRPr>
+            </a:lvl8pPr>
+            <a:lvl9pPr eaLnBrk="1" hangingPunct="1">
+              <a:defRPr>
+                <a:solidFill>
+                  <a:schemeClr val="tx2"/>
+                </a:solidFill>
+              </a:defRPr>
+            </a:lvl9pPr>
+          </a:lstStyle>
+          <a:p>
+            <a:r>
+              <a:rPr lang="fr-FR" dirty="0"/>
+              <a:t>6.Contenus</a:t>
+            </a:r>
+          </a:p>
+        </p:txBody>
+      </p:sp>
+      <p:sp>
+        <p:nvSpPr>
+          <p:cNvPr id="6" name="Espace réservé du contenu 2">
+            <a:extLst>
+              <a:ext uri="{FF2B5EF4-FFF2-40B4-BE49-F238E27FC236}">
+                <a16:creationId xmlns:a16="http://schemas.microsoft.com/office/drawing/2014/main" id="{758CE210-79AD-4611-A0F4-2E2564A6FC84}"/>
+              </a:ext>
+            </a:extLst>
+          </p:cNvPr>
+          <p:cNvSpPr txBox="1">
+            <a:spLocks/>
+          </p:cNvSpPr>
+          <p:nvPr/>
+        </p:nvSpPr>
+        <p:spPr>
+          <a:xfrm>
+            <a:off x="677863" y="2160588"/>
+            <a:ext cx="8596312" cy="3881437"/>
+          </a:xfrm>
+          <a:prstGeom prst="rect">
+            <a:avLst/>
+          </a:prstGeom>
+        </p:spPr>
+        <p:txBody>
+          <a:bodyPr/>
+          <a:lstStyle>
+            <a:lvl1pPr marL="342900" indent="-342900" algn="l" defTabSz="457200" rtl="0" eaLnBrk="1" latinLnBrk="0" hangingPunct="1">
+              <a:spcBef>
+                <a:spcPts val="1000"/>
+              </a:spcBef>
+              <a:spcAft>
+                <a:spcPts val="0"/>
+              </a:spcAft>
+              <a:buClr>
+                <a:schemeClr val="accent1"/>
+              </a:buClr>
+              <a:buSzPct val="80000"/>
+              <a:buFont typeface="Wingdings 3" charset="2"/>
+              <a:buChar char=""/>
+              <a:defRPr sz="1800" kern="1200">
+                <a:solidFill>
+                  <a:schemeClr val="tx1">
+                    <a:lumMod val="75000"/>
+                    <a:lumOff val="25000"/>
+                  </a:schemeClr>
+                </a:solidFill>
+                <a:latin typeface="+mn-lt"/>
+                <a:ea typeface="+mn-ea"/>
+                <a:cs typeface="+mn-cs"/>
+              </a:defRPr>
+            </a:lvl1pPr>
+            <a:lvl2pPr marL="742950" indent="-285750" algn="l" defTabSz="457200" rtl="0" eaLnBrk="1" latinLnBrk="0" hangingPunct="1">
+              <a:spcBef>
+                <a:spcPts val="1000"/>
+              </a:spcBef>
+              <a:spcAft>
+                <a:spcPts val="0"/>
+              </a:spcAft>
+              <a:buClr>
+                <a:schemeClr val="accent1"/>
+              </a:buClr>
+              <a:buSzPct val="80000"/>
+              <a:buFont typeface="Wingdings 3" charset="2"/>
+              <a:buChar char=""/>
+              <a:defRPr sz="1600" kern="1200">
+                <a:solidFill>
+                  <a:schemeClr val="tx1">
+                    <a:lumMod val="75000"/>
+                    <a:lumOff val="25000"/>
+                  </a:schemeClr>
+                </a:solidFill>
+                <a:latin typeface="+mn-lt"/>
+                <a:ea typeface="+mn-ea"/>
+                <a:cs typeface="+mn-cs"/>
+              </a:defRPr>
+            </a:lvl2pPr>
+            <a:lvl3pPr marL="1143000" indent="-228600" algn="l" defTabSz="457200" rtl="0" eaLnBrk="1" latinLnBrk="0" hangingPunct="1">
+              <a:spcBef>
+                <a:spcPts val="1000"/>
+              </a:spcBef>
+              <a:spcAft>
+                <a:spcPts val="0"/>
+              </a:spcAft>
+              <a:buClr>
+                <a:schemeClr val="accent1"/>
+              </a:buClr>
+              <a:buSzPct val="80000"/>
+              <a:buFont typeface="Wingdings 3" charset="2"/>
+              <a:buChar char=""/>
+              <a:defRPr sz="1400" kern="1200">
+                <a:solidFill>
+                  <a:schemeClr val="tx1">
+                    <a:lumMod val="75000"/>
+                    <a:lumOff val="25000"/>
+                  </a:schemeClr>
+                </a:solidFill>
+                <a:latin typeface="+mn-lt"/>
+                <a:ea typeface="+mn-ea"/>
+                <a:cs typeface="+mn-cs"/>
+              </a:defRPr>
+            </a:lvl3pPr>
+            <a:lvl4pPr marL="1600200" indent="-228600" algn="l" defTabSz="457200" rtl="0" eaLnBrk="1" latinLnBrk="0" hangingPunct="1">
+              <a:spcBef>
+                <a:spcPts val="1000"/>
+              </a:spcBef>
+              <a:spcAft>
+                <a:spcPts val="0"/>
+              </a:spcAft>
+              <a:buClr>
+                <a:schemeClr val="accent1"/>
+              </a:buClr>
+              <a:buSzPct val="80000"/>
+              <a:buFont typeface="Wingdings 3" charset="2"/>
+              <a:buChar char=""/>
+              <a:defRPr sz="1200" kern="1200">
+                <a:solidFill>
+                  <a:schemeClr val="tx1">
+                    <a:lumMod val="75000"/>
+                    <a:lumOff val="25000"/>
+                  </a:schemeClr>
+                </a:solidFill>
+                <a:latin typeface="+mn-lt"/>
+                <a:ea typeface="+mn-ea"/>
+                <a:cs typeface="+mn-cs"/>
+              </a:defRPr>
+            </a:lvl4pPr>
+            <a:lvl5pPr marL="2057400" indent="-228600" algn="l" defTabSz="457200" rtl="0" eaLnBrk="1" latinLnBrk="0" hangingPunct="1">
+              <a:spcBef>
+                <a:spcPts val="1000"/>
+              </a:spcBef>
+              <a:spcAft>
+                <a:spcPts val="0"/>
+              </a:spcAft>
+              <a:buClr>
+                <a:schemeClr val="accent1"/>
+              </a:buClr>
+              <a:buSzPct val="80000"/>
+              <a:buFont typeface="Wingdings 3" charset="2"/>
+              <a:buChar char=""/>
+              <a:defRPr sz="1200" kern="1200">
+                <a:solidFill>
+                  <a:schemeClr val="tx1">
+                    <a:lumMod val="75000"/>
+                    <a:lumOff val="25000"/>
+                  </a:schemeClr>
+                </a:solidFill>
+                <a:latin typeface="+mn-lt"/>
+                <a:ea typeface="+mn-ea"/>
+                <a:cs typeface="+mn-cs"/>
+              </a:defRPr>
+            </a:lvl5pPr>
+            <a:lvl6pPr marL="2514600" indent="-228600" algn="l" defTabSz="457200" rtl="0" eaLnBrk="1" latinLnBrk="0" hangingPunct="1">
+              <a:spcBef>
+                <a:spcPts val="1000"/>
+              </a:spcBef>
+              <a:spcAft>
+                <a:spcPts val="0"/>
+              </a:spcAft>
+              <a:buClr>
+                <a:schemeClr val="accent1"/>
+              </a:buClr>
+              <a:buSzPct val="80000"/>
+              <a:buFont typeface="Wingdings 3" charset="2"/>
+              <a:buChar char=""/>
+              <a:defRPr sz="1200" kern="1200">
+                <a:solidFill>
+                  <a:schemeClr val="tx1">
+                    <a:lumMod val="75000"/>
+                    <a:lumOff val="25000"/>
+                  </a:schemeClr>
+                </a:solidFill>
+                <a:latin typeface="+mn-lt"/>
+                <a:ea typeface="+mn-ea"/>
+                <a:cs typeface="+mn-cs"/>
+              </a:defRPr>
+            </a:lvl6pPr>
+            <a:lvl7pPr marL="2971800" indent="-228600" algn="l" defTabSz="457200" rtl="0" eaLnBrk="1" latinLnBrk="0" hangingPunct="1">
+              <a:spcBef>
+                <a:spcPts val="1000"/>
+              </a:spcBef>
+              <a:spcAft>
+                <a:spcPts val="0"/>
+              </a:spcAft>
+              <a:buClr>
+                <a:schemeClr val="accent1"/>
+              </a:buClr>
+              <a:buSzPct val="80000"/>
+              <a:buFont typeface="Wingdings 3" charset="2"/>
+              <a:buChar char=""/>
+              <a:defRPr sz="1200" kern="1200">
+                <a:solidFill>
+                  <a:schemeClr val="tx1">
+                    <a:lumMod val="75000"/>
+                    <a:lumOff val="25000"/>
+                  </a:schemeClr>
+                </a:solidFill>
+                <a:latin typeface="+mn-lt"/>
+                <a:ea typeface="+mn-ea"/>
+                <a:cs typeface="+mn-cs"/>
+              </a:defRPr>
+            </a:lvl7pPr>
+            <a:lvl8pPr marL="3429000" indent="-228600" algn="l" defTabSz="457200" rtl="0" eaLnBrk="1" latinLnBrk="0" hangingPunct="1">
+              <a:spcBef>
+                <a:spcPts val="1000"/>
+              </a:spcBef>
+              <a:spcAft>
+                <a:spcPts val="0"/>
+              </a:spcAft>
+              <a:buClr>
+                <a:schemeClr val="accent1"/>
+              </a:buClr>
+              <a:buSzPct val="80000"/>
+              <a:buFont typeface="Wingdings 3" charset="2"/>
+              <a:buChar char=""/>
+              <a:defRPr sz="1200" kern="1200">
+                <a:solidFill>
+                  <a:schemeClr val="tx1">
+                    <a:lumMod val="75000"/>
+                    <a:lumOff val="25000"/>
+                  </a:schemeClr>
+                </a:solidFill>
+                <a:latin typeface="+mn-lt"/>
+                <a:ea typeface="+mn-ea"/>
+                <a:cs typeface="+mn-cs"/>
+              </a:defRPr>
+            </a:lvl8pPr>
+            <a:lvl9pPr marL="3886200" indent="-228600" algn="l" defTabSz="457200" rtl="0" eaLnBrk="1" latinLnBrk="0" hangingPunct="1">
+              <a:spcBef>
+                <a:spcPts val="1000"/>
+              </a:spcBef>
+              <a:spcAft>
+                <a:spcPts val="0"/>
+              </a:spcAft>
+              <a:buClr>
+                <a:schemeClr val="accent1"/>
+              </a:buClr>
+              <a:buSzPct val="80000"/>
+              <a:buFont typeface="Wingdings 3" charset="2"/>
+              <a:buChar char=""/>
+              <a:defRPr sz="1200" kern="1200">
+                <a:solidFill>
+                  <a:schemeClr val="tx1">
+                    <a:lumMod val="75000"/>
+                    <a:lumOff val="25000"/>
+                  </a:schemeClr>
+                </a:solidFill>
+                <a:latin typeface="+mn-lt"/>
+                <a:ea typeface="+mn-ea"/>
+                <a:cs typeface="+mn-cs"/>
+              </a:defRPr>
+            </a:lvl9pPr>
+          </a:lstStyle>
+          <a:p>
+            <a:pPr marL="0" indent="0">
+              <a:buNone/>
+            </a:pPr>
+            <a:endParaRPr lang="en-US" b="0" dirty="0">
+              <a:solidFill>
+                <a:schemeClr val="tx1"/>
+              </a:solidFill>
+              <a:effectLst/>
+              <a:latin typeface="Consolas" panose="020B0609020204030204" pitchFamily="49" charset="0"/>
+            </a:endParaRPr>
+          </a:p>
+          <a:p>
+            <a:endParaRPr lang="fr-FR" dirty="0"/>
+          </a:p>
+        </p:txBody>
+      </p:sp>
+      <p:sp>
+        <p:nvSpPr>
+          <p:cNvPr id="7" name="ZoneTexte 6">
+            <a:extLst>
+              <a:ext uri="{FF2B5EF4-FFF2-40B4-BE49-F238E27FC236}">
+                <a16:creationId xmlns:a16="http://schemas.microsoft.com/office/drawing/2014/main" id="{44818A4D-1057-4663-9415-7669227C18F7}"/>
               </a:ext>
             </a:extLst>
           </p:cNvPr>
@@ -22790,7 +26046,7 @@
         </p:nvSpPr>
         <p:spPr>
           <a:xfrm>
-            <a:off x="2170970" y="1561068"/>
+            <a:off x="0" y="1234808"/>
             <a:ext cx="4843847" cy="369332"/>
           </a:xfrm>
           <a:prstGeom prst="rect">
@@ -22813,7 +26069,273 @@
                   </a:schemeClr>
                 </a:solidFill>
               </a:rPr>
-              <a:t>Notre vision</a:t>
+              <a:t>Notre histoire</a:t>
+            </a:r>
+          </a:p>
+        </p:txBody>
+      </p:sp>
+      <p:pic>
+        <p:nvPicPr>
+          <p:cNvPr id="8" name="Image 7">
+            <a:extLst>
+              <a:ext uri="{FF2B5EF4-FFF2-40B4-BE49-F238E27FC236}">
+                <a16:creationId xmlns:a16="http://schemas.microsoft.com/office/drawing/2014/main" id="{55857822-FD9B-4972-96BD-51E2B208D9AF}"/>
+              </a:ext>
+            </a:extLst>
+          </p:cNvPr>
+          <p:cNvPicPr>
+            <a:picLocks noChangeAspect="1"/>
+          </p:cNvPicPr>
+          <p:nvPr/>
+        </p:nvPicPr>
+        <p:blipFill>
+          <a:blip r:embed="rId2"/>
+          <a:stretch>
+            <a:fillRect/>
+          </a:stretch>
+        </p:blipFill>
+        <p:spPr>
+          <a:xfrm>
+            <a:off x="623048" y="2270162"/>
+            <a:ext cx="3500072" cy="3334061"/>
+          </a:xfrm>
+          <a:prstGeom prst="rect">
+            <a:avLst/>
+          </a:prstGeom>
+        </p:spPr>
+      </p:pic>
+      <p:sp>
+        <p:nvSpPr>
+          <p:cNvPr id="9" name="Rectangle 8">
+            <a:extLst>
+              <a:ext uri="{FF2B5EF4-FFF2-40B4-BE49-F238E27FC236}">
+                <a16:creationId xmlns:a16="http://schemas.microsoft.com/office/drawing/2014/main" id="{E8D6F6E0-8633-4273-AA99-CF0A101F2A87}"/>
+              </a:ext>
+            </a:extLst>
+          </p:cNvPr>
+          <p:cNvSpPr/>
+          <p:nvPr/>
+        </p:nvSpPr>
+        <p:spPr>
+          <a:xfrm>
+            <a:off x="217870" y="1598247"/>
+            <a:ext cx="3905250" cy="671915"/>
+          </a:xfrm>
+          <a:prstGeom prst="rect">
+            <a:avLst/>
+          </a:prstGeom>
+        </p:spPr>
+        <p:txBody>
+          <a:bodyPr wrap="square">
+            <a:spAutoFit/>
+          </a:bodyPr>
+          <a:lstStyle/>
+          <a:p>
+            <a:pPr algn="ctr">
+              <a:lnSpc>
+                <a:spcPct val="107000"/>
+              </a:lnSpc>
+              <a:spcAft>
+                <a:spcPts val="800"/>
+              </a:spcAft>
+            </a:pPr>
+            <a:r>
+              <a:rPr lang="fr-FR" dirty="0">
+                <a:solidFill>
+                  <a:schemeClr val="accent2">
+                    <a:lumMod val="50000"/>
+                  </a:schemeClr>
+                </a:solidFill>
+                <a:latin typeface="Calibri" panose="020F0502020204030204" pitchFamily="34" charset="0"/>
+                <a:ea typeface="Yu Mincho" panose="02020400000000000000" pitchFamily="18" charset="-128"/>
+                <a:cs typeface="Times New Roman" panose="02020603050405020304" pitchFamily="18" charset="0"/>
+              </a:rPr>
+              <a:t>Elle s’appelait Philo… C’était ma Mémé, une femme exceptionnelle.</a:t>
+            </a:r>
+          </a:p>
+        </p:txBody>
+      </p:sp>
+      <p:sp>
+        <p:nvSpPr>
+          <p:cNvPr id="10" name="Rectangle 9">
+            <a:extLst>
+              <a:ext uri="{FF2B5EF4-FFF2-40B4-BE49-F238E27FC236}">
+                <a16:creationId xmlns:a16="http://schemas.microsoft.com/office/drawing/2014/main" id="{DD6CFD65-518B-4834-960B-337741C9385C}"/>
+              </a:ext>
+            </a:extLst>
+          </p:cNvPr>
+          <p:cNvSpPr/>
+          <p:nvPr/>
+        </p:nvSpPr>
+        <p:spPr>
+          <a:xfrm>
+            <a:off x="339122" y="5815641"/>
+            <a:ext cx="4046537" cy="671915"/>
+          </a:xfrm>
+          <a:prstGeom prst="rect">
+            <a:avLst/>
+          </a:prstGeom>
+        </p:spPr>
+        <p:txBody>
+          <a:bodyPr wrap="square">
+            <a:spAutoFit/>
+          </a:bodyPr>
+          <a:lstStyle/>
+          <a:p>
+            <a:pPr algn="ctr">
+              <a:lnSpc>
+                <a:spcPct val="107000"/>
+              </a:lnSpc>
+              <a:spcAft>
+                <a:spcPts val="800"/>
+              </a:spcAft>
+            </a:pPr>
+            <a:r>
+              <a:rPr lang="fr-FR" b="1" dirty="0">
+                <a:solidFill>
+                  <a:schemeClr val="accent2">
+                    <a:lumMod val="50000"/>
+                  </a:schemeClr>
+                </a:solidFill>
+                <a:latin typeface="Calibri" panose="020F0502020204030204" pitchFamily="34" charset="0"/>
+                <a:ea typeface="Yu Mincho" panose="02020400000000000000" pitchFamily="18" charset="-128"/>
+                <a:cs typeface="Times New Roman" panose="02020603050405020304" pitchFamily="18" charset="0"/>
+              </a:rPr>
+              <a:t>Par sa vie, elle m’a inspirée. Par sa mort, elle m’a fait cadeau d’une mission.</a:t>
+            </a:r>
+          </a:p>
+        </p:txBody>
+      </p:sp>
+      <p:sp>
+        <p:nvSpPr>
+          <p:cNvPr id="11" name="Rectangle 10">
+            <a:extLst>
+              <a:ext uri="{FF2B5EF4-FFF2-40B4-BE49-F238E27FC236}">
+                <a16:creationId xmlns:a16="http://schemas.microsoft.com/office/drawing/2014/main" id="{F00D2331-584B-4787-B974-CC6B5C241BDD}"/>
+              </a:ext>
+            </a:extLst>
+          </p:cNvPr>
+          <p:cNvSpPr/>
+          <p:nvPr/>
+        </p:nvSpPr>
+        <p:spPr>
+          <a:xfrm>
+            <a:off x="4648198" y="1574781"/>
+            <a:ext cx="7543802" cy="4935005"/>
+          </a:xfrm>
+          <a:prstGeom prst="rect">
+            <a:avLst/>
+          </a:prstGeom>
+        </p:spPr>
+        <p:style>
+          <a:lnRef idx="1">
+            <a:schemeClr val="accent1"/>
+          </a:lnRef>
+          <a:fillRef idx="3">
+            <a:schemeClr val="accent1"/>
+          </a:fillRef>
+          <a:effectRef idx="2">
+            <a:schemeClr val="accent1"/>
+          </a:effectRef>
+          <a:fontRef idx="minor">
+            <a:schemeClr val="lt1"/>
+          </a:fontRef>
+        </p:style>
+        <p:txBody>
+          <a:bodyPr wrap="square">
+            <a:spAutoFit/>
+          </a:bodyPr>
+          <a:lstStyle/>
+          <a:p>
+            <a:pPr algn="ctr">
+              <a:lnSpc>
+                <a:spcPct val="107000"/>
+              </a:lnSpc>
+              <a:spcAft>
+                <a:spcPts val="800"/>
+              </a:spcAft>
+            </a:pPr>
+            <a:r>
+              <a:rPr lang="fr-FR" dirty="0">
+                <a:latin typeface="Calibri" panose="020F0502020204030204" pitchFamily="34" charset="0"/>
+                <a:ea typeface="Yu Mincho" panose="02020400000000000000" pitchFamily="18" charset="-128"/>
+                <a:cs typeface="Times New Roman" panose="02020603050405020304" pitchFamily="18" charset="0"/>
+              </a:rPr>
+              <a:t>Lorsque Mémé a perdu son autonomie, nous nous sommes trouvés face à une absence de personnel qualifié et d’infrastructure de prise en charge adaptée malgré le fait qu’elle ait rejoint sa fille à Abidjan, capitale économique de la Côte d’Ivoire.   </a:t>
+            </a:r>
+          </a:p>
+          <a:p>
+            <a:pPr algn="ctr">
+              <a:lnSpc>
+                <a:spcPct val="107000"/>
+              </a:lnSpc>
+              <a:spcAft>
+                <a:spcPts val="800"/>
+              </a:spcAft>
+            </a:pPr>
+            <a:r>
+              <a:rPr lang="fr-FR" dirty="0">
+                <a:latin typeface="Calibri" panose="020F0502020204030204" pitchFamily="34" charset="0"/>
+                <a:ea typeface="Yu Mincho" panose="02020400000000000000" pitchFamily="18" charset="-128"/>
+                <a:cs typeface="Times New Roman" panose="02020603050405020304" pitchFamily="18" charset="0"/>
+              </a:rPr>
+              <a:t>Bien que la famille ait eu, à un moment donné, la volonté ainsi que les moyens financiers de la mettre dans un cadre de prise en charge gériatrique pour qu’elle puisse vivre le moins douloureusement possible ses derniers jours, nous n’avons pas eu accès à une offre correspondant à nos attentes. Son décès a donc été un véritable déclic pour moi sur la question de la prise en charge de nos ainés en Afrique. </a:t>
+            </a:r>
+          </a:p>
+          <a:p>
+            <a:pPr algn="ctr">
+              <a:lnSpc>
+                <a:spcPct val="107000"/>
+              </a:lnSpc>
+              <a:spcAft>
+                <a:spcPts val="800"/>
+              </a:spcAft>
+            </a:pPr>
+            <a:r>
+              <a:rPr lang="fr-FR" dirty="0">
+                <a:latin typeface="Calibri" panose="020F0502020204030204" pitchFamily="34" charset="0"/>
+                <a:ea typeface="Yu Mincho" panose="02020400000000000000" pitchFamily="18" charset="-128"/>
+                <a:cs typeface="Times New Roman" panose="02020603050405020304" pitchFamily="18" charset="0"/>
+              </a:rPr>
+              <a:t>J’ai pris conscience de l’urgence d’identifier et de mettre en œuvre des solutions d’accompagnement de la vieillesse adaptées aux réalités locales africaines.</a:t>
+            </a:r>
+          </a:p>
+          <a:p>
+            <a:pPr algn="ctr">
+              <a:lnSpc>
+                <a:spcPct val="107000"/>
+              </a:lnSpc>
+              <a:spcAft>
+                <a:spcPts val="800"/>
+              </a:spcAft>
+            </a:pPr>
+            <a:endParaRPr lang="fr-FR" dirty="0">
+              <a:latin typeface="Calibri" panose="020F0502020204030204" pitchFamily="34" charset="0"/>
+              <a:ea typeface="Yu Mincho" panose="02020400000000000000" pitchFamily="18" charset="-128"/>
+              <a:cs typeface="Times New Roman" panose="02020603050405020304" pitchFamily="18" charset="0"/>
+            </a:endParaRPr>
+          </a:p>
+          <a:p>
+            <a:pPr algn="ctr">
+              <a:lnSpc>
+                <a:spcPct val="107000"/>
+              </a:lnSpc>
+              <a:spcAft>
+                <a:spcPts val="800"/>
+              </a:spcAft>
+            </a:pPr>
+            <a:r>
+              <a:rPr lang="fr-FR" dirty="0">
+                <a:solidFill>
+                  <a:schemeClr val="accent2">
+                    <a:lumMod val="50000"/>
+                  </a:schemeClr>
+                </a:solidFill>
+                <a:latin typeface="Calibri" panose="020F0502020204030204" pitchFamily="34" charset="0"/>
+                <a:ea typeface="Yu Mincho" panose="02020400000000000000" pitchFamily="18" charset="-128"/>
+                <a:cs typeface="Times New Roman" panose="02020603050405020304" pitchFamily="18" charset="0"/>
+              </a:rPr>
+              <a:t>Nina TANO SERVA</a:t>
             </a:r>
           </a:p>
         </p:txBody>
@@ -22821,7 +26343,7 @@
     </p:spTree>
     <p:extLst>
       <p:ext uri="{BB962C8B-B14F-4D97-AF65-F5344CB8AC3E}">
-        <p14:creationId xmlns:p14="http://schemas.microsoft.com/office/powerpoint/2010/main" val="753728801"/>
+        <p14:creationId xmlns:p14="http://schemas.microsoft.com/office/powerpoint/2010/main" val="98072508"/>
       </p:ext>
     </p:extLst>
   </p:cSld>
@@ -22946,10 +26468,7 @@
             </a:lvl9pPr>
           </a:lstStyle>
           <a:p>
-            <a:r>
-              <a:rPr lang="fr-FR" dirty="0"/>
-              <a:t>6.Contenus</a:t>
-            </a:r>
+            <a:endParaRPr lang="fr-FR" dirty="0"/>
           </a:p>
         </p:txBody>
       </p:sp>
@@ -23224,10 +26743,384 @@
       </p:sp>
       <p:sp>
         <p:nvSpPr>
-          <p:cNvPr id="4" name="ZoneTexte 3">
+          <p:cNvPr id="5" name="Titre 1">
             <a:extLst>
               <a:ext uri="{FF2B5EF4-FFF2-40B4-BE49-F238E27FC236}">
-                <a16:creationId xmlns:a16="http://schemas.microsoft.com/office/drawing/2014/main" id="{26385900-ADB0-45C0-9290-DD580D181223}"/>
+                <a16:creationId xmlns:a16="http://schemas.microsoft.com/office/drawing/2014/main" id="{E769E57B-A59A-4A1B-80B4-256835D5C8B3}"/>
+              </a:ext>
+            </a:extLst>
+          </p:cNvPr>
+          <p:cNvSpPr txBox="1">
+            <a:spLocks/>
+          </p:cNvSpPr>
+          <p:nvPr/>
+        </p:nvSpPr>
+        <p:spPr>
+          <a:xfrm>
+            <a:off x="677863" y="609600"/>
+            <a:ext cx="8596312" cy="1320800"/>
+          </a:xfrm>
+          <a:prstGeom prst="rect">
+            <a:avLst/>
+          </a:prstGeom>
+        </p:spPr>
+        <p:txBody>
+          <a:bodyPr/>
+          <a:lstStyle>
+            <a:lvl1pPr algn="l" defTabSz="457200" rtl="0" eaLnBrk="1" latinLnBrk="0" hangingPunct="1">
+              <a:spcBef>
+                <a:spcPct val="0"/>
+              </a:spcBef>
+              <a:buNone/>
+              <a:defRPr sz="3600" kern="1200">
+                <a:solidFill>
+                  <a:schemeClr val="accent1"/>
+                </a:solidFill>
+                <a:latin typeface="+mj-lt"/>
+                <a:ea typeface="+mj-ea"/>
+                <a:cs typeface="+mj-cs"/>
+              </a:defRPr>
+            </a:lvl1pPr>
+            <a:lvl2pPr eaLnBrk="1" hangingPunct="1">
+              <a:defRPr>
+                <a:solidFill>
+                  <a:schemeClr val="tx2"/>
+                </a:solidFill>
+              </a:defRPr>
+            </a:lvl2pPr>
+            <a:lvl3pPr eaLnBrk="1" hangingPunct="1">
+              <a:defRPr>
+                <a:solidFill>
+                  <a:schemeClr val="tx2"/>
+                </a:solidFill>
+              </a:defRPr>
+            </a:lvl3pPr>
+            <a:lvl4pPr eaLnBrk="1" hangingPunct="1">
+              <a:defRPr>
+                <a:solidFill>
+                  <a:schemeClr val="tx2"/>
+                </a:solidFill>
+              </a:defRPr>
+            </a:lvl4pPr>
+            <a:lvl5pPr eaLnBrk="1" hangingPunct="1">
+              <a:defRPr>
+                <a:solidFill>
+                  <a:schemeClr val="tx2"/>
+                </a:solidFill>
+              </a:defRPr>
+            </a:lvl5pPr>
+            <a:lvl6pPr eaLnBrk="1" hangingPunct="1">
+              <a:defRPr>
+                <a:solidFill>
+                  <a:schemeClr val="tx2"/>
+                </a:solidFill>
+              </a:defRPr>
+            </a:lvl6pPr>
+            <a:lvl7pPr eaLnBrk="1" hangingPunct="1">
+              <a:defRPr>
+                <a:solidFill>
+                  <a:schemeClr val="tx2"/>
+                </a:solidFill>
+              </a:defRPr>
+            </a:lvl7pPr>
+            <a:lvl8pPr eaLnBrk="1" hangingPunct="1">
+              <a:defRPr>
+                <a:solidFill>
+                  <a:schemeClr val="tx2"/>
+                </a:solidFill>
+              </a:defRPr>
+            </a:lvl8pPr>
+            <a:lvl9pPr eaLnBrk="1" hangingPunct="1">
+              <a:defRPr>
+                <a:solidFill>
+                  <a:schemeClr val="tx2"/>
+                </a:solidFill>
+              </a:defRPr>
+            </a:lvl9pPr>
+          </a:lstStyle>
+          <a:p>
+            <a:r>
+              <a:rPr lang="fr-FR" dirty="0"/>
+              <a:t>6.Contenus</a:t>
+            </a:r>
+          </a:p>
+        </p:txBody>
+      </p:sp>
+      <p:sp>
+        <p:nvSpPr>
+          <p:cNvPr id="6" name="Espace réservé du contenu 2">
+            <a:extLst>
+              <a:ext uri="{FF2B5EF4-FFF2-40B4-BE49-F238E27FC236}">
+                <a16:creationId xmlns:a16="http://schemas.microsoft.com/office/drawing/2014/main" id="{9ADA1C38-83B6-4B19-90EA-C00C0192FA64}"/>
+              </a:ext>
+            </a:extLst>
+          </p:cNvPr>
+          <p:cNvSpPr txBox="1">
+            <a:spLocks/>
+          </p:cNvSpPr>
+          <p:nvPr/>
+        </p:nvSpPr>
+        <p:spPr>
+          <a:xfrm>
+            <a:off x="677863" y="2074863"/>
+            <a:ext cx="8596312" cy="3881437"/>
+          </a:xfrm>
+          <a:prstGeom prst="rect">
+            <a:avLst/>
+          </a:prstGeom>
+        </p:spPr>
+        <p:txBody>
+          <a:bodyPr/>
+          <a:lstStyle>
+            <a:lvl1pPr marL="342900" indent="-342900" algn="l" defTabSz="457200" rtl="0" eaLnBrk="1" latinLnBrk="0" hangingPunct="1">
+              <a:spcBef>
+                <a:spcPts val="1000"/>
+              </a:spcBef>
+              <a:spcAft>
+                <a:spcPts val="0"/>
+              </a:spcAft>
+              <a:buClr>
+                <a:schemeClr val="accent1"/>
+              </a:buClr>
+              <a:buSzPct val="80000"/>
+              <a:buFont typeface="Wingdings 3" charset="2"/>
+              <a:buChar char=""/>
+              <a:defRPr sz="1800" kern="1200">
+                <a:solidFill>
+                  <a:schemeClr val="tx1">
+                    <a:lumMod val="75000"/>
+                    <a:lumOff val="25000"/>
+                  </a:schemeClr>
+                </a:solidFill>
+                <a:latin typeface="+mn-lt"/>
+                <a:ea typeface="+mn-ea"/>
+                <a:cs typeface="+mn-cs"/>
+              </a:defRPr>
+            </a:lvl1pPr>
+            <a:lvl2pPr marL="742950" indent="-285750" algn="l" defTabSz="457200" rtl="0" eaLnBrk="1" latinLnBrk="0" hangingPunct="1">
+              <a:spcBef>
+                <a:spcPts val="1000"/>
+              </a:spcBef>
+              <a:spcAft>
+                <a:spcPts val="0"/>
+              </a:spcAft>
+              <a:buClr>
+                <a:schemeClr val="accent1"/>
+              </a:buClr>
+              <a:buSzPct val="80000"/>
+              <a:buFont typeface="Wingdings 3" charset="2"/>
+              <a:buChar char=""/>
+              <a:defRPr sz="1600" kern="1200">
+                <a:solidFill>
+                  <a:schemeClr val="tx1">
+                    <a:lumMod val="75000"/>
+                    <a:lumOff val="25000"/>
+                  </a:schemeClr>
+                </a:solidFill>
+                <a:latin typeface="+mn-lt"/>
+                <a:ea typeface="+mn-ea"/>
+                <a:cs typeface="+mn-cs"/>
+              </a:defRPr>
+            </a:lvl2pPr>
+            <a:lvl3pPr marL="1143000" indent="-228600" algn="l" defTabSz="457200" rtl="0" eaLnBrk="1" latinLnBrk="0" hangingPunct="1">
+              <a:spcBef>
+                <a:spcPts val="1000"/>
+              </a:spcBef>
+              <a:spcAft>
+                <a:spcPts val="0"/>
+              </a:spcAft>
+              <a:buClr>
+                <a:schemeClr val="accent1"/>
+              </a:buClr>
+              <a:buSzPct val="80000"/>
+              <a:buFont typeface="Wingdings 3" charset="2"/>
+              <a:buChar char=""/>
+              <a:defRPr sz="1400" kern="1200">
+                <a:solidFill>
+                  <a:schemeClr val="tx1">
+                    <a:lumMod val="75000"/>
+                    <a:lumOff val="25000"/>
+                  </a:schemeClr>
+                </a:solidFill>
+                <a:latin typeface="+mn-lt"/>
+                <a:ea typeface="+mn-ea"/>
+                <a:cs typeface="+mn-cs"/>
+              </a:defRPr>
+            </a:lvl3pPr>
+            <a:lvl4pPr marL="1600200" indent="-228600" algn="l" defTabSz="457200" rtl="0" eaLnBrk="1" latinLnBrk="0" hangingPunct="1">
+              <a:spcBef>
+                <a:spcPts val="1000"/>
+              </a:spcBef>
+              <a:spcAft>
+                <a:spcPts val="0"/>
+              </a:spcAft>
+              <a:buClr>
+                <a:schemeClr val="accent1"/>
+              </a:buClr>
+              <a:buSzPct val="80000"/>
+              <a:buFont typeface="Wingdings 3" charset="2"/>
+              <a:buChar char=""/>
+              <a:defRPr sz="1200" kern="1200">
+                <a:solidFill>
+                  <a:schemeClr val="tx1">
+                    <a:lumMod val="75000"/>
+                    <a:lumOff val="25000"/>
+                  </a:schemeClr>
+                </a:solidFill>
+                <a:latin typeface="+mn-lt"/>
+                <a:ea typeface="+mn-ea"/>
+                <a:cs typeface="+mn-cs"/>
+              </a:defRPr>
+            </a:lvl4pPr>
+            <a:lvl5pPr marL="2057400" indent="-228600" algn="l" defTabSz="457200" rtl="0" eaLnBrk="1" latinLnBrk="0" hangingPunct="1">
+              <a:spcBef>
+                <a:spcPts val="1000"/>
+              </a:spcBef>
+              <a:spcAft>
+                <a:spcPts val="0"/>
+              </a:spcAft>
+              <a:buClr>
+                <a:schemeClr val="accent1"/>
+              </a:buClr>
+              <a:buSzPct val="80000"/>
+              <a:buFont typeface="Wingdings 3" charset="2"/>
+              <a:buChar char=""/>
+              <a:defRPr sz="1200" kern="1200">
+                <a:solidFill>
+                  <a:schemeClr val="tx1">
+                    <a:lumMod val="75000"/>
+                    <a:lumOff val="25000"/>
+                  </a:schemeClr>
+                </a:solidFill>
+                <a:latin typeface="+mn-lt"/>
+                <a:ea typeface="+mn-ea"/>
+                <a:cs typeface="+mn-cs"/>
+              </a:defRPr>
+            </a:lvl5pPr>
+            <a:lvl6pPr marL="2514600" indent="-228600" algn="l" defTabSz="457200" rtl="0" eaLnBrk="1" latinLnBrk="0" hangingPunct="1">
+              <a:spcBef>
+                <a:spcPts val="1000"/>
+              </a:spcBef>
+              <a:spcAft>
+                <a:spcPts val="0"/>
+              </a:spcAft>
+              <a:buClr>
+                <a:schemeClr val="accent1"/>
+              </a:buClr>
+              <a:buSzPct val="80000"/>
+              <a:buFont typeface="Wingdings 3" charset="2"/>
+              <a:buChar char=""/>
+              <a:defRPr sz="1200" kern="1200">
+                <a:solidFill>
+                  <a:schemeClr val="tx1">
+                    <a:lumMod val="75000"/>
+                    <a:lumOff val="25000"/>
+                  </a:schemeClr>
+                </a:solidFill>
+                <a:latin typeface="+mn-lt"/>
+                <a:ea typeface="+mn-ea"/>
+                <a:cs typeface="+mn-cs"/>
+              </a:defRPr>
+            </a:lvl6pPr>
+            <a:lvl7pPr marL="2971800" indent="-228600" algn="l" defTabSz="457200" rtl="0" eaLnBrk="1" latinLnBrk="0" hangingPunct="1">
+              <a:spcBef>
+                <a:spcPts val="1000"/>
+              </a:spcBef>
+              <a:spcAft>
+                <a:spcPts val="0"/>
+              </a:spcAft>
+              <a:buClr>
+                <a:schemeClr val="accent1"/>
+              </a:buClr>
+              <a:buSzPct val="80000"/>
+              <a:buFont typeface="Wingdings 3" charset="2"/>
+              <a:buChar char=""/>
+              <a:defRPr sz="1200" kern="1200">
+                <a:solidFill>
+                  <a:schemeClr val="tx1">
+                    <a:lumMod val="75000"/>
+                    <a:lumOff val="25000"/>
+                  </a:schemeClr>
+                </a:solidFill>
+                <a:latin typeface="+mn-lt"/>
+                <a:ea typeface="+mn-ea"/>
+                <a:cs typeface="+mn-cs"/>
+              </a:defRPr>
+            </a:lvl7pPr>
+            <a:lvl8pPr marL="3429000" indent="-228600" algn="l" defTabSz="457200" rtl="0" eaLnBrk="1" latinLnBrk="0" hangingPunct="1">
+              <a:spcBef>
+                <a:spcPts val="1000"/>
+              </a:spcBef>
+              <a:spcAft>
+                <a:spcPts val="0"/>
+              </a:spcAft>
+              <a:buClr>
+                <a:schemeClr val="accent1"/>
+              </a:buClr>
+              <a:buSzPct val="80000"/>
+              <a:buFont typeface="Wingdings 3" charset="2"/>
+              <a:buChar char=""/>
+              <a:defRPr sz="1200" kern="1200">
+                <a:solidFill>
+                  <a:schemeClr val="tx1">
+                    <a:lumMod val="75000"/>
+                    <a:lumOff val="25000"/>
+                  </a:schemeClr>
+                </a:solidFill>
+                <a:latin typeface="+mn-lt"/>
+                <a:ea typeface="+mn-ea"/>
+                <a:cs typeface="+mn-cs"/>
+              </a:defRPr>
+            </a:lvl8pPr>
+            <a:lvl9pPr marL="3886200" indent="-228600" algn="l" defTabSz="457200" rtl="0" eaLnBrk="1" latinLnBrk="0" hangingPunct="1">
+              <a:spcBef>
+                <a:spcPts val="1000"/>
+              </a:spcBef>
+              <a:spcAft>
+                <a:spcPts val="0"/>
+              </a:spcAft>
+              <a:buClr>
+                <a:schemeClr val="accent1"/>
+              </a:buClr>
+              <a:buSzPct val="80000"/>
+              <a:buFont typeface="Wingdings 3" charset="2"/>
+              <a:buChar char=""/>
+              <a:defRPr sz="1200" kern="1200">
+                <a:solidFill>
+                  <a:schemeClr val="tx1">
+                    <a:lumMod val="75000"/>
+                    <a:lumOff val="25000"/>
+                  </a:schemeClr>
+                </a:solidFill>
+                <a:latin typeface="+mn-lt"/>
+                <a:ea typeface="+mn-ea"/>
+                <a:cs typeface="+mn-cs"/>
+              </a:defRPr>
+            </a:lvl9pPr>
+          </a:lstStyle>
+          <a:p>
+            <a:pPr marL="0" indent="0">
+              <a:buNone/>
+            </a:pPr>
+            <a:endParaRPr lang="en-US" b="0" dirty="0">
+              <a:solidFill>
+                <a:schemeClr val="tx1"/>
+              </a:solidFill>
+              <a:effectLst/>
+              <a:latin typeface="Consolas" panose="020B0609020204030204" pitchFamily="49" charset="0"/>
+            </a:endParaRPr>
+          </a:p>
+          <a:p>
+            <a:endParaRPr lang="fr-FR" dirty="0"/>
+          </a:p>
+        </p:txBody>
+      </p:sp>
+      <p:sp>
+        <p:nvSpPr>
+          <p:cNvPr id="7" name="ZoneTexte 6">
+            <a:extLst>
+              <a:ext uri="{FF2B5EF4-FFF2-40B4-BE49-F238E27FC236}">
+                <a16:creationId xmlns:a16="http://schemas.microsoft.com/office/drawing/2014/main" id="{B20C3B11-EA6B-4898-A9E9-A4D8BA16BC5F}"/>
               </a:ext>
             </a:extLst>
           </p:cNvPr>
@@ -23236,7 +27129,7 @@
         </p:nvSpPr>
         <p:spPr>
           <a:xfrm>
-            <a:off x="2170970" y="1561068"/>
+            <a:off x="2122843" y="1633300"/>
             <a:ext cx="4843847" cy="369332"/>
           </a:xfrm>
           <a:prstGeom prst="rect">
@@ -23259,15 +27152,312 @@
                   </a:schemeClr>
                 </a:solidFill>
               </a:rPr>
-              <a:t>Nos objectifs</a:t>
+              <a:t>Notre vision</a:t>
             </a:r>
           </a:p>
         </p:txBody>
       </p:sp>
+      <p:sp>
+        <p:nvSpPr>
+          <p:cNvPr id="8" name="Espace réservé du contenu 2">
+            <a:extLst>
+              <a:ext uri="{FF2B5EF4-FFF2-40B4-BE49-F238E27FC236}">
+                <a16:creationId xmlns:a16="http://schemas.microsoft.com/office/drawing/2014/main" id="{EA39366C-ADC9-47AD-99B5-FE05D83A181A}"/>
+              </a:ext>
+            </a:extLst>
+          </p:cNvPr>
+          <p:cNvSpPr txBox="1">
+            <a:spLocks/>
+          </p:cNvSpPr>
+          <p:nvPr/>
+        </p:nvSpPr>
+        <p:spPr>
+          <a:xfrm>
+            <a:off x="573088" y="2074863"/>
+            <a:ext cx="8596312" cy="3881437"/>
+          </a:xfrm>
+          <a:prstGeom prst="rect">
+            <a:avLst/>
+          </a:prstGeom>
+        </p:spPr>
+        <p:txBody>
+          <a:bodyPr/>
+          <a:lstStyle>
+            <a:lvl1pPr marL="342900" indent="-342900" algn="l" defTabSz="457200" rtl="0" eaLnBrk="1" latinLnBrk="0" hangingPunct="1">
+              <a:spcBef>
+                <a:spcPts val="1000"/>
+              </a:spcBef>
+              <a:spcAft>
+                <a:spcPts val="0"/>
+              </a:spcAft>
+              <a:buClr>
+                <a:schemeClr val="accent1"/>
+              </a:buClr>
+              <a:buSzPct val="80000"/>
+              <a:buFont typeface="Wingdings 3" charset="2"/>
+              <a:buChar char=""/>
+              <a:defRPr sz="1800" kern="1200">
+                <a:solidFill>
+                  <a:schemeClr val="tx1">
+                    <a:lumMod val="75000"/>
+                    <a:lumOff val="25000"/>
+                  </a:schemeClr>
+                </a:solidFill>
+                <a:latin typeface="+mn-lt"/>
+                <a:ea typeface="+mn-ea"/>
+                <a:cs typeface="+mn-cs"/>
+              </a:defRPr>
+            </a:lvl1pPr>
+            <a:lvl2pPr marL="742950" indent="-285750" algn="l" defTabSz="457200" rtl="0" eaLnBrk="1" latinLnBrk="0" hangingPunct="1">
+              <a:spcBef>
+                <a:spcPts val="1000"/>
+              </a:spcBef>
+              <a:spcAft>
+                <a:spcPts val="0"/>
+              </a:spcAft>
+              <a:buClr>
+                <a:schemeClr val="accent1"/>
+              </a:buClr>
+              <a:buSzPct val="80000"/>
+              <a:buFont typeface="Wingdings 3" charset="2"/>
+              <a:buChar char=""/>
+              <a:defRPr sz="1600" kern="1200">
+                <a:solidFill>
+                  <a:schemeClr val="tx1">
+                    <a:lumMod val="75000"/>
+                    <a:lumOff val="25000"/>
+                  </a:schemeClr>
+                </a:solidFill>
+                <a:latin typeface="+mn-lt"/>
+                <a:ea typeface="+mn-ea"/>
+                <a:cs typeface="+mn-cs"/>
+              </a:defRPr>
+            </a:lvl2pPr>
+            <a:lvl3pPr marL="1143000" indent="-228600" algn="l" defTabSz="457200" rtl="0" eaLnBrk="1" latinLnBrk="0" hangingPunct="1">
+              <a:spcBef>
+                <a:spcPts val="1000"/>
+              </a:spcBef>
+              <a:spcAft>
+                <a:spcPts val="0"/>
+              </a:spcAft>
+              <a:buClr>
+                <a:schemeClr val="accent1"/>
+              </a:buClr>
+              <a:buSzPct val="80000"/>
+              <a:buFont typeface="Wingdings 3" charset="2"/>
+              <a:buChar char=""/>
+              <a:defRPr sz="1400" kern="1200">
+                <a:solidFill>
+                  <a:schemeClr val="tx1">
+                    <a:lumMod val="75000"/>
+                    <a:lumOff val="25000"/>
+                  </a:schemeClr>
+                </a:solidFill>
+                <a:latin typeface="+mn-lt"/>
+                <a:ea typeface="+mn-ea"/>
+                <a:cs typeface="+mn-cs"/>
+              </a:defRPr>
+            </a:lvl3pPr>
+            <a:lvl4pPr marL="1600200" indent="-228600" algn="l" defTabSz="457200" rtl="0" eaLnBrk="1" latinLnBrk="0" hangingPunct="1">
+              <a:spcBef>
+                <a:spcPts val="1000"/>
+              </a:spcBef>
+              <a:spcAft>
+                <a:spcPts val="0"/>
+              </a:spcAft>
+              <a:buClr>
+                <a:schemeClr val="accent1"/>
+              </a:buClr>
+              <a:buSzPct val="80000"/>
+              <a:buFont typeface="Wingdings 3" charset="2"/>
+              <a:buChar char=""/>
+              <a:defRPr sz="1200" kern="1200">
+                <a:solidFill>
+                  <a:schemeClr val="tx1">
+                    <a:lumMod val="75000"/>
+                    <a:lumOff val="25000"/>
+                  </a:schemeClr>
+                </a:solidFill>
+                <a:latin typeface="+mn-lt"/>
+                <a:ea typeface="+mn-ea"/>
+                <a:cs typeface="+mn-cs"/>
+              </a:defRPr>
+            </a:lvl4pPr>
+            <a:lvl5pPr marL="2057400" indent="-228600" algn="l" defTabSz="457200" rtl="0" eaLnBrk="1" latinLnBrk="0" hangingPunct="1">
+              <a:spcBef>
+                <a:spcPts val="1000"/>
+              </a:spcBef>
+              <a:spcAft>
+                <a:spcPts val="0"/>
+              </a:spcAft>
+              <a:buClr>
+                <a:schemeClr val="accent1"/>
+              </a:buClr>
+              <a:buSzPct val="80000"/>
+              <a:buFont typeface="Wingdings 3" charset="2"/>
+              <a:buChar char=""/>
+              <a:defRPr sz="1200" kern="1200">
+                <a:solidFill>
+                  <a:schemeClr val="tx1">
+                    <a:lumMod val="75000"/>
+                    <a:lumOff val="25000"/>
+                  </a:schemeClr>
+                </a:solidFill>
+                <a:latin typeface="+mn-lt"/>
+                <a:ea typeface="+mn-ea"/>
+                <a:cs typeface="+mn-cs"/>
+              </a:defRPr>
+            </a:lvl5pPr>
+            <a:lvl6pPr marL="2514600" indent="-228600" algn="l" defTabSz="457200" rtl="0" eaLnBrk="1" latinLnBrk="0" hangingPunct="1">
+              <a:spcBef>
+                <a:spcPts val="1000"/>
+              </a:spcBef>
+              <a:spcAft>
+                <a:spcPts val="0"/>
+              </a:spcAft>
+              <a:buClr>
+                <a:schemeClr val="accent1"/>
+              </a:buClr>
+              <a:buSzPct val="80000"/>
+              <a:buFont typeface="Wingdings 3" charset="2"/>
+              <a:buChar char=""/>
+              <a:defRPr sz="1200" kern="1200">
+                <a:solidFill>
+                  <a:schemeClr val="tx1">
+                    <a:lumMod val="75000"/>
+                    <a:lumOff val="25000"/>
+                  </a:schemeClr>
+                </a:solidFill>
+                <a:latin typeface="+mn-lt"/>
+                <a:ea typeface="+mn-ea"/>
+                <a:cs typeface="+mn-cs"/>
+              </a:defRPr>
+            </a:lvl6pPr>
+            <a:lvl7pPr marL="2971800" indent="-228600" algn="l" defTabSz="457200" rtl="0" eaLnBrk="1" latinLnBrk="0" hangingPunct="1">
+              <a:spcBef>
+                <a:spcPts val="1000"/>
+              </a:spcBef>
+              <a:spcAft>
+                <a:spcPts val="0"/>
+              </a:spcAft>
+              <a:buClr>
+                <a:schemeClr val="accent1"/>
+              </a:buClr>
+              <a:buSzPct val="80000"/>
+              <a:buFont typeface="Wingdings 3" charset="2"/>
+              <a:buChar char=""/>
+              <a:defRPr sz="1200" kern="1200">
+                <a:solidFill>
+                  <a:schemeClr val="tx1">
+                    <a:lumMod val="75000"/>
+                    <a:lumOff val="25000"/>
+                  </a:schemeClr>
+                </a:solidFill>
+                <a:latin typeface="+mn-lt"/>
+                <a:ea typeface="+mn-ea"/>
+                <a:cs typeface="+mn-cs"/>
+              </a:defRPr>
+            </a:lvl7pPr>
+            <a:lvl8pPr marL="3429000" indent="-228600" algn="l" defTabSz="457200" rtl="0" eaLnBrk="1" latinLnBrk="0" hangingPunct="1">
+              <a:spcBef>
+                <a:spcPts val="1000"/>
+              </a:spcBef>
+              <a:spcAft>
+                <a:spcPts val="0"/>
+              </a:spcAft>
+              <a:buClr>
+                <a:schemeClr val="accent1"/>
+              </a:buClr>
+              <a:buSzPct val="80000"/>
+              <a:buFont typeface="Wingdings 3" charset="2"/>
+              <a:buChar char=""/>
+              <a:defRPr sz="1200" kern="1200">
+                <a:solidFill>
+                  <a:schemeClr val="tx1">
+                    <a:lumMod val="75000"/>
+                    <a:lumOff val="25000"/>
+                  </a:schemeClr>
+                </a:solidFill>
+                <a:latin typeface="+mn-lt"/>
+                <a:ea typeface="+mn-ea"/>
+                <a:cs typeface="+mn-cs"/>
+              </a:defRPr>
+            </a:lvl8pPr>
+            <a:lvl9pPr marL="3886200" indent="-228600" algn="l" defTabSz="457200" rtl="0" eaLnBrk="1" latinLnBrk="0" hangingPunct="1">
+              <a:spcBef>
+                <a:spcPts val="1000"/>
+              </a:spcBef>
+              <a:spcAft>
+                <a:spcPts val="0"/>
+              </a:spcAft>
+              <a:buClr>
+                <a:schemeClr val="accent1"/>
+              </a:buClr>
+              <a:buSzPct val="80000"/>
+              <a:buFont typeface="Wingdings 3" charset="2"/>
+              <a:buChar char=""/>
+              <a:defRPr sz="1200" kern="1200">
+                <a:solidFill>
+                  <a:schemeClr val="tx1">
+                    <a:lumMod val="75000"/>
+                    <a:lumOff val="25000"/>
+                  </a:schemeClr>
+                </a:solidFill>
+                <a:latin typeface="+mn-lt"/>
+                <a:ea typeface="+mn-ea"/>
+                <a:cs typeface="+mn-cs"/>
+              </a:defRPr>
+            </a:lvl9pPr>
+          </a:lstStyle>
+          <a:p>
+            <a:pPr marL="0" indent="0">
+              <a:buNone/>
+            </a:pPr>
+            <a:endParaRPr lang="en-US" b="0" dirty="0">
+              <a:solidFill>
+                <a:schemeClr val="tx1"/>
+              </a:solidFill>
+              <a:effectLst/>
+              <a:latin typeface="Consolas" panose="020B0609020204030204" pitchFamily="49" charset="0"/>
+            </a:endParaRPr>
+          </a:p>
+          <a:p>
+            <a:endParaRPr lang="fr-FR" dirty="0"/>
+          </a:p>
+        </p:txBody>
+      </p:sp>
+      <p:graphicFrame>
+        <p:nvGraphicFramePr>
+          <p:cNvPr id="9" name="Diagramme 8">
+            <a:extLst>
+              <a:ext uri="{FF2B5EF4-FFF2-40B4-BE49-F238E27FC236}">
+                <a16:creationId xmlns:a16="http://schemas.microsoft.com/office/drawing/2014/main" id="{53E9D70F-557C-480F-A995-229D136938D7}"/>
+              </a:ext>
+            </a:extLst>
+          </p:cNvPr>
+          <p:cNvGraphicFramePr/>
+          <p:nvPr>
+            <p:extLst>
+              <p:ext uri="{D42A27DB-BD31-4B8C-83A1-F6EECF244321}">
+                <p14:modId xmlns:p14="http://schemas.microsoft.com/office/powerpoint/2010/main" val="3720659775"/>
+              </p:ext>
+            </p:extLst>
+          </p:nvPr>
+        </p:nvGraphicFramePr>
+        <p:xfrm>
+          <a:off x="95207" y="2350975"/>
+          <a:ext cx="10294934" cy="4449207"/>
+        </p:xfrm>
+        <a:graphic>
+          <a:graphicData uri="http://schemas.openxmlformats.org/drawingml/2006/diagram">
+            <dgm:relIds xmlns:dgm="http://schemas.openxmlformats.org/drawingml/2006/diagram" xmlns:r="http://schemas.openxmlformats.org/officeDocument/2006/relationships" r:dm="rId2" r:lo="rId3" r:qs="rId4" r:cs="rId5"/>
+          </a:graphicData>
+        </a:graphic>
+      </p:graphicFrame>
     </p:spTree>
     <p:extLst>
       <p:ext uri="{BB962C8B-B14F-4D97-AF65-F5344CB8AC3E}">
-        <p14:creationId xmlns:p14="http://schemas.microsoft.com/office/powerpoint/2010/main" val="936346544"/>
+        <p14:creationId xmlns:p14="http://schemas.microsoft.com/office/powerpoint/2010/main" val="753728801"/>
       </p:ext>
     </p:extLst>
   </p:cSld>
@@ -23670,57 +27860,996 @@
       </p:sp>
       <p:sp>
         <p:nvSpPr>
-          <p:cNvPr id="4" name="ZoneTexte 3">
+          <p:cNvPr id="6" name="Rectangle 5">
             <a:extLst>
               <a:ext uri="{FF2B5EF4-FFF2-40B4-BE49-F238E27FC236}">
-                <a16:creationId xmlns:a16="http://schemas.microsoft.com/office/drawing/2014/main" id="{26385900-ADB0-45C0-9290-DD580D181223}"/>
+                <a16:creationId xmlns:a16="http://schemas.microsoft.com/office/drawing/2014/main" id="{F13C74B1-5B17-4795-BED0-7140497B445A}"/>
+              </a:ext>
+              <a:ext uri="{C183D7F6-B498-43B3-948B-1728B52AA6E4}">
+                <adec:decorative xmlns:adec="http://schemas.microsoft.com/office/drawing/2017/decorative" val="1"/>
               </a:ext>
             </a:extLst>
           </p:cNvPr>
-          <p:cNvSpPr txBox="1"/>
+          <p:cNvSpPr>
+            <a:spLocks noGrp="1" noRot="1" noChangeAspect="1" noMove="1" noResize="1" noEditPoints="1" noAdjustHandles="1" noChangeArrowheads="1" noChangeShapeType="1" noTextEdit="1"/>
+          </p:cNvSpPr>
           <p:nvPr/>
         </p:nvSpPr>
-        <p:spPr>
+        <p:spPr bwMode="white">
           <a:xfrm>
-            <a:off x="2170970" y="1561068"/>
-            <a:ext cx="4843847" cy="369332"/>
+            <a:off x="761" y="0"/>
+            <a:ext cx="12188952" cy="6858000"/>
           </a:xfrm>
           <a:prstGeom prst="rect">
             <a:avLst/>
           </a:prstGeom>
           <a:noFill/>
+          <a:ln>
+            <a:noFill/>
+          </a:ln>
+        </p:spPr>
+        <p:style>
+          <a:lnRef idx="2">
+            <a:schemeClr val="accent1">
+              <a:shade val="50000"/>
+            </a:schemeClr>
+          </a:lnRef>
+          <a:fillRef idx="1">
+            <a:schemeClr val="accent1"/>
+          </a:fillRef>
+          <a:effectRef idx="0">
+            <a:schemeClr val="accent1"/>
+          </a:effectRef>
+          <a:fontRef idx="minor">
+            <a:schemeClr val="lt1"/>
+          </a:fontRef>
+        </p:style>
+        <p:txBody>
+          <a:bodyPr rtlCol="0" anchor="ctr"/>
+          <a:lstStyle>
+            <a:defPPr>
+              <a:defRPr lang="fr-FR"/>
+            </a:defPPr>
+            <a:lvl1pPr marL="0" algn="l" defTabSz="914400" rtl="0" eaLnBrk="1" latinLnBrk="0" hangingPunct="1">
+              <a:defRPr sz="1800" kern="1200">
+                <a:solidFill>
+                  <a:schemeClr val="lt1"/>
+                </a:solidFill>
+                <a:latin typeface="+mn-lt"/>
+                <a:ea typeface="+mn-ea"/>
+                <a:cs typeface="+mn-cs"/>
+              </a:defRPr>
+            </a:lvl1pPr>
+            <a:lvl2pPr marL="457200" algn="l" defTabSz="914400" rtl="0" eaLnBrk="1" latinLnBrk="0" hangingPunct="1">
+              <a:defRPr sz="1800" kern="1200">
+                <a:solidFill>
+                  <a:schemeClr val="lt1"/>
+                </a:solidFill>
+                <a:latin typeface="+mn-lt"/>
+                <a:ea typeface="+mn-ea"/>
+                <a:cs typeface="+mn-cs"/>
+              </a:defRPr>
+            </a:lvl2pPr>
+            <a:lvl3pPr marL="914400" algn="l" defTabSz="914400" rtl="0" eaLnBrk="1" latinLnBrk="0" hangingPunct="1">
+              <a:defRPr sz="1800" kern="1200">
+                <a:solidFill>
+                  <a:schemeClr val="lt1"/>
+                </a:solidFill>
+                <a:latin typeface="+mn-lt"/>
+                <a:ea typeface="+mn-ea"/>
+                <a:cs typeface="+mn-cs"/>
+              </a:defRPr>
+            </a:lvl3pPr>
+            <a:lvl4pPr marL="1371600" algn="l" defTabSz="914400" rtl="0" eaLnBrk="1" latinLnBrk="0" hangingPunct="1">
+              <a:defRPr sz="1800" kern="1200">
+                <a:solidFill>
+                  <a:schemeClr val="lt1"/>
+                </a:solidFill>
+                <a:latin typeface="+mn-lt"/>
+                <a:ea typeface="+mn-ea"/>
+                <a:cs typeface="+mn-cs"/>
+              </a:defRPr>
+            </a:lvl4pPr>
+            <a:lvl5pPr marL="1828800" algn="l" defTabSz="914400" rtl="0" eaLnBrk="1" latinLnBrk="0" hangingPunct="1">
+              <a:defRPr sz="1800" kern="1200">
+                <a:solidFill>
+                  <a:schemeClr val="lt1"/>
+                </a:solidFill>
+                <a:latin typeface="+mn-lt"/>
+                <a:ea typeface="+mn-ea"/>
+                <a:cs typeface="+mn-cs"/>
+              </a:defRPr>
+            </a:lvl5pPr>
+            <a:lvl6pPr marL="2286000" algn="l" defTabSz="914400" rtl="0" eaLnBrk="1" latinLnBrk="0" hangingPunct="1">
+              <a:defRPr sz="1800" kern="1200">
+                <a:solidFill>
+                  <a:schemeClr val="lt1"/>
+                </a:solidFill>
+                <a:latin typeface="+mn-lt"/>
+                <a:ea typeface="+mn-ea"/>
+                <a:cs typeface="+mn-cs"/>
+              </a:defRPr>
+            </a:lvl6pPr>
+            <a:lvl7pPr marL="2743200" algn="l" defTabSz="914400" rtl="0" eaLnBrk="1" latinLnBrk="0" hangingPunct="1">
+              <a:defRPr sz="1800" kern="1200">
+                <a:solidFill>
+                  <a:schemeClr val="lt1"/>
+                </a:solidFill>
+                <a:latin typeface="+mn-lt"/>
+                <a:ea typeface="+mn-ea"/>
+                <a:cs typeface="+mn-cs"/>
+              </a:defRPr>
+            </a:lvl7pPr>
+            <a:lvl8pPr marL="3200400" algn="l" defTabSz="914400" rtl="0" eaLnBrk="1" latinLnBrk="0" hangingPunct="1">
+              <a:defRPr sz="1800" kern="1200">
+                <a:solidFill>
+                  <a:schemeClr val="lt1"/>
+                </a:solidFill>
+                <a:latin typeface="+mn-lt"/>
+                <a:ea typeface="+mn-ea"/>
+                <a:cs typeface="+mn-cs"/>
+              </a:defRPr>
+            </a:lvl8pPr>
+            <a:lvl9pPr marL="3657600" algn="l" defTabSz="914400" rtl="0" eaLnBrk="1" latinLnBrk="0" hangingPunct="1">
+              <a:defRPr sz="1800" kern="1200">
+                <a:solidFill>
+                  <a:schemeClr val="lt1"/>
+                </a:solidFill>
+                <a:latin typeface="+mn-lt"/>
+                <a:ea typeface="+mn-ea"/>
+                <a:cs typeface="+mn-cs"/>
+              </a:defRPr>
+            </a:lvl9pPr>
+          </a:lstStyle>
+          <a:p>
+            <a:pPr algn="ctr"/>
+            <a:endParaRPr lang="en-US" dirty="0"/>
+          </a:p>
+        </p:txBody>
+      </p:sp>
+      <p:sp>
+        <p:nvSpPr>
+          <p:cNvPr id="7" name="Titre 1">
+            <a:extLst>
+              <a:ext uri="{FF2B5EF4-FFF2-40B4-BE49-F238E27FC236}">
+                <a16:creationId xmlns:a16="http://schemas.microsoft.com/office/drawing/2014/main" id="{0D9D848C-D313-4D89-B8C2-A23EA2A13C76}"/>
+              </a:ext>
+            </a:extLst>
+          </p:cNvPr>
+          <p:cNvSpPr>
+            <a:spLocks noGrp="1"/>
+          </p:cNvSpPr>
+          <p:nvPr/>
+        </p:nvSpPr>
+        <p:spPr>
+          <a:xfrm>
+            <a:off x="633986" y="1256665"/>
+            <a:ext cx="4339926" cy="974173"/>
+          </a:xfrm>
+          <a:prstGeom prst="rect">
+            <a:avLst/>
+          </a:prstGeom>
         </p:spPr>
         <p:txBody>
-          <a:bodyPr wrap="square" rtlCol="0">
-            <a:spAutoFit/>
+          <a:bodyPr vert="horz" lIns="91440" tIns="45720" rIns="91440" bIns="45720" rtlCol="0" anchor="b">
+            <a:normAutofit fontScale="92500"/>
           </a:bodyPr>
-          <a:lstStyle/>
-          <a:p>
-            <a:pPr algn="ctr"/>
+          <a:lstStyle>
+            <a:lvl1pPr algn="l" defTabSz="914400" rtl="0" eaLnBrk="1" latinLnBrk="0" hangingPunct="1">
+              <a:lnSpc>
+                <a:spcPct val="90000"/>
+              </a:lnSpc>
+              <a:spcBef>
+                <a:spcPct val="0"/>
+              </a:spcBef>
+              <a:buNone/>
+              <a:defRPr sz="4400" kern="1200">
+                <a:solidFill>
+                  <a:schemeClr val="tx1"/>
+                </a:solidFill>
+                <a:latin typeface="+mj-lt"/>
+                <a:ea typeface="+mj-ea"/>
+                <a:cs typeface="+mj-cs"/>
+              </a:defRPr>
+            </a:lvl1pPr>
+          </a:lstStyle>
+          <a:p>
             <a:r>
-              <a:rPr lang="fr-FR">
-                <a:solidFill>
-                  <a:schemeClr val="accent6">
-                    <a:lumMod val="75000"/>
-                  </a:schemeClr>
+              <a:rPr lang="fr-FR" sz="5400" dirty="0">
+                <a:solidFill>
+                  <a:srgbClr val="006600"/>
                 </a:solidFill>
               </a:rPr>
-              <a:t>Le vieillissement en général</a:t>
+              <a:t>Notre objectif</a:t>
             </a:r>
-            <a:endParaRPr lang="fr-FR" dirty="0">
-              <a:solidFill>
-                <a:schemeClr val="accent6">
-                  <a:lumMod val="75000"/>
-                </a:schemeClr>
-              </a:solidFill>
-            </a:endParaRPr>
           </a:p>
         </p:txBody>
       </p:sp>
+      <p:sp>
+        <p:nvSpPr>
+          <p:cNvPr id="8" name="sketchy line">
+            <a:extLst>
+              <a:ext uri="{FF2B5EF4-FFF2-40B4-BE49-F238E27FC236}">
+                <a16:creationId xmlns:a16="http://schemas.microsoft.com/office/drawing/2014/main" id="{D4974D33-8DC5-464E-8C6D-BE58F0669C17}"/>
+              </a:ext>
+              <a:ext uri="{C183D7F6-B498-43B3-948B-1728B52AA6E4}">
+                <adec:decorative xmlns:adec="http://schemas.microsoft.com/office/drawing/2017/decorative" val="1"/>
+              </a:ext>
+            </a:extLst>
+          </p:cNvPr>
+          <p:cNvSpPr>
+            <a:spLocks noGrp="1" noRot="1" noChangeAspect="1" noMove="1" noResize="1" noEditPoints="1" noAdjustHandles="1" noChangeArrowheads="1" noChangeShapeType="1" noTextEdit="1"/>
+          </p:cNvSpPr>
+          <p:nvPr/>
+        </p:nvSpPr>
+        <p:spPr>
+          <a:xfrm>
+            <a:off x="640841" y="2586994"/>
+            <a:ext cx="3474720" cy="18288"/>
+          </a:xfrm>
+          <a:custGeom>
+            <a:avLst/>
+            <a:gdLst>
+              <a:gd name="connsiteX0" fmla="*/ 0 w 3474720"/>
+              <a:gd name="connsiteY0" fmla="*/ 0 h 18288"/>
+              <a:gd name="connsiteX1" fmla="*/ 694944 w 3474720"/>
+              <a:gd name="connsiteY1" fmla="*/ 0 h 18288"/>
+              <a:gd name="connsiteX2" fmla="*/ 1355141 w 3474720"/>
+              <a:gd name="connsiteY2" fmla="*/ 0 h 18288"/>
+              <a:gd name="connsiteX3" fmla="*/ 2015338 w 3474720"/>
+              <a:gd name="connsiteY3" fmla="*/ 0 h 18288"/>
+              <a:gd name="connsiteX4" fmla="*/ 2779776 w 3474720"/>
+              <a:gd name="connsiteY4" fmla="*/ 0 h 18288"/>
+              <a:gd name="connsiteX5" fmla="*/ 3474720 w 3474720"/>
+              <a:gd name="connsiteY5" fmla="*/ 0 h 18288"/>
+              <a:gd name="connsiteX6" fmla="*/ 3474720 w 3474720"/>
+              <a:gd name="connsiteY6" fmla="*/ 18288 h 18288"/>
+              <a:gd name="connsiteX7" fmla="*/ 2779776 w 3474720"/>
+              <a:gd name="connsiteY7" fmla="*/ 18288 h 18288"/>
+              <a:gd name="connsiteX8" fmla="*/ 2189074 w 3474720"/>
+              <a:gd name="connsiteY8" fmla="*/ 18288 h 18288"/>
+              <a:gd name="connsiteX9" fmla="*/ 1528877 w 3474720"/>
+              <a:gd name="connsiteY9" fmla="*/ 18288 h 18288"/>
+              <a:gd name="connsiteX10" fmla="*/ 868680 w 3474720"/>
+              <a:gd name="connsiteY10" fmla="*/ 18288 h 18288"/>
+              <a:gd name="connsiteX11" fmla="*/ 0 w 3474720"/>
+              <a:gd name="connsiteY11" fmla="*/ 18288 h 18288"/>
+              <a:gd name="connsiteX12" fmla="*/ 0 w 3474720"/>
+              <a:gd name="connsiteY12" fmla="*/ 0 h 18288"/>
+            </a:gdLst>
+            <a:ahLst/>
+            <a:cxnLst>
+              <a:cxn ang="0">
+                <a:pos x="connsiteX0" y="connsiteY0"/>
+              </a:cxn>
+              <a:cxn ang="0">
+                <a:pos x="connsiteX1" y="connsiteY1"/>
+              </a:cxn>
+              <a:cxn ang="0">
+                <a:pos x="connsiteX2" y="connsiteY2"/>
+              </a:cxn>
+              <a:cxn ang="0">
+                <a:pos x="connsiteX3" y="connsiteY3"/>
+              </a:cxn>
+              <a:cxn ang="0">
+                <a:pos x="connsiteX4" y="connsiteY4"/>
+              </a:cxn>
+              <a:cxn ang="0">
+                <a:pos x="connsiteX5" y="connsiteY5"/>
+              </a:cxn>
+              <a:cxn ang="0">
+                <a:pos x="connsiteX6" y="connsiteY6"/>
+              </a:cxn>
+              <a:cxn ang="0">
+                <a:pos x="connsiteX7" y="connsiteY7"/>
+              </a:cxn>
+              <a:cxn ang="0">
+                <a:pos x="connsiteX8" y="connsiteY8"/>
+              </a:cxn>
+              <a:cxn ang="0">
+                <a:pos x="connsiteX9" y="connsiteY9"/>
+              </a:cxn>
+              <a:cxn ang="0">
+                <a:pos x="connsiteX10" y="connsiteY10"/>
+              </a:cxn>
+              <a:cxn ang="0">
+                <a:pos x="connsiteX11" y="connsiteY11"/>
+              </a:cxn>
+              <a:cxn ang="0">
+                <a:pos x="connsiteX12" y="connsiteY12"/>
+              </a:cxn>
+            </a:cxnLst>
+            <a:rect l="l" t="t" r="r" b="b"/>
+            <a:pathLst>
+              <a:path w="3474720" h="18288" fill="none" extrusionOk="0">
+                <a:moveTo>
+                  <a:pt x="0" y="0"/>
+                </a:moveTo>
+                <a:cubicBezTo>
+                  <a:pt x="224454" y="-14544"/>
+                  <a:pt x="495407" y="26540"/>
+                  <a:pt x="694944" y="0"/>
+                </a:cubicBezTo>
+                <a:cubicBezTo>
+                  <a:pt x="894481" y="-26540"/>
+                  <a:pt x="1130063" y="24713"/>
+                  <a:pt x="1355141" y="0"/>
+                </a:cubicBezTo>
+                <a:cubicBezTo>
+                  <a:pt x="1580219" y="-24713"/>
+                  <a:pt x="1820099" y="26695"/>
+                  <a:pt x="2015338" y="0"/>
+                </a:cubicBezTo>
+                <a:cubicBezTo>
+                  <a:pt x="2210577" y="-26695"/>
+                  <a:pt x="2402045" y="165"/>
+                  <a:pt x="2779776" y="0"/>
+                </a:cubicBezTo>
+                <a:cubicBezTo>
+                  <a:pt x="3157507" y="-165"/>
+                  <a:pt x="3286859" y="-15571"/>
+                  <a:pt x="3474720" y="0"/>
+                </a:cubicBezTo>
+                <a:cubicBezTo>
+                  <a:pt x="3474286" y="7551"/>
+                  <a:pt x="3474253" y="9822"/>
+                  <a:pt x="3474720" y="18288"/>
+                </a:cubicBezTo>
+                <a:cubicBezTo>
+                  <a:pt x="3233904" y="29845"/>
+                  <a:pt x="2945134" y="-5256"/>
+                  <a:pt x="2779776" y="18288"/>
+                </a:cubicBezTo>
+                <a:cubicBezTo>
+                  <a:pt x="2614418" y="41832"/>
+                  <a:pt x="2339768" y="22709"/>
+                  <a:pt x="2189074" y="18288"/>
+                </a:cubicBezTo>
+                <a:cubicBezTo>
+                  <a:pt x="2038380" y="13867"/>
+                  <a:pt x="1817434" y="-4947"/>
+                  <a:pt x="1528877" y="18288"/>
+                </a:cubicBezTo>
+                <a:cubicBezTo>
+                  <a:pt x="1240320" y="41523"/>
+                  <a:pt x="1042447" y="37198"/>
+                  <a:pt x="868680" y="18288"/>
+                </a:cubicBezTo>
+                <a:cubicBezTo>
+                  <a:pt x="694913" y="-622"/>
+                  <a:pt x="233232" y="44909"/>
+                  <a:pt x="0" y="18288"/>
+                </a:cubicBezTo>
+                <a:cubicBezTo>
+                  <a:pt x="60" y="11696"/>
+                  <a:pt x="66" y="3758"/>
+                  <a:pt x="0" y="0"/>
+                </a:cubicBezTo>
+                <a:close/>
+              </a:path>
+              <a:path w="3474720" h="18288" stroke="0" extrusionOk="0">
+                <a:moveTo>
+                  <a:pt x="0" y="0"/>
+                </a:moveTo>
+                <a:cubicBezTo>
+                  <a:pt x="202328" y="-14716"/>
+                  <a:pt x="332722" y="-11499"/>
+                  <a:pt x="625450" y="0"/>
+                </a:cubicBezTo>
+                <a:cubicBezTo>
+                  <a:pt x="918178" y="11499"/>
+                  <a:pt x="1096688" y="5123"/>
+                  <a:pt x="1389888" y="0"/>
+                </a:cubicBezTo>
+                <a:cubicBezTo>
+                  <a:pt x="1683088" y="-5123"/>
+                  <a:pt x="1835981" y="-14038"/>
+                  <a:pt x="1980590" y="0"/>
+                </a:cubicBezTo>
+                <a:cubicBezTo>
+                  <a:pt x="2125199" y="14038"/>
+                  <a:pt x="2396099" y="-7203"/>
+                  <a:pt x="2571293" y="0"/>
+                </a:cubicBezTo>
+                <a:cubicBezTo>
+                  <a:pt x="2746487" y="7203"/>
+                  <a:pt x="3041609" y="-12036"/>
+                  <a:pt x="3474720" y="0"/>
+                </a:cubicBezTo>
+                <a:cubicBezTo>
+                  <a:pt x="3474638" y="4406"/>
+                  <a:pt x="3474631" y="9982"/>
+                  <a:pt x="3474720" y="18288"/>
+                </a:cubicBezTo>
+                <a:cubicBezTo>
+                  <a:pt x="3324873" y="21876"/>
+                  <a:pt x="3136771" y="12587"/>
+                  <a:pt x="2814523" y="18288"/>
+                </a:cubicBezTo>
+                <a:cubicBezTo>
+                  <a:pt x="2492275" y="23989"/>
+                  <a:pt x="2294402" y="47111"/>
+                  <a:pt x="2154326" y="18288"/>
+                </a:cubicBezTo>
+                <a:cubicBezTo>
+                  <a:pt x="2014250" y="-10535"/>
+                  <a:pt x="1820317" y="33903"/>
+                  <a:pt x="1494130" y="18288"/>
+                </a:cubicBezTo>
+                <a:cubicBezTo>
+                  <a:pt x="1167943" y="2673"/>
+                  <a:pt x="948432" y="14868"/>
+                  <a:pt x="729691" y="18288"/>
+                </a:cubicBezTo>
+                <a:cubicBezTo>
+                  <a:pt x="510950" y="21708"/>
+                  <a:pt x="264032" y="24354"/>
+                  <a:pt x="0" y="18288"/>
+                </a:cubicBezTo>
+                <a:cubicBezTo>
+                  <a:pt x="189" y="14288"/>
+                  <a:pt x="-703" y="3747"/>
+                  <a:pt x="0" y="0"/>
+                </a:cubicBezTo>
+                <a:close/>
+              </a:path>
+            </a:pathLst>
+          </a:custGeom>
+          <a:solidFill>
+            <a:schemeClr val="accent2"/>
+          </a:solidFill>
+          <a:ln w="44450" cap="rnd">
+            <a:solidFill>
+              <a:schemeClr val="accent2"/>
+            </a:solidFill>
+            <a:round/>
+            <a:extLst>
+              <a:ext uri="{C807C97D-BFC1-408E-A445-0C87EB9F89A2}">
+                <ask:lineSketchStyleProps xmlns:ask="http://schemas.microsoft.com/office/drawing/2018/sketchyshapes" sd="2863741219">
+                  <a:prstGeom prst="rect">
+                    <a:avLst/>
+                  </a:prstGeom>
+                  <ask:type>
+                    <ask:lineSketchFreehand/>
+                  </ask:type>
+                </ask:lineSketchStyleProps>
+              </a:ext>
+            </a:extLst>
+          </a:ln>
+        </p:spPr>
+        <p:style>
+          <a:lnRef idx="2">
+            <a:schemeClr val="accent1">
+              <a:shade val="50000"/>
+            </a:schemeClr>
+          </a:lnRef>
+          <a:fillRef idx="1">
+            <a:schemeClr val="accent1"/>
+          </a:fillRef>
+          <a:effectRef idx="0">
+            <a:schemeClr val="accent1"/>
+          </a:effectRef>
+          <a:fontRef idx="minor">
+            <a:schemeClr val="lt1"/>
+          </a:fontRef>
+        </p:style>
+        <p:txBody>
+          <a:bodyPr rtlCol="0" anchor="ctr"/>
+          <a:lstStyle>
+            <a:defPPr>
+              <a:defRPr lang="fr-FR"/>
+            </a:defPPr>
+            <a:lvl1pPr marL="0" algn="l" defTabSz="914400" rtl="0" eaLnBrk="1" latinLnBrk="0" hangingPunct="1">
+              <a:defRPr sz="1800" kern="1200">
+                <a:solidFill>
+                  <a:schemeClr val="lt1"/>
+                </a:solidFill>
+                <a:latin typeface="+mn-lt"/>
+                <a:ea typeface="+mn-ea"/>
+                <a:cs typeface="+mn-cs"/>
+              </a:defRPr>
+            </a:lvl1pPr>
+            <a:lvl2pPr marL="457200" algn="l" defTabSz="914400" rtl="0" eaLnBrk="1" latinLnBrk="0" hangingPunct="1">
+              <a:defRPr sz="1800" kern="1200">
+                <a:solidFill>
+                  <a:schemeClr val="lt1"/>
+                </a:solidFill>
+                <a:latin typeface="+mn-lt"/>
+                <a:ea typeface="+mn-ea"/>
+                <a:cs typeface="+mn-cs"/>
+              </a:defRPr>
+            </a:lvl2pPr>
+            <a:lvl3pPr marL="914400" algn="l" defTabSz="914400" rtl="0" eaLnBrk="1" latinLnBrk="0" hangingPunct="1">
+              <a:defRPr sz="1800" kern="1200">
+                <a:solidFill>
+                  <a:schemeClr val="lt1"/>
+                </a:solidFill>
+                <a:latin typeface="+mn-lt"/>
+                <a:ea typeface="+mn-ea"/>
+                <a:cs typeface="+mn-cs"/>
+              </a:defRPr>
+            </a:lvl3pPr>
+            <a:lvl4pPr marL="1371600" algn="l" defTabSz="914400" rtl="0" eaLnBrk="1" latinLnBrk="0" hangingPunct="1">
+              <a:defRPr sz="1800" kern="1200">
+                <a:solidFill>
+                  <a:schemeClr val="lt1"/>
+                </a:solidFill>
+                <a:latin typeface="+mn-lt"/>
+                <a:ea typeface="+mn-ea"/>
+                <a:cs typeface="+mn-cs"/>
+              </a:defRPr>
+            </a:lvl4pPr>
+            <a:lvl5pPr marL="1828800" algn="l" defTabSz="914400" rtl="0" eaLnBrk="1" latinLnBrk="0" hangingPunct="1">
+              <a:defRPr sz="1800" kern="1200">
+                <a:solidFill>
+                  <a:schemeClr val="lt1"/>
+                </a:solidFill>
+                <a:latin typeface="+mn-lt"/>
+                <a:ea typeface="+mn-ea"/>
+                <a:cs typeface="+mn-cs"/>
+              </a:defRPr>
+            </a:lvl5pPr>
+            <a:lvl6pPr marL="2286000" algn="l" defTabSz="914400" rtl="0" eaLnBrk="1" latinLnBrk="0" hangingPunct="1">
+              <a:defRPr sz="1800" kern="1200">
+                <a:solidFill>
+                  <a:schemeClr val="lt1"/>
+                </a:solidFill>
+                <a:latin typeface="+mn-lt"/>
+                <a:ea typeface="+mn-ea"/>
+                <a:cs typeface="+mn-cs"/>
+              </a:defRPr>
+            </a:lvl6pPr>
+            <a:lvl7pPr marL="2743200" algn="l" defTabSz="914400" rtl="0" eaLnBrk="1" latinLnBrk="0" hangingPunct="1">
+              <a:defRPr sz="1800" kern="1200">
+                <a:solidFill>
+                  <a:schemeClr val="lt1"/>
+                </a:solidFill>
+                <a:latin typeface="+mn-lt"/>
+                <a:ea typeface="+mn-ea"/>
+                <a:cs typeface="+mn-cs"/>
+              </a:defRPr>
+            </a:lvl7pPr>
+            <a:lvl8pPr marL="3200400" algn="l" defTabSz="914400" rtl="0" eaLnBrk="1" latinLnBrk="0" hangingPunct="1">
+              <a:defRPr sz="1800" kern="1200">
+                <a:solidFill>
+                  <a:schemeClr val="lt1"/>
+                </a:solidFill>
+                <a:latin typeface="+mn-lt"/>
+                <a:ea typeface="+mn-ea"/>
+                <a:cs typeface="+mn-cs"/>
+              </a:defRPr>
+            </a:lvl8pPr>
+            <a:lvl9pPr marL="3657600" algn="l" defTabSz="914400" rtl="0" eaLnBrk="1" latinLnBrk="0" hangingPunct="1">
+              <a:defRPr sz="1800" kern="1200">
+                <a:solidFill>
+                  <a:schemeClr val="lt1"/>
+                </a:solidFill>
+                <a:latin typeface="+mn-lt"/>
+                <a:ea typeface="+mn-ea"/>
+                <a:cs typeface="+mn-cs"/>
+              </a:defRPr>
+            </a:lvl9pPr>
+          </a:lstStyle>
+          <a:p>
+            <a:pPr algn="ctr"/>
+            <a:endParaRPr lang="en-US" dirty="0"/>
+          </a:p>
+        </p:txBody>
+      </p:sp>
+      <p:sp>
+        <p:nvSpPr>
+          <p:cNvPr id="9" name="Content Placeholder 8">
+            <a:extLst>
+              <a:ext uri="{FF2B5EF4-FFF2-40B4-BE49-F238E27FC236}">
+                <a16:creationId xmlns:a16="http://schemas.microsoft.com/office/drawing/2014/main" id="{B7677FC6-6C16-4238-93BF-61E414A8F390}"/>
+              </a:ext>
+            </a:extLst>
+          </p:cNvPr>
+          <p:cNvSpPr>
+            <a:spLocks noGrp="1"/>
+          </p:cNvSpPr>
+          <p:nvPr/>
+        </p:nvSpPr>
+        <p:spPr>
+          <a:xfrm>
+            <a:off x="640841" y="2872899"/>
+            <a:ext cx="4670097" cy="3320668"/>
+          </a:xfrm>
+          <a:prstGeom prst="rect">
+            <a:avLst/>
+          </a:prstGeom>
+        </p:spPr>
+        <p:txBody>
+          <a:bodyPr vert="horz" lIns="91440" tIns="45720" rIns="91440" bIns="45720" rtlCol="0">
+            <a:normAutofit fontScale="85000" lnSpcReduction="20000"/>
+          </a:bodyPr>
+          <a:lstStyle>
+            <a:lvl1pPr marL="228600" indent="-228600" algn="l" defTabSz="914400" rtl="0" eaLnBrk="1" latinLnBrk="0" hangingPunct="1">
+              <a:lnSpc>
+                <a:spcPct val="90000"/>
+              </a:lnSpc>
+              <a:spcBef>
+                <a:spcPts val="1000"/>
+              </a:spcBef>
+              <a:buFont typeface="Arial" panose="020B0604020202020204" pitchFamily="34" charset="0"/>
+              <a:buChar char="•"/>
+              <a:defRPr sz="2800" kern="1200">
+                <a:solidFill>
+                  <a:schemeClr val="tx1"/>
+                </a:solidFill>
+                <a:latin typeface="+mn-lt"/>
+                <a:ea typeface="+mn-ea"/>
+                <a:cs typeface="+mn-cs"/>
+              </a:defRPr>
+            </a:lvl1pPr>
+            <a:lvl2pPr marL="685800" indent="-228600" algn="l" defTabSz="914400" rtl="0" eaLnBrk="1" latinLnBrk="0" hangingPunct="1">
+              <a:lnSpc>
+                <a:spcPct val="90000"/>
+              </a:lnSpc>
+              <a:spcBef>
+                <a:spcPts val="500"/>
+              </a:spcBef>
+              <a:buFont typeface="Arial" panose="020B0604020202020204" pitchFamily="34" charset="0"/>
+              <a:buChar char="•"/>
+              <a:defRPr sz="2400" kern="1200">
+                <a:solidFill>
+                  <a:schemeClr val="tx1"/>
+                </a:solidFill>
+                <a:latin typeface="+mn-lt"/>
+                <a:ea typeface="+mn-ea"/>
+                <a:cs typeface="+mn-cs"/>
+              </a:defRPr>
+            </a:lvl2pPr>
+            <a:lvl3pPr marL="1143000" indent="-228600" algn="l" defTabSz="914400" rtl="0" eaLnBrk="1" latinLnBrk="0" hangingPunct="1">
+              <a:lnSpc>
+                <a:spcPct val="90000"/>
+              </a:lnSpc>
+              <a:spcBef>
+                <a:spcPts val="500"/>
+              </a:spcBef>
+              <a:buFont typeface="Arial" panose="020B0604020202020204" pitchFamily="34" charset="0"/>
+              <a:buChar char="•"/>
+              <a:defRPr sz="2000" kern="1200">
+                <a:solidFill>
+                  <a:schemeClr val="tx1"/>
+                </a:solidFill>
+                <a:latin typeface="+mn-lt"/>
+                <a:ea typeface="+mn-ea"/>
+                <a:cs typeface="+mn-cs"/>
+              </a:defRPr>
+            </a:lvl3pPr>
+            <a:lvl4pPr marL="1600200" indent="-228600" algn="l" defTabSz="914400" rtl="0" eaLnBrk="1" latinLnBrk="0" hangingPunct="1">
+              <a:lnSpc>
+                <a:spcPct val="90000"/>
+              </a:lnSpc>
+              <a:spcBef>
+                <a:spcPts val="500"/>
+              </a:spcBef>
+              <a:buFont typeface="Arial" panose="020B0604020202020204" pitchFamily="34" charset="0"/>
+              <a:buChar char="•"/>
+              <a:defRPr sz="1800" kern="1200">
+                <a:solidFill>
+                  <a:schemeClr val="tx1"/>
+                </a:solidFill>
+                <a:latin typeface="+mn-lt"/>
+                <a:ea typeface="+mn-ea"/>
+                <a:cs typeface="+mn-cs"/>
+              </a:defRPr>
+            </a:lvl4pPr>
+            <a:lvl5pPr marL="2057400" indent="-228600" algn="l" defTabSz="914400" rtl="0" eaLnBrk="1" latinLnBrk="0" hangingPunct="1">
+              <a:lnSpc>
+                <a:spcPct val="90000"/>
+              </a:lnSpc>
+              <a:spcBef>
+                <a:spcPts val="500"/>
+              </a:spcBef>
+              <a:buFont typeface="Arial" panose="020B0604020202020204" pitchFamily="34" charset="0"/>
+              <a:buChar char="•"/>
+              <a:defRPr sz="1800" kern="1200">
+                <a:solidFill>
+                  <a:schemeClr val="tx1"/>
+                </a:solidFill>
+                <a:latin typeface="+mn-lt"/>
+                <a:ea typeface="+mn-ea"/>
+                <a:cs typeface="+mn-cs"/>
+              </a:defRPr>
+            </a:lvl5pPr>
+            <a:lvl6pPr marL="2514600" indent="-228600" algn="l" defTabSz="914400" rtl="0" eaLnBrk="1" latinLnBrk="0" hangingPunct="1">
+              <a:lnSpc>
+                <a:spcPct val="90000"/>
+              </a:lnSpc>
+              <a:spcBef>
+                <a:spcPts val="500"/>
+              </a:spcBef>
+              <a:buFont typeface="Arial" panose="020B0604020202020204" pitchFamily="34" charset="0"/>
+              <a:buChar char="•"/>
+              <a:defRPr sz="1800" kern="1200">
+                <a:solidFill>
+                  <a:schemeClr val="tx1"/>
+                </a:solidFill>
+                <a:latin typeface="+mn-lt"/>
+                <a:ea typeface="+mn-ea"/>
+                <a:cs typeface="+mn-cs"/>
+              </a:defRPr>
+            </a:lvl6pPr>
+            <a:lvl7pPr marL="2971800" indent="-228600" algn="l" defTabSz="914400" rtl="0" eaLnBrk="1" latinLnBrk="0" hangingPunct="1">
+              <a:lnSpc>
+                <a:spcPct val="90000"/>
+              </a:lnSpc>
+              <a:spcBef>
+                <a:spcPts val="500"/>
+              </a:spcBef>
+              <a:buFont typeface="Arial" panose="020B0604020202020204" pitchFamily="34" charset="0"/>
+              <a:buChar char="•"/>
+              <a:defRPr sz="1800" kern="1200">
+                <a:solidFill>
+                  <a:schemeClr val="tx1"/>
+                </a:solidFill>
+                <a:latin typeface="+mn-lt"/>
+                <a:ea typeface="+mn-ea"/>
+                <a:cs typeface="+mn-cs"/>
+              </a:defRPr>
+            </a:lvl7pPr>
+            <a:lvl8pPr marL="3429000" indent="-228600" algn="l" defTabSz="914400" rtl="0" eaLnBrk="1" latinLnBrk="0" hangingPunct="1">
+              <a:lnSpc>
+                <a:spcPct val="90000"/>
+              </a:lnSpc>
+              <a:spcBef>
+                <a:spcPts val="500"/>
+              </a:spcBef>
+              <a:buFont typeface="Arial" panose="020B0604020202020204" pitchFamily="34" charset="0"/>
+              <a:buChar char="•"/>
+              <a:defRPr sz="1800" kern="1200">
+                <a:solidFill>
+                  <a:schemeClr val="tx1"/>
+                </a:solidFill>
+                <a:latin typeface="+mn-lt"/>
+                <a:ea typeface="+mn-ea"/>
+                <a:cs typeface="+mn-cs"/>
+              </a:defRPr>
+            </a:lvl8pPr>
+            <a:lvl9pPr marL="3886200" indent="-228600" algn="l" defTabSz="914400" rtl="0" eaLnBrk="1" latinLnBrk="0" hangingPunct="1">
+              <a:lnSpc>
+                <a:spcPct val="90000"/>
+              </a:lnSpc>
+              <a:spcBef>
+                <a:spcPts val="500"/>
+              </a:spcBef>
+              <a:buFont typeface="Arial" panose="020B0604020202020204" pitchFamily="34" charset="0"/>
+              <a:buChar char="•"/>
+              <a:defRPr sz="1800" kern="1200">
+                <a:solidFill>
+                  <a:schemeClr val="tx1"/>
+                </a:solidFill>
+                <a:latin typeface="+mn-lt"/>
+                <a:ea typeface="+mn-ea"/>
+                <a:cs typeface="+mn-cs"/>
+              </a:defRPr>
+            </a:lvl9pPr>
+          </a:lstStyle>
+          <a:p>
+            <a:pPr algn="just" fontAlgn="base"/>
+            <a:r>
+              <a:rPr lang="fr-FR" dirty="0">
+                <a:solidFill>
+                  <a:schemeClr val="accent6">
+                    <a:lumMod val="50000"/>
+                  </a:schemeClr>
+                </a:solidFill>
+              </a:rPr>
+              <a:t>Identifier les solutions de prise en charge</a:t>
+            </a:r>
+            <a:r>
+              <a:rPr lang="fr-FR" dirty="0"/>
+              <a:t> des personnes âgées </a:t>
+            </a:r>
+            <a:r>
+              <a:rPr lang="fr-FR" dirty="0">
+                <a:solidFill>
+                  <a:schemeClr val="accent6">
+                    <a:lumMod val="50000"/>
+                  </a:schemeClr>
+                </a:solidFill>
+              </a:rPr>
+              <a:t>déjà existantes </a:t>
+            </a:r>
+            <a:r>
+              <a:rPr lang="fr-FR" dirty="0"/>
+              <a:t>dans l’espace UEMOA et </a:t>
+            </a:r>
+            <a:r>
+              <a:rPr lang="fr-FR" dirty="0">
+                <a:solidFill>
+                  <a:schemeClr val="accent6">
+                    <a:lumMod val="50000"/>
+                  </a:schemeClr>
+                </a:solidFill>
+              </a:rPr>
+              <a:t>simplifier l’accès à cette information</a:t>
+            </a:r>
+            <a:r>
+              <a:rPr lang="fr-FR" dirty="0"/>
+              <a:t>.</a:t>
+            </a:r>
+          </a:p>
+          <a:p>
+            <a:pPr algn="just" fontAlgn="base"/>
+            <a:r>
+              <a:rPr lang="fr-FR" dirty="0"/>
+              <a:t>Cela permettra à terme de pouvoir </a:t>
+            </a:r>
+            <a:r>
+              <a:rPr lang="fr-FR" dirty="0">
+                <a:solidFill>
+                  <a:schemeClr val="accent6">
+                    <a:lumMod val="50000"/>
+                  </a:schemeClr>
+                </a:solidFill>
+              </a:rPr>
+              <a:t>identifier les pistes d’amélioration de la prise en charge des ainés les mieux adaptées aux situations locales</a:t>
+            </a:r>
+            <a:r>
+              <a:rPr lang="fr-FR" dirty="0"/>
+              <a:t>.</a:t>
+            </a:r>
+          </a:p>
+          <a:p>
+            <a:pPr algn="just"/>
+            <a:endParaRPr lang="en-US" sz="2200" dirty="0"/>
+          </a:p>
+        </p:txBody>
+      </p:sp>
+      <p:pic>
+        <p:nvPicPr>
+          <p:cNvPr id="10" name="Espace réservé du contenu 4" descr="Une image contenant graphiques vectoriels, carte de visite&#10;&#10;Description générée automatiquement">
+            <a:extLst>
+              <a:ext uri="{FF2B5EF4-FFF2-40B4-BE49-F238E27FC236}">
+                <a16:creationId xmlns:a16="http://schemas.microsoft.com/office/drawing/2014/main" id="{E74714B5-117E-4D40-B130-9CE3C2D3DBEC}"/>
+              </a:ext>
+            </a:extLst>
+          </p:cNvPr>
+          <p:cNvPicPr>
+            <a:picLocks noChangeAspect="1"/>
+          </p:cNvPicPr>
+          <p:nvPr/>
+        </p:nvPicPr>
+        <p:blipFill rotWithShape="1">
+          <a:blip r:embed="rId2">
+            <a:extLst>
+              <a:ext uri="{28A0092B-C50C-407E-A947-70E740481C1C}">
+                <a14:useLocalDpi xmlns:a14="http://schemas.microsoft.com/office/drawing/2010/main" val="0"/>
+              </a:ext>
+            </a:extLst>
+          </a:blip>
+          <a:srcRect r="2" b="11769"/>
+          <a:stretch/>
+        </p:blipFill>
+        <p:spPr>
+          <a:xfrm>
+            <a:off x="5312463" y="10"/>
+            <a:ext cx="6878775" cy="6857990"/>
+          </a:xfrm>
+          <a:custGeom>
+            <a:avLst/>
+            <a:gdLst/>
+            <a:ahLst/>
+            <a:cxnLst/>
+            <a:rect l="l" t="t" r="r" b="b"/>
+            <a:pathLst>
+              <a:path w="6878775" h="6858000">
+                <a:moveTo>
+                  <a:pt x="1102973" y="0"/>
+                </a:moveTo>
+                <a:lnTo>
+                  <a:pt x="1160688" y="0"/>
+                </a:lnTo>
+                <a:lnTo>
+                  <a:pt x="983189" y="331786"/>
+                </a:lnTo>
+                <a:cubicBezTo>
+                  <a:pt x="914866" y="469145"/>
+                  <a:pt x="850355" y="608712"/>
+                  <a:pt x="789261" y="750263"/>
+                </a:cubicBezTo>
+                <a:cubicBezTo>
+                  <a:pt x="774307" y="784928"/>
+                  <a:pt x="759992" y="819849"/>
+                  <a:pt x="745295" y="854514"/>
+                </a:cubicBezTo>
+                <a:cubicBezTo>
+                  <a:pt x="756682" y="845393"/>
+                  <a:pt x="765489" y="833492"/>
+                  <a:pt x="770857" y="819975"/>
+                </a:cubicBezTo>
+                <a:cubicBezTo>
+                  <a:pt x="879943" y="589569"/>
+                  <a:pt x="999605" y="365513"/>
+                  <a:pt x="1131329" y="148742"/>
+                </a:cubicBezTo>
+                <a:lnTo>
+                  <a:pt x="1227589" y="0"/>
+                </a:lnTo>
+                <a:lnTo>
+                  <a:pt x="6878775" y="0"/>
+                </a:lnTo>
+                <a:lnTo>
+                  <a:pt x="6878775" y="6858000"/>
+                </a:lnTo>
+                <a:lnTo>
+                  <a:pt x="713521" y="6858000"/>
+                </a:lnTo>
+                <a:lnTo>
+                  <a:pt x="625642" y="6670527"/>
+                </a:lnTo>
+                <a:cubicBezTo>
+                  <a:pt x="507232" y="6398531"/>
+                  <a:pt x="403083" y="6118381"/>
+                  <a:pt x="312785" y="5830359"/>
+                </a:cubicBezTo>
+                <a:cubicBezTo>
+                  <a:pt x="278149" y="5719759"/>
+                  <a:pt x="248879" y="5607635"/>
+                  <a:pt x="212198" y="5480401"/>
+                </a:cubicBezTo>
+                <a:cubicBezTo>
+                  <a:pt x="212208" y="5491601"/>
+                  <a:pt x="212803" y="5502788"/>
+                  <a:pt x="213988" y="5513923"/>
+                </a:cubicBezTo>
+                <a:cubicBezTo>
+                  <a:pt x="264089" y="5723695"/>
+                  <a:pt x="307290" y="5935370"/>
+                  <a:pt x="365826" y="6142729"/>
+                </a:cubicBezTo>
+                <a:cubicBezTo>
+                  <a:pt x="433152" y="6380817"/>
+                  <a:pt x="510068" y="6614016"/>
+                  <a:pt x="597975" y="6841549"/>
+                </a:cubicBezTo>
+                <a:lnTo>
+                  <a:pt x="604824" y="6858000"/>
+                </a:lnTo>
+                <a:lnTo>
+                  <a:pt x="552056" y="6858000"/>
+                </a:lnTo>
+                <a:lnTo>
+                  <a:pt x="539576" y="6828295"/>
+                </a:lnTo>
+                <a:cubicBezTo>
+                  <a:pt x="380597" y="6414594"/>
+                  <a:pt x="260223" y="5988893"/>
+                  <a:pt x="171555" y="5552906"/>
+                </a:cubicBezTo>
+                <a:cubicBezTo>
+                  <a:pt x="91163" y="5157998"/>
+                  <a:pt x="43746" y="4758899"/>
+                  <a:pt x="12305" y="4357388"/>
+                </a:cubicBezTo>
+                <a:cubicBezTo>
+                  <a:pt x="-14281" y="4013908"/>
+                  <a:pt x="4507" y="3672965"/>
+                  <a:pt x="46684" y="3331516"/>
+                </a:cubicBezTo>
+                <a:cubicBezTo>
+                  <a:pt x="127203" y="2664286"/>
+                  <a:pt x="277819" y="2007265"/>
+                  <a:pt x="496065" y="1371196"/>
+                </a:cubicBezTo>
+                <a:cubicBezTo>
+                  <a:pt x="636273" y="966066"/>
+                  <a:pt x="800445" y="573253"/>
+                  <a:pt x="995723" y="196614"/>
+                </a:cubicBezTo>
+                <a:close/>
+              </a:path>
+            </a:pathLst>
+          </a:custGeom>
+        </p:spPr>
+      </p:pic>
     </p:spTree>
     <p:extLst>
       <p:ext uri="{BB962C8B-B14F-4D97-AF65-F5344CB8AC3E}">
-        <p14:creationId xmlns:p14="http://schemas.microsoft.com/office/powerpoint/2010/main" val="2250318754"/>
+        <p14:creationId xmlns:p14="http://schemas.microsoft.com/office/powerpoint/2010/main" val="936346544"/>
       </p:ext>
     </p:extLst>
   </p:cSld>
@@ -23799,7 +28928,7 @@
         </p:spPr>
         <p:txBody>
           <a:bodyPr>
-            <a:normAutofit fontScale="85000" lnSpcReduction="20000"/>
+            <a:normAutofit fontScale="92500" lnSpcReduction="20000"/>
           </a:bodyPr>
           <a:lstStyle/>
           <a:p>
@@ -23921,16 +29050,6 @@
             <a:r>
               <a:rPr lang="fr-FR" dirty="0"/>
               <a:t>Budget</a:t>
-            </a:r>
-          </a:p>
-          <a:p>
-            <a:pPr>
-              <a:buFont typeface="+mj-lt"/>
-              <a:buAutoNum type="arabicPeriod"/>
-            </a:pPr>
-            <a:r>
-              <a:rPr lang="fr-FR" dirty="0"/>
-              <a:t>La réponse de l’agence</a:t>
             </a:r>
           </a:p>
           <a:p>
@@ -24360,7 +29479,7 @@
         </p:nvSpPr>
         <p:spPr>
           <a:xfrm>
-            <a:off x="2170970" y="1561068"/>
+            <a:off x="2207065" y="1561068"/>
             <a:ext cx="4843847" cy="369332"/>
           </a:xfrm>
           <a:prstGeom prst="rect">
@@ -24383,7 +29502,42 @@
                   </a:schemeClr>
                 </a:solidFill>
               </a:rPr>
-              <a:t>Le vieillissement en Afrique</a:t>
+              <a:t>Le vieillissement en général</a:t>
+            </a:r>
+          </a:p>
+        </p:txBody>
+      </p:sp>
+      <p:sp>
+        <p:nvSpPr>
+          <p:cNvPr id="5" name="ZoneTexte 4">
+            <a:extLst>
+              <a:ext uri="{FF2B5EF4-FFF2-40B4-BE49-F238E27FC236}">
+                <a16:creationId xmlns:a16="http://schemas.microsoft.com/office/drawing/2014/main" id="{1C9FC32B-5ABC-4BEF-B3FE-7F6523F3E250}"/>
+              </a:ext>
+            </a:extLst>
+          </p:cNvPr>
+          <p:cNvSpPr txBox="1"/>
+          <p:nvPr/>
+        </p:nvSpPr>
+        <p:spPr>
+          <a:xfrm>
+            <a:off x="4223084" y="3429000"/>
+            <a:ext cx="1826141" cy="369332"/>
+          </a:xfrm>
+          <a:prstGeom prst="rect">
+            <a:avLst/>
+          </a:prstGeom>
+          <a:noFill/>
+        </p:spPr>
+        <p:txBody>
+          <a:bodyPr wrap="none" rtlCol="0">
+            <a:spAutoFit/>
+          </a:bodyPr>
+          <a:lstStyle/>
+          <a:p>
+            <a:r>
+              <a:rPr lang="fr-FR" dirty="0"/>
+              <a:t>Contenu à venir</a:t>
             </a:r>
           </a:p>
         </p:txBody>
@@ -24391,7 +29545,7 @@
     </p:spTree>
     <p:extLst>
       <p:ext uri="{BB962C8B-B14F-4D97-AF65-F5344CB8AC3E}">
-        <p14:creationId xmlns:p14="http://schemas.microsoft.com/office/powerpoint/2010/main" val="4135754565"/>
+        <p14:creationId xmlns:p14="http://schemas.microsoft.com/office/powerpoint/2010/main" val="2250318754"/>
       </p:ext>
     </p:extLst>
   </p:cSld>
@@ -24829,15 +29983,53 @@
                   </a:schemeClr>
                 </a:solidFill>
               </a:rPr>
-              <a:t>Nos objectifs</a:t>
+              <a:t>Le vieillissement en Afrique</a:t>
             </a:r>
+          </a:p>
+        </p:txBody>
+      </p:sp>
+      <p:sp>
+        <p:nvSpPr>
+          <p:cNvPr id="5" name="ZoneTexte 4">
+            <a:extLst>
+              <a:ext uri="{FF2B5EF4-FFF2-40B4-BE49-F238E27FC236}">
+                <a16:creationId xmlns:a16="http://schemas.microsoft.com/office/drawing/2014/main" id="{2A763180-707F-42DC-AFAA-8F52D22725BE}"/>
+              </a:ext>
+            </a:extLst>
+          </p:cNvPr>
+          <p:cNvSpPr txBox="1"/>
+          <p:nvPr/>
+        </p:nvSpPr>
+        <p:spPr>
+          <a:xfrm>
+            <a:off x="4692316" y="3585411"/>
+            <a:ext cx="1826141" cy="646331"/>
+          </a:xfrm>
+          <a:prstGeom prst="rect">
+            <a:avLst/>
+          </a:prstGeom>
+          <a:noFill/>
+        </p:spPr>
+        <p:txBody>
+          <a:bodyPr wrap="none" rtlCol="0">
+            <a:spAutoFit/>
+          </a:bodyPr>
+          <a:lstStyle/>
+          <a:p>
+            <a:r>
+              <a:rPr lang="fr-FR" dirty="0"/>
+              <a:t>Contenu à venir</a:t>
+            </a:r>
+          </a:p>
+          <a:p>
+            <a:endParaRPr lang="fr-FR" dirty="0"/>
           </a:p>
         </p:txBody>
       </p:sp>
     </p:spTree>
     <p:extLst>
       <p:ext uri="{BB962C8B-B14F-4D97-AF65-F5344CB8AC3E}">
-        <p14:creationId xmlns:p14="http://schemas.microsoft.com/office/powerpoint/2010/main" val="2967261097"/>
+        <p14:creationId xmlns:p14="http://schemas.microsoft.com/office/powerpoint/2010/main" val="4135754565"/>
       </p:ext>
     </p:extLst>
   </p:cSld>
@@ -25489,6 +30681,1274 @@
 </p:sld>
 </file>
 
+<file path=ppt/slides/slide23.xml><?xml version="1.0" encoding="utf-8"?>
+<p:sld xmlns:a="http://schemas.openxmlformats.org/drawingml/2006/main" xmlns:r="http://schemas.openxmlformats.org/officeDocument/2006/relationships" xmlns:p="http://schemas.openxmlformats.org/presentationml/2006/main">
+  <p:cSld>
+    <p:spTree>
+      <p:nvGrpSpPr>
+        <p:cNvPr id="1" name=""/>
+        <p:cNvGrpSpPr/>
+        <p:nvPr/>
+      </p:nvGrpSpPr>
+      <p:grpSpPr>
+        <a:xfrm>
+          <a:off x="0" y="0"/>
+          <a:ext cx="0" cy="0"/>
+          <a:chOff x="0" y="0"/>
+          <a:chExt cx="0" cy="0"/>
+        </a:xfrm>
+      </p:grpSpPr>
+      <p:sp>
+        <p:nvSpPr>
+          <p:cNvPr id="2" name="ZoneTexte 1">
+            <a:extLst>
+              <a:ext uri="{FF2B5EF4-FFF2-40B4-BE49-F238E27FC236}">
+                <a16:creationId xmlns:a16="http://schemas.microsoft.com/office/drawing/2014/main" id="{C572A3C6-4037-4897-AA70-D1C5ECF81040}"/>
+              </a:ext>
+            </a:extLst>
+          </p:cNvPr>
+          <p:cNvSpPr txBox="1"/>
+          <p:nvPr/>
+        </p:nvSpPr>
+        <p:spPr>
+          <a:xfrm>
+            <a:off x="4752474" y="673768"/>
+            <a:ext cx="184731" cy="369332"/>
+          </a:xfrm>
+          <a:prstGeom prst="rect">
+            <a:avLst/>
+          </a:prstGeom>
+          <a:noFill/>
+        </p:spPr>
+        <p:txBody>
+          <a:bodyPr wrap="none" rtlCol="0">
+            <a:spAutoFit/>
+          </a:bodyPr>
+          <a:lstStyle/>
+          <a:p>
+            <a:endParaRPr lang="fr-FR" dirty="0"/>
+          </a:p>
+        </p:txBody>
+      </p:sp>
+      <p:sp>
+        <p:nvSpPr>
+          <p:cNvPr id="3" name="Titre 1">
+            <a:extLst>
+              <a:ext uri="{FF2B5EF4-FFF2-40B4-BE49-F238E27FC236}">
+                <a16:creationId xmlns:a16="http://schemas.microsoft.com/office/drawing/2014/main" id="{F3F2C2FE-15AC-4DFF-9230-C24F73F346FE}"/>
+              </a:ext>
+            </a:extLst>
+          </p:cNvPr>
+          <p:cNvSpPr txBox="1">
+            <a:spLocks/>
+          </p:cNvSpPr>
+          <p:nvPr/>
+        </p:nvSpPr>
+        <p:spPr>
+          <a:xfrm>
+            <a:off x="677863" y="609600"/>
+            <a:ext cx="8596312" cy="966537"/>
+          </a:xfrm>
+          <a:prstGeom prst="rect">
+            <a:avLst/>
+          </a:prstGeom>
+        </p:spPr>
+        <p:txBody>
+          <a:bodyPr/>
+          <a:lstStyle>
+            <a:lvl1pPr algn="l" defTabSz="457200" rtl="0" eaLnBrk="1" latinLnBrk="0" hangingPunct="1">
+              <a:spcBef>
+                <a:spcPct val="0"/>
+              </a:spcBef>
+              <a:buNone/>
+              <a:defRPr sz="3600" kern="1200">
+                <a:solidFill>
+                  <a:schemeClr val="accent1"/>
+                </a:solidFill>
+                <a:latin typeface="+mj-lt"/>
+                <a:ea typeface="+mj-ea"/>
+                <a:cs typeface="+mj-cs"/>
+              </a:defRPr>
+            </a:lvl1pPr>
+            <a:lvl2pPr eaLnBrk="1" hangingPunct="1">
+              <a:defRPr>
+                <a:solidFill>
+                  <a:schemeClr val="tx2"/>
+                </a:solidFill>
+              </a:defRPr>
+            </a:lvl2pPr>
+            <a:lvl3pPr eaLnBrk="1" hangingPunct="1">
+              <a:defRPr>
+                <a:solidFill>
+                  <a:schemeClr val="tx2"/>
+                </a:solidFill>
+              </a:defRPr>
+            </a:lvl3pPr>
+            <a:lvl4pPr eaLnBrk="1" hangingPunct="1">
+              <a:defRPr>
+                <a:solidFill>
+                  <a:schemeClr val="tx2"/>
+                </a:solidFill>
+              </a:defRPr>
+            </a:lvl4pPr>
+            <a:lvl5pPr eaLnBrk="1" hangingPunct="1">
+              <a:defRPr>
+                <a:solidFill>
+                  <a:schemeClr val="tx2"/>
+                </a:solidFill>
+              </a:defRPr>
+            </a:lvl5pPr>
+            <a:lvl6pPr eaLnBrk="1" hangingPunct="1">
+              <a:defRPr>
+                <a:solidFill>
+                  <a:schemeClr val="tx2"/>
+                </a:solidFill>
+              </a:defRPr>
+            </a:lvl6pPr>
+            <a:lvl7pPr eaLnBrk="1" hangingPunct="1">
+              <a:defRPr>
+                <a:solidFill>
+                  <a:schemeClr val="tx2"/>
+                </a:solidFill>
+              </a:defRPr>
+            </a:lvl7pPr>
+            <a:lvl8pPr eaLnBrk="1" hangingPunct="1">
+              <a:defRPr>
+                <a:solidFill>
+                  <a:schemeClr val="tx2"/>
+                </a:solidFill>
+              </a:defRPr>
+            </a:lvl8pPr>
+            <a:lvl9pPr eaLnBrk="1" hangingPunct="1">
+              <a:defRPr>
+                <a:solidFill>
+                  <a:schemeClr val="tx2"/>
+                </a:solidFill>
+              </a:defRPr>
+            </a:lvl9pPr>
+          </a:lstStyle>
+          <a:p>
+            <a:r>
+              <a:rPr lang="fr-FR" dirty="0"/>
+              <a:t>7.SEO</a:t>
+            </a:r>
+          </a:p>
+          <a:p>
+            <a:r>
+              <a:rPr lang="fr-FR" sz="1800" dirty="0"/>
+              <a:t>Search engine Optimization =&gt; référencement </a:t>
+            </a:r>
+          </a:p>
+        </p:txBody>
+      </p:sp>
+      <p:sp>
+        <p:nvSpPr>
+          <p:cNvPr id="4" name="Espace réservé du contenu 2">
+            <a:extLst>
+              <a:ext uri="{FF2B5EF4-FFF2-40B4-BE49-F238E27FC236}">
+                <a16:creationId xmlns:a16="http://schemas.microsoft.com/office/drawing/2014/main" id="{C70798A2-8AF9-4305-9538-333DAD105AF3}"/>
+              </a:ext>
+            </a:extLst>
+          </p:cNvPr>
+          <p:cNvSpPr txBox="1">
+            <a:spLocks/>
+          </p:cNvSpPr>
+          <p:nvPr/>
+        </p:nvSpPr>
+        <p:spPr>
+          <a:xfrm>
+            <a:off x="677863" y="2254101"/>
+            <a:ext cx="8596312" cy="3881437"/>
+          </a:xfrm>
+          <a:prstGeom prst="rect">
+            <a:avLst/>
+          </a:prstGeom>
+        </p:spPr>
+        <p:txBody>
+          <a:bodyPr/>
+          <a:lstStyle>
+            <a:lvl1pPr marL="342900" indent="-342900" algn="l" defTabSz="457200" rtl="0" eaLnBrk="1" latinLnBrk="0" hangingPunct="1">
+              <a:spcBef>
+                <a:spcPts val="1000"/>
+              </a:spcBef>
+              <a:spcAft>
+                <a:spcPts val="0"/>
+              </a:spcAft>
+              <a:buClr>
+                <a:schemeClr val="accent1"/>
+              </a:buClr>
+              <a:buSzPct val="80000"/>
+              <a:buFont typeface="Wingdings 3" charset="2"/>
+              <a:buChar char=""/>
+              <a:defRPr sz="1800" kern="1200">
+                <a:solidFill>
+                  <a:schemeClr val="tx1">
+                    <a:lumMod val="75000"/>
+                    <a:lumOff val="25000"/>
+                  </a:schemeClr>
+                </a:solidFill>
+                <a:latin typeface="+mn-lt"/>
+                <a:ea typeface="+mn-ea"/>
+                <a:cs typeface="+mn-cs"/>
+              </a:defRPr>
+            </a:lvl1pPr>
+            <a:lvl2pPr marL="742950" indent="-285750" algn="l" defTabSz="457200" rtl="0" eaLnBrk="1" latinLnBrk="0" hangingPunct="1">
+              <a:spcBef>
+                <a:spcPts val="1000"/>
+              </a:spcBef>
+              <a:spcAft>
+                <a:spcPts val="0"/>
+              </a:spcAft>
+              <a:buClr>
+                <a:schemeClr val="accent1"/>
+              </a:buClr>
+              <a:buSzPct val="80000"/>
+              <a:buFont typeface="Wingdings 3" charset="2"/>
+              <a:buChar char=""/>
+              <a:defRPr sz="1600" kern="1200">
+                <a:solidFill>
+                  <a:schemeClr val="tx1">
+                    <a:lumMod val="75000"/>
+                    <a:lumOff val="25000"/>
+                  </a:schemeClr>
+                </a:solidFill>
+                <a:latin typeface="+mn-lt"/>
+                <a:ea typeface="+mn-ea"/>
+                <a:cs typeface="+mn-cs"/>
+              </a:defRPr>
+            </a:lvl2pPr>
+            <a:lvl3pPr marL="1143000" indent="-228600" algn="l" defTabSz="457200" rtl="0" eaLnBrk="1" latinLnBrk="0" hangingPunct="1">
+              <a:spcBef>
+                <a:spcPts val="1000"/>
+              </a:spcBef>
+              <a:spcAft>
+                <a:spcPts val="0"/>
+              </a:spcAft>
+              <a:buClr>
+                <a:schemeClr val="accent1"/>
+              </a:buClr>
+              <a:buSzPct val="80000"/>
+              <a:buFont typeface="Wingdings 3" charset="2"/>
+              <a:buChar char=""/>
+              <a:defRPr sz="1400" kern="1200">
+                <a:solidFill>
+                  <a:schemeClr val="tx1">
+                    <a:lumMod val="75000"/>
+                    <a:lumOff val="25000"/>
+                  </a:schemeClr>
+                </a:solidFill>
+                <a:latin typeface="+mn-lt"/>
+                <a:ea typeface="+mn-ea"/>
+                <a:cs typeface="+mn-cs"/>
+              </a:defRPr>
+            </a:lvl3pPr>
+            <a:lvl4pPr marL="1600200" indent="-228600" algn="l" defTabSz="457200" rtl="0" eaLnBrk="1" latinLnBrk="0" hangingPunct="1">
+              <a:spcBef>
+                <a:spcPts val="1000"/>
+              </a:spcBef>
+              <a:spcAft>
+                <a:spcPts val="0"/>
+              </a:spcAft>
+              <a:buClr>
+                <a:schemeClr val="accent1"/>
+              </a:buClr>
+              <a:buSzPct val="80000"/>
+              <a:buFont typeface="Wingdings 3" charset="2"/>
+              <a:buChar char=""/>
+              <a:defRPr sz="1200" kern="1200">
+                <a:solidFill>
+                  <a:schemeClr val="tx1">
+                    <a:lumMod val="75000"/>
+                    <a:lumOff val="25000"/>
+                  </a:schemeClr>
+                </a:solidFill>
+                <a:latin typeface="+mn-lt"/>
+                <a:ea typeface="+mn-ea"/>
+                <a:cs typeface="+mn-cs"/>
+              </a:defRPr>
+            </a:lvl4pPr>
+            <a:lvl5pPr marL="2057400" indent="-228600" algn="l" defTabSz="457200" rtl="0" eaLnBrk="1" latinLnBrk="0" hangingPunct="1">
+              <a:spcBef>
+                <a:spcPts val="1000"/>
+              </a:spcBef>
+              <a:spcAft>
+                <a:spcPts val="0"/>
+              </a:spcAft>
+              <a:buClr>
+                <a:schemeClr val="accent1"/>
+              </a:buClr>
+              <a:buSzPct val="80000"/>
+              <a:buFont typeface="Wingdings 3" charset="2"/>
+              <a:buChar char=""/>
+              <a:defRPr sz="1200" kern="1200">
+                <a:solidFill>
+                  <a:schemeClr val="tx1">
+                    <a:lumMod val="75000"/>
+                    <a:lumOff val="25000"/>
+                  </a:schemeClr>
+                </a:solidFill>
+                <a:latin typeface="+mn-lt"/>
+                <a:ea typeface="+mn-ea"/>
+                <a:cs typeface="+mn-cs"/>
+              </a:defRPr>
+            </a:lvl5pPr>
+            <a:lvl6pPr marL="2514600" indent="-228600" algn="l" defTabSz="457200" rtl="0" eaLnBrk="1" latinLnBrk="0" hangingPunct="1">
+              <a:spcBef>
+                <a:spcPts val="1000"/>
+              </a:spcBef>
+              <a:spcAft>
+                <a:spcPts val="0"/>
+              </a:spcAft>
+              <a:buClr>
+                <a:schemeClr val="accent1"/>
+              </a:buClr>
+              <a:buSzPct val="80000"/>
+              <a:buFont typeface="Wingdings 3" charset="2"/>
+              <a:buChar char=""/>
+              <a:defRPr sz="1200" kern="1200">
+                <a:solidFill>
+                  <a:schemeClr val="tx1">
+                    <a:lumMod val="75000"/>
+                    <a:lumOff val="25000"/>
+                  </a:schemeClr>
+                </a:solidFill>
+                <a:latin typeface="+mn-lt"/>
+                <a:ea typeface="+mn-ea"/>
+                <a:cs typeface="+mn-cs"/>
+              </a:defRPr>
+            </a:lvl6pPr>
+            <a:lvl7pPr marL="2971800" indent="-228600" algn="l" defTabSz="457200" rtl="0" eaLnBrk="1" latinLnBrk="0" hangingPunct="1">
+              <a:spcBef>
+                <a:spcPts val="1000"/>
+              </a:spcBef>
+              <a:spcAft>
+                <a:spcPts val="0"/>
+              </a:spcAft>
+              <a:buClr>
+                <a:schemeClr val="accent1"/>
+              </a:buClr>
+              <a:buSzPct val="80000"/>
+              <a:buFont typeface="Wingdings 3" charset="2"/>
+              <a:buChar char=""/>
+              <a:defRPr sz="1200" kern="1200">
+                <a:solidFill>
+                  <a:schemeClr val="tx1">
+                    <a:lumMod val="75000"/>
+                    <a:lumOff val="25000"/>
+                  </a:schemeClr>
+                </a:solidFill>
+                <a:latin typeface="+mn-lt"/>
+                <a:ea typeface="+mn-ea"/>
+                <a:cs typeface="+mn-cs"/>
+              </a:defRPr>
+            </a:lvl7pPr>
+            <a:lvl8pPr marL="3429000" indent="-228600" algn="l" defTabSz="457200" rtl="0" eaLnBrk="1" latinLnBrk="0" hangingPunct="1">
+              <a:spcBef>
+                <a:spcPts val="1000"/>
+              </a:spcBef>
+              <a:spcAft>
+                <a:spcPts val="0"/>
+              </a:spcAft>
+              <a:buClr>
+                <a:schemeClr val="accent1"/>
+              </a:buClr>
+              <a:buSzPct val="80000"/>
+              <a:buFont typeface="Wingdings 3" charset="2"/>
+              <a:buChar char=""/>
+              <a:defRPr sz="1200" kern="1200">
+                <a:solidFill>
+                  <a:schemeClr val="tx1">
+                    <a:lumMod val="75000"/>
+                    <a:lumOff val="25000"/>
+                  </a:schemeClr>
+                </a:solidFill>
+                <a:latin typeface="+mn-lt"/>
+                <a:ea typeface="+mn-ea"/>
+                <a:cs typeface="+mn-cs"/>
+              </a:defRPr>
+            </a:lvl8pPr>
+            <a:lvl9pPr marL="3886200" indent="-228600" algn="l" defTabSz="457200" rtl="0" eaLnBrk="1" latinLnBrk="0" hangingPunct="1">
+              <a:spcBef>
+                <a:spcPts val="1000"/>
+              </a:spcBef>
+              <a:spcAft>
+                <a:spcPts val="0"/>
+              </a:spcAft>
+              <a:buClr>
+                <a:schemeClr val="accent1"/>
+              </a:buClr>
+              <a:buSzPct val="80000"/>
+              <a:buFont typeface="Wingdings 3" charset="2"/>
+              <a:buChar char=""/>
+              <a:defRPr sz="1200" kern="1200">
+                <a:solidFill>
+                  <a:schemeClr val="tx1">
+                    <a:lumMod val="75000"/>
+                    <a:lumOff val="25000"/>
+                  </a:schemeClr>
+                </a:solidFill>
+                <a:latin typeface="+mn-lt"/>
+                <a:ea typeface="+mn-ea"/>
+                <a:cs typeface="+mn-cs"/>
+              </a:defRPr>
+            </a:lvl9pPr>
+          </a:lstStyle>
+          <a:p>
+            <a:pPr marL="0" indent="0">
+              <a:buNone/>
+            </a:pPr>
+            <a:endParaRPr lang="en-US" b="0" dirty="0">
+              <a:solidFill>
+                <a:schemeClr val="tx1"/>
+              </a:solidFill>
+              <a:effectLst/>
+              <a:latin typeface="Consolas" panose="020B0609020204030204" pitchFamily="49" charset="0"/>
+            </a:endParaRPr>
+          </a:p>
+          <a:p>
+            <a:endParaRPr lang="fr-FR" dirty="0"/>
+          </a:p>
+        </p:txBody>
+      </p:sp>
+      <p:sp>
+        <p:nvSpPr>
+          <p:cNvPr id="12" name="Espace réservé du contenu 2">
+            <a:extLst>
+              <a:ext uri="{FF2B5EF4-FFF2-40B4-BE49-F238E27FC236}">
+                <a16:creationId xmlns:a16="http://schemas.microsoft.com/office/drawing/2014/main" id="{2B4CB8C1-A471-40AD-A025-AE194CD90B33}"/>
+              </a:ext>
+            </a:extLst>
+          </p:cNvPr>
+          <p:cNvSpPr txBox="1">
+            <a:spLocks/>
+          </p:cNvSpPr>
+          <p:nvPr/>
+        </p:nvSpPr>
+        <p:spPr>
+          <a:xfrm>
+            <a:off x="677333" y="2550695"/>
+            <a:ext cx="9681855" cy="3514730"/>
+          </a:xfrm>
+          <a:prstGeom prst="rect">
+            <a:avLst/>
+          </a:prstGeom>
+        </p:spPr>
+        <p:txBody>
+          <a:bodyPr>
+            <a:normAutofit/>
+          </a:bodyPr>
+          <a:lstStyle>
+            <a:lvl1pPr marL="342900" indent="-342900" algn="l" defTabSz="457200" rtl="0" eaLnBrk="1" latinLnBrk="0" hangingPunct="1">
+              <a:spcBef>
+                <a:spcPts val="1000"/>
+              </a:spcBef>
+              <a:spcAft>
+                <a:spcPts val="0"/>
+              </a:spcAft>
+              <a:buClr>
+                <a:schemeClr val="accent1"/>
+              </a:buClr>
+              <a:buSzPct val="80000"/>
+              <a:buFont typeface="Wingdings 3" charset="2"/>
+              <a:buChar char=""/>
+              <a:defRPr sz="1800" kern="1200">
+                <a:solidFill>
+                  <a:schemeClr val="tx1">
+                    <a:lumMod val="75000"/>
+                    <a:lumOff val="25000"/>
+                  </a:schemeClr>
+                </a:solidFill>
+                <a:latin typeface="+mn-lt"/>
+                <a:ea typeface="+mn-ea"/>
+                <a:cs typeface="+mn-cs"/>
+              </a:defRPr>
+            </a:lvl1pPr>
+            <a:lvl2pPr marL="742950" indent="-285750" algn="l" defTabSz="457200" rtl="0" eaLnBrk="1" latinLnBrk="0" hangingPunct="1">
+              <a:spcBef>
+                <a:spcPts val="1000"/>
+              </a:spcBef>
+              <a:spcAft>
+                <a:spcPts val="0"/>
+              </a:spcAft>
+              <a:buClr>
+                <a:schemeClr val="accent1"/>
+              </a:buClr>
+              <a:buSzPct val="80000"/>
+              <a:buFont typeface="Wingdings 3" charset="2"/>
+              <a:buChar char=""/>
+              <a:defRPr sz="1600" kern="1200">
+                <a:solidFill>
+                  <a:schemeClr val="tx1">
+                    <a:lumMod val="75000"/>
+                    <a:lumOff val="25000"/>
+                  </a:schemeClr>
+                </a:solidFill>
+                <a:latin typeface="+mn-lt"/>
+                <a:ea typeface="+mn-ea"/>
+                <a:cs typeface="+mn-cs"/>
+              </a:defRPr>
+            </a:lvl2pPr>
+            <a:lvl3pPr marL="1143000" indent="-228600" algn="l" defTabSz="457200" rtl="0" eaLnBrk="1" latinLnBrk="0" hangingPunct="1">
+              <a:spcBef>
+                <a:spcPts val="1000"/>
+              </a:spcBef>
+              <a:spcAft>
+                <a:spcPts val="0"/>
+              </a:spcAft>
+              <a:buClr>
+                <a:schemeClr val="accent1"/>
+              </a:buClr>
+              <a:buSzPct val="80000"/>
+              <a:buFont typeface="Wingdings 3" charset="2"/>
+              <a:buChar char=""/>
+              <a:defRPr sz="1400" kern="1200">
+                <a:solidFill>
+                  <a:schemeClr val="tx1">
+                    <a:lumMod val="75000"/>
+                    <a:lumOff val="25000"/>
+                  </a:schemeClr>
+                </a:solidFill>
+                <a:latin typeface="+mn-lt"/>
+                <a:ea typeface="+mn-ea"/>
+                <a:cs typeface="+mn-cs"/>
+              </a:defRPr>
+            </a:lvl3pPr>
+            <a:lvl4pPr marL="1600200" indent="-228600" algn="l" defTabSz="457200" rtl="0" eaLnBrk="1" latinLnBrk="0" hangingPunct="1">
+              <a:spcBef>
+                <a:spcPts val="1000"/>
+              </a:spcBef>
+              <a:spcAft>
+                <a:spcPts val="0"/>
+              </a:spcAft>
+              <a:buClr>
+                <a:schemeClr val="accent1"/>
+              </a:buClr>
+              <a:buSzPct val="80000"/>
+              <a:buFont typeface="Wingdings 3" charset="2"/>
+              <a:buChar char=""/>
+              <a:defRPr sz="1200" kern="1200">
+                <a:solidFill>
+                  <a:schemeClr val="tx1">
+                    <a:lumMod val="75000"/>
+                    <a:lumOff val="25000"/>
+                  </a:schemeClr>
+                </a:solidFill>
+                <a:latin typeface="+mn-lt"/>
+                <a:ea typeface="+mn-ea"/>
+                <a:cs typeface="+mn-cs"/>
+              </a:defRPr>
+            </a:lvl4pPr>
+            <a:lvl5pPr marL="2057400" indent="-228600" algn="l" defTabSz="457200" rtl="0" eaLnBrk="1" latinLnBrk="0" hangingPunct="1">
+              <a:spcBef>
+                <a:spcPts val="1000"/>
+              </a:spcBef>
+              <a:spcAft>
+                <a:spcPts val="0"/>
+              </a:spcAft>
+              <a:buClr>
+                <a:schemeClr val="accent1"/>
+              </a:buClr>
+              <a:buSzPct val="80000"/>
+              <a:buFont typeface="Wingdings 3" charset="2"/>
+              <a:buChar char=""/>
+              <a:defRPr sz="1200" kern="1200">
+                <a:solidFill>
+                  <a:schemeClr val="tx1">
+                    <a:lumMod val="75000"/>
+                    <a:lumOff val="25000"/>
+                  </a:schemeClr>
+                </a:solidFill>
+                <a:latin typeface="+mn-lt"/>
+                <a:ea typeface="+mn-ea"/>
+                <a:cs typeface="+mn-cs"/>
+              </a:defRPr>
+            </a:lvl5pPr>
+            <a:lvl6pPr marL="2514600" indent="-228600" algn="l" defTabSz="457200" rtl="0" eaLnBrk="1" latinLnBrk="0" hangingPunct="1">
+              <a:spcBef>
+                <a:spcPts val="1000"/>
+              </a:spcBef>
+              <a:spcAft>
+                <a:spcPts val="0"/>
+              </a:spcAft>
+              <a:buClr>
+                <a:schemeClr val="accent1"/>
+              </a:buClr>
+              <a:buSzPct val="80000"/>
+              <a:buFont typeface="Wingdings 3" charset="2"/>
+              <a:buChar char=""/>
+              <a:defRPr sz="1200" kern="1200">
+                <a:solidFill>
+                  <a:schemeClr val="tx1">
+                    <a:lumMod val="75000"/>
+                    <a:lumOff val="25000"/>
+                  </a:schemeClr>
+                </a:solidFill>
+                <a:latin typeface="+mn-lt"/>
+                <a:ea typeface="+mn-ea"/>
+                <a:cs typeface="+mn-cs"/>
+              </a:defRPr>
+            </a:lvl6pPr>
+            <a:lvl7pPr marL="2971800" indent="-228600" algn="l" defTabSz="457200" rtl="0" eaLnBrk="1" latinLnBrk="0" hangingPunct="1">
+              <a:spcBef>
+                <a:spcPts val="1000"/>
+              </a:spcBef>
+              <a:spcAft>
+                <a:spcPts val="0"/>
+              </a:spcAft>
+              <a:buClr>
+                <a:schemeClr val="accent1"/>
+              </a:buClr>
+              <a:buSzPct val="80000"/>
+              <a:buFont typeface="Wingdings 3" charset="2"/>
+              <a:buChar char=""/>
+              <a:defRPr sz="1200" kern="1200">
+                <a:solidFill>
+                  <a:schemeClr val="tx1">
+                    <a:lumMod val="75000"/>
+                    <a:lumOff val="25000"/>
+                  </a:schemeClr>
+                </a:solidFill>
+                <a:latin typeface="+mn-lt"/>
+                <a:ea typeface="+mn-ea"/>
+                <a:cs typeface="+mn-cs"/>
+              </a:defRPr>
+            </a:lvl7pPr>
+            <a:lvl8pPr marL="3429000" indent="-228600" algn="l" defTabSz="457200" rtl="0" eaLnBrk="1" latinLnBrk="0" hangingPunct="1">
+              <a:spcBef>
+                <a:spcPts val="1000"/>
+              </a:spcBef>
+              <a:spcAft>
+                <a:spcPts val="0"/>
+              </a:spcAft>
+              <a:buClr>
+                <a:schemeClr val="accent1"/>
+              </a:buClr>
+              <a:buSzPct val="80000"/>
+              <a:buFont typeface="Wingdings 3" charset="2"/>
+              <a:buChar char=""/>
+              <a:defRPr sz="1200" kern="1200">
+                <a:solidFill>
+                  <a:schemeClr val="tx1">
+                    <a:lumMod val="75000"/>
+                    <a:lumOff val="25000"/>
+                  </a:schemeClr>
+                </a:solidFill>
+                <a:latin typeface="+mn-lt"/>
+                <a:ea typeface="+mn-ea"/>
+                <a:cs typeface="+mn-cs"/>
+              </a:defRPr>
+            </a:lvl8pPr>
+            <a:lvl9pPr marL="3886200" indent="-228600" algn="l" defTabSz="457200" rtl="0" eaLnBrk="1" latinLnBrk="0" hangingPunct="1">
+              <a:spcBef>
+                <a:spcPts val="1000"/>
+              </a:spcBef>
+              <a:spcAft>
+                <a:spcPts val="0"/>
+              </a:spcAft>
+              <a:buClr>
+                <a:schemeClr val="accent1"/>
+              </a:buClr>
+              <a:buSzPct val="80000"/>
+              <a:buFont typeface="Wingdings 3" charset="2"/>
+              <a:buChar char=""/>
+              <a:defRPr sz="1200" kern="1200">
+                <a:solidFill>
+                  <a:schemeClr val="tx1">
+                    <a:lumMod val="75000"/>
+                    <a:lumOff val="25000"/>
+                  </a:schemeClr>
+                </a:solidFill>
+                <a:latin typeface="+mn-lt"/>
+                <a:ea typeface="+mn-ea"/>
+                <a:cs typeface="+mn-cs"/>
+              </a:defRPr>
+            </a:lvl9pPr>
+          </a:lstStyle>
+          <a:p>
+            <a:pPr algn="just"/>
+            <a:r>
+              <a:rPr lang="fr-FR" dirty="0"/>
+              <a:t>https://search.google.com/search-console/welcome?hl=fr</a:t>
+            </a:r>
+            <a:r>
+              <a:rPr lang="fr-FR" b="0" i="0" dirty="0">
+                <a:solidFill>
+                  <a:srgbClr val="000000"/>
+                </a:solidFill>
+                <a:effectLst/>
+                <a:latin typeface="Times New Roman" panose="02020603050405020304" pitchFamily="18" charset="0"/>
+              </a:rPr>
+              <a:t>Importation de ce fichier à la racine du projet</a:t>
+            </a:r>
+          </a:p>
+          <a:p>
+            <a:pPr lvl="1" algn="just"/>
+            <a:r>
+              <a:rPr lang="fr-FR" sz="1200" dirty="0"/>
+              <a:t>Importation d’un fichier html fournit par le site de google</a:t>
+            </a:r>
+          </a:p>
+          <a:p>
+            <a:pPr algn="just"/>
+            <a:r>
+              <a:rPr lang="fr-FR" sz="1400" dirty="0"/>
+              <a:t>Ajout d’une balise </a:t>
+            </a:r>
+            <a:r>
+              <a:rPr lang="fr-FR" sz="1400" dirty="0" err="1"/>
+              <a:t>meta</a:t>
+            </a:r>
+            <a:endParaRPr lang="fr-FR" sz="1400" dirty="0"/>
+          </a:p>
+          <a:p>
+            <a:pPr lvl="1" algn="just"/>
+            <a:r>
+              <a:rPr lang="fr-FR" sz="1200" dirty="0"/>
+              <a:t>&lt;</a:t>
+            </a:r>
+            <a:r>
+              <a:rPr lang="fr-FR" sz="1200" dirty="0" err="1"/>
+              <a:t>meta</a:t>
+            </a:r>
+            <a:r>
+              <a:rPr lang="fr-FR" sz="1200" dirty="0"/>
+              <a:t> </a:t>
+            </a:r>
+            <a:r>
+              <a:rPr lang="fr-FR" sz="1200" dirty="0" err="1"/>
+              <a:t>name</a:t>
+            </a:r>
+            <a:r>
+              <a:rPr lang="fr-FR" sz="1200" dirty="0"/>
+              <a:t>="google-site-</a:t>
+            </a:r>
+            <a:r>
+              <a:rPr lang="fr-FR" sz="1200" dirty="0" err="1"/>
+              <a:t>verification</a:t>
+            </a:r>
+            <a:r>
+              <a:rPr lang="fr-FR" sz="1200" dirty="0"/>
+              <a:t>" content="Sts2AuGFD7x_6V_wO1manPigrlJDXeIgvq4BoEqahXI" /&gt;</a:t>
+            </a:r>
+          </a:p>
+          <a:p>
+            <a:pPr algn="just"/>
+            <a:r>
+              <a:rPr lang="fr-FR" sz="1400" dirty="0"/>
+              <a:t>Ajouter le fichier txt contenant dans la configuration DNS du nom de domaine</a:t>
+            </a:r>
+          </a:p>
+          <a:p>
+            <a:pPr lvl="1" algn="just"/>
+            <a:r>
+              <a:rPr lang="fr-FR" sz="1200" dirty="0"/>
+              <a:t> google-site-</a:t>
+            </a:r>
+            <a:r>
+              <a:rPr lang="fr-FR" sz="1200" dirty="0" err="1"/>
+              <a:t>verification</a:t>
+            </a:r>
+            <a:r>
+              <a:rPr lang="fr-FR" sz="1200" dirty="0"/>
+              <a:t>=p2gqHNETjnwuY5DijbcnvZb4KWTxck7YHEzSkVAX1yM</a:t>
+            </a:r>
+          </a:p>
+          <a:p>
+            <a:pPr algn="just"/>
+            <a:r>
+              <a:rPr lang="fr-FR" sz="1400" dirty="0"/>
+              <a:t>Utilisation des balises de descriptions ainsi h1…</a:t>
+            </a:r>
+          </a:p>
+          <a:p>
+            <a:pPr algn="just"/>
+            <a:endParaRPr lang="fr-FR" sz="1400" dirty="0"/>
+          </a:p>
+        </p:txBody>
+      </p:sp>
+      <p:sp>
+        <p:nvSpPr>
+          <p:cNvPr id="13" name="ZoneTexte 12">
+            <a:extLst>
+              <a:ext uri="{FF2B5EF4-FFF2-40B4-BE49-F238E27FC236}">
+                <a16:creationId xmlns:a16="http://schemas.microsoft.com/office/drawing/2014/main" id="{AE7FA8AE-F13D-489E-A590-F7218DDF9DE6}"/>
+              </a:ext>
+            </a:extLst>
+          </p:cNvPr>
+          <p:cNvSpPr txBox="1"/>
+          <p:nvPr/>
+        </p:nvSpPr>
+        <p:spPr>
+          <a:xfrm>
+            <a:off x="914400" y="2009274"/>
+            <a:ext cx="8331127" cy="369332"/>
+          </a:xfrm>
+          <a:prstGeom prst="rect">
+            <a:avLst/>
+          </a:prstGeom>
+          <a:noFill/>
+        </p:spPr>
+        <p:txBody>
+          <a:bodyPr wrap="none" rtlCol="0">
+            <a:spAutoFit/>
+          </a:bodyPr>
+          <a:lstStyle/>
+          <a:p>
+            <a:r>
+              <a:rPr lang="fr-FR" dirty="0"/>
+              <a:t>Afin d’améliorer la visibilité du site nous allons utiliser les stratégies suivantes</a:t>
+            </a:r>
+          </a:p>
+        </p:txBody>
+      </p:sp>
+    </p:spTree>
+    <p:extLst>
+      <p:ext uri="{BB962C8B-B14F-4D97-AF65-F5344CB8AC3E}">
+        <p14:creationId xmlns:p14="http://schemas.microsoft.com/office/powerpoint/2010/main" val="3902015825"/>
+      </p:ext>
+    </p:extLst>
+  </p:cSld>
+  <p:clrMapOvr>
+    <a:masterClrMapping/>
+  </p:clrMapOvr>
+</p:sld>
+</file>
+
+<file path=ppt/slides/slide24.xml><?xml version="1.0" encoding="utf-8"?>
+<p:sld xmlns:a="http://schemas.openxmlformats.org/drawingml/2006/main" xmlns:r="http://schemas.openxmlformats.org/officeDocument/2006/relationships" xmlns:p="http://schemas.openxmlformats.org/presentationml/2006/main">
+  <p:cSld>
+    <p:spTree>
+      <p:nvGrpSpPr>
+        <p:cNvPr id="1" name=""/>
+        <p:cNvGrpSpPr/>
+        <p:nvPr/>
+      </p:nvGrpSpPr>
+      <p:grpSpPr>
+        <a:xfrm>
+          <a:off x="0" y="0"/>
+          <a:ext cx="0" cy="0"/>
+          <a:chOff x="0" y="0"/>
+          <a:chExt cx="0" cy="0"/>
+        </a:xfrm>
+      </p:grpSpPr>
+      <p:sp>
+        <p:nvSpPr>
+          <p:cNvPr id="2" name="Titre 1">
+            <a:extLst>
+              <a:ext uri="{FF2B5EF4-FFF2-40B4-BE49-F238E27FC236}">
+                <a16:creationId xmlns:a16="http://schemas.microsoft.com/office/drawing/2014/main" id="{3BBAEC45-80F5-467D-84DA-70B70BC34906}"/>
+              </a:ext>
+            </a:extLst>
+          </p:cNvPr>
+          <p:cNvSpPr>
+            <a:spLocks noGrp="1"/>
+          </p:cNvSpPr>
+          <p:nvPr>
+            <p:ph type="title"/>
+          </p:nvPr>
+        </p:nvSpPr>
+        <p:spPr/>
+        <p:txBody>
+          <a:bodyPr>
+            <a:normAutofit fontScale="90000"/>
+          </a:bodyPr>
+          <a:lstStyle/>
+          <a:p>
+            <a:r>
+              <a:rPr lang="fr-FR" dirty="0"/>
+              <a:t>8.Outils de stats &amp; Suivi des performances</a:t>
+            </a:r>
+            <a:br>
+              <a:rPr lang="fr-FR" dirty="0"/>
+            </a:br>
+            <a:endParaRPr lang="fr-FR" dirty="0"/>
+          </a:p>
+        </p:txBody>
+      </p:sp>
+      <p:sp>
+        <p:nvSpPr>
+          <p:cNvPr id="3" name="Espace réservé du contenu 2">
+            <a:extLst>
+              <a:ext uri="{FF2B5EF4-FFF2-40B4-BE49-F238E27FC236}">
+                <a16:creationId xmlns:a16="http://schemas.microsoft.com/office/drawing/2014/main" id="{36E8EB2A-1267-42D2-B80C-C3ACF5510BB7}"/>
+              </a:ext>
+            </a:extLst>
+          </p:cNvPr>
+          <p:cNvSpPr>
+            <a:spLocks noGrp="1"/>
+          </p:cNvSpPr>
+          <p:nvPr>
+            <p:ph idx="1"/>
+          </p:nvPr>
+        </p:nvSpPr>
+        <p:spPr/>
+        <p:txBody>
+          <a:bodyPr/>
+          <a:lstStyle/>
+          <a:p>
+            <a:r>
+              <a:rPr lang="fr-FR" dirty="0"/>
+              <a:t>Ces outils de stats de performances seront proposés pour la version v2 du site.</a:t>
+            </a:r>
+          </a:p>
+          <a:p>
+            <a:pPr lvl="1"/>
+            <a:r>
+              <a:rPr lang="fr-FR" dirty="0"/>
+              <a:t>La première version est un site vitrine destinée a être présentée à de potentiels investisseurs.</a:t>
+            </a:r>
+          </a:p>
+        </p:txBody>
+      </p:sp>
+    </p:spTree>
+    <p:extLst>
+      <p:ext uri="{BB962C8B-B14F-4D97-AF65-F5344CB8AC3E}">
+        <p14:creationId xmlns:p14="http://schemas.microsoft.com/office/powerpoint/2010/main" val="264078947"/>
+      </p:ext>
+    </p:extLst>
+  </p:cSld>
+  <p:clrMapOvr>
+    <a:masterClrMapping/>
+  </p:clrMapOvr>
+</p:sld>
+</file>
+
+<file path=ppt/slides/slide25.xml><?xml version="1.0" encoding="utf-8"?>
+<p:sld xmlns:a="http://schemas.openxmlformats.org/drawingml/2006/main" xmlns:r="http://schemas.openxmlformats.org/officeDocument/2006/relationships" xmlns:p="http://schemas.openxmlformats.org/presentationml/2006/main">
+  <p:cSld>
+    <p:spTree>
+      <p:nvGrpSpPr>
+        <p:cNvPr id="1" name=""/>
+        <p:cNvGrpSpPr/>
+        <p:nvPr/>
+      </p:nvGrpSpPr>
+      <p:grpSpPr>
+        <a:xfrm>
+          <a:off x="0" y="0"/>
+          <a:ext cx="0" cy="0"/>
+          <a:chOff x="0" y="0"/>
+          <a:chExt cx="0" cy="0"/>
+        </a:xfrm>
+      </p:grpSpPr>
+      <p:sp>
+        <p:nvSpPr>
+          <p:cNvPr id="2" name="Titre 1">
+            <a:extLst>
+              <a:ext uri="{FF2B5EF4-FFF2-40B4-BE49-F238E27FC236}">
+                <a16:creationId xmlns:a16="http://schemas.microsoft.com/office/drawing/2014/main" id="{E26349EC-8C5A-48AB-B5E6-FEF6761662EE}"/>
+              </a:ext>
+            </a:extLst>
+          </p:cNvPr>
+          <p:cNvSpPr>
+            <a:spLocks noGrp="1"/>
+          </p:cNvSpPr>
+          <p:nvPr>
+            <p:ph type="title"/>
+          </p:nvPr>
+        </p:nvSpPr>
+        <p:spPr/>
+        <p:txBody>
+          <a:bodyPr/>
+          <a:lstStyle/>
+          <a:p>
+            <a:r>
+              <a:rPr lang="fr-FR" dirty="0"/>
+              <a:t>9. Suivi &amp; Maintenance</a:t>
+            </a:r>
+            <a:br>
+              <a:rPr lang="fr-FR" dirty="0"/>
+            </a:br>
+            <a:endParaRPr lang="fr-FR" dirty="0"/>
+          </a:p>
+        </p:txBody>
+      </p:sp>
+      <p:sp>
+        <p:nvSpPr>
+          <p:cNvPr id="3" name="Espace réservé du contenu 2">
+            <a:extLst>
+              <a:ext uri="{FF2B5EF4-FFF2-40B4-BE49-F238E27FC236}">
+                <a16:creationId xmlns:a16="http://schemas.microsoft.com/office/drawing/2014/main" id="{96711DBB-41DA-4BD3-8D16-5D113F98363E}"/>
+              </a:ext>
+            </a:extLst>
+          </p:cNvPr>
+          <p:cNvSpPr>
+            <a:spLocks noGrp="1"/>
+          </p:cNvSpPr>
+          <p:nvPr>
+            <p:ph idx="1"/>
+          </p:nvPr>
+        </p:nvSpPr>
+        <p:spPr/>
+        <p:txBody>
+          <a:bodyPr/>
+          <a:lstStyle/>
+          <a:p>
+            <a:r>
+              <a:rPr lang="fr-FR" dirty="0"/>
+              <a:t>L’utilisateur du site aura accès un </a:t>
+            </a:r>
+            <a:r>
+              <a:rPr lang="fr-FR" dirty="0" err="1"/>
+              <a:t>dashboard</a:t>
+            </a:r>
+            <a:r>
+              <a:rPr lang="fr-FR" dirty="0"/>
+              <a:t> lui permettant les actions suivantes:</a:t>
+            </a:r>
+          </a:p>
+          <a:p>
+            <a:pPr lvl="1"/>
+            <a:r>
+              <a:rPr lang="fr-FR" dirty="0"/>
+              <a:t>Supprimer un utilisateur</a:t>
+            </a:r>
+          </a:p>
+          <a:p>
+            <a:pPr lvl="1"/>
+            <a:r>
+              <a:rPr lang="fr-FR" dirty="0"/>
+              <a:t>Supprimer un post injurieux ou haineux</a:t>
+            </a:r>
+          </a:p>
+          <a:p>
+            <a:pPr lvl="1"/>
+            <a:r>
+              <a:rPr lang="fr-FR" dirty="0"/>
+              <a:t>Ajouter, supprimer ou modifier un produit</a:t>
+            </a:r>
+          </a:p>
+          <a:p>
+            <a:pPr lvl="1"/>
+            <a:r>
+              <a:rPr lang="fr-FR" dirty="0"/>
+              <a:t>Il ne pourra pas modifier les informations d’un utilisateur</a:t>
+            </a:r>
+          </a:p>
+          <a:p>
+            <a:pPr lvl="1"/>
+            <a:r>
+              <a:rPr lang="fr-FR" dirty="0"/>
+              <a:t>Il ne pourra donner de droits admin à un utilisateur</a:t>
+            </a:r>
+          </a:p>
+          <a:p>
+            <a:pPr lvl="1"/>
+            <a:endParaRPr lang="fr-FR" dirty="0"/>
+          </a:p>
+        </p:txBody>
+      </p:sp>
+    </p:spTree>
+    <p:extLst>
+      <p:ext uri="{BB962C8B-B14F-4D97-AF65-F5344CB8AC3E}">
+        <p14:creationId xmlns:p14="http://schemas.microsoft.com/office/powerpoint/2010/main" val="3183564184"/>
+      </p:ext>
+    </p:extLst>
+  </p:cSld>
+  <p:clrMapOvr>
+    <a:masterClrMapping/>
+  </p:clrMapOvr>
+</p:sld>
+</file>
+
+<file path=ppt/slides/slide26.xml><?xml version="1.0" encoding="utf-8"?>
+<p:sld xmlns:a="http://schemas.openxmlformats.org/drawingml/2006/main" xmlns:r="http://schemas.openxmlformats.org/officeDocument/2006/relationships" xmlns:p="http://schemas.openxmlformats.org/presentationml/2006/main">
+  <p:cSld>
+    <p:spTree>
+      <p:nvGrpSpPr>
+        <p:cNvPr id="1" name=""/>
+        <p:cNvGrpSpPr/>
+        <p:nvPr/>
+      </p:nvGrpSpPr>
+      <p:grpSpPr>
+        <a:xfrm>
+          <a:off x="0" y="0"/>
+          <a:ext cx="0" cy="0"/>
+          <a:chOff x="0" y="0"/>
+          <a:chExt cx="0" cy="0"/>
+        </a:xfrm>
+      </p:grpSpPr>
+      <p:sp>
+        <p:nvSpPr>
+          <p:cNvPr id="2" name="Titre 1">
+            <a:extLst>
+              <a:ext uri="{FF2B5EF4-FFF2-40B4-BE49-F238E27FC236}">
+                <a16:creationId xmlns:a16="http://schemas.microsoft.com/office/drawing/2014/main" id="{1FFDBAED-8406-4058-BD8F-68E602651CA5}"/>
+              </a:ext>
+            </a:extLst>
+          </p:cNvPr>
+          <p:cNvSpPr>
+            <a:spLocks noGrp="1"/>
+          </p:cNvSpPr>
+          <p:nvPr>
+            <p:ph type="title"/>
+          </p:nvPr>
+        </p:nvSpPr>
+        <p:spPr/>
+        <p:txBody>
+          <a:bodyPr/>
+          <a:lstStyle/>
+          <a:p>
+            <a:r>
+              <a:rPr lang="fr-FR" dirty="0"/>
+              <a:t>10 . Planning</a:t>
+            </a:r>
+          </a:p>
+        </p:txBody>
+      </p:sp>
+      <p:sp>
+        <p:nvSpPr>
+          <p:cNvPr id="3" name="Espace réservé du contenu 2">
+            <a:extLst>
+              <a:ext uri="{FF2B5EF4-FFF2-40B4-BE49-F238E27FC236}">
+                <a16:creationId xmlns:a16="http://schemas.microsoft.com/office/drawing/2014/main" id="{9C8A0550-6138-4917-880D-FE5F1E8F997E}"/>
+              </a:ext>
+            </a:extLst>
+          </p:cNvPr>
+          <p:cNvSpPr>
+            <a:spLocks noGrp="1"/>
+          </p:cNvSpPr>
+          <p:nvPr>
+            <p:ph idx="1"/>
+          </p:nvPr>
+        </p:nvSpPr>
+        <p:spPr/>
+        <p:txBody>
+          <a:bodyPr/>
+          <a:lstStyle/>
+          <a:p>
+            <a:r>
+              <a:rPr lang="fr-FR" dirty="0"/>
+              <a:t>La première version du site devrait être fournie pour le 6 décembre.</a:t>
+            </a:r>
+          </a:p>
+          <a:p>
+            <a:r>
+              <a:rPr lang="fr-FR" dirty="0"/>
+              <a:t>Le client donne toute la latitude au développeur de s’organiser pour la réalisation des différentes sections du site.</a:t>
+            </a:r>
+          </a:p>
+        </p:txBody>
+      </p:sp>
+    </p:spTree>
+    <p:extLst>
+      <p:ext uri="{BB962C8B-B14F-4D97-AF65-F5344CB8AC3E}">
+        <p14:creationId xmlns:p14="http://schemas.microsoft.com/office/powerpoint/2010/main" val="855714290"/>
+      </p:ext>
+    </p:extLst>
+  </p:cSld>
+  <p:clrMapOvr>
+    <a:masterClrMapping/>
+  </p:clrMapOvr>
+</p:sld>
+</file>
+
+<file path=ppt/slides/slide27.xml><?xml version="1.0" encoding="utf-8"?>
+<p:sld xmlns:a="http://schemas.openxmlformats.org/drawingml/2006/main" xmlns:r="http://schemas.openxmlformats.org/officeDocument/2006/relationships" xmlns:p="http://schemas.openxmlformats.org/presentationml/2006/main">
+  <p:cSld>
+    <p:spTree>
+      <p:nvGrpSpPr>
+        <p:cNvPr id="1" name=""/>
+        <p:cNvGrpSpPr/>
+        <p:nvPr/>
+      </p:nvGrpSpPr>
+      <p:grpSpPr>
+        <a:xfrm>
+          <a:off x="0" y="0"/>
+          <a:ext cx="0" cy="0"/>
+          <a:chOff x="0" y="0"/>
+          <a:chExt cx="0" cy="0"/>
+        </a:xfrm>
+      </p:grpSpPr>
+      <p:sp>
+        <p:nvSpPr>
+          <p:cNvPr id="2" name="Titre 1">
+            <a:extLst>
+              <a:ext uri="{FF2B5EF4-FFF2-40B4-BE49-F238E27FC236}">
+                <a16:creationId xmlns:a16="http://schemas.microsoft.com/office/drawing/2014/main" id="{3B6A8145-F39E-45F0-9EFB-CFA97DA85416}"/>
+              </a:ext>
+            </a:extLst>
+          </p:cNvPr>
+          <p:cNvSpPr>
+            <a:spLocks noGrp="1"/>
+          </p:cNvSpPr>
+          <p:nvPr>
+            <p:ph type="title"/>
+          </p:nvPr>
+        </p:nvSpPr>
+        <p:spPr/>
+        <p:txBody>
+          <a:bodyPr/>
+          <a:lstStyle/>
+          <a:p>
+            <a:r>
+              <a:rPr lang="fr-FR" dirty="0"/>
+              <a:t>11 . Budget</a:t>
+            </a:r>
+          </a:p>
+        </p:txBody>
+      </p:sp>
+      <p:sp>
+        <p:nvSpPr>
+          <p:cNvPr id="3" name="Espace réservé du contenu 2">
+            <a:extLst>
+              <a:ext uri="{FF2B5EF4-FFF2-40B4-BE49-F238E27FC236}">
+                <a16:creationId xmlns:a16="http://schemas.microsoft.com/office/drawing/2014/main" id="{19AF1029-A195-46D5-A2C4-939D3657A619}"/>
+              </a:ext>
+            </a:extLst>
+          </p:cNvPr>
+          <p:cNvSpPr>
+            <a:spLocks noGrp="1"/>
+          </p:cNvSpPr>
+          <p:nvPr>
+            <p:ph idx="1"/>
+          </p:nvPr>
+        </p:nvSpPr>
+        <p:spPr/>
+        <p:txBody>
+          <a:bodyPr/>
+          <a:lstStyle/>
+          <a:p>
+            <a:r>
+              <a:rPr lang="fr-FR" dirty="0"/>
+              <a:t>La réalisation du site aura un coup de 3500€</a:t>
+            </a:r>
+          </a:p>
+          <a:p>
+            <a:pPr lvl="1"/>
+            <a:r>
+              <a:rPr lang="fr-FR" dirty="0"/>
+              <a:t>Le paiement se fera deux fois </a:t>
+            </a:r>
+          </a:p>
+          <a:p>
+            <a:pPr lvl="2"/>
+            <a:r>
+              <a:rPr lang="fr-FR" dirty="0"/>
+              <a:t>30% à la signature du contrat et le reste à la livraison</a:t>
+            </a:r>
+          </a:p>
+          <a:p>
+            <a:pPr lvl="2"/>
+            <a:r>
+              <a:rPr lang="fr-FR" dirty="0"/>
+              <a:t>Le paiement se fera par le biais d’un cheque de banque.</a:t>
+            </a:r>
+          </a:p>
+        </p:txBody>
+      </p:sp>
+    </p:spTree>
+    <p:extLst>
+      <p:ext uri="{BB962C8B-B14F-4D97-AF65-F5344CB8AC3E}">
+        <p14:creationId xmlns:p14="http://schemas.microsoft.com/office/powerpoint/2010/main" val="468496474"/>
+      </p:ext>
+    </p:extLst>
+  </p:cSld>
+  <p:clrMapOvr>
+    <a:masterClrMapping/>
+  </p:clrMapOvr>
+</p:sld>
+</file>
+
 <file path=ppt/slides/slide3.xml><?xml version="1.0" encoding="utf-8"?>
 <p:sld xmlns:a="http://schemas.openxmlformats.org/drawingml/2006/main" xmlns:r="http://schemas.openxmlformats.org/officeDocument/2006/relationships" xmlns:p="http://schemas.openxmlformats.org/presentationml/2006/main">
   <p:cSld>
@@ -25557,7 +32017,7 @@
         </p:nvSpPr>
         <p:spPr>
           <a:xfrm>
-            <a:off x="677334" y="2160589"/>
+            <a:off x="677334" y="2184652"/>
             <a:ext cx="8596668" cy="3880773"/>
           </a:xfrm>
         </p:spPr>
@@ -26701,6 +33161,36 @@
           <a:chExt cx="0" cy="0"/>
         </a:xfrm>
       </p:grpSpPr>
+    </p:spTree>
+    <p:extLst>
+      <p:ext uri="{BB962C8B-B14F-4D97-AF65-F5344CB8AC3E}">
+        <p14:creationId xmlns:p14="http://schemas.microsoft.com/office/powerpoint/2010/main" val="986841209"/>
+      </p:ext>
+    </p:extLst>
+  </p:cSld>
+  <p:clrMapOvr>
+    <a:masterClrMapping/>
+  </p:clrMapOvr>
+</p:sld>
+</file>
+
+<file path=ppt/slides/slide7.xml><?xml version="1.0" encoding="utf-8"?>
+<p:sld xmlns:a="http://schemas.openxmlformats.org/drawingml/2006/main" xmlns:r="http://schemas.openxmlformats.org/officeDocument/2006/relationships" xmlns:p="http://schemas.openxmlformats.org/presentationml/2006/main">
+  <p:cSld>
+    <p:spTree>
+      <p:nvGrpSpPr>
+        <p:cNvPr id="1" name=""/>
+        <p:cNvGrpSpPr/>
+        <p:nvPr/>
+      </p:nvGrpSpPr>
+      <p:grpSpPr>
+        <a:xfrm>
+          <a:off x="0" y="0"/>
+          <a:ext cx="0" cy="0"/>
+          <a:chOff x="0" y="0"/>
+          <a:chExt cx="0" cy="0"/>
+        </a:xfrm>
+      </p:grpSpPr>
       <p:sp>
         <p:nvSpPr>
           <p:cNvPr id="2" name="Titre 1">
@@ -27061,15 +33551,7 @@
           <a:p>
             <a:r>
               <a:rPr lang="fr-FR" dirty="0"/>
-              <a:t>La partie technique du projet sera réalisée par </a:t>
-            </a:r>
-            <a:r>
-              <a:rPr lang="fr-FR" dirty="0" err="1"/>
-              <a:t>Mikedev</a:t>
-            </a:r>
-            <a:r>
-              <a:rPr lang="fr-FR" dirty="0"/>
-              <a:t> en tant que freelance</a:t>
+              <a:t>La partie technique du projet sera réalisée par Mikedev en tant que freelance</a:t>
             </a:r>
           </a:p>
           <a:p>
@@ -27135,7 +33617,7 @@
 </p:sld>
 </file>
 
-<file path=ppt/slides/slide7.xml><?xml version="1.0" encoding="utf-8"?>
+<file path=ppt/slides/slide8.xml><?xml version="1.0" encoding="utf-8"?>
 <p:sld xmlns:a="http://schemas.openxmlformats.org/drawingml/2006/main" xmlns:r="http://schemas.openxmlformats.org/officeDocument/2006/relationships" xmlns:p="http://schemas.openxmlformats.org/presentationml/2006/main">
   <p:cSld>
     <p:spTree>
@@ -27542,7 +34024,7 @@
 </p:sld>
 </file>
 
-<file path=ppt/slides/slide8.xml><?xml version="1.0" encoding="utf-8"?>
+<file path=ppt/slides/slide9.xml><?xml version="1.0" encoding="utf-8"?>
 <p:sld xmlns:a="http://schemas.openxmlformats.org/drawingml/2006/main" xmlns:r="http://schemas.openxmlformats.org/officeDocument/2006/relationships" xmlns:p="http://schemas.openxmlformats.org/presentationml/2006/main">
   <p:cSld>
     <p:spTree>
@@ -27979,169 +34461,6 @@
     <p:extLst>
       <p:ext uri="{BB962C8B-B14F-4D97-AF65-F5344CB8AC3E}">
         <p14:creationId xmlns:p14="http://schemas.microsoft.com/office/powerpoint/2010/main" val="3778585847"/>
-      </p:ext>
-    </p:extLst>
-  </p:cSld>
-  <p:clrMapOvr>
-    <a:masterClrMapping/>
-  </p:clrMapOvr>
-</p:sld>
-</file>
-
-<file path=ppt/slides/slide9.xml><?xml version="1.0" encoding="utf-8"?>
-<p:sld xmlns:a="http://schemas.openxmlformats.org/drawingml/2006/main" xmlns:r="http://schemas.openxmlformats.org/officeDocument/2006/relationships" xmlns:p="http://schemas.openxmlformats.org/presentationml/2006/main">
-  <p:cSld>
-    <p:spTree>
-      <p:nvGrpSpPr>
-        <p:cNvPr id="1" name=""/>
-        <p:cNvGrpSpPr/>
-        <p:nvPr/>
-      </p:nvGrpSpPr>
-      <p:grpSpPr>
-        <a:xfrm>
-          <a:off x="0" y="0"/>
-          <a:ext cx="0" cy="0"/>
-          <a:chOff x="0" y="0"/>
-          <a:chExt cx="0" cy="0"/>
-        </a:xfrm>
-      </p:grpSpPr>
-      <p:sp>
-        <p:nvSpPr>
-          <p:cNvPr id="2" name="Titre 1">
-            <a:extLst>
-              <a:ext uri="{FF2B5EF4-FFF2-40B4-BE49-F238E27FC236}">
-                <a16:creationId xmlns:a16="http://schemas.microsoft.com/office/drawing/2014/main" id="{9EBBD611-538C-430B-8A38-A50B25973C99}"/>
-              </a:ext>
-            </a:extLst>
-          </p:cNvPr>
-          <p:cNvSpPr txBox="1">
-            <a:spLocks/>
-          </p:cNvSpPr>
-          <p:nvPr/>
-        </p:nvSpPr>
-        <p:spPr>
-          <a:xfrm>
-            <a:off x="677863" y="609600"/>
-            <a:ext cx="8596312" cy="1320800"/>
-          </a:xfrm>
-          <a:prstGeom prst="rect">
-            <a:avLst/>
-          </a:prstGeom>
-        </p:spPr>
-        <p:txBody>
-          <a:bodyPr/>
-          <a:lstStyle>
-            <a:lvl1pPr algn="l" defTabSz="457200" rtl="0" eaLnBrk="1" latinLnBrk="0" hangingPunct="1">
-              <a:spcBef>
-                <a:spcPct val="0"/>
-              </a:spcBef>
-              <a:buNone/>
-              <a:defRPr sz="3600" kern="1200">
-                <a:solidFill>
-                  <a:schemeClr val="accent1"/>
-                </a:solidFill>
-                <a:latin typeface="+mj-lt"/>
-                <a:ea typeface="+mj-ea"/>
-                <a:cs typeface="+mj-cs"/>
-              </a:defRPr>
-            </a:lvl1pPr>
-            <a:lvl2pPr eaLnBrk="1" hangingPunct="1">
-              <a:defRPr>
-                <a:solidFill>
-                  <a:schemeClr val="tx2"/>
-                </a:solidFill>
-              </a:defRPr>
-            </a:lvl2pPr>
-            <a:lvl3pPr eaLnBrk="1" hangingPunct="1">
-              <a:defRPr>
-                <a:solidFill>
-                  <a:schemeClr val="tx2"/>
-                </a:solidFill>
-              </a:defRPr>
-            </a:lvl3pPr>
-            <a:lvl4pPr eaLnBrk="1" hangingPunct="1">
-              <a:defRPr>
-                <a:solidFill>
-                  <a:schemeClr val="tx2"/>
-                </a:solidFill>
-              </a:defRPr>
-            </a:lvl4pPr>
-            <a:lvl5pPr eaLnBrk="1" hangingPunct="1">
-              <a:defRPr>
-                <a:solidFill>
-                  <a:schemeClr val="tx2"/>
-                </a:solidFill>
-              </a:defRPr>
-            </a:lvl5pPr>
-            <a:lvl6pPr eaLnBrk="1" hangingPunct="1">
-              <a:defRPr>
-                <a:solidFill>
-                  <a:schemeClr val="tx2"/>
-                </a:solidFill>
-              </a:defRPr>
-            </a:lvl6pPr>
-            <a:lvl7pPr eaLnBrk="1" hangingPunct="1">
-              <a:defRPr>
-                <a:solidFill>
-                  <a:schemeClr val="tx2"/>
-                </a:solidFill>
-              </a:defRPr>
-            </a:lvl7pPr>
-            <a:lvl8pPr eaLnBrk="1" hangingPunct="1">
-              <a:defRPr>
-                <a:solidFill>
-                  <a:schemeClr val="tx2"/>
-                </a:solidFill>
-              </a:defRPr>
-            </a:lvl8pPr>
-            <a:lvl9pPr eaLnBrk="1" hangingPunct="1">
-              <a:defRPr>
-                <a:solidFill>
-                  <a:schemeClr val="tx2"/>
-                </a:solidFill>
-              </a:defRPr>
-            </a:lvl9pPr>
-          </a:lstStyle>
-          <a:p>
-            <a:r>
-              <a:rPr lang="fr-FR" dirty="0"/>
-              <a:t>4.Arborescence</a:t>
-            </a:r>
-          </a:p>
-        </p:txBody>
-      </p:sp>
-      <p:graphicFrame>
-        <p:nvGraphicFramePr>
-          <p:cNvPr id="4" name="Diagramme 3">
-            <a:extLst>
-              <a:ext uri="{FF2B5EF4-FFF2-40B4-BE49-F238E27FC236}">
-                <a16:creationId xmlns:a16="http://schemas.microsoft.com/office/drawing/2014/main" id="{5B2A4830-4503-42EA-BB04-D6F605905D74}"/>
-              </a:ext>
-            </a:extLst>
-          </p:cNvPr>
-          <p:cNvGraphicFramePr/>
-          <p:nvPr>
-            <p:extLst>
-              <p:ext uri="{D42A27DB-BD31-4B8C-83A1-F6EECF244321}">
-                <p14:modId xmlns:p14="http://schemas.microsoft.com/office/powerpoint/2010/main" val="3081587960"/>
-              </p:ext>
-            </p:extLst>
-          </p:nvPr>
-        </p:nvGraphicFramePr>
-        <p:xfrm>
-          <a:off x="404037" y="719666"/>
-          <a:ext cx="11004697" cy="6138334"/>
-        </p:xfrm>
-        <a:graphic>
-          <a:graphicData uri="http://schemas.openxmlformats.org/drawingml/2006/diagram">
-            <dgm:relIds xmlns:dgm="http://schemas.openxmlformats.org/drawingml/2006/diagram" xmlns:r="http://schemas.openxmlformats.org/officeDocument/2006/relationships" r:dm="rId2" r:lo="rId3" r:qs="rId4" r:cs="rId5"/>
-          </a:graphicData>
-        </a:graphic>
-      </p:graphicFrame>
-    </p:spTree>
-    <p:extLst>
-      <p:ext uri="{BB962C8B-B14F-4D97-AF65-F5344CB8AC3E}">
-        <p14:creationId xmlns:p14="http://schemas.microsoft.com/office/powerpoint/2010/main" val="1573162237"/>
       </p:ext>
     </p:extLst>
   </p:cSld>
